--- a/rapport/presentation.pptx
+++ b/rapport/presentation.pptx
@@ -6,6 +6,16 @@
   </p:sldMasterIdLst>
   <p:sldIdLst>
     <p:sldId id="256" r:id="rId2"/>
+    <p:sldId id="257" r:id="rId3"/>
+    <p:sldId id="258" r:id="rId4"/>
+    <p:sldId id="262" r:id="rId5"/>
+    <p:sldId id="259" r:id="rId6"/>
+    <p:sldId id="260" r:id="rId7"/>
+    <p:sldId id="261" r:id="rId8"/>
+    <p:sldId id="263" r:id="rId9"/>
+    <p:sldId id="264" r:id="rId10"/>
+    <p:sldId id="265" r:id="rId11"/>
+    <p:sldId id="266" r:id="rId12"/>
   </p:sldIdLst>
   <p:sldSz cx="12192000" cy="6858000"/>
   <p:notesSz cx="6858000" cy="9144000"/>
@@ -104,6 +114,11 @@
       </a:defRPr>
     </a:lvl9pPr>
   </p:defaultTextStyle>
+  <p:extLst>
+    <p:ext uri="{EFAFB233-063F-42B5-8137-9DF3F51BA10A}">
+      <p15:sldGuideLst xmlns:p15="http://schemas.microsoft.com/office/powerpoint/2012/main"/>
+    </p:ext>
+  </p:extLst>
 </p:presentation>
 </file>
 
@@ -238,7 +253,7 @@
           <a:p>
             <a:fld id="{331F3861-252F-41A6-B732-450BB29D3688}" type="datetimeFigureOut">
               <a:rPr lang="fr-FR" smtClean="0"/>
-              <a:t>10/06/2016</a:t>
+              <a:t>13/06/2016</a:t>
             </a:fld>
             <a:endParaRPr lang="fr-FR"/>
           </a:p>
@@ -408,7 +423,7 @@
           <a:p>
             <a:fld id="{331F3861-252F-41A6-B732-450BB29D3688}" type="datetimeFigureOut">
               <a:rPr lang="fr-FR" smtClean="0"/>
-              <a:t>10/06/2016</a:t>
+              <a:t>13/06/2016</a:t>
             </a:fld>
             <a:endParaRPr lang="fr-FR"/>
           </a:p>
@@ -588,7 +603,7 @@
           <a:p>
             <a:fld id="{331F3861-252F-41A6-B732-450BB29D3688}" type="datetimeFigureOut">
               <a:rPr lang="fr-FR" smtClean="0"/>
-              <a:t>10/06/2016</a:t>
+              <a:t>13/06/2016</a:t>
             </a:fld>
             <a:endParaRPr lang="fr-FR"/>
           </a:p>
@@ -758,7 +773,7 @@
           <a:p>
             <a:fld id="{331F3861-252F-41A6-B732-450BB29D3688}" type="datetimeFigureOut">
               <a:rPr lang="fr-FR" smtClean="0"/>
-              <a:t>10/06/2016</a:t>
+              <a:t>13/06/2016</a:t>
             </a:fld>
             <a:endParaRPr lang="fr-FR"/>
           </a:p>
@@ -1004,7 +1019,7 @@
           <a:p>
             <a:fld id="{331F3861-252F-41A6-B732-450BB29D3688}" type="datetimeFigureOut">
               <a:rPr lang="fr-FR" smtClean="0"/>
-              <a:t>10/06/2016</a:t>
+              <a:t>13/06/2016</a:t>
             </a:fld>
             <a:endParaRPr lang="fr-FR"/>
           </a:p>
@@ -1236,7 +1251,7 @@
           <a:p>
             <a:fld id="{331F3861-252F-41A6-B732-450BB29D3688}" type="datetimeFigureOut">
               <a:rPr lang="fr-FR" smtClean="0"/>
-              <a:t>10/06/2016</a:t>
+              <a:t>13/06/2016</a:t>
             </a:fld>
             <a:endParaRPr lang="fr-FR"/>
           </a:p>
@@ -1603,7 +1618,7 @@
           <a:p>
             <a:fld id="{331F3861-252F-41A6-B732-450BB29D3688}" type="datetimeFigureOut">
               <a:rPr lang="fr-FR" smtClean="0"/>
-              <a:t>10/06/2016</a:t>
+              <a:t>13/06/2016</a:t>
             </a:fld>
             <a:endParaRPr lang="fr-FR"/>
           </a:p>
@@ -1721,7 +1736,7 @@
           <a:p>
             <a:fld id="{331F3861-252F-41A6-B732-450BB29D3688}" type="datetimeFigureOut">
               <a:rPr lang="fr-FR" smtClean="0"/>
-              <a:t>10/06/2016</a:t>
+              <a:t>13/06/2016</a:t>
             </a:fld>
             <a:endParaRPr lang="fr-FR"/>
           </a:p>
@@ -1816,7 +1831,7 @@
           <a:p>
             <a:fld id="{331F3861-252F-41A6-B732-450BB29D3688}" type="datetimeFigureOut">
               <a:rPr lang="fr-FR" smtClean="0"/>
-              <a:t>10/06/2016</a:t>
+              <a:t>13/06/2016</a:t>
             </a:fld>
             <a:endParaRPr lang="fr-FR"/>
           </a:p>
@@ -2093,7 +2108,7 @@
           <a:p>
             <a:fld id="{331F3861-252F-41A6-B732-450BB29D3688}" type="datetimeFigureOut">
               <a:rPr lang="fr-FR" smtClean="0"/>
-              <a:t>10/06/2016</a:t>
+              <a:t>13/06/2016</a:t>
             </a:fld>
             <a:endParaRPr lang="fr-FR"/>
           </a:p>
@@ -2346,7 +2361,7 @@
           <a:p>
             <a:fld id="{331F3861-252F-41A6-B732-450BB29D3688}" type="datetimeFigureOut">
               <a:rPr lang="fr-FR" smtClean="0"/>
-              <a:t>10/06/2016</a:t>
+              <a:t>13/06/2016</a:t>
             </a:fld>
             <a:endParaRPr lang="fr-FR"/>
           </a:p>
@@ -2559,7 +2574,7 @@
           <a:p>
             <a:fld id="{331F3861-252F-41A6-B732-450BB29D3688}" type="datetimeFigureOut">
               <a:rPr lang="fr-FR" smtClean="0"/>
-              <a:t>10/06/2016</a:t>
+              <a:t>13/06/2016</a:t>
             </a:fld>
             <a:endParaRPr lang="fr-FR"/>
           </a:p>
@@ -2976,10 +2991,23 @@
         </p:nvSpPr>
         <p:spPr/>
         <p:txBody>
-          <a:bodyPr/>
-          <a:lstStyle/>
-          <a:p>
-            <a:endParaRPr lang="fr-FR"/>
+          <a:bodyPr>
+            <a:normAutofit fontScale="90000"/>
+          </a:bodyPr>
+          <a:lstStyle/>
+          <a:p>
+            <a:r>
+              <a:rPr lang="fr-FR" dirty="0" smtClean="0"/>
+              <a:t>Soutenance orale du TER</a:t>
+            </a:r>
+            <a:br>
+              <a:rPr lang="fr-FR" dirty="0" smtClean="0"/>
+            </a:br>
+            <a:r>
+              <a:rPr lang="fr-FR" u="sng" dirty="0" smtClean="0"/>
+              <a:t>Organisation d’un concours de programmation</a:t>
+            </a:r>
+            <a:endParaRPr lang="fr-FR" u="sng" dirty="0"/>
           </a:p>
         </p:txBody>
       </p:sp>
@@ -2998,7 +3026,38 @@
           <a:bodyPr/>
           <a:lstStyle/>
           <a:p>
-            <a:endParaRPr lang="fr-FR"/>
+            <a:r>
+              <a:rPr lang="fr-FR" dirty="0" smtClean="0"/>
+              <a:t>Encadrant : Mr </a:t>
+            </a:r>
+            <a:r>
+              <a:rPr lang="fr-FR" dirty="0" err="1" smtClean="0"/>
+              <a:t>Malapert</a:t>
+            </a:r>
+            <a:endParaRPr lang="fr-FR" dirty="0" smtClean="0"/>
+          </a:p>
+          <a:p>
+            <a:r>
+              <a:rPr lang="fr-FR" dirty="0" smtClean="0"/>
+              <a:t>Etudiants : </a:t>
+            </a:r>
+            <a:r>
+              <a:rPr lang="fr-FR" dirty="0" err="1" smtClean="0"/>
+              <a:t>Ellapin</a:t>
+            </a:r>
+            <a:r>
+              <a:rPr lang="fr-FR" dirty="0" smtClean="0"/>
+              <a:t> Mathias – Giangrasso Rémy – </a:t>
+            </a:r>
+            <a:r>
+              <a:rPr lang="fr-FR" dirty="0" err="1" smtClean="0"/>
+              <a:t>Heitzler</a:t>
+            </a:r>
+            <a:r>
+              <a:rPr lang="fr-FR" dirty="0" smtClean="0"/>
+              <a:t> Charles </a:t>
+            </a:r>
+            <a:endParaRPr lang="fr-FR" dirty="0"/>
           </a:p>
         </p:txBody>
       </p:sp>
@@ -3012,6 +3071,1431 @@
   <p:clrMapOvr>
     <a:masterClrMapping/>
   </p:clrMapOvr>
+  <p:timing>
+    <p:tnLst>
+      <p:par>
+        <p:cTn id="1" dur="indefinite" restart="never" nodeType="tmRoot"/>
+      </p:par>
+    </p:tnLst>
+  </p:timing>
+</p:sld>
+</file>
+
+<file path=ppt/slides/slide10.xml><?xml version="1.0" encoding="utf-8"?>
+<p:sld xmlns:a="http://schemas.openxmlformats.org/drawingml/2006/main" xmlns:r="http://schemas.openxmlformats.org/officeDocument/2006/relationships" xmlns:p="http://schemas.openxmlformats.org/presentationml/2006/main">
+  <p:cSld>
+    <p:spTree>
+      <p:nvGrpSpPr>
+        <p:cNvPr id="1" name=""/>
+        <p:cNvGrpSpPr/>
+        <p:nvPr/>
+      </p:nvGrpSpPr>
+      <p:grpSpPr>
+        <a:xfrm>
+          <a:off x="0" y="0"/>
+          <a:ext cx="0" cy="0"/>
+          <a:chOff x="0" y="0"/>
+          <a:chExt cx="0" cy="0"/>
+        </a:xfrm>
+      </p:grpSpPr>
+      <p:sp>
+        <p:nvSpPr>
+          <p:cNvPr id="2" name="Titre 1"/>
+          <p:cNvSpPr>
+            <a:spLocks noGrp="1"/>
+          </p:cNvSpPr>
+          <p:nvPr>
+            <p:ph type="title"/>
+          </p:nvPr>
+        </p:nvSpPr>
+        <p:spPr/>
+        <p:txBody>
+          <a:bodyPr/>
+          <a:lstStyle/>
+          <a:p>
+            <a:r>
+              <a:rPr lang="fr-FR" u="sng" dirty="0" smtClean="0"/>
+              <a:t>Etude de cas</a:t>
+            </a:r>
+            <a:endParaRPr lang="fr-FR" u="sng" dirty="0"/>
+          </a:p>
+        </p:txBody>
+      </p:sp>
+      <p:sp>
+        <p:nvSpPr>
+          <p:cNvPr id="3" name="Espace réservé du contenu 2"/>
+          <p:cNvSpPr>
+            <a:spLocks noGrp="1"/>
+          </p:cNvSpPr>
+          <p:nvPr>
+            <p:ph idx="1"/>
+          </p:nvPr>
+        </p:nvSpPr>
+        <p:spPr>
+          <a:xfrm>
+            <a:off x="838200" y="1825625"/>
+            <a:ext cx="3376748" cy="4351338"/>
+          </a:xfrm>
+        </p:spPr>
+        <p:txBody>
+          <a:bodyPr/>
+          <a:lstStyle/>
+          <a:p>
+            <a:r>
+              <a:rPr lang="fr-FR" dirty="0" smtClean="0"/>
+              <a:t>Un énoncé </a:t>
+            </a:r>
+            <a:r>
+              <a:rPr lang="fr-FR" dirty="0" smtClean="0">
+                <a:sym typeface="Wingdings" panose="05000000000000000000" pitchFamily="2" charset="2"/>
+              </a:rPr>
+              <a:t> </a:t>
+            </a:r>
+          </a:p>
+          <a:p>
+            <a:pPr marL="0" indent="0">
+              <a:buNone/>
+            </a:pPr>
+            <a:r>
+              <a:rPr lang="fr-FR" dirty="0" smtClean="0"/>
+              <a:t>Le problème du 42</a:t>
+            </a:r>
+          </a:p>
+          <a:p>
+            <a:endParaRPr lang="fr-FR" dirty="0" smtClean="0"/>
+          </a:p>
+          <a:p>
+            <a:r>
+              <a:rPr lang="fr-FR" dirty="0" smtClean="0"/>
+              <a:t>Cas de tests</a:t>
+            </a:r>
+          </a:p>
+          <a:p>
+            <a:r>
+              <a:rPr lang="fr-FR" dirty="0" smtClean="0"/>
+              <a:t>implémentation</a:t>
+            </a:r>
+            <a:endParaRPr lang="fr-FR" dirty="0"/>
+          </a:p>
+        </p:txBody>
+      </p:sp>
+      <p:pic>
+        <p:nvPicPr>
+          <p:cNvPr id="4" name="Image 3"/>
+          <p:cNvPicPr>
+            <a:picLocks noChangeAspect="1"/>
+          </p:cNvPicPr>
+          <p:nvPr/>
+        </p:nvPicPr>
+        <p:blipFill>
+          <a:blip r:embed="rId2"/>
+          <a:stretch>
+            <a:fillRect/>
+          </a:stretch>
+        </p:blipFill>
+        <p:spPr>
+          <a:xfrm>
+            <a:off x="4214948" y="825190"/>
+            <a:ext cx="7785463" cy="5270810"/>
+          </a:xfrm>
+          <a:prstGeom prst="rect">
+            <a:avLst/>
+          </a:prstGeom>
+        </p:spPr>
+      </p:pic>
+    </p:spTree>
+    <p:extLst>
+      <p:ext uri="{BB962C8B-B14F-4D97-AF65-F5344CB8AC3E}">
+        <p14:creationId xmlns:p14="http://schemas.microsoft.com/office/powerpoint/2010/main" val="891365351"/>
+      </p:ext>
+    </p:extLst>
+  </p:cSld>
+  <p:clrMapOvr>
+    <a:masterClrMapping/>
+  </p:clrMapOvr>
+  <p:timing>
+    <p:tnLst>
+      <p:par>
+        <p:cTn id="1" dur="indefinite" restart="never" nodeType="tmRoot"/>
+      </p:par>
+    </p:tnLst>
+  </p:timing>
+</p:sld>
+</file>
+
+<file path=ppt/slides/slide11.xml><?xml version="1.0" encoding="utf-8"?>
+<p:sld xmlns:a="http://schemas.openxmlformats.org/drawingml/2006/main" xmlns:r="http://schemas.openxmlformats.org/officeDocument/2006/relationships" xmlns:p="http://schemas.openxmlformats.org/presentationml/2006/main">
+  <p:cSld>
+    <p:spTree>
+      <p:nvGrpSpPr>
+        <p:cNvPr id="1" name=""/>
+        <p:cNvGrpSpPr/>
+        <p:nvPr/>
+      </p:nvGrpSpPr>
+      <p:grpSpPr>
+        <a:xfrm>
+          <a:off x="0" y="0"/>
+          <a:ext cx="0" cy="0"/>
+          <a:chOff x="0" y="0"/>
+          <a:chExt cx="0" cy="0"/>
+        </a:xfrm>
+      </p:grpSpPr>
+      <p:sp>
+        <p:nvSpPr>
+          <p:cNvPr id="2" name="Titre 1"/>
+          <p:cNvSpPr>
+            <a:spLocks noGrp="1"/>
+          </p:cNvSpPr>
+          <p:nvPr>
+            <p:ph type="title"/>
+          </p:nvPr>
+        </p:nvSpPr>
+        <p:spPr/>
+        <p:txBody>
+          <a:bodyPr/>
+          <a:lstStyle/>
+          <a:p>
+            <a:r>
+              <a:rPr lang="fr-FR" dirty="0" smtClean="0"/>
+              <a:t>Etude de cas</a:t>
+            </a:r>
+            <a:endParaRPr lang="fr-FR" dirty="0"/>
+          </a:p>
+        </p:txBody>
+      </p:sp>
+      <p:sp>
+        <p:nvSpPr>
+          <p:cNvPr id="3" name="Espace réservé du contenu 2"/>
+          <p:cNvSpPr>
+            <a:spLocks noGrp="1"/>
+          </p:cNvSpPr>
+          <p:nvPr>
+            <p:ph idx="1"/>
+          </p:nvPr>
+        </p:nvSpPr>
+        <p:spPr/>
+        <p:txBody>
+          <a:bodyPr/>
+          <a:lstStyle/>
+          <a:p>
+            <a:r>
+              <a:rPr lang="fr-FR" dirty="0" smtClean="0"/>
+              <a:t>Définitions des tests</a:t>
+            </a:r>
+          </a:p>
+          <a:p>
+            <a:pPr lvl="1"/>
+            <a:r>
+              <a:rPr lang="fr-FR" dirty="0" smtClean="0"/>
+              <a:t>Basiques</a:t>
+            </a:r>
+          </a:p>
+          <a:p>
+            <a:pPr lvl="1"/>
+            <a:r>
+              <a:rPr lang="fr-FR" dirty="0" smtClean="0"/>
+              <a:t>De performances</a:t>
+            </a:r>
+          </a:p>
+          <a:p>
+            <a:pPr lvl="1"/>
+            <a:r>
+              <a:rPr lang="fr-FR" dirty="0" smtClean="0"/>
+              <a:t>Cas limites</a:t>
+            </a:r>
+          </a:p>
+          <a:p>
+            <a:pPr lvl="1"/>
+            <a:endParaRPr lang="fr-FR" dirty="0"/>
+          </a:p>
+        </p:txBody>
+      </p:sp>
+      <p:pic>
+        <p:nvPicPr>
+          <p:cNvPr id="4" name="Image 3"/>
+          <p:cNvPicPr>
+            <a:picLocks noChangeAspect="1"/>
+          </p:cNvPicPr>
+          <p:nvPr/>
+        </p:nvPicPr>
+        <p:blipFill>
+          <a:blip r:embed="rId2">
+            <a:extLst>
+              <a:ext uri="{28A0092B-C50C-407E-A947-70E740481C1C}">
+                <a14:useLocalDpi xmlns:a14="http://schemas.microsoft.com/office/drawing/2010/main" val="0"/>
+              </a:ext>
+            </a:extLst>
+          </a:blip>
+          <a:stretch>
+            <a:fillRect/>
+          </a:stretch>
+        </p:blipFill>
+        <p:spPr>
+          <a:xfrm>
+            <a:off x="5908652" y="1046303"/>
+            <a:ext cx="4030330" cy="1288769"/>
+          </a:xfrm>
+          <a:prstGeom prst="rect">
+            <a:avLst/>
+          </a:prstGeom>
+        </p:spPr>
+      </p:pic>
+    </p:spTree>
+    <p:extLst>
+      <p:ext uri="{BB962C8B-B14F-4D97-AF65-F5344CB8AC3E}">
+        <p14:creationId xmlns:p14="http://schemas.microsoft.com/office/powerpoint/2010/main" val="2998672093"/>
+      </p:ext>
+    </p:extLst>
+  </p:cSld>
+  <p:clrMapOvr>
+    <a:masterClrMapping/>
+  </p:clrMapOvr>
+  <p:timing>
+    <p:tnLst>
+      <p:par>
+        <p:cTn id="1" dur="indefinite" restart="never" nodeType="tmRoot"/>
+      </p:par>
+    </p:tnLst>
+  </p:timing>
+</p:sld>
+</file>
+
+<file path=ppt/slides/slide2.xml><?xml version="1.0" encoding="utf-8"?>
+<p:sld xmlns:a="http://schemas.openxmlformats.org/drawingml/2006/main" xmlns:r="http://schemas.openxmlformats.org/officeDocument/2006/relationships" xmlns:p="http://schemas.openxmlformats.org/presentationml/2006/main">
+  <p:cSld>
+    <p:spTree>
+      <p:nvGrpSpPr>
+        <p:cNvPr id="1" name=""/>
+        <p:cNvGrpSpPr/>
+        <p:nvPr/>
+      </p:nvGrpSpPr>
+      <p:grpSpPr>
+        <a:xfrm>
+          <a:off x="0" y="0"/>
+          <a:ext cx="0" cy="0"/>
+          <a:chOff x="0" y="0"/>
+          <a:chExt cx="0" cy="0"/>
+        </a:xfrm>
+      </p:grpSpPr>
+      <p:sp>
+        <p:nvSpPr>
+          <p:cNvPr id="2" name="Titre 1"/>
+          <p:cNvSpPr>
+            <a:spLocks noGrp="1"/>
+          </p:cNvSpPr>
+          <p:nvPr>
+            <p:ph type="title"/>
+          </p:nvPr>
+        </p:nvSpPr>
+        <p:spPr/>
+        <p:txBody>
+          <a:bodyPr/>
+          <a:lstStyle/>
+          <a:p>
+            <a:r>
+              <a:rPr lang="fr-FR" dirty="0" smtClean="0"/>
+              <a:t>Sommaire</a:t>
+            </a:r>
+            <a:endParaRPr lang="fr-FR" dirty="0"/>
+          </a:p>
+        </p:txBody>
+      </p:sp>
+      <p:sp>
+        <p:nvSpPr>
+          <p:cNvPr id="3" name="Espace réservé du contenu 2"/>
+          <p:cNvSpPr>
+            <a:spLocks noGrp="1"/>
+          </p:cNvSpPr>
+          <p:nvPr>
+            <p:ph idx="1"/>
+          </p:nvPr>
+        </p:nvSpPr>
+        <p:spPr/>
+        <p:txBody>
+          <a:bodyPr/>
+          <a:lstStyle/>
+          <a:p>
+            <a:r>
+              <a:rPr lang="fr-FR" dirty="0" smtClean="0"/>
+              <a:t>Le projet</a:t>
+            </a:r>
+          </a:p>
+          <a:p>
+            <a:r>
+              <a:rPr lang="fr-FR" dirty="0" smtClean="0"/>
+              <a:t>Principe</a:t>
+            </a:r>
+          </a:p>
+          <a:p>
+            <a:r>
+              <a:rPr lang="fr-FR" dirty="0" smtClean="0"/>
+              <a:t>Types de problèmes</a:t>
+            </a:r>
+          </a:p>
+          <a:p>
+            <a:r>
+              <a:rPr lang="fr-FR" dirty="0" smtClean="0"/>
+              <a:t>Infrastructures</a:t>
+            </a:r>
+          </a:p>
+          <a:p>
+            <a:r>
+              <a:rPr lang="fr-FR" dirty="0" smtClean="0"/>
+              <a:t>Déroulement</a:t>
+            </a:r>
+          </a:p>
+          <a:p>
+            <a:pPr lvl="1"/>
+            <a:r>
+              <a:rPr lang="fr-FR" dirty="0" smtClean="0"/>
+              <a:t>Concours 1</a:t>
+            </a:r>
+          </a:p>
+          <a:p>
+            <a:pPr lvl="1"/>
+            <a:r>
+              <a:rPr lang="fr-FR" dirty="0" smtClean="0"/>
+              <a:t>Concours 2</a:t>
+            </a:r>
+          </a:p>
+          <a:p>
+            <a:r>
+              <a:rPr lang="fr-FR" dirty="0" smtClean="0"/>
+              <a:t>Etude de cas</a:t>
+            </a:r>
+          </a:p>
+          <a:p>
+            <a:r>
+              <a:rPr lang="fr-FR" dirty="0" smtClean="0"/>
+              <a:t>Conclusion</a:t>
+            </a:r>
+          </a:p>
+          <a:p>
+            <a:endParaRPr lang="fr-FR" dirty="0"/>
+          </a:p>
+        </p:txBody>
+      </p:sp>
+    </p:spTree>
+    <p:extLst>
+      <p:ext uri="{BB962C8B-B14F-4D97-AF65-F5344CB8AC3E}">
+        <p14:creationId xmlns:p14="http://schemas.microsoft.com/office/powerpoint/2010/main" val="55211239"/>
+      </p:ext>
+    </p:extLst>
+  </p:cSld>
+  <p:clrMapOvr>
+    <a:masterClrMapping/>
+  </p:clrMapOvr>
+  <p:timing>
+    <p:tnLst>
+      <p:par>
+        <p:cTn id="1" dur="indefinite" restart="never" nodeType="tmRoot"/>
+      </p:par>
+    </p:tnLst>
+  </p:timing>
+</p:sld>
+</file>
+
+<file path=ppt/slides/slide3.xml><?xml version="1.0" encoding="utf-8"?>
+<p:sld xmlns:a="http://schemas.openxmlformats.org/drawingml/2006/main" xmlns:r="http://schemas.openxmlformats.org/officeDocument/2006/relationships" xmlns:p="http://schemas.openxmlformats.org/presentationml/2006/main">
+  <p:cSld>
+    <p:spTree>
+      <p:nvGrpSpPr>
+        <p:cNvPr id="1" name=""/>
+        <p:cNvGrpSpPr/>
+        <p:nvPr/>
+      </p:nvGrpSpPr>
+      <p:grpSpPr>
+        <a:xfrm>
+          <a:off x="0" y="0"/>
+          <a:ext cx="0" cy="0"/>
+          <a:chOff x="0" y="0"/>
+          <a:chExt cx="0" cy="0"/>
+        </a:xfrm>
+      </p:grpSpPr>
+      <p:sp>
+        <p:nvSpPr>
+          <p:cNvPr id="2" name="Titre 1"/>
+          <p:cNvSpPr>
+            <a:spLocks noGrp="1"/>
+          </p:cNvSpPr>
+          <p:nvPr>
+            <p:ph type="title"/>
+          </p:nvPr>
+        </p:nvSpPr>
+        <p:spPr/>
+        <p:txBody>
+          <a:bodyPr/>
+          <a:lstStyle/>
+          <a:p>
+            <a:r>
+              <a:rPr lang="fr-FR" dirty="0" smtClean="0"/>
+              <a:t>Le projet</a:t>
+            </a:r>
+            <a:endParaRPr lang="fr-FR" dirty="0"/>
+          </a:p>
+        </p:txBody>
+      </p:sp>
+      <p:sp>
+        <p:nvSpPr>
+          <p:cNvPr id="3" name="Espace réservé du contenu 2"/>
+          <p:cNvSpPr>
+            <a:spLocks noGrp="1"/>
+          </p:cNvSpPr>
+          <p:nvPr>
+            <p:ph idx="1"/>
+          </p:nvPr>
+        </p:nvSpPr>
+        <p:spPr/>
+        <p:txBody>
+          <a:bodyPr/>
+          <a:lstStyle/>
+          <a:p>
+            <a:r>
+              <a:rPr lang="fr-FR" dirty="0" smtClean="0"/>
+              <a:t>Organiser un concours de programmation au sein de l’université.</a:t>
+            </a:r>
+            <a:endParaRPr lang="fr-FR" dirty="0"/>
+          </a:p>
+          <a:p>
+            <a:r>
+              <a:rPr lang="fr-FR" dirty="0" smtClean="0"/>
+              <a:t>Motivation : notions transversales</a:t>
+            </a:r>
+          </a:p>
+          <a:p>
+            <a:pPr lvl="1"/>
+            <a:r>
+              <a:rPr lang="fr-FR" dirty="0" smtClean="0"/>
+              <a:t>Recherche d’énoncés</a:t>
+            </a:r>
+          </a:p>
+          <a:p>
+            <a:pPr lvl="1"/>
+            <a:r>
+              <a:rPr lang="fr-FR" dirty="0" smtClean="0"/>
+              <a:t>Implémentation des problèmes</a:t>
+            </a:r>
+          </a:p>
+          <a:p>
+            <a:pPr lvl="1"/>
+            <a:r>
+              <a:rPr lang="fr-FR" dirty="0" smtClean="0"/>
+              <a:t>Edition des tests</a:t>
+            </a:r>
+          </a:p>
+          <a:p>
+            <a:pPr lvl="1"/>
+            <a:r>
+              <a:rPr lang="fr-FR" dirty="0" smtClean="0"/>
+              <a:t>Gestion des inscriptions</a:t>
+            </a:r>
+          </a:p>
+          <a:p>
+            <a:pPr lvl="1"/>
+            <a:r>
+              <a:rPr lang="fr-FR" dirty="0" smtClean="0"/>
+              <a:t>Déploiement d’une infrastructure</a:t>
+            </a:r>
+          </a:p>
+          <a:p>
+            <a:pPr lvl="1"/>
+            <a:r>
+              <a:rPr lang="fr-FR" dirty="0" smtClean="0"/>
+              <a:t>Communication auprès des étudiants</a:t>
+            </a:r>
+          </a:p>
+        </p:txBody>
+      </p:sp>
+    </p:spTree>
+    <p:extLst>
+      <p:ext uri="{BB962C8B-B14F-4D97-AF65-F5344CB8AC3E}">
+        <p14:creationId xmlns:p14="http://schemas.microsoft.com/office/powerpoint/2010/main" val="4172485937"/>
+      </p:ext>
+    </p:extLst>
+  </p:cSld>
+  <p:clrMapOvr>
+    <a:masterClrMapping/>
+  </p:clrMapOvr>
+  <p:timing>
+    <p:tnLst>
+      <p:par>
+        <p:cTn id="1" dur="indefinite" restart="never" nodeType="tmRoot">
+          <p:childTnLst>
+            <p:seq concurrent="1" nextAc="seek">
+              <p:cTn id="2" dur="indefinite" nodeType="mainSeq">
+                <p:childTnLst>
+                  <p:par>
+                    <p:cTn id="3" fill="hold">
+                      <p:stCondLst>
+                        <p:cond delay="indefinite"/>
+                      </p:stCondLst>
+                      <p:childTnLst>
+                        <p:par>
+                          <p:cTn id="4" fill="hold">
+                            <p:stCondLst>
+                              <p:cond delay="0"/>
+                            </p:stCondLst>
+                            <p:childTnLst>
+                              <p:par>
+                                <p:cTn id="5" presetID="42" presetClass="entr" presetSubtype="0" fill="hold" grpId="0" nodeType="clickEffect">
+                                  <p:stCondLst>
+                                    <p:cond delay="0"/>
+                                  </p:stCondLst>
+                                  <p:childTnLst>
+                                    <p:set>
+                                      <p:cBhvr>
+                                        <p:cTn id="6" dur="1" fill="hold">
+                                          <p:stCondLst>
+                                            <p:cond delay="0"/>
+                                          </p:stCondLst>
+                                        </p:cTn>
+                                        <p:tgtEl>
+                                          <p:spTgt spid="2"/>
+                                        </p:tgtEl>
+                                        <p:attrNameLst>
+                                          <p:attrName>style.visibility</p:attrName>
+                                        </p:attrNameLst>
+                                      </p:cBhvr>
+                                      <p:to>
+                                        <p:strVal val="visible"/>
+                                      </p:to>
+                                    </p:set>
+                                    <p:animEffect transition="in" filter="fade">
+                                      <p:cBhvr>
+                                        <p:cTn id="7" dur="1000"/>
+                                        <p:tgtEl>
+                                          <p:spTgt spid="2"/>
+                                        </p:tgtEl>
+                                      </p:cBhvr>
+                                    </p:animEffect>
+                                    <p:anim calcmode="lin" valueType="num">
+                                      <p:cBhvr>
+                                        <p:cTn id="8" dur="1000" fill="hold"/>
+                                        <p:tgtEl>
+                                          <p:spTgt spid="2"/>
+                                        </p:tgtEl>
+                                        <p:attrNameLst>
+                                          <p:attrName>ppt_x</p:attrName>
+                                        </p:attrNameLst>
+                                      </p:cBhvr>
+                                      <p:tavLst>
+                                        <p:tav tm="0">
+                                          <p:val>
+                                            <p:strVal val="#ppt_x"/>
+                                          </p:val>
+                                        </p:tav>
+                                        <p:tav tm="100000">
+                                          <p:val>
+                                            <p:strVal val="#ppt_x"/>
+                                          </p:val>
+                                        </p:tav>
+                                      </p:tavLst>
+                                    </p:anim>
+                                    <p:anim calcmode="lin" valueType="num">
+                                      <p:cBhvr>
+                                        <p:cTn id="9" dur="1000" fill="hold"/>
+                                        <p:tgtEl>
+                                          <p:spTgt spid="2"/>
+                                        </p:tgtEl>
+                                        <p:attrNameLst>
+                                          <p:attrName>ppt_y</p:attrName>
+                                        </p:attrNameLst>
+                                      </p:cBhvr>
+                                      <p:tavLst>
+                                        <p:tav tm="0">
+                                          <p:val>
+                                            <p:strVal val="#ppt_y+.1"/>
+                                          </p:val>
+                                        </p:tav>
+                                        <p:tav tm="100000">
+                                          <p:val>
+                                            <p:strVal val="#ppt_y"/>
+                                          </p:val>
+                                        </p:tav>
+                                      </p:tavLst>
+                                    </p:anim>
+                                  </p:childTnLst>
+                                </p:cTn>
+                              </p:par>
+                            </p:childTnLst>
+                          </p:cTn>
+                        </p:par>
+                      </p:childTnLst>
+                    </p:cTn>
+                  </p:par>
+                </p:childTnLst>
+              </p:cTn>
+              <p:prevCondLst>
+                <p:cond evt="onPrev" delay="0">
+                  <p:tgtEl>
+                    <p:sldTgt/>
+                  </p:tgtEl>
+                </p:cond>
+              </p:prevCondLst>
+              <p:nextCondLst>
+                <p:cond evt="onNext" delay="0">
+                  <p:tgtEl>
+                    <p:sldTgt/>
+                  </p:tgtEl>
+                </p:cond>
+              </p:nextCondLst>
+            </p:seq>
+          </p:childTnLst>
+        </p:cTn>
+      </p:par>
+    </p:tnLst>
+    <p:bldLst>
+      <p:bldP spid="2" grpId="0"/>
+    </p:bldLst>
+  </p:timing>
+</p:sld>
+</file>
+
+<file path=ppt/slides/slide4.xml><?xml version="1.0" encoding="utf-8"?>
+<p:sld xmlns:a="http://schemas.openxmlformats.org/drawingml/2006/main" xmlns:r="http://schemas.openxmlformats.org/officeDocument/2006/relationships" xmlns:p="http://schemas.openxmlformats.org/presentationml/2006/main">
+  <p:cSld>
+    <p:spTree>
+      <p:nvGrpSpPr>
+        <p:cNvPr id="1" name=""/>
+        <p:cNvGrpSpPr/>
+        <p:nvPr/>
+      </p:nvGrpSpPr>
+      <p:grpSpPr>
+        <a:xfrm>
+          <a:off x="0" y="0"/>
+          <a:ext cx="0" cy="0"/>
+          <a:chOff x="0" y="0"/>
+          <a:chExt cx="0" cy="0"/>
+        </a:xfrm>
+      </p:grpSpPr>
+      <p:sp>
+        <p:nvSpPr>
+          <p:cNvPr id="2" name="Titre 1"/>
+          <p:cNvSpPr>
+            <a:spLocks noGrp="1"/>
+          </p:cNvSpPr>
+          <p:nvPr>
+            <p:ph type="title"/>
+          </p:nvPr>
+        </p:nvSpPr>
+        <p:spPr/>
+        <p:txBody>
+          <a:bodyPr/>
+          <a:lstStyle/>
+          <a:p>
+            <a:r>
+              <a:rPr lang="fr-FR" dirty="0" smtClean="0"/>
+              <a:t>Types de problèmes</a:t>
+            </a:r>
+            <a:endParaRPr lang="fr-FR" dirty="0"/>
+          </a:p>
+        </p:txBody>
+      </p:sp>
+      <p:sp>
+        <p:nvSpPr>
+          <p:cNvPr id="3" name="Espace réservé du contenu 2"/>
+          <p:cNvSpPr>
+            <a:spLocks noGrp="1"/>
+          </p:cNvSpPr>
+          <p:nvPr>
+            <p:ph idx="1"/>
+          </p:nvPr>
+        </p:nvSpPr>
+        <p:spPr/>
+        <p:txBody>
+          <a:bodyPr/>
+          <a:lstStyle/>
+          <a:p>
+            <a:r>
+              <a:rPr lang="fr-FR" dirty="0" smtClean="0"/>
+              <a:t>Problèmes algorithmiques</a:t>
+            </a:r>
+          </a:p>
+          <a:p>
+            <a:r>
+              <a:rPr lang="fr-FR" dirty="0" smtClean="0"/>
+              <a:t>Problèmes d’arbres / graphes</a:t>
+            </a:r>
+          </a:p>
+          <a:p>
+            <a:r>
+              <a:rPr lang="fr-FR" dirty="0" smtClean="0"/>
+              <a:t>Créer des structures de données</a:t>
+            </a:r>
+            <a:endParaRPr lang="fr-FR" dirty="0"/>
+          </a:p>
+        </p:txBody>
+      </p:sp>
+    </p:spTree>
+    <p:extLst>
+      <p:ext uri="{BB962C8B-B14F-4D97-AF65-F5344CB8AC3E}">
+        <p14:creationId xmlns:p14="http://schemas.microsoft.com/office/powerpoint/2010/main" val="2235859308"/>
+      </p:ext>
+    </p:extLst>
+  </p:cSld>
+  <p:clrMapOvr>
+    <a:masterClrMapping/>
+  </p:clrMapOvr>
+  <p:timing>
+    <p:tnLst>
+      <p:par>
+        <p:cTn id="1" dur="indefinite" restart="never" nodeType="tmRoot"/>
+      </p:par>
+    </p:tnLst>
+  </p:timing>
+</p:sld>
+</file>
+
+<file path=ppt/slides/slide5.xml><?xml version="1.0" encoding="utf-8"?>
+<p:sld xmlns:a="http://schemas.openxmlformats.org/drawingml/2006/main" xmlns:r="http://schemas.openxmlformats.org/officeDocument/2006/relationships" xmlns:p="http://schemas.openxmlformats.org/presentationml/2006/main">
+  <p:cSld>
+    <p:spTree>
+      <p:nvGrpSpPr>
+        <p:cNvPr id="1" name=""/>
+        <p:cNvGrpSpPr/>
+        <p:nvPr/>
+      </p:nvGrpSpPr>
+      <p:grpSpPr>
+        <a:xfrm>
+          <a:off x="0" y="0"/>
+          <a:ext cx="0" cy="0"/>
+          <a:chOff x="0" y="0"/>
+          <a:chExt cx="0" cy="0"/>
+        </a:xfrm>
+      </p:grpSpPr>
+      <p:sp>
+        <p:nvSpPr>
+          <p:cNvPr id="2" name="Titre 1"/>
+          <p:cNvSpPr>
+            <a:spLocks noGrp="1"/>
+          </p:cNvSpPr>
+          <p:nvPr>
+            <p:ph type="title"/>
+          </p:nvPr>
+        </p:nvSpPr>
+        <p:spPr/>
+        <p:txBody>
+          <a:bodyPr/>
+          <a:lstStyle/>
+          <a:p>
+            <a:r>
+              <a:rPr lang="fr-FR" dirty="0" smtClean="0"/>
+              <a:t>Principe</a:t>
+            </a:r>
+            <a:endParaRPr lang="fr-FR" dirty="0"/>
+          </a:p>
+        </p:txBody>
+      </p:sp>
+      <p:sp>
+        <p:nvSpPr>
+          <p:cNvPr id="3" name="Espace réservé du contenu 2"/>
+          <p:cNvSpPr>
+            <a:spLocks noGrp="1"/>
+          </p:cNvSpPr>
+          <p:nvPr>
+            <p:ph idx="1"/>
+          </p:nvPr>
+        </p:nvSpPr>
+        <p:spPr>
+          <a:xfrm>
+            <a:off x="838200" y="1825625"/>
+            <a:ext cx="10515600" cy="4351338"/>
+          </a:xfrm>
+        </p:spPr>
+        <p:txBody>
+          <a:bodyPr/>
+          <a:lstStyle/>
+          <a:p>
+            <a:r>
+              <a:rPr lang="fr-FR" dirty="0" smtClean="0"/>
+              <a:t>Concours par équipe</a:t>
+            </a:r>
+          </a:p>
+          <a:p>
+            <a:r>
+              <a:rPr lang="fr-FR" dirty="0" smtClean="0"/>
+              <a:t>Résoudre un maximum de problèmes dans un temps donné</a:t>
+            </a:r>
+          </a:p>
+          <a:p>
+            <a:r>
+              <a:rPr lang="fr-FR" dirty="0" smtClean="0"/>
+              <a:t>Divers langages proposés</a:t>
+            </a:r>
+          </a:p>
+          <a:p>
+            <a:r>
+              <a:rPr lang="fr-FR" dirty="0" smtClean="0"/>
+              <a:t>Une mauvaise solution -&gt; pénalité</a:t>
+            </a:r>
+          </a:p>
+          <a:p>
+            <a:endParaRPr lang="fr-FR" dirty="0"/>
+          </a:p>
+        </p:txBody>
+      </p:sp>
+    </p:spTree>
+    <p:extLst>
+      <p:ext uri="{BB962C8B-B14F-4D97-AF65-F5344CB8AC3E}">
+        <p14:creationId xmlns:p14="http://schemas.microsoft.com/office/powerpoint/2010/main" val="527292458"/>
+      </p:ext>
+    </p:extLst>
+  </p:cSld>
+  <p:clrMapOvr>
+    <a:masterClrMapping/>
+  </p:clrMapOvr>
+  <p:timing>
+    <p:tnLst>
+      <p:par>
+        <p:cTn id="1" dur="indefinite" restart="never" nodeType="tmRoot"/>
+      </p:par>
+    </p:tnLst>
+  </p:timing>
+</p:sld>
+</file>
+
+<file path=ppt/slides/slide6.xml><?xml version="1.0" encoding="utf-8"?>
+<p:sld xmlns:a="http://schemas.openxmlformats.org/drawingml/2006/main" xmlns:r="http://schemas.openxmlformats.org/officeDocument/2006/relationships" xmlns:p="http://schemas.openxmlformats.org/presentationml/2006/main">
+  <p:cSld>
+    <p:spTree>
+      <p:nvGrpSpPr>
+        <p:cNvPr id="1" name=""/>
+        <p:cNvGrpSpPr/>
+        <p:nvPr/>
+      </p:nvGrpSpPr>
+      <p:grpSpPr>
+        <a:xfrm>
+          <a:off x="0" y="0"/>
+          <a:ext cx="0" cy="0"/>
+          <a:chOff x="0" y="0"/>
+          <a:chExt cx="0" cy="0"/>
+        </a:xfrm>
+      </p:grpSpPr>
+      <p:sp>
+        <p:nvSpPr>
+          <p:cNvPr id="2" name="Titre 1"/>
+          <p:cNvSpPr>
+            <a:spLocks noGrp="1"/>
+          </p:cNvSpPr>
+          <p:nvPr>
+            <p:ph type="title"/>
+          </p:nvPr>
+        </p:nvSpPr>
+        <p:spPr/>
+        <p:txBody>
+          <a:bodyPr/>
+          <a:lstStyle/>
+          <a:p>
+            <a:r>
+              <a:rPr lang="fr-FR" dirty="0" smtClean="0"/>
+              <a:t>Infrastructures</a:t>
+            </a:r>
+            <a:endParaRPr lang="fr-FR" dirty="0"/>
+          </a:p>
+        </p:txBody>
+      </p:sp>
+      <p:sp>
+        <p:nvSpPr>
+          <p:cNvPr id="3" name="Espace réservé du contenu 2"/>
+          <p:cNvSpPr>
+            <a:spLocks noGrp="1"/>
+          </p:cNvSpPr>
+          <p:nvPr>
+            <p:ph idx="1"/>
+          </p:nvPr>
+        </p:nvSpPr>
+        <p:spPr/>
+        <p:txBody>
+          <a:bodyPr/>
+          <a:lstStyle/>
+          <a:p>
+            <a:r>
+              <a:rPr lang="fr-FR" dirty="0" smtClean="0"/>
+              <a:t>PC2</a:t>
+            </a:r>
+          </a:p>
+          <a:p>
+            <a:pPr lvl="1"/>
+            <a:r>
+              <a:rPr lang="fr-FR" dirty="0" smtClean="0"/>
+              <a:t>Serveur</a:t>
+            </a:r>
+          </a:p>
+          <a:p>
+            <a:pPr lvl="2"/>
+            <a:r>
+              <a:rPr lang="fr-FR" dirty="0" smtClean="0"/>
+              <a:t>Evaluation des soumissions.</a:t>
+            </a:r>
+          </a:p>
+          <a:p>
+            <a:pPr lvl="2"/>
+            <a:r>
+              <a:rPr lang="fr-FR" dirty="0" smtClean="0"/>
+              <a:t>Configurable à souhait. (problèmes (tests) , langages , concours)</a:t>
+            </a:r>
+          </a:p>
+          <a:p>
+            <a:pPr marL="914400" lvl="2" indent="0">
+              <a:buNone/>
+            </a:pPr>
+            <a:endParaRPr lang="fr-FR" dirty="0"/>
+          </a:p>
+          <a:p>
+            <a:pPr lvl="1"/>
+            <a:r>
+              <a:rPr lang="fr-FR" dirty="0" smtClean="0"/>
+              <a:t>Client</a:t>
+            </a:r>
+          </a:p>
+          <a:p>
+            <a:pPr lvl="2"/>
+            <a:r>
+              <a:rPr lang="fr-FR" dirty="0" smtClean="0"/>
+              <a:t>Interface homme machine -&gt; soumission des participants</a:t>
+            </a:r>
+          </a:p>
+          <a:p>
+            <a:r>
+              <a:rPr lang="fr-FR" dirty="0" smtClean="0"/>
+              <a:t>GitHub</a:t>
+            </a:r>
+          </a:p>
+          <a:p>
+            <a:pPr lvl="1"/>
+            <a:r>
+              <a:rPr lang="fr-FR" dirty="0" smtClean="0"/>
+              <a:t>Publication des énoncés / parseurs</a:t>
+            </a:r>
+          </a:p>
+          <a:p>
+            <a:pPr lvl="1"/>
+            <a:r>
+              <a:rPr lang="fr-FR" dirty="0" smtClean="0"/>
+              <a:t>Privé </a:t>
+            </a:r>
+            <a:r>
+              <a:rPr lang="fr-FR" dirty="0" smtClean="0">
+                <a:sym typeface="Wingdings" panose="05000000000000000000" pitchFamily="2" charset="2"/>
+              </a:rPr>
+              <a:t> Public</a:t>
+            </a:r>
+            <a:endParaRPr lang="fr-FR" dirty="0" smtClean="0"/>
+          </a:p>
+          <a:p>
+            <a:pPr marL="0" indent="0">
+              <a:buNone/>
+            </a:pPr>
+            <a:endParaRPr lang="fr-FR" dirty="0" smtClean="0"/>
+          </a:p>
+        </p:txBody>
+      </p:sp>
+    </p:spTree>
+    <p:extLst>
+      <p:ext uri="{BB962C8B-B14F-4D97-AF65-F5344CB8AC3E}">
+        <p14:creationId xmlns:p14="http://schemas.microsoft.com/office/powerpoint/2010/main" val="1720632288"/>
+      </p:ext>
+    </p:extLst>
+  </p:cSld>
+  <p:clrMapOvr>
+    <a:masterClrMapping/>
+  </p:clrMapOvr>
+  <p:timing>
+    <p:tnLst>
+      <p:par>
+        <p:cTn id="1" dur="indefinite" restart="never" nodeType="tmRoot"/>
+      </p:par>
+    </p:tnLst>
+  </p:timing>
+</p:sld>
+</file>
+
+<file path=ppt/slides/slide7.xml><?xml version="1.0" encoding="utf-8"?>
+<p:sld xmlns:a="http://schemas.openxmlformats.org/drawingml/2006/main" xmlns:r="http://schemas.openxmlformats.org/officeDocument/2006/relationships" xmlns:p="http://schemas.openxmlformats.org/presentationml/2006/main">
+  <p:cSld>
+    <p:spTree>
+      <p:nvGrpSpPr>
+        <p:cNvPr id="1" name=""/>
+        <p:cNvGrpSpPr/>
+        <p:nvPr/>
+      </p:nvGrpSpPr>
+      <p:grpSpPr>
+        <a:xfrm>
+          <a:off x="0" y="0"/>
+          <a:ext cx="0" cy="0"/>
+          <a:chOff x="0" y="0"/>
+          <a:chExt cx="0" cy="0"/>
+        </a:xfrm>
+      </p:grpSpPr>
+      <p:sp>
+        <p:nvSpPr>
+          <p:cNvPr id="2" name="Titre 1"/>
+          <p:cNvSpPr>
+            <a:spLocks noGrp="1"/>
+          </p:cNvSpPr>
+          <p:nvPr>
+            <p:ph type="title"/>
+          </p:nvPr>
+        </p:nvSpPr>
+        <p:spPr/>
+        <p:txBody>
+          <a:bodyPr/>
+          <a:lstStyle/>
+          <a:p>
+            <a:r>
+              <a:rPr lang="fr-FR" dirty="0" smtClean="0"/>
+              <a:t>Déroulement:</a:t>
+            </a:r>
+            <a:r>
+              <a:rPr lang="fr-FR" dirty="0"/>
+              <a:t>	</a:t>
+            </a:r>
+            <a:r>
+              <a:rPr lang="fr-FR" u="sng" dirty="0" smtClean="0"/>
+              <a:t>Concours 1</a:t>
+            </a:r>
+            <a:endParaRPr lang="fr-FR" u="sng" dirty="0"/>
+          </a:p>
+        </p:txBody>
+      </p:sp>
+      <p:sp>
+        <p:nvSpPr>
+          <p:cNvPr id="3" name="Espace réservé du contenu 2"/>
+          <p:cNvSpPr>
+            <a:spLocks noGrp="1"/>
+          </p:cNvSpPr>
+          <p:nvPr>
+            <p:ph idx="1"/>
+          </p:nvPr>
+        </p:nvSpPr>
+        <p:spPr/>
+        <p:txBody>
+          <a:bodyPr/>
+          <a:lstStyle/>
+          <a:p>
+            <a:r>
+              <a:rPr lang="fr-FR" dirty="0" smtClean="0"/>
+              <a:t>Aide : parseur </a:t>
+            </a:r>
+            <a:r>
+              <a:rPr lang="fr-FR" dirty="0" smtClean="0">
+                <a:sym typeface="Wingdings" panose="05000000000000000000" pitchFamily="2" charset="2"/>
+              </a:rPr>
+              <a:t> </a:t>
+            </a:r>
+            <a:r>
+              <a:rPr lang="fr-FR" dirty="0" smtClean="0"/>
+              <a:t>entrées</a:t>
+            </a:r>
+          </a:p>
+          <a:p>
+            <a:r>
+              <a:rPr lang="fr-FR" dirty="0" smtClean="0"/>
+              <a:t>Modalité</a:t>
+            </a:r>
+          </a:p>
+          <a:p>
+            <a:pPr lvl="1"/>
+            <a:r>
+              <a:rPr lang="fr-FR" dirty="0" smtClean="0"/>
+              <a:t>Niveau L1 MASS</a:t>
+            </a:r>
+          </a:p>
+          <a:p>
+            <a:pPr lvl="1"/>
+            <a:r>
+              <a:rPr lang="fr-FR" dirty="0" smtClean="0"/>
+              <a:t>Un seul langage: R</a:t>
+            </a:r>
+          </a:p>
+          <a:p>
+            <a:pPr lvl="1"/>
+            <a:r>
+              <a:rPr lang="fr-FR" dirty="0" smtClean="0"/>
+              <a:t>TP noté</a:t>
+            </a:r>
+            <a:endParaRPr lang="fr-FR" dirty="0"/>
+          </a:p>
+          <a:p>
+            <a:pPr lvl="1"/>
+            <a:r>
+              <a:rPr lang="fr-FR" dirty="0" smtClean="0"/>
+              <a:t>Inscription via one Drive</a:t>
+            </a:r>
+          </a:p>
+          <a:p>
+            <a:pPr lvl="1"/>
+            <a:endParaRPr lang="fr-FR" dirty="0"/>
+          </a:p>
+        </p:txBody>
+      </p:sp>
+    </p:spTree>
+    <p:extLst>
+      <p:ext uri="{BB962C8B-B14F-4D97-AF65-F5344CB8AC3E}">
+        <p14:creationId xmlns:p14="http://schemas.microsoft.com/office/powerpoint/2010/main" val="57795309"/>
+      </p:ext>
+    </p:extLst>
+  </p:cSld>
+  <p:clrMapOvr>
+    <a:masterClrMapping/>
+  </p:clrMapOvr>
+  <p:timing>
+    <p:tnLst>
+      <p:par>
+        <p:cTn id="1" dur="indefinite" restart="never" nodeType="tmRoot"/>
+      </p:par>
+    </p:tnLst>
+  </p:timing>
+</p:sld>
+</file>
+
+<file path=ppt/slides/slide8.xml><?xml version="1.0" encoding="utf-8"?>
+<p:sld xmlns:a="http://schemas.openxmlformats.org/drawingml/2006/main" xmlns:r="http://schemas.openxmlformats.org/officeDocument/2006/relationships" xmlns:p="http://schemas.openxmlformats.org/presentationml/2006/main">
+  <p:cSld>
+    <p:spTree>
+      <p:nvGrpSpPr>
+        <p:cNvPr id="1" name=""/>
+        <p:cNvGrpSpPr/>
+        <p:nvPr/>
+      </p:nvGrpSpPr>
+      <p:grpSpPr>
+        <a:xfrm>
+          <a:off x="0" y="0"/>
+          <a:ext cx="0" cy="0"/>
+          <a:chOff x="0" y="0"/>
+          <a:chExt cx="0" cy="0"/>
+        </a:xfrm>
+      </p:grpSpPr>
+      <p:sp>
+        <p:nvSpPr>
+          <p:cNvPr id="2" name="Titre 1"/>
+          <p:cNvSpPr>
+            <a:spLocks noGrp="1"/>
+          </p:cNvSpPr>
+          <p:nvPr>
+            <p:ph type="title"/>
+          </p:nvPr>
+        </p:nvSpPr>
+        <p:spPr/>
+        <p:txBody>
+          <a:bodyPr/>
+          <a:lstStyle/>
+          <a:p>
+            <a:r>
+              <a:rPr lang="fr-FR" dirty="0" smtClean="0"/>
+              <a:t>Enseignements retenus</a:t>
+            </a:r>
+            <a:endParaRPr lang="fr-FR" dirty="0"/>
+          </a:p>
+        </p:txBody>
+      </p:sp>
+      <p:sp>
+        <p:nvSpPr>
+          <p:cNvPr id="3" name="Espace réservé du contenu 2"/>
+          <p:cNvSpPr>
+            <a:spLocks noGrp="1"/>
+          </p:cNvSpPr>
+          <p:nvPr>
+            <p:ph idx="1"/>
+          </p:nvPr>
+        </p:nvSpPr>
+        <p:spPr/>
+        <p:txBody>
+          <a:bodyPr/>
+          <a:lstStyle/>
+          <a:p>
+            <a:r>
+              <a:rPr lang="fr-FR" dirty="0" smtClean="0"/>
+              <a:t>Mieux gérer les inscriptions</a:t>
+            </a:r>
+          </a:p>
+          <a:p>
+            <a:r>
+              <a:rPr lang="fr-FR" dirty="0" smtClean="0"/>
+              <a:t>Clarté des énoncés</a:t>
+            </a:r>
+          </a:p>
+          <a:p>
+            <a:r>
+              <a:rPr lang="fr-FR" dirty="0" smtClean="0"/>
+              <a:t>Tests + encadrés</a:t>
+            </a:r>
+          </a:p>
+          <a:p>
+            <a:r>
+              <a:rPr lang="fr-FR" dirty="0" smtClean="0"/>
+              <a:t>Rodage</a:t>
+            </a:r>
+          </a:p>
+        </p:txBody>
+      </p:sp>
+    </p:spTree>
+    <p:extLst>
+      <p:ext uri="{BB962C8B-B14F-4D97-AF65-F5344CB8AC3E}">
+        <p14:creationId xmlns:p14="http://schemas.microsoft.com/office/powerpoint/2010/main" val="3049046324"/>
+      </p:ext>
+    </p:extLst>
+  </p:cSld>
+  <p:clrMapOvr>
+    <a:masterClrMapping/>
+  </p:clrMapOvr>
+  <p:timing>
+    <p:tnLst>
+      <p:par>
+        <p:cTn id="1" dur="indefinite" restart="never" nodeType="tmRoot"/>
+      </p:par>
+    </p:tnLst>
+  </p:timing>
+</p:sld>
+</file>
+
+<file path=ppt/slides/slide9.xml><?xml version="1.0" encoding="utf-8"?>
+<p:sld xmlns:a="http://schemas.openxmlformats.org/drawingml/2006/main" xmlns:r="http://schemas.openxmlformats.org/officeDocument/2006/relationships" xmlns:p="http://schemas.openxmlformats.org/presentationml/2006/main">
+  <p:cSld>
+    <p:spTree>
+      <p:nvGrpSpPr>
+        <p:cNvPr id="1" name=""/>
+        <p:cNvGrpSpPr/>
+        <p:nvPr/>
+      </p:nvGrpSpPr>
+      <p:grpSpPr>
+        <a:xfrm>
+          <a:off x="0" y="0"/>
+          <a:ext cx="0" cy="0"/>
+          <a:chOff x="0" y="0"/>
+          <a:chExt cx="0" cy="0"/>
+        </a:xfrm>
+      </p:grpSpPr>
+      <p:sp>
+        <p:nvSpPr>
+          <p:cNvPr id="2" name="Titre 1"/>
+          <p:cNvSpPr>
+            <a:spLocks noGrp="1"/>
+          </p:cNvSpPr>
+          <p:nvPr>
+            <p:ph type="title"/>
+          </p:nvPr>
+        </p:nvSpPr>
+        <p:spPr/>
+        <p:txBody>
+          <a:bodyPr/>
+          <a:lstStyle/>
+          <a:p>
+            <a:r>
+              <a:rPr lang="fr-FR" dirty="0" smtClean="0"/>
+              <a:t>Déroulement: 	Concours 2</a:t>
+            </a:r>
+            <a:endParaRPr lang="fr-FR" dirty="0"/>
+          </a:p>
+        </p:txBody>
+      </p:sp>
+      <p:sp>
+        <p:nvSpPr>
+          <p:cNvPr id="3" name="Espace réservé du contenu 2"/>
+          <p:cNvSpPr>
+            <a:spLocks noGrp="1"/>
+          </p:cNvSpPr>
+          <p:nvPr>
+            <p:ph idx="1"/>
+          </p:nvPr>
+        </p:nvSpPr>
+        <p:spPr/>
+        <p:txBody>
+          <a:bodyPr/>
+          <a:lstStyle/>
+          <a:p>
+            <a:r>
+              <a:rPr lang="fr-FR" dirty="0" smtClean="0"/>
+              <a:t>Inscription</a:t>
+            </a:r>
+          </a:p>
+          <a:p>
+            <a:pPr lvl="1"/>
+            <a:r>
+              <a:rPr lang="fr-FR" dirty="0" smtClean="0"/>
+              <a:t>Via cette page web </a:t>
+            </a:r>
+            <a:r>
+              <a:rPr lang="fr-FR" dirty="0" smtClean="0">
+                <a:hlinkClick r:id="rId2"/>
+              </a:rPr>
+              <a:t>http://concours-prog-unice.890m.com/</a:t>
+            </a:r>
+            <a:endParaRPr lang="fr-FR" dirty="0" smtClean="0"/>
+          </a:p>
+          <a:p>
+            <a:pPr lvl="1"/>
+            <a:r>
+              <a:rPr lang="fr-FR" dirty="0" smtClean="0"/>
+              <a:t>Par niveau (L1 avec L1 …)</a:t>
+            </a:r>
+          </a:p>
+          <a:p>
+            <a:r>
+              <a:rPr lang="fr-FR" dirty="0" smtClean="0"/>
+              <a:t>Modalité</a:t>
+            </a:r>
+          </a:p>
+          <a:p>
+            <a:pPr lvl="1"/>
+            <a:r>
+              <a:rPr lang="fr-FR" dirty="0" smtClean="0"/>
+              <a:t>Groupe : 4 étudiants max</a:t>
+            </a:r>
+          </a:p>
+          <a:p>
+            <a:pPr lvl="1"/>
+            <a:r>
+              <a:rPr lang="fr-FR" dirty="0" smtClean="0"/>
+              <a:t>Plusieurs langages (R - C - C++ - Java – Python)</a:t>
+            </a:r>
+          </a:p>
+          <a:p>
+            <a:pPr lvl="1"/>
+            <a:r>
+              <a:rPr lang="fr-FR" dirty="0" smtClean="0"/>
+              <a:t>Le vainqueur: le + de problèmes , le + vite</a:t>
+            </a:r>
+          </a:p>
+          <a:p>
+            <a:pPr lvl="1"/>
+            <a:r>
+              <a:rPr lang="fr-FR" dirty="0" smtClean="0"/>
+              <a:t>Récompenses</a:t>
+            </a:r>
+          </a:p>
+          <a:p>
+            <a:endParaRPr lang="fr-FR" dirty="0" smtClean="0"/>
+          </a:p>
+          <a:p>
+            <a:pPr lvl="1"/>
+            <a:endParaRPr lang="fr-FR" dirty="0" smtClean="0"/>
+          </a:p>
+          <a:p>
+            <a:pPr marL="457200" lvl="1" indent="0">
+              <a:buNone/>
+            </a:pPr>
+            <a:endParaRPr lang="fr-FR" dirty="0"/>
+          </a:p>
+        </p:txBody>
+      </p:sp>
+    </p:spTree>
+    <p:extLst>
+      <p:ext uri="{BB962C8B-B14F-4D97-AF65-F5344CB8AC3E}">
+        <p14:creationId xmlns:p14="http://schemas.microsoft.com/office/powerpoint/2010/main" val="689196883"/>
+      </p:ext>
+    </p:extLst>
+  </p:cSld>
+  <p:clrMapOvr>
+    <a:masterClrMapping/>
+  </p:clrMapOvr>
+  <p:timing>
+    <p:tnLst>
+      <p:par>
+        <p:cTn id="1" dur="indefinite" restart="never" nodeType="tmRoot"/>
+      </p:par>
+    </p:tnLst>
+  </p:timing>
 </p:sld>
 </file>
 

--- a/rapport/presentation.pptx
+++ b/rapport/presentation.pptx
@@ -8,14 +8,17 @@
     <p:sldId id="256" r:id="rId2"/>
     <p:sldId id="257" r:id="rId3"/>
     <p:sldId id="258" r:id="rId4"/>
-    <p:sldId id="262" r:id="rId5"/>
-    <p:sldId id="259" r:id="rId6"/>
+    <p:sldId id="259" r:id="rId5"/>
+    <p:sldId id="262" r:id="rId6"/>
     <p:sldId id="260" r:id="rId7"/>
-    <p:sldId id="261" r:id="rId8"/>
-    <p:sldId id="263" r:id="rId9"/>
-    <p:sldId id="264" r:id="rId10"/>
-    <p:sldId id="265" r:id="rId11"/>
-    <p:sldId id="266" r:id="rId12"/>
+    <p:sldId id="268" r:id="rId8"/>
+    <p:sldId id="261" r:id="rId9"/>
+    <p:sldId id="263" r:id="rId10"/>
+    <p:sldId id="264" r:id="rId11"/>
+    <p:sldId id="265" r:id="rId12"/>
+    <p:sldId id="266" r:id="rId13"/>
+    <p:sldId id="267" r:id="rId14"/>
+    <p:sldId id="269" r:id="rId15"/>
   </p:sldIdLst>
   <p:sldSz cx="12192000" cy="6858000"/>
   <p:notesSz cx="6858000" cy="9144000"/>
@@ -3114,6 +3117,251 @@
           <a:lstStyle/>
           <a:p>
             <a:r>
+              <a:rPr lang="fr-FR" dirty="0" smtClean="0"/>
+              <a:t>Déroulement: 	</a:t>
+            </a:r>
+            <a:r>
+              <a:rPr lang="fr-FR" u="sng" dirty="0" smtClean="0"/>
+              <a:t>Concours </a:t>
+            </a:r>
+            <a:r>
+              <a:rPr lang="fr-FR" u="sng" dirty="0" smtClean="0"/>
+              <a:t>du </a:t>
+            </a:r>
+            <a:r>
+              <a:rPr lang="fr-FR" u="sng" dirty="0"/>
+              <a:t>2</a:t>
+            </a:r>
+            <a:r>
+              <a:rPr lang="fr-FR" u="sng" dirty="0" smtClean="0"/>
+              <a:t> juin</a:t>
+            </a:r>
+            <a:endParaRPr lang="fr-FR" u="sng" dirty="0"/>
+          </a:p>
+        </p:txBody>
+      </p:sp>
+      <p:sp>
+        <p:nvSpPr>
+          <p:cNvPr id="3" name="Espace réservé du contenu 2"/>
+          <p:cNvSpPr>
+            <a:spLocks noGrp="1"/>
+          </p:cNvSpPr>
+          <p:nvPr>
+            <p:ph idx="1"/>
+          </p:nvPr>
+        </p:nvSpPr>
+        <p:spPr>
+          <a:xfrm>
+            <a:off x="838200" y="1825625"/>
+            <a:ext cx="10515600" cy="3861072"/>
+          </a:xfrm>
+        </p:spPr>
+        <p:txBody>
+          <a:bodyPr>
+            <a:normAutofit fontScale="92500" lnSpcReduction="10000"/>
+          </a:bodyPr>
+          <a:lstStyle/>
+          <a:p>
+            <a:r>
+              <a:rPr lang="fr-FR" dirty="0" smtClean="0"/>
+              <a:t>Inscription</a:t>
+            </a:r>
+          </a:p>
+          <a:p>
+            <a:pPr lvl="1"/>
+            <a:r>
+              <a:rPr lang="fr-FR" dirty="0" smtClean="0"/>
+              <a:t>Via cette page web </a:t>
+            </a:r>
+            <a:endParaRPr lang="fr-FR" dirty="0" smtClean="0"/>
+          </a:p>
+          <a:p>
+            <a:pPr lvl="2"/>
+            <a:r>
+              <a:rPr lang="fr-FR" dirty="0" smtClean="0"/>
+              <a:t>Site vitrine </a:t>
+            </a:r>
+            <a:r>
+              <a:rPr lang="fr-FR" dirty="0" smtClean="0">
+                <a:sym typeface="Wingdings" panose="05000000000000000000" pitchFamily="2" charset="2"/>
+              </a:rPr>
+              <a:t> </a:t>
+            </a:r>
+            <a:r>
+              <a:rPr lang="fr-FR" dirty="0" smtClean="0">
+                <a:hlinkClick r:id="rId2"/>
+              </a:rPr>
+              <a:t>http</a:t>
+            </a:r>
+            <a:r>
+              <a:rPr lang="fr-FR" dirty="0" smtClean="0">
+                <a:hlinkClick r:id="rId2"/>
+              </a:rPr>
+              <a:t>://concours-prog-unice.890m.com</a:t>
+            </a:r>
+            <a:r>
+              <a:rPr lang="fr-FR" dirty="0" smtClean="0">
+                <a:hlinkClick r:id="rId2"/>
+              </a:rPr>
+              <a:t>/</a:t>
+            </a:r>
+            <a:endParaRPr lang="fr-FR" dirty="0" smtClean="0"/>
+          </a:p>
+          <a:p>
+            <a:pPr lvl="2"/>
+            <a:r>
+              <a:rPr lang="fr-FR" dirty="0" smtClean="0"/>
+              <a:t>Communication</a:t>
+            </a:r>
+            <a:endParaRPr lang="fr-FR" dirty="0" smtClean="0"/>
+          </a:p>
+          <a:p>
+            <a:pPr lvl="1"/>
+            <a:r>
+              <a:rPr lang="fr-FR" dirty="0" smtClean="0"/>
+              <a:t>40 </a:t>
+            </a:r>
+            <a:r>
+              <a:rPr lang="fr-FR" dirty="0"/>
+              <a:t>étudiants </a:t>
+            </a:r>
+            <a:r>
+              <a:rPr lang="fr-FR" dirty="0" smtClean="0"/>
+              <a:t>inscrits</a:t>
+            </a:r>
+            <a:endParaRPr lang="fr-FR" dirty="0" smtClean="0"/>
+          </a:p>
+          <a:p>
+            <a:pPr lvl="1"/>
+            <a:r>
+              <a:rPr lang="fr-FR" dirty="0" smtClean="0"/>
+              <a:t>Par niveau (L1 avec L1 </a:t>
+            </a:r>
+            <a:r>
+              <a:rPr lang="fr-FR" dirty="0" smtClean="0"/>
+              <a:t>…)</a:t>
+            </a:r>
+            <a:endParaRPr lang="fr-FR" dirty="0" smtClean="0"/>
+          </a:p>
+          <a:p>
+            <a:r>
+              <a:rPr lang="fr-FR" dirty="0" smtClean="0"/>
+              <a:t>Modalité</a:t>
+            </a:r>
+          </a:p>
+          <a:p>
+            <a:pPr lvl="1"/>
+            <a:r>
+              <a:rPr lang="fr-FR" dirty="0" smtClean="0"/>
+              <a:t>Groupe : 4 étudiants </a:t>
+            </a:r>
+            <a:r>
+              <a:rPr lang="fr-FR" dirty="0" smtClean="0"/>
+              <a:t>max</a:t>
+            </a:r>
+            <a:endParaRPr lang="fr-FR" dirty="0" smtClean="0"/>
+          </a:p>
+          <a:p>
+            <a:pPr lvl="1"/>
+            <a:r>
+              <a:rPr lang="fr-FR" dirty="0" smtClean="0"/>
+              <a:t>Plusieurs langages (R - C - C++ - Java </a:t>
+            </a:r>
+            <a:r>
+              <a:rPr lang="fr-FR" dirty="0"/>
+              <a:t>-</a:t>
+            </a:r>
+            <a:r>
+              <a:rPr lang="fr-FR" dirty="0" smtClean="0"/>
+              <a:t> </a:t>
+            </a:r>
+            <a:r>
+              <a:rPr lang="fr-FR" dirty="0" smtClean="0"/>
+              <a:t>Python)</a:t>
+            </a:r>
+          </a:p>
+          <a:p>
+            <a:pPr lvl="1"/>
+            <a:r>
+              <a:rPr lang="fr-FR" dirty="0" smtClean="0"/>
+              <a:t>Le vainqueur: le + de problèmes , le + vite</a:t>
+            </a:r>
+          </a:p>
+          <a:p>
+            <a:pPr lvl="1"/>
+            <a:r>
+              <a:rPr lang="fr-FR" dirty="0" smtClean="0"/>
+              <a:t>Récompenses</a:t>
+            </a:r>
+          </a:p>
+          <a:p>
+            <a:endParaRPr lang="fr-FR" dirty="0" smtClean="0"/>
+          </a:p>
+          <a:p>
+            <a:pPr lvl="1"/>
+            <a:endParaRPr lang="fr-FR" dirty="0" smtClean="0"/>
+          </a:p>
+          <a:p>
+            <a:pPr marL="457200" lvl="1" indent="0">
+              <a:buNone/>
+            </a:pPr>
+            <a:endParaRPr lang="fr-FR" dirty="0"/>
+          </a:p>
+        </p:txBody>
+      </p:sp>
+    </p:spTree>
+    <p:extLst>
+      <p:ext uri="{BB962C8B-B14F-4D97-AF65-F5344CB8AC3E}">
+        <p14:creationId xmlns:p14="http://schemas.microsoft.com/office/powerpoint/2010/main" val="689196883"/>
+      </p:ext>
+    </p:extLst>
+  </p:cSld>
+  <p:clrMapOvr>
+    <a:masterClrMapping/>
+  </p:clrMapOvr>
+  <p:timing>
+    <p:tnLst>
+      <p:par>
+        <p:cTn id="1" dur="indefinite" restart="never" nodeType="tmRoot"/>
+      </p:par>
+    </p:tnLst>
+  </p:timing>
+</p:sld>
+</file>
+
+<file path=ppt/slides/slide11.xml><?xml version="1.0" encoding="utf-8"?>
+<p:sld xmlns:a="http://schemas.openxmlformats.org/drawingml/2006/main" xmlns:r="http://schemas.openxmlformats.org/officeDocument/2006/relationships" xmlns:p="http://schemas.openxmlformats.org/presentationml/2006/main">
+  <p:cSld>
+    <p:spTree>
+      <p:nvGrpSpPr>
+        <p:cNvPr id="1" name=""/>
+        <p:cNvGrpSpPr/>
+        <p:nvPr/>
+      </p:nvGrpSpPr>
+      <p:grpSpPr>
+        <a:xfrm>
+          <a:off x="0" y="0"/>
+          <a:ext cx="0" cy="0"/>
+          <a:chOff x="0" y="0"/>
+          <a:chExt cx="0" cy="0"/>
+        </a:xfrm>
+      </p:grpSpPr>
+      <p:sp>
+        <p:nvSpPr>
+          <p:cNvPr id="2" name="Titre 1"/>
+          <p:cNvSpPr>
+            <a:spLocks noGrp="1"/>
+          </p:cNvSpPr>
+          <p:nvPr>
+            <p:ph type="title"/>
+          </p:nvPr>
+        </p:nvSpPr>
+        <p:spPr/>
+        <p:txBody>
+          <a:bodyPr/>
+          <a:lstStyle/>
+          <a:p>
+            <a:r>
               <a:rPr lang="fr-FR" u="sng" dirty="0" smtClean="0"/>
               <a:t>Etude de cas</a:t>
             </a:r>
@@ -3223,7 +3471,7 @@
 </p:sld>
 </file>
 
-<file path=ppt/slides/slide11.xml><?xml version="1.0" encoding="utf-8"?>
+<file path=ppt/slides/slide12.xml><?xml version="1.0" encoding="utf-8"?>
 <p:sld xmlns:a="http://schemas.openxmlformats.org/drawingml/2006/main" xmlns:r="http://schemas.openxmlformats.org/officeDocument/2006/relationships" xmlns:p="http://schemas.openxmlformats.org/presentationml/2006/main">
   <p:cSld>
     <p:spTree>
@@ -3280,8 +3528,13 @@
           <a:p>
             <a:r>
               <a:rPr lang="fr-FR" dirty="0" smtClean="0"/>
-              <a:t>Définitions des tests</a:t>
-            </a:r>
+              <a:t>Définitions des </a:t>
+            </a:r>
+            <a:r>
+              <a:rPr lang="fr-FR" dirty="0" smtClean="0"/>
+              <a:t>tests				Exemples</a:t>
+            </a:r>
+            <a:endParaRPr lang="fr-FR" dirty="0" smtClean="0"/>
           </a:p>
           <a:p>
             <a:pPr lvl="1"/>
@@ -3312,28 +3565,22 @@
       </p:sp>
       <p:pic>
         <p:nvPicPr>
-          <p:cNvPr id="4" name="Image 3"/>
+          <p:cNvPr id="7" name="Image 6"/>
           <p:cNvPicPr>
             <a:picLocks noChangeAspect="1"/>
           </p:cNvPicPr>
           <p:nvPr/>
         </p:nvPicPr>
         <p:blipFill>
-          <a:blip r:embed="rId2">
-            <a:extLst>
-              <a:ext uri="{28A0092B-C50C-407E-A947-70E740481C1C}">
-                <a14:useLocalDpi xmlns:a14="http://schemas.microsoft.com/office/drawing/2010/main" val="0"/>
-              </a:ext>
-            </a:extLst>
-          </a:blip>
+          <a:blip r:embed="rId2"/>
           <a:stretch>
             <a:fillRect/>
           </a:stretch>
         </p:blipFill>
         <p:spPr>
           <a:xfrm>
-            <a:off x="5908652" y="1046303"/>
-            <a:ext cx="4030330" cy="1288769"/>
+            <a:off x="5159190" y="2629693"/>
+            <a:ext cx="6194610" cy="2391485"/>
           </a:xfrm>
           <a:prstGeom prst="rect">
             <a:avLst/>
@@ -3344,6 +3591,193 @@
     <p:extLst>
       <p:ext uri="{BB962C8B-B14F-4D97-AF65-F5344CB8AC3E}">
         <p14:creationId xmlns:p14="http://schemas.microsoft.com/office/powerpoint/2010/main" val="2998672093"/>
+      </p:ext>
+    </p:extLst>
+  </p:cSld>
+  <p:clrMapOvr>
+    <a:masterClrMapping/>
+  </p:clrMapOvr>
+  <p:timing>
+    <p:tnLst>
+      <p:par>
+        <p:cTn id="1" dur="indefinite" restart="never" nodeType="tmRoot"/>
+      </p:par>
+    </p:tnLst>
+  </p:timing>
+</p:sld>
+</file>
+
+<file path=ppt/slides/slide13.xml><?xml version="1.0" encoding="utf-8"?>
+<p:sld xmlns:a="http://schemas.openxmlformats.org/drawingml/2006/main" xmlns:r="http://schemas.openxmlformats.org/officeDocument/2006/relationships" xmlns:p="http://schemas.openxmlformats.org/presentationml/2006/main">
+  <p:cSld>
+    <p:spTree>
+      <p:nvGrpSpPr>
+        <p:cNvPr id="1" name=""/>
+        <p:cNvGrpSpPr/>
+        <p:nvPr/>
+      </p:nvGrpSpPr>
+      <p:grpSpPr>
+        <a:xfrm>
+          <a:off x="0" y="0"/>
+          <a:ext cx="0" cy="0"/>
+          <a:chOff x="0" y="0"/>
+          <a:chExt cx="0" cy="0"/>
+        </a:xfrm>
+      </p:grpSpPr>
+      <p:sp>
+        <p:nvSpPr>
+          <p:cNvPr id="2" name="Titre 1"/>
+          <p:cNvSpPr>
+            <a:spLocks noGrp="1"/>
+          </p:cNvSpPr>
+          <p:nvPr>
+            <p:ph type="title"/>
+          </p:nvPr>
+        </p:nvSpPr>
+        <p:spPr/>
+        <p:txBody>
+          <a:bodyPr/>
+          <a:lstStyle/>
+          <a:p>
+            <a:r>
+              <a:rPr lang="fr-FR" dirty="0" smtClean="0"/>
+              <a:t>Implémentation &amp; comparaison</a:t>
+            </a:r>
+            <a:endParaRPr lang="fr-FR" dirty="0"/>
+          </a:p>
+        </p:txBody>
+      </p:sp>
+      <p:pic>
+        <p:nvPicPr>
+          <p:cNvPr id="4" name="Espace réservé du contenu 3"/>
+          <p:cNvPicPr>
+            <a:picLocks noGrp="1" noChangeAspect="1"/>
+          </p:cNvPicPr>
+          <p:nvPr>
+            <p:ph idx="1"/>
+          </p:nvPr>
+        </p:nvPicPr>
+        <p:blipFill>
+          <a:blip r:embed="rId2"/>
+          <a:stretch>
+            <a:fillRect/>
+          </a:stretch>
+        </p:blipFill>
+        <p:spPr>
+          <a:xfrm>
+            <a:off x="182882" y="2158319"/>
+            <a:ext cx="5712821" cy="4351338"/>
+          </a:xfrm>
+          <a:prstGeom prst="rect">
+            <a:avLst/>
+          </a:prstGeom>
+        </p:spPr>
+      </p:pic>
+    </p:spTree>
+    <p:extLst>
+      <p:ext uri="{BB962C8B-B14F-4D97-AF65-F5344CB8AC3E}">
+        <p14:creationId xmlns:p14="http://schemas.microsoft.com/office/powerpoint/2010/main" val="973984622"/>
+      </p:ext>
+    </p:extLst>
+  </p:cSld>
+  <p:clrMapOvr>
+    <a:masterClrMapping/>
+  </p:clrMapOvr>
+  <p:timing>
+    <p:tnLst>
+      <p:par>
+        <p:cTn id="1" dur="indefinite" restart="never" nodeType="tmRoot"/>
+      </p:par>
+    </p:tnLst>
+  </p:timing>
+</p:sld>
+</file>
+
+<file path=ppt/slides/slide14.xml><?xml version="1.0" encoding="utf-8"?>
+<p:sld xmlns:a="http://schemas.openxmlformats.org/drawingml/2006/main" xmlns:r="http://schemas.openxmlformats.org/officeDocument/2006/relationships" xmlns:p="http://schemas.openxmlformats.org/presentationml/2006/main">
+  <p:cSld>
+    <p:spTree>
+      <p:nvGrpSpPr>
+        <p:cNvPr id="1" name=""/>
+        <p:cNvGrpSpPr/>
+        <p:nvPr/>
+      </p:nvGrpSpPr>
+      <p:grpSpPr>
+        <a:xfrm>
+          <a:off x="0" y="0"/>
+          <a:ext cx="0" cy="0"/>
+          <a:chOff x="0" y="0"/>
+          <a:chExt cx="0" cy="0"/>
+        </a:xfrm>
+      </p:grpSpPr>
+      <p:sp>
+        <p:nvSpPr>
+          <p:cNvPr id="2" name="Titre 1"/>
+          <p:cNvSpPr>
+            <a:spLocks noGrp="1"/>
+          </p:cNvSpPr>
+          <p:nvPr>
+            <p:ph type="title"/>
+          </p:nvPr>
+        </p:nvSpPr>
+        <p:spPr/>
+        <p:txBody>
+          <a:bodyPr/>
+          <a:lstStyle/>
+          <a:p>
+            <a:r>
+              <a:rPr lang="fr-FR" dirty="0" smtClean="0"/>
+              <a:t>Conclusion</a:t>
+            </a:r>
+            <a:endParaRPr lang="fr-FR" dirty="0"/>
+          </a:p>
+        </p:txBody>
+      </p:sp>
+      <p:sp>
+        <p:nvSpPr>
+          <p:cNvPr id="3" name="Espace réservé du contenu 2"/>
+          <p:cNvSpPr>
+            <a:spLocks noGrp="1"/>
+          </p:cNvSpPr>
+          <p:nvPr>
+            <p:ph idx="1"/>
+          </p:nvPr>
+        </p:nvSpPr>
+        <p:spPr/>
+        <p:txBody>
+          <a:bodyPr/>
+          <a:lstStyle/>
+          <a:p>
+            <a:r>
+              <a:rPr lang="fr-FR" dirty="0" smtClean="0"/>
+              <a:t>Déploiement</a:t>
+            </a:r>
+            <a:endParaRPr lang="fr-FR" dirty="0"/>
+          </a:p>
+          <a:p>
+            <a:r>
+              <a:rPr lang="fr-FR" dirty="0" smtClean="0"/>
+              <a:t>Recherche de problèmes</a:t>
+            </a:r>
+          </a:p>
+          <a:p>
+            <a:r>
+              <a:rPr lang="fr-FR" dirty="0" smtClean="0"/>
+              <a:t>Travail pédagogique0</a:t>
+            </a:r>
+          </a:p>
+          <a:p>
+            <a:r>
+              <a:rPr lang="fr-FR" dirty="0" smtClean="0"/>
+              <a:t>Notre travail != monographiques</a:t>
+            </a:r>
+          </a:p>
+        </p:txBody>
+      </p:sp>
+    </p:spTree>
+    <p:extLst>
+      <p:ext uri="{BB962C8B-B14F-4D97-AF65-F5344CB8AC3E}">
+        <p14:creationId xmlns:p14="http://schemas.microsoft.com/office/powerpoint/2010/main" val="3037999430"/>
       </p:ext>
     </p:extLst>
   </p:cSld>
@@ -3619,134 +4053,9 @@
   <p:timing>
     <p:tnLst>
       <p:par>
-        <p:cTn id="1" dur="indefinite" restart="never" nodeType="tmRoot">
-          <p:childTnLst>
-            <p:seq concurrent="1" nextAc="seek">
-              <p:cTn id="2" dur="indefinite" nodeType="mainSeq">
-                <p:childTnLst>
-                  <p:par>
-                    <p:cTn id="3" fill="hold">
-                      <p:stCondLst>
-                        <p:cond delay="indefinite"/>
-                      </p:stCondLst>
-                      <p:childTnLst>
-                        <p:par>
-                          <p:cTn id="4" fill="hold">
-                            <p:stCondLst>
-                              <p:cond delay="0"/>
-                            </p:stCondLst>
-                            <p:childTnLst>
-                              <p:par>
-                                <p:cTn id="5" presetID="42" presetClass="entr" presetSubtype="0" fill="hold" grpId="0" nodeType="clickEffect">
-                                  <p:stCondLst>
-                                    <p:cond delay="0"/>
-                                  </p:stCondLst>
-                                  <p:childTnLst>
-                                    <p:set>
-                                      <p:cBhvr>
-                                        <p:cTn id="6" dur="1" fill="hold">
-                                          <p:stCondLst>
-                                            <p:cond delay="0"/>
-                                          </p:stCondLst>
-                                        </p:cTn>
-                                        <p:tgtEl>
-                                          <p:spTgt spid="2"/>
-                                        </p:tgtEl>
-                                        <p:attrNameLst>
-                                          <p:attrName>style.visibility</p:attrName>
-                                        </p:attrNameLst>
-                                      </p:cBhvr>
-                                      <p:to>
-                                        <p:strVal val="visible"/>
-                                      </p:to>
-                                    </p:set>
-                                    <p:animEffect transition="in" filter="fade">
-                                      <p:cBhvr>
-                                        <p:cTn id="7" dur="1000"/>
-                                        <p:tgtEl>
-                                          <p:spTgt spid="2"/>
-                                        </p:tgtEl>
-                                      </p:cBhvr>
-                                    </p:animEffect>
-                                    <p:anim calcmode="lin" valueType="num">
-                                      <p:cBhvr>
-                                        <p:cTn id="8" dur="1000" fill="hold"/>
-                                        <p:tgtEl>
-                                          <p:spTgt spid="2"/>
-                                        </p:tgtEl>
-                                        <p:attrNameLst>
-                                          <p:attrName>ppt_x</p:attrName>
-                                        </p:attrNameLst>
-                                      </p:cBhvr>
-                                      <p:tavLst>
-                                        <p:tav tm="0">
-                                          <p:val>
-                                            <p:strVal val="#ppt_x"/>
-                                          </p:val>
-                                        </p:tav>
-                                        <p:tav tm="100000">
-                                          <p:val>
-                                            <p:strVal val="#ppt_x"/>
-                                          </p:val>
-                                        </p:tav>
-                                      </p:tavLst>
-                                    </p:anim>
-                                    <p:anim calcmode="lin" valueType="num">
-                                      <p:cBhvr>
-                                        <p:cTn id="9" dur="1000" fill="hold"/>
-                                        <p:tgtEl>
-                                          <p:spTgt spid="2"/>
-                                        </p:tgtEl>
-                                        <p:attrNameLst>
-                                          <p:attrName>ppt_y</p:attrName>
-                                        </p:attrNameLst>
-                                      </p:cBhvr>
-                                      <p:tavLst>
-                                        <p:tav tm="0">
-                                          <p:val>
-                                            <p:strVal val="#ppt_y+.1"/>
-                                          </p:val>
-                                        </p:tav>
-                                        <p:tav tm="100000">
-                                          <p:val>
-                                            <p:strVal val="#ppt_y"/>
-                                          </p:val>
-                                        </p:tav>
-                                      </p:tavLst>
-                                    </p:anim>
-                                  </p:childTnLst>
-                                </p:cTn>
-                              </p:par>
-                            </p:childTnLst>
-                          </p:cTn>
-                        </p:par>
-                      </p:childTnLst>
-                    </p:cTn>
-                  </p:par>
-                </p:childTnLst>
-              </p:cTn>
-              <p:prevCondLst>
-                <p:cond evt="onPrev" delay="0">
-                  <p:tgtEl>
-                    <p:sldTgt/>
-                  </p:tgtEl>
-                </p:cond>
-              </p:prevCondLst>
-              <p:nextCondLst>
-                <p:cond evt="onNext" delay="0">
-                  <p:tgtEl>
-                    <p:sldTgt/>
-                  </p:tgtEl>
-                </p:cond>
-              </p:nextCondLst>
-            </p:seq>
-          </p:childTnLst>
-        </p:cTn>
+        <p:cTn id="1" dur="indefinite" restart="never" nodeType="tmRoot"/>
       </p:par>
     </p:tnLst>
-    <p:bldLst>
-      <p:bldP spid="2" grpId="0"/>
-    </p:bldLst>
   </p:timing>
 </p:sld>
 </file>
@@ -3785,7 +4094,7 @@
           <a:p>
             <a:r>
               <a:rPr lang="fr-FR" dirty="0" smtClean="0"/>
-              <a:t>Types de problèmes</a:t>
+              <a:t>Principe d’un concours ACM</a:t>
             </a:r>
             <a:endParaRPr lang="fr-FR" dirty="0"/>
           </a:p>
@@ -3801,27 +4110,60 @@
             <p:ph idx="1"/>
           </p:nvPr>
         </p:nvSpPr>
-        <p:spPr/>
-        <p:txBody>
-          <a:bodyPr/>
-          <a:lstStyle/>
-          <a:p>
-            <a:r>
-              <a:rPr lang="fr-FR" dirty="0" smtClean="0"/>
-              <a:t>Problèmes algorithmiques</a:t>
-            </a:r>
-          </a:p>
-          <a:p>
-            <a:r>
-              <a:rPr lang="fr-FR" dirty="0" smtClean="0"/>
-              <a:t>Problèmes d’arbres / graphes</a:t>
-            </a:r>
-          </a:p>
-          <a:p>
-            <a:r>
-              <a:rPr lang="fr-FR" dirty="0" smtClean="0"/>
-              <a:t>Créer des structures de données</a:t>
-            </a:r>
+        <p:spPr>
+          <a:xfrm>
+            <a:off x="838200" y="1825625"/>
+            <a:ext cx="10515600" cy="4351338"/>
+          </a:xfrm>
+        </p:spPr>
+        <p:txBody>
+          <a:bodyPr/>
+          <a:lstStyle/>
+          <a:p>
+            <a:r>
+              <a:rPr lang="fr-FR" dirty="0" smtClean="0"/>
+              <a:t>Concours par équipe</a:t>
+            </a:r>
+          </a:p>
+          <a:p>
+            <a:r>
+              <a:rPr lang="fr-FR" dirty="0" smtClean="0"/>
+              <a:t>Résoudre un maximum de problèmes dans un temps donné</a:t>
+            </a:r>
+          </a:p>
+          <a:p>
+            <a:r>
+              <a:rPr lang="fr-FR" dirty="0" smtClean="0"/>
+              <a:t>Divers langages proposés</a:t>
+            </a:r>
+          </a:p>
+          <a:p>
+            <a:r>
+              <a:rPr lang="fr-FR" dirty="0" smtClean="0"/>
+              <a:t>Une mauvaise solution -&gt; </a:t>
+            </a:r>
+            <a:r>
+              <a:rPr lang="fr-FR" dirty="0" smtClean="0"/>
+              <a:t>pénalité</a:t>
+            </a:r>
+          </a:p>
+          <a:p>
+            <a:endParaRPr lang="fr-FR" dirty="0"/>
+          </a:p>
+          <a:p>
+            <a:r>
+              <a:rPr lang="fr-FR" dirty="0" smtClean="0"/>
+              <a:t>Challenge </a:t>
+            </a:r>
+            <a:r>
+              <a:rPr lang="fr-FR" dirty="0" smtClean="0">
+                <a:sym typeface="Wingdings" panose="05000000000000000000" pitchFamily="2" charset="2"/>
+              </a:rPr>
+              <a:t> culture générale et autres.. pour les étudiants et autre</a:t>
+            </a:r>
+            <a:endParaRPr lang="fr-FR" dirty="0" smtClean="0"/>
+          </a:p>
+          <a:p>
             <a:endParaRPr lang="fr-FR" dirty="0"/>
           </a:p>
         </p:txBody>
@@ -3829,7 +4171,7 @@
     </p:spTree>
     <p:extLst>
       <p:ext uri="{BB962C8B-B14F-4D97-AF65-F5344CB8AC3E}">
-        <p14:creationId xmlns:p14="http://schemas.microsoft.com/office/powerpoint/2010/main" val="2235859308"/>
+        <p14:creationId xmlns:p14="http://schemas.microsoft.com/office/powerpoint/2010/main" val="527292458"/>
       </p:ext>
     </p:extLst>
   </p:cSld>
@@ -3879,8 +4221,12 @@
           <a:lstStyle/>
           <a:p>
             <a:r>
-              <a:rPr lang="fr-FR" dirty="0" smtClean="0"/>
-              <a:t>Principe</a:t>
+              <a:rPr lang="fr-FR" dirty="0"/>
+              <a:t>P</a:t>
+            </a:r>
+            <a:r>
+              <a:rPr lang="fr-FR" dirty="0" smtClean="0"/>
+              <a:t>roblèmes</a:t>
             </a:r>
             <a:endParaRPr lang="fr-FR" dirty="0"/>
           </a:p>
@@ -3896,40 +4242,81 @@
             <p:ph idx="1"/>
           </p:nvPr>
         </p:nvSpPr>
-        <p:spPr>
-          <a:xfrm>
-            <a:off x="838200" y="1825625"/>
-            <a:ext cx="10515600" cy="4351338"/>
-          </a:xfrm>
-        </p:spPr>
-        <p:txBody>
-          <a:bodyPr/>
-          <a:lstStyle/>
-          <a:p>
-            <a:r>
-              <a:rPr lang="fr-FR" dirty="0" smtClean="0"/>
-              <a:t>Concours par équipe</a:t>
-            </a:r>
-          </a:p>
-          <a:p>
-            <a:r>
-              <a:rPr lang="fr-FR" dirty="0" smtClean="0"/>
-              <a:t>Résoudre un maximum de problèmes dans un temps donné</a:t>
-            </a:r>
-          </a:p>
-          <a:p>
-            <a:r>
-              <a:rPr lang="fr-FR" dirty="0" smtClean="0"/>
-              <a:t>Divers langages proposés</a:t>
-            </a:r>
-          </a:p>
-          <a:p>
-            <a:r>
-              <a:rPr lang="fr-FR" dirty="0" smtClean="0"/>
-              <a:t>Une mauvaise solution -&gt; pénalité</a:t>
-            </a:r>
-          </a:p>
-          <a:p>
+        <p:spPr/>
+        <p:txBody>
+          <a:bodyPr/>
+          <a:lstStyle/>
+          <a:p>
+            <a:r>
+              <a:rPr lang="fr-FR" dirty="0" smtClean="0"/>
+              <a:t>Types de problèmes</a:t>
+            </a:r>
+            <a:endParaRPr lang="fr-FR" dirty="0" smtClean="0"/>
+          </a:p>
+          <a:p>
+            <a:pPr lvl="1"/>
+            <a:r>
+              <a:rPr lang="fr-FR" dirty="0" smtClean="0"/>
+              <a:t>Problèmes de dénombrement.</a:t>
+            </a:r>
+          </a:p>
+          <a:p>
+            <a:pPr lvl="1"/>
+            <a:r>
+              <a:rPr lang="fr-FR" dirty="0" smtClean="0"/>
+              <a:t>Problème employant les structures de données classiques.</a:t>
+            </a:r>
+            <a:endParaRPr lang="fr-FR" dirty="0" smtClean="0"/>
+          </a:p>
+          <a:p>
+            <a:pPr lvl="1"/>
+            <a:r>
+              <a:rPr lang="fr-FR" dirty="0" smtClean="0"/>
+              <a:t>Problèmes d’arbres / </a:t>
+            </a:r>
+            <a:r>
+              <a:rPr lang="fr-FR" dirty="0" smtClean="0"/>
+              <a:t>graphes.</a:t>
+            </a:r>
+            <a:endParaRPr lang="fr-FR" dirty="0" smtClean="0"/>
+          </a:p>
+          <a:p>
+            <a:pPr lvl="1"/>
+            <a:r>
+              <a:rPr lang="fr-FR" dirty="0" smtClean="0"/>
+              <a:t>Créer des structures de </a:t>
+            </a:r>
+            <a:r>
+              <a:rPr lang="fr-FR" dirty="0" smtClean="0"/>
+              <a:t>données.</a:t>
+            </a:r>
+          </a:p>
+          <a:p>
+            <a:r>
+              <a:rPr lang="fr-FR" dirty="0" smtClean="0"/>
+              <a:t>Structures des problèmes</a:t>
+            </a:r>
+          </a:p>
+          <a:p>
+            <a:pPr lvl="1"/>
+            <a:r>
+              <a:rPr lang="fr-FR" dirty="0" smtClean="0"/>
+              <a:t>Faire sur feuille</a:t>
+            </a:r>
+          </a:p>
+          <a:p>
+            <a:pPr lvl="1"/>
+            <a:r>
+              <a:rPr lang="fr-FR" dirty="0" smtClean="0"/>
+              <a:t>Coder</a:t>
+            </a:r>
+          </a:p>
+          <a:p>
+            <a:pPr lvl="1"/>
+            <a:r>
+              <a:rPr lang="fr-FR" dirty="0" smtClean="0"/>
+              <a:t>Approfondissement</a:t>
+            </a:r>
             <a:endParaRPr lang="fr-FR" dirty="0"/>
           </a:p>
         </p:txBody>
@@ -3937,7 +4324,7 @@
     </p:spTree>
     <p:extLst>
       <p:ext uri="{BB962C8B-B14F-4D97-AF65-F5344CB8AC3E}">
-        <p14:creationId xmlns:p14="http://schemas.microsoft.com/office/powerpoint/2010/main" val="527292458"/>
+        <p14:creationId xmlns:p14="http://schemas.microsoft.com/office/powerpoint/2010/main" val="2235859308"/>
       </p:ext>
     </p:extLst>
   </p:cSld>
@@ -4143,18 +4530,10 @@
           <a:lstStyle/>
           <a:p>
             <a:r>
-              <a:rPr lang="fr-FR" dirty="0" smtClean="0"/>
-              <a:t>Déroulement:</a:t>
-            </a:r>
-            <a:r>
-              <a:rPr lang="fr-FR" dirty="0"/>
-              <a:t>	</a:t>
-            </a:r>
-            <a:r>
-              <a:rPr lang="fr-FR" u="sng" dirty="0" smtClean="0"/>
-              <a:t>Concours 1</a:t>
-            </a:r>
-            <a:endParaRPr lang="fr-FR" u="sng" dirty="0"/>
+              <a:rPr lang="fr-FR" dirty="0" err="1" smtClean="0"/>
+              <a:t>Deroulement</a:t>
+            </a:r>
+            <a:endParaRPr lang="fr-FR" dirty="0"/>
           </a:p>
         </p:txBody>
       </p:sp>
@@ -4175,56 +4554,22 @@
           <a:p>
             <a:r>
               <a:rPr lang="fr-FR" dirty="0" smtClean="0"/>
-              <a:t>Aide : parseur </a:t>
-            </a:r>
-            <a:r>
-              <a:rPr lang="fr-FR" dirty="0" smtClean="0">
-                <a:sym typeface="Wingdings" panose="05000000000000000000" pitchFamily="2" charset="2"/>
-              </a:rPr>
-              <a:t> </a:t>
-            </a:r>
-            <a:r>
-              <a:rPr lang="fr-FR" dirty="0" smtClean="0"/>
-              <a:t>entrées</a:t>
-            </a:r>
-          </a:p>
-          <a:p>
-            <a:r>
-              <a:rPr lang="fr-FR" dirty="0" smtClean="0"/>
-              <a:t>Modalité</a:t>
+              <a:t>Deux sessions</a:t>
             </a:r>
           </a:p>
           <a:p>
             <a:pPr lvl="1"/>
             <a:r>
               <a:rPr lang="fr-FR" dirty="0" smtClean="0"/>
-              <a:t>Niveau L1 MASS</a:t>
+              <a:t>Le 18 avril</a:t>
             </a:r>
           </a:p>
           <a:p>
             <a:pPr lvl="1"/>
             <a:r>
               <a:rPr lang="fr-FR" dirty="0" smtClean="0"/>
-              <a:t>Un seul langage: R</a:t>
-            </a:r>
-          </a:p>
-          <a:p>
-            <a:pPr lvl="1"/>
-            <a:r>
-              <a:rPr lang="fr-FR" dirty="0" smtClean="0"/>
-              <a:t>TP noté</a:t>
-            </a:r>
-            <a:endParaRPr lang="fr-FR" dirty="0"/>
-          </a:p>
-          <a:p>
-            <a:pPr lvl="1"/>
-            <a:r>
-              <a:rPr lang="fr-FR" dirty="0" smtClean="0"/>
-              <a:t>Inscription via one Drive</a:t>
-            </a:r>
-          </a:p>
-          <a:p>
-            <a:pPr lvl="1"/>
+              <a:t>Le 2 juin</a:t>
+            </a:r>
             <a:endParaRPr lang="fr-FR" dirty="0"/>
           </a:p>
         </p:txBody>
@@ -4232,7 +4577,7 @@
     </p:spTree>
     <p:extLst>
       <p:ext uri="{BB962C8B-B14F-4D97-AF65-F5344CB8AC3E}">
-        <p14:creationId xmlns:p14="http://schemas.microsoft.com/office/powerpoint/2010/main" val="57795309"/>
+        <p14:creationId xmlns:p14="http://schemas.microsoft.com/office/powerpoint/2010/main" val="2311990244"/>
       </p:ext>
     </p:extLst>
   </p:cSld>
@@ -4283,56 +4628,119 @@
           <a:p>
             <a:r>
               <a:rPr lang="fr-FR" dirty="0" smtClean="0"/>
-              <a:t>Enseignements retenus</a:t>
-            </a:r>
+              <a:t>Déroulement:</a:t>
+            </a:r>
+            <a:r>
+              <a:rPr lang="fr-FR" dirty="0"/>
+              <a:t>	</a:t>
+            </a:r>
+            <a:r>
+              <a:rPr lang="fr-FR" u="sng" dirty="0" smtClean="0"/>
+              <a:t>Concours </a:t>
+            </a:r>
+            <a:r>
+              <a:rPr lang="fr-FR" u="sng" dirty="0" smtClean="0"/>
+              <a:t>du 18 avril</a:t>
+            </a:r>
+            <a:endParaRPr lang="fr-FR" u="sng" dirty="0"/>
+          </a:p>
+        </p:txBody>
+      </p:sp>
+      <p:sp>
+        <p:nvSpPr>
+          <p:cNvPr id="3" name="Espace réservé du contenu 2"/>
+          <p:cNvSpPr>
+            <a:spLocks noGrp="1"/>
+          </p:cNvSpPr>
+          <p:nvPr>
+            <p:ph idx="1"/>
+          </p:nvPr>
+        </p:nvSpPr>
+        <p:spPr/>
+        <p:txBody>
+          <a:bodyPr/>
+          <a:lstStyle/>
+          <a:p>
+            <a:pPr marL="0" indent="0">
+              <a:buNone/>
+            </a:pPr>
+            <a:endParaRPr lang="fr-FR" dirty="0" smtClean="0"/>
+          </a:p>
+          <a:p>
+            <a:r>
+              <a:rPr lang="fr-FR" dirty="0" smtClean="0"/>
+              <a:t>Modalité</a:t>
+            </a:r>
+          </a:p>
+          <a:p>
+            <a:pPr lvl="1"/>
+            <a:r>
+              <a:rPr lang="fr-FR" dirty="0" smtClean="0"/>
+              <a:t>Niveau L1 </a:t>
+            </a:r>
+            <a:r>
+              <a:rPr lang="fr-FR" dirty="0" smtClean="0"/>
+              <a:t>MASS</a:t>
+            </a:r>
+          </a:p>
+          <a:p>
+            <a:pPr lvl="1"/>
+            <a:r>
+              <a:rPr lang="fr-FR" dirty="0"/>
+              <a:t>TP </a:t>
+            </a:r>
+            <a:r>
+              <a:rPr lang="fr-FR" dirty="0" smtClean="0"/>
+              <a:t>noté</a:t>
+            </a:r>
+            <a:endParaRPr lang="fr-FR" dirty="0" smtClean="0"/>
+          </a:p>
+          <a:p>
+            <a:pPr lvl="1"/>
+            <a:r>
+              <a:rPr lang="fr-FR" dirty="0" smtClean="0"/>
+              <a:t>Un seul langage: R</a:t>
+            </a:r>
+          </a:p>
+          <a:p>
+            <a:pPr lvl="1"/>
+            <a:r>
+              <a:rPr lang="fr-FR" dirty="0" smtClean="0"/>
+              <a:t>Inscription </a:t>
+            </a:r>
+            <a:r>
+              <a:rPr lang="fr-FR" dirty="0" smtClean="0"/>
+              <a:t>via one </a:t>
+            </a:r>
+            <a:r>
+              <a:rPr lang="fr-FR" dirty="0" smtClean="0"/>
+              <a:t>Drive</a:t>
+            </a:r>
+          </a:p>
+          <a:p>
+            <a:pPr lvl="1"/>
+            <a:endParaRPr lang="fr-FR" dirty="0" smtClean="0"/>
+          </a:p>
+          <a:p>
+            <a:r>
+              <a:rPr lang="fr-FR" u="sng" dirty="0" smtClean="0"/>
+              <a:t>Résultats</a:t>
+            </a:r>
+          </a:p>
+          <a:p>
+            <a:pPr lvl="1"/>
+            <a:endParaRPr lang="fr-FR" dirty="0" smtClean="0"/>
+          </a:p>
+          <a:p>
+            <a:pPr lvl="1"/>
             <a:endParaRPr lang="fr-FR" dirty="0"/>
-          </a:p>
-        </p:txBody>
-      </p:sp>
-      <p:sp>
-        <p:nvSpPr>
-          <p:cNvPr id="3" name="Espace réservé du contenu 2"/>
-          <p:cNvSpPr>
-            <a:spLocks noGrp="1"/>
-          </p:cNvSpPr>
-          <p:nvPr>
-            <p:ph idx="1"/>
-          </p:nvPr>
-        </p:nvSpPr>
-        <p:spPr/>
-        <p:txBody>
-          <a:bodyPr/>
-          <a:lstStyle/>
-          <a:p>
-            <a:r>
-              <a:rPr lang="fr-FR" dirty="0" smtClean="0"/>
-              <a:t>Mieux gérer les inscriptions</a:t>
-            </a:r>
-          </a:p>
-          <a:p>
-            <a:r>
-              <a:rPr lang="fr-FR" dirty="0" smtClean="0"/>
-              <a:t>Clarté des énoncés</a:t>
-            </a:r>
-          </a:p>
-          <a:p>
-            <a:r>
-              <a:rPr lang="fr-FR" dirty="0" smtClean="0"/>
-              <a:t>Tests + encadrés</a:t>
-            </a:r>
-          </a:p>
-          <a:p>
-            <a:r>
-              <a:rPr lang="fr-FR" dirty="0" smtClean="0"/>
-              <a:t>Rodage</a:t>
-            </a:r>
           </a:p>
         </p:txBody>
       </p:sp>
     </p:spTree>
     <p:extLst>
       <p:ext uri="{BB962C8B-B14F-4D97-AF65-F5344CB8AC3E}">
-        <p14:creationId xmlns:p14="http://schemas.microsoft.com/office/powerpoint/2010/main" val="3049046324"/>
+        <p14:creationId xmlns:p14="http://schemas.microsoft.com/office/powerpoint/2010/main" val="57795309"/>
       </p:ext>
     </p:extLst>
   </p:cSld>
@@ -4383,7 +4791,7 @@
           <a:p>
             <a:r>
               <a:rPr lang="fr-FR" dirty="0" smtClean="0"/>
-              <a:t>Déroulement: 	Concours 2</a:t>
+              <a:t>Enseignements retenus</a:t>
             </a:r>
             <a:endParaRPr lang="fr-FR" dirty="0"/>
           </a:p>
@@ -4406,83 +4814,33 @@
           <a:p>
             <a:r>
               <a:rPr lang="fr-FR" dirty="0" smtClean="0"/>
-              <a:t>Inscription</a:t>
-            </a:r>
-          </a:p>
-          <a:p>
-            <a:pPr lvl="1"/>
-            <a:r>
-              <a:rPr lang="fr-FR" dirty="0" smtClean="0"/>
-              <a:t>Via cette page web </a:t>
-            </a:r>
-            <a:r>
-              <a:rPr lang="fr-FR" dirty="0" smtClean="0">
-                <a:hlinkClick r:id="rId2"/>
-              </a:rPr>
-              <a:t>http://concours-prog-unice.890m.com/</a:t>
-            </a:r>
-            <a:endParaRPr lang="fr-FR" dirty="0" smtClean="0"/>
-          </a:p>
-          <a:p>
-            <a:pPr lvl="1"/>
-            <a:r>
-              <a:rPr lang="fr-FR" dirty="0" smtClean="0"/>
-              <a:t>Par niveau (L1 avec L1 …)</a:t>
-            </a:r>
-          </a:p>
-          <a:p>
-            <a:r>
-              <a:rPr lang="fr-FR" dirty="0" smtClean="0"/>
-              <a:t>Modalité</a:t>
-            </a:r>
-          </a:p>
-          <a:p>
-            <a:pPr lvl="1"/>
-            <a:r>
-              <a:rPr lang="fr-FR" dirty="0" smtClean="0"/>
-              <a:t>Groupe : 4 étudiants max</a:t>
-            </a:r>
-          </a:p>
-          <a:p>
-            <a:pPr lvl="1"/>
-            <a:r>
-              <a:rPr lang="fr-FR" dirty="0" smtClean="0"/>
-              <a:t>Plusieurs langages (R - C - C++ - Java – Python)</a:t>
-            </a:r>
-          </a:p>
-          <a:p>
-            <a:pPr lvl="1"/>
-            <a:r>
-              <a:rPr lang="fr-FR" dirty="0" smtClean="0"/>
-              <a:t>Le vainqueur: le + de problèmes , le + vite</a:t>
-            </a:r>
-          </a:p>
-          <a:p>
-            <a:pPr lvl="1"/>
-            <a:r>
-              <a:rPr lang="fr-FR" dirty="0" smtClean="0"/>
-              <a:t>Récompenses</a:t>
-            </a:r>
-          </a:p>
-          <a:p>
-            <a:endParaRPr lang="fr-FR" dirty="0" smtClean="0"/>
-          </a:p>
-          <a:p>
-            <a:pPr lvl="1"/>
-            <a:endParaRPr lang="fr-FR" dirty="0" smtClean="0"/>
-          </a:p>
-          <a:p>
-            <a:pPr marL="457200" lvl="1" indent="0">
-              <a:buNone/>
-            </a:pPr>
-            <a:endParaRPr lang="fr-FR" dirty="0"/>
+              <a:t>Mieux gérer les inscriptions</a:t>
+            </a:r>
+          </a:p>
+          <a:p>
+            <a:r>
+              <a:rPr lang="fr-FR" dirty="0" smtClean="0"/>
+              <a:t>Clarté des énoncés</a:t>
+            </a:r>
+          </a:p>
+          <a:p>
+            <a:r>
+              <a:rPr lang="fr-FR" dirty="0" smtClean="0"/>
+              <a:t>Tests + encadrés</a:t>
+            </a:r>
+          </a:p>
+          <a:p>
+            <a:r>
+              <a:rPr lang="fr-FR" dirty="0" smtClean="0"/>
+              <a:t>Rodage</a:t>
+            </a:r>
           </a:p>
         </p:txBody>
       </p:sp>
     </p:spTree>
     <p:extLst>
       <p:ext uri="{BB962C8B-B14F-4D97-AF65-F5344CB8AC3E}">
-        <p14:creationId xmlns:p14="http://schemas.microsoft.com/office/powerpoint/2010/main" val="689196883"/>
+        <p14:creationId xmlns:p14="http://schemas.microsoft.com/office/powerpoint/2010/main" val="3049046324"/>
       </p:ext>
     </p:extLst>
   </p:cSld>

--- a/rapport/presentation.pptx
+++ b/rapport/presentation.pptx
@@ -3026,7 +3026,9 @@
         </p:nvSpPr>
         <p:spPr/>
         <p:txBody>
-          <a:bodyPr/>
+          <a:bodyPr>
+            <a:normAutofit lnSpcReduction="10000"/>
+          </a:bodyPr>
           <a:lstStyle/>
           <a:p>
             <a:r>
@@ -3058,7 +3060,20 @@
             </a:r>
             <a:r>
               <a:rPr lang="fr-FR" dirty="0" smtClean="0"/>
-              <a:t> Charles </a:t>
+              <a:t> </a:t>
+            </a:r>
+            <a:r>
+              <a:rPr lang="fr-FR" dirty="0" smtClean="0"/>
+              <a:t>Charles</a:t>
+            </a:r>
+          </a:p>
+          <a:p>
+            <a:endParaRPr lang="fr-FR" dirty="0"/>
+          </a:p>
+          <a:p>
+            <a:r>
+              <a:rPr lang="fr-FR" dirty="0" smtClean="0"/>
+              <a:t>M</a:t>
             </a:r>
             <a:endParaRPr lang="fr-FR" dirty="0"/>
           </a:p>
@@ -3122,11 +3137,7 @@
             </a:r>
             <a:r>
               <a:rPr lang="fr-FR" u="sng" dirty="0" smtClean="0"/>
-              <a:t>Concours </a:t>
-            </a:r>
-            <a:r>
-              <a:rPr lang="fr-FR" u="sng" dirty="0" smtClean="0"/>
-              <a:t>du </a:t>
+              <a:t>Concours du </a:t>
             </a:r>
             <a:r>
               <a:rPr lang="fr-FR" u="sng" dirty="0"/>
@@ -3134,7 +3145,11 @@
             </a:r>
             <a:r>
               <a:rPr lang="fr-FR" u="sng" dirty="0" smtClean="0"/>
-              <a:t> juin</a:t>
+              <a:t> </a:t>
+            </a:r>
+            <a:r>
+              <a:rPr lang="fr-FR" u="sng" dirty="0" smtClean="0"/>
+              <a:t>juin	R</a:t>
             </a:r>
             <a:endParaRPr lang="fr-FR" u="sng" dirty="0"/>
           </a:p>
@@ -3173,7 +3188,6 @@
               <a:rPr lang="fr-FR" dirty="0" smtClean="0"/>
               <a:t>Via cette page web </a:t>
             </a:r>
-            <a:endParaRPr lang="fr-FR" dirty="0" smtClean="0"/>
           </a:p>
           <a:p>
             <a:pPr lvl="2"/>
@@ -3191,19 +3205,7 @@
               <a:rPr lang="fr-FR" dirty="0" smtClean="0">
                 <a:hlinkClick r:id="rId2"/>
               </a:rPr>
-              <a:t>http</a:t>
-            </a:r>
-            <a:r>
-              <a:rPr lang="fr-FR" dirty="0" smtClean="0">
-                <a:hlinkClick r:id="rId2"/>
-              </a:rPr>
-              <a:t>://concours-prog-unice.890m.com</a:t>
-            </a:r>
-            <a:r>
-              <a:rPr lang="fr-FR" dirty="0" smtClean="0">
-                <a:hlinkClick r:id="rId2"/>
-              </a:rPr>
-              <a:t>/</a:t>
+              <a:t>http://concours-prog-unice.890m.com/</a:t>
             </a:r>
             <a:endParaRPr lang="fr-FR" dirty="0" smtClean="0"/>
           </a:p>
@@ -3213,7 +3215,6 @@
               <a:rPr lang="fr-FR" dirty="0" smtClean="0"/>
               <a:t>Communication</a:t>
             </a:r>
-            <a:endParaRPr lang="fr-FR" dirty="0" smtClean="0"/>
           </a:p>
           <a:p>
             <a:pPr lvl="1"/>
@@ -3229,19 +3230,13 @@
               <a:rPr lang="fr-FR" dirty="0" smtClean="0"/>
               <a:t>inscrits</a:t>
             </a:r>
-            <a:endParaRPr lang="fr-FR" dirty="0" smtClean="0"/>
           </a:p>
           <a:p>
             <a:pPr lvl="1"/>
             <a:r>
               <a:rPr lang="fr-FR" dirty="0" smtClean="0"/>
-              <a:t>Par niveau (L1 avec L1 </a:t>
-            </a:r>
-            <a:r>
-              <a:rPr lang="fr-FR" dirty="0" smtClean="0"/>
-              <a:t>…)</a:t>
-            </a:r>
-            <a:endParaRPr lang="fr-FR" dirty="0" smtClean="0"/>
+              <a:t>Par niveau (L1 avec L1 …)</a:t>
+            </a:r>
           </a:p>
           <a:p>
             <a:r>
@@ -3253,13 +3248,8 @@
             <a:pPr lvl="1"/>
             <a:r>
               <a:rPr lang="fr-FR" dirty="0" smtClean="0"/>
-              <a:t>Groupe : 4 étudiants </a:t>
-            </a:r>
-            <a:r>
-              <a:rPr lang="fr-FR" dirty="0" smtClean="0"/>
-              <a:t>max</a:t>
-            </a:r>
-            <a:endParaRPr lang="fr-FR" dirty="0" smtClean="0"/>
+              <a:t>Groupe : 4 étudiants max</a:t>
+            </a:r>
           </a:p>
           <a:p>
             <a:pPr lvl="1"/>
@@ -3273,11 +3263,7 @@
             </a:r>
             <a:r>
               <a:rPr lang="fr-FR" dirty="0" smtClean="0"/>
-              <a:t> </a:t>
-            </a:r>
-            <a:r>
-              <a:rPr lang="fr-FR" dirty="0" smtClean="0"/>
-              <a:t>Python)</a:t>
+              <a:t> Python)</a:t>
             </a:r>
           </a:p>
           <a:p>
@@ -3363,7 +3349,11 @@
           <a:p>
             <a:r>
               <a:rPr lang="fr-FR" u="sng" dirty="0" smtClean="0"/>
-              <a:t>Etude de cas</a:t>
+              <a:t>Etude de </a:t>
+            </a:r>
+            <a:r>
+              <a:rPr lang="fr-FR" u="sng" dirty="0" smtClean="0"/>
+              <a:t>cas</a:t>
             </a:r>
             <a:endParaRPr lang="fr-FR" u="sng" dirty="0"/>
           </a:p>
@@ -3421,7 +3411,19 @@
           <a:p>
             <a:r>
               <a:rPr lang="fr-FR" dirty="0" smtClean="0"/>
-              <a:t>implémentation</a:t>
+              <a:t>Implémentation</a:t>
+            </a:r>
+          </a:p>
+          <a:p>
+            <a:endParaRPr lang="fr-FR" dirty="0"/>
+          </a:p>
+          <a:p>
+            <a:pPr marL="0" indent="0">
+              <a:buNone/>
+            </a:pPr>
+            <a:r>
+              <a:rPr lang="fr-FR" dirty="0" smtClean="0"/>
+              <a:t>Charles</a:t>
             </a:r>
             <a:endParaRPr lang="fr-FR" dirty="0"/>
           </a:p>
@@ -3528,34 +3530,59 @@
           <a:p>
             <a:r>
               <a:rPr lang="fr-FR" dirty="0" smtClean="0"/>
-              <a:t>Définitions des </a:t>
-            </a:r>
-            <a:r>
-              <a:rPr lang="fr-FR" dirty="0" smtClean="0"/>
-              <a:t>tests				Exemples</a:t>
-            </a:r>
+              <a:t>Définitions des tests				Exemples</a:t>
+            </a:r>
+          </a:p>
+          <a:p>
+            <a:pPr lvl="1"/>
+            <a:r>
+              <a:rPr lang="fr-FR" dirty="0" smtClean="0"/>
+              <a:t>Basiques</a:t>
+            </a:r>
+          </a:p>
+          <a:p>
+            <a:pPr lvl="1"/>
+            <a:r>
+              <a:rPr lang="fr-FR" dirty="0" smtClean="0"/>
+              <a:t>De performances</a:t>
+            </a:r>
+          </a:p>
+          <a:p>
+            <a:pPr lvl="1"/>
+            <a:r>
+              <a:rPr lang="fr-FR" dirty="0" smtClean="0"/>
+              <a:t>Cas </a:t>
+            </a:r>
+            <a:r>
+              <a:rPr lang="fr-FR" dirty="0" smtClean="0"/>
+              <a:t>limites</a:t>
+            </a:r>
+          </a:p>
+          <a:p>
+            <a:pPr lvl="1"/>
+            <a:endParaRPr lang="fr-FR" dirty="0"/>
+          </a:p>
+          <a:p>
+            <a:pPr marL="457200" lvl="1" indent="0">
+              <a:buNone/>
+            </a:pPr>
             <a:endParaRPr lang="fr-FR" dirty="0" smtClean="0"/>
           </a:p>
           <a:p>
-            <a:pPr lvl="1"/>
-            <a:r>
-              <a:rPr lang="fr-FR" dirty="0" smtClean="0"/>
-              <a:t>Basiques</a:t>
-            </a:r>
-          </a:p>
-          <a:p>
-            <a:pPr lvl="1"/>
-            <a:r>
-              <a:rPr lang="fr-FR" dirty="0" smtClean="0"/>
-              <a:t>De performances</a:t>
-            </a:r>
-          </a:p>
-          <a:p>
-            <a:pPr lvl="1"/>
-            <a:r>
-              <a:rPr lang="fr-FR" dirty="0" smtClean="0"/>
-              <a:t>Cas limites</a:t>
-            </a:r>
+            <a:pPr marL="457200" lvl="1" indent="0">
+              <a:buNone/>
+            </a:pPr>
+            <a:endParaRPr lang="fr-FR" dirty="0"/>
+          </a:p>
+          <a:p>
+            <a:pPr marL="457200" lvl="1" indent="0">
+              <a:buNone/>
+            </a:pPr>
+            <a:r>
+              <a:rPr lang="fr-FR" dirty="0" smtClean="0"/>
+              <a:t>Charles</a:t>
+            </a:r>
+            <a:endParaRPr lang="fr-FR" dirty="0" smtClean="0"/>
           </a:p>
           <a:p>
             <a:pPr lvl="1"/>
@@ -3641,7 +3668,11 @@
           <a:p>
             <a:r>
               <a:rPr lang="fr-FR" dirty="0" smtClean="0"/>
-              <a:t>Implémentation &amp; comparaison</a:t>
+              <a:t>Implémentation &amp; </a:t>
+            </a:r>
+            <a:r>
+              <a:rPr lang="fr-FR" dirty="0" smtClean="0"/>
+              <a:t>comparaison		Charles</a:t>
             </a:r>
             <a:endParaRPr lang="fr-FR" dirty="0"/>
           </a:p>
@@ -3727,7 +3758,7 @@
           <a:p>
             <a:r>
               <a:rPr lang="fr-FR" dirty="0" smtClean="0"/>
-              <a:t>Conclusion</a:t>
+              <a:t>Conclusion				Charles</a:t>
             </a:r>
             <a:endParaRPr lang="fr-FR" dirty="0"/>
           </a:p>
@@ -3963,7 +3994,11 @@
           <a:p>
             <a:r>
               <a:rPr lang="fr-FR" dirty="0" smtClean="0"/>
-              <a:t>Le projet</a:t>
+              <a:t>Le </a:t>
+            </a:r>
+            <a:r>
+              <a:rPr lang="fr-FR" dirty="0" smtClean="0"/>
+              <a:t>projet						M</a:t>
             </a:r>
             <a:endParaRPr lang="fr-FR" dirty="0"/>
           </a:p>
@@ -4094,7 +4129,11 @@
           <a:p>
             <a:r>
               <a:rPr lang="fr-FR" dirty="0" smtClean="0"/>
-              <a:t>Principe d’un concours ACM</a:t>
+              <a:t>Principe d’un concours </a:t>
+            </a:r>
+            <a:r>
+              <a:rPr lang="fr-FR" dirty="0" smtClean="0"/>
+              <a:t>ACM 	M</a:t>
             </a:r>
             <a:endParaRPr lang="fr-FR" dirty="0"/>
           </a:p>
@@ -4140,11 +4179,7 @@
           <a:p>
             <a:r>
               <a:rPr lang="fr-FR" dirty="0" smtClean="0"/>
-              <a:t>Une mauvaise solution -&gt; </a:t>
-            </a:r>
-            <a:r>
-              <a:rPr lang="fr-FR" dirty="0" smtClean="0"/>
-              <a:t>pénalité</a:t>
+              <a:t>Une mauvaise solution -&gt; pénalité</a:t>
             </a:r>
           </a:p>
           <a:p>
@@ -4221,12 +4256,8 @@
           <a:lstStyle/>
           <a:p>
             <a:r>
-              <a:rPr lang="fr-FR" dirty="0"/>
-              <a:t>P</a:t>
-            </a:r>
-            <a:r>
-              <a:rPr lang="fr-FR" dirty="0" smtClean="0"/>
-              <a:t>roblèmes</a:t>
+              <a:rPr lang="fr-FR" dirty="0" smtClean="0"/>
+              <a:t>Problèmes						M</a:t>
             </a:r>
             <a:endParaRPr lang="fr-FR" dirty="0"/>
           </a:p>
@@ -4251,7 +4282,6 @@
               <a:rPr lang="fr-FR" dirty="0" smtClean="0"/>
               <a:t>Types de problèmes</a:t>
             </a:r>
-            <a:endParaRPr lang="fr-FR" dirty="0" smtClean="0"/>
           </a:p>
           <a:p>
             <a:pPr lvl="1"/>
@@ -4266,29 +4296,19 @@
               <a:rPr lang="fr-FR" dirty="0" smtClean="0"/>
               <a:t>Problème employant les structures de données classiques.</a:t>
             </a:r>
-            <a:endParaRPr lang="fr-FR" dirty="0" smtClean="0"/>
           </a:p>
           <a:p>
             <a:pPr lvl="1"/>
             <a:r>
               <a:rPr lang="fr-FR" dirty="0" smtClean="0"/>
-              <a:t>Problèmes d’arbres / </a:t>
-            </a:r>
-            <a:r>
-              <a:rPr lang="fr-FR" dirty="0" smtClean="0"/>
-              <a:t>graphes.</a:t>
-            </a:r>
-            <a:endParaRPr lang="fr-FR" dirty="0" smtClean="0"/>
+              <a:t>Problèmes d’arbres / graphes.</a:t>
+            </a:r>
           </a:p>
           <a:p>
             <a:pPr lvl="1"/>
             <a:r>
               <a:rPr lang="fr-FR" dirty="0" smtClean="0"/>
-              <a:t>Créer des structures de </a:t>
-            </a:r>
-            <a:r>
-              <a:rPr lang="fr-FR" dirty="0" smtClean="0"/>
-              <a:t>données.</a:t>
+              <a:t>Créer des structures de données.</a:t>
             </a:r>
           </a:p>
           <a:p>
@@ -4375,7 +4395,7 @@
           <a:p>
             <a:r>
               <a:rPr lang="fr-FR" dirty="0" smtClean="0"/>
-              <a:t>Infrastructures</a:t>
+              <a:t>Infrastructures						R</a:t>
             </a:r>
             <a:endParaRPr lang="fr-FR" dirty="0"/>
           </a:p>
@@ -4530,8 +4550,8 @@
           <a:lstStyle/>
           <a:p>
             <a:r>
-              <a:rPr lang="fr-FR" dirty="0" err="1" smtClean="0"/>
-              <a:t>Deroulement</a:t>
+              <a:rPr lang="fr-FR" dirty="0" smtClean="0"/>
+              <a:t>Déroulement						R</a:t>
             </a:r>
             <a:endParaRPr lang="fr-FR" dirty="0"/>
           </a:p>
@@ -4636,13 +4656,17 @@
             </a:r>
             <a:r>
               <a:rPr lang="fr-FR" u="sng" dirty="0" smtClean="0"/>
-              <a:t>Concours </a:t>
+              <a:t>Concours du 18 </a:t>
             </a:r>
             <a:r>
               <a:rPr lang="fr-FR" u="sng" dirty="0" smtClean="0"/>
-              <a:t>du 18 avril</a:t>
-            </a:r>
-            <a:endParaRPr lang="fr-FR" u="sng" dirty="0"/>
+              <a:t>avril </a:t>
+            </a:r>
+            <a:r>
+              <a:rPr lang="fr-FR" dirty="0" smtClean="0"/>
+              <a:t>	R</a:t>
+            </a:r>
+            <a:endParaRPr lang="fr-FR" dirty="0"/>
           </a:p>
         </p:txBody>
       </p:sp>
@@ -4676,11 +4700,7 @@
             <a:pPr lvl="1"/>
             <a:r>
               <a:rPr lang="fr-FR" dirty="0" smtClean="0"/>
-              <a:t>Niveau L1 </a:t>
-            </a:r>
-            <a:r>
-              <a:rPr lang="fr-FR" dirty="0" smtClean="0"/>
-              <a:t>MASS</a:t>
+              <a:t>Niveau L1 MASS</a:t>
             </a:r>
           </a:p>
           <a:p>
@@ -4693,7 +4713,6 @@
               <a:rPr lang="fr-FR" dirty="0" smtClean="0"/>
               <a:t>noté</a:t>
             </a:r>
-            <a:endParaRPr lang="fr-FR" dirty="0" smtClean="0"/>
           </a:p>
           <a:p>
             <a:pPr lvl="1"/>
@@ -4706,15 +4725,7 @@
             <a:pPr lvl="1"/>
             <a:r>
               <a:rPr lang="fr-FR" dirty="0" smtClean="0"/>
-              <a:t>Inscription </a:t>
-            </a:r>
-            <a:r>
-              <a:rPr lang="fr-FR" dirty="0" smtClean="0"/>
-              <a:t>via one </a:t>
-            </a:r>
-            <a:r>
-              <a:rPr lang="fr-FR" dirty="0" smtClean="0"/>
-              <a:t>Drive</a:t>
+              <a:t>Inscription via one Drive</a:t>
             </a:r>
           </a:p>
           <a:p>
@@ -4791,7 +4802,11 @@
           <a:p>
             <a:r>
               <a:rPr lang="fr-FR" dirty="0" smtClean="0"/>
-              <a:t>Enseignements retenus</a:t>
+              <a:t>Enseignements </a:t>
+            </a:r>
+            <a:r>
+              <a:rPr lang="fr-FR" dirty="0" smtClean="0"/>
+              <a:t>retenus			R</a:t>
             </a:r>
             <a:endParaRPr lang="fr-FR" dirty="0"/>
           </a:p>

--- a/rapport/presentation.pptx
+++ b/rapport/presentation.pptx
@@ -3060,11 +3060,7 @@
             </a:r>
             <a:r>
               <a:rPr lang="fr-FR" dirty="0" smtClean="0"/>
-              <a:t> </a:t>
-            </a:r>
-            <a:r>
-              <a:rPr lang="fr-FR" dirty="0" smtClean="0"/>
-              <a:t>Charles</a:t>
+              <a:t> Charles</a:t>
             </a:r>
           </a:p>
           <a:p>
@@ -3145,11 +3141,7 @@
             </a:r>
             <a:r>
               <a:rPr lang="fr-FR" u="sng" dirty="0" smtClean="0"/>
-              <a:t> </a:t>
-            </a:r>
-            <a:r>
-              <a:rPr lang="fr-FR" u="sng" dirty="0" smtClean="0"/>
-              <a:t>juin	R</a:t>
+              <a:t> juin	R</a:t>
             </a:r>
             <a:endParaRPr lang="fr-FR" u="sng" dirty="0"/>
           </a:p>
@@ -3349,11 +3341,7 @@
           <a:p>
             <a:r>
               <a:rPr lang="fr-FR" u="sng" dirty="0" smtClean="0"/>
-              <a:t>Etude de </a:t>
-            </a:r>
-            <a:r>
-              <a:rPr lang="fr-FR" u="sng" dirty="0" smtClean="0"/>
-              <a:t>cas</a:t>
+              <a:t>Etude de cas</a:t>
             </a:r>
             <a:endParaRPr lang="fr-FR" u="sng" dirty="0"/>
           </a:p>
@@ -3551,11 +3539,7 @@
             <a:pPr lvl="1"/>
             <a:r>
               <a:rPr lang="fr-FR" dirty="0" smtClean="0"/>
-              <a:t>Cas </a:t>
-            </a:r>
-            <a:r>
-              <a:rPr lang="fr-FR" dirty="0" smtClean="0"/>
-              <a:t>limites</a:t>
+              <a:t>Cas limites</a:t>
             </a:r>
           </a:p>
           <a:p>
@@ -3582,7 +3566,6 @@
               <a:rPr lang="fr-FR" dirty="0" smtClean="0"/>
               <a:t>Charles</a:t>
             </a:r>
-            <a:endParaRPr lang="fr-FR" dirty="0" smtClean="0"/>
           </a:p>
           <a:p>
             <a:pPr lvl="1"/>
@@ -3668,11 +3651,7 @@
           <a:p>
             <a:r>
               <a:rPr lang="fr-FR" dirty="0" smtClean="0"/>
-              <a:t>Implémentation &amp; </a:t>
-            </a:r>
-            <a:r>
-              <a:rPr lang="fr-FR" dirty="0" smtClean="0"/>
-              <a:t>comparaison		Charles</a:t>
+              <a:t>Implémentation &amp; comparaison		Charles</a:t>
             </a:r>
             <a:endParaRPr lang="fr-FR" dirty="0"/>
           </a:p>
@@ -3800,8 +3779,17 @@
           <a:p>
             <a:r>
               <a:rPr lang="fr-FR" dirty="0" smtClean="0"/>
-              <a:t>Notre travail != monographiques</a:t>
-            </a:r>
+              <a:t>Notre travail </a:t>
+            </a:r>
+            <a:r>
+              <a:rPr lang="fr-FR" smtClean="0"/>
+              <a:t>!= </a:t>
+            </a:r>
+            <a:r>
+              <a:rPr lang="fr-FR" smtClean="0"/>
+              <a:t>monographique</a:t>
+            </a:r>
+            <a:endParaRPr lang="fr-FR" dirty="0" smtClean="0"/>
           </a:p>
         </p:txBody>
       </p:sp>
@@ -3994,11 +3982,7 @@
           <a:p>
             <a:r>
               <a:rPr lang="fr-FR" dirty="0" smtClean="0"/>
-              <a:t>Le </a:t>
-            </a:r>
-            <a:r>
-              <a:rPr lang="fr-FR" dirty="0" smtClean="0"/>
-              <a:t>projet						M</a:t>
+              <a:t>Le projet						M</a:t>
             </a:r>
             <a:endParaRPr lang="fr-FR" dirty="0"/>
           </a:p>
@@ -4129,11 +4113,7 @@
           <a:p>
             <a:r>
               <a:rPr lang="fr-FR" dirty="0" smtClean="0"/>
-              <a:t>Principe d’un concours </a:t>
-            </a:r>
-            <a:r>
-              <a:rPr lang="fr-FR" dirty="0" smtClean="0"/>
-              <a:t>ACM 	M</a:t>
+              <a:t>Principe d’un concours ACM 	M</a:t>
             </a:r>
             <a:endParaRPr lang="fr-FR" dirty="0"/>
           </a:p>
@@ -4656,11 +4636,7 @@
             </a:r>
             <a:r>
               <a:rPr lang="fr-FR" u="sng" dirty="0" smtClean="0"/>
-              <a:t>Concours du 18 </a:t>
-            </a:r>
-            <a:r>
-              <a:rPr lang="fr-FR" u="sng" dirty="0" smtClean="0"/>
-              <a:t>avril </a:t>
+              <a:t>Concours du 18 avril </a:t>
             </a:r>
             <a:r>
               <a:rPr lang="fr-FR" dirty="0" smtClean="0"/>
@@ -4802,11 +4778,7 @@
           <a:p>
             <a:r>
               <a:rPr lang="fr-FR" dirty="0" smtClean="0"/>
-              <a:t>Enseignements </a:t>
-            </a:r>
-            <a:r>
-              <a:rPr lang="fr-FR" dirty="0" smtClean="0"/>
-              <a:t>retenus			R</a:t>
+              <a:t>Enseignements retenus			R</a:t>
             </a:r>
             <a:endParaRPr lang="fr-FR" dirty="0"/>
           </a:p>

--- a/rapport/presentation.pptx
+++ b/rapport/presentation.pptx
@@ -3233,8 +3233,9 @@
           <a:p>
             <a:r>
               <a:rPr lang="fr-FR" dirty="0" smtClean="0"/>
-              <a:t>Modalité</a:t>
-            </a:r>
+              <a:t>Modalités</a:t>
+            </a:r>
+            <a:endParaRPr lang="fr-FR" dirty="0" smtClean="0"/>
           </a:p>
           <a:p>
             <a:pPr lvl="1"/>
@@ -3773,23 +3774,19 @@
           <a:p>
             <a:r>
               <a:rPr lang="fr-FR" dirty="0" smtClean="0"/>
-              <a:t>Travail pédagogique0</a:t>
-            </a:r>
-          </a:p>
-          <a:p>
-            <a:r>
-              <a:rPr lang="fr-FR" dirty="0" smtClean="0"/>
-              <a:t>Notre travail </a:t>
-            </a:r>
-            <a:r>
-              <a:rPr lang="fr-FR" smtClean="0"/>
-              <a:t>!= </a:t>
-            </a:r>
-            <a:r>
-              <a:rPr lang="fr-FR" smtClean="0"/>
-              <a:t>monographique</a:t>
+              <a:t>Travail </a:t>
+            </a:r>
+            <a:r>
+              <a:rPr lang="fr-FR" dirty="0" smtClean="0"/>
+              <a:t>pédagogique ??</a:t>
             </a:r>
             <a:endParaRPr lang="fr-FR" dirty="0" smtClean="0"/>
+          </a:p>
+          <a:p>
+            <a:r>
+              <a:rPr lang="fr-FR" dirty="0" smtClean="0"/>
+              <a:t>Notre travail != monographique</a:t>
+            </a:r>
           </a:p>
         </p:txBody>
       </p:sp>
@@ -4561,14 +4558,35 @@
             <a:pPr lvl="1"/>
             <a:r>
               <a:rPr lang="fr-FR" dirty="0" smtClean="0"/>
-              <a:t>Le 18 avril</a:t>
-            </a:r>
+              <a:t>Le 18 </a:t>
+            </a:r>
+            <a:r>
+              <a:rPr lang="fr-FR" dirty="0" smtClean="0"/>
+              <a:t>avril </a:t>
+            </a:r>
+            <a:r>
+              <a:rPr lang="fr-FR" dirty="0" smtClean="0">
+                <a:sym typeface="Wingdings" panose="05000000000000000000" pitchFamily="2" charset="2"/>
+              </a:rPr>
+              <a:t> TP noté</a:t>
+            </a:r>
+            <a:endParaRPr lang="fr-FR" dirty="0" smtClean="0"/>
           </a:p>
           <a:p>
             <a:pPr lvl="1"/>
             <a:r>
               <a:rPr lang="fr-FR" dirty="0" smtClean="0"/>
-              <a:t>Le 2 juin</a:t>
+              <a:t>Le 2 </a:t>
+            </a:r>
+            <a:r>
+              <a:rPr lang="fr-FR" dirty="0" smtClean="0"/>
+              <a:t>juin </a:t>
+            </a:r>
+            <a:r>
+              <a:rPr lang="fr-FR" dirty="0" smtClean="0">
+                <a:sym typeface="Wingdings" panose="05000000000000000000" pitchFamily="2" charset="2"/>
+              </a:rPr>
+              <a:t> Concours</a:t>
             </a:r>
             <a:endParaRPr lang="fr-FR" dirty="0"/>
           </a:p>
@@ -4669,8 +4687,9 @@
           <a:p>
             <a:r>
               <a:rPr lang="fr-FR" dirty="0" smtClean="0"/>
-              <a:t>Modalité</a:t>
-            </a:r>
+              <a:t>Modalités</a:t>
+            </a:r>
+            <a:endParaRPr lang="fr-FR" dirty="0" smtClean="0"/>
           </a:p>
           <a:p>
             <a:pPr lvl="1"/>

--- a/rapport/presentation.pptx
+++ b/rapport/presentation.pptx
@@ -10,15 +10,16 @@
     <p:sldId id="258" r:id="rId4"/>
     <p:sldId id="259" r:id="rId5"/>
     <p:sldId id="262" r:id="rId6"/>
-    <p:sldId id="260" r:id="rId7"/>
-    <p:sldId id="268" r:id="rId8"/>
+    <p:sldId id="270" r:id="rId7"/>
+    <p:sldId id="260" r:id="rId8"/>
     <p:sldId id="261" r:id="rId9"/>
     <p:sldId id="263" r:id="rId10"/>
     <p:sldId id="264" r:id="rId11"/>
     <p:sldId id="265" r:id="rId12"/>
     <p:sldId id="266" r:id="rId13"/>
     <p:sldId id="267" r:id="rId14"/>
-    <p:sldId id="269" r:id="rId15"/>
+    <p:sldId id="271" r:id="rId15"/>
+    <p:sldId id="269" r:id="rId16"/>
   </p:sldIdLst>
   <p:sldSz cx="12192000" cy="6858000"/>
   <p:notesSz cx="6858000" cy="9144000"/>
@@ -256,7 +257,7 @@
           <a:p>
             <a:fld id="{331F3861-252F-41A6-B732-450BB29D3688}" type="datetimeFigureOut">
               <a:rPr lang="fr-FR" smtClean="0"/>
-              <a:t>13/06/2016</a:t>
+              <a:t>14/06/2016</a:t>
             </a:fld>
             <a:endParaRPr lang="fr-FR"/>
           </a:p>
@@ -426,7 +427,7 @@
           <a:p>
             <a:fld id="{331F3861-252F-41A6-B732-450BB29D3688}" type="datetimeFigureOut">
               <a:rPr lang="fr-FR" smtClean="0"/>
-              <a:t>13/06/2016</a:t>
+              <a:t>14/06/2016</a:t>
             </a:fld>
             <a:endParaRPr lang="fr-FR"/>
           </a:p>
@@ -606,7 +607,7 @@
           <a:p>
             <a:fld id="{331F3861-252F-41A6-B732-450BB29D3688}" type="datetimeFigureOut">
               <a:rPr lang="fr-FR" smtClean="0"/>
-              <a:t>13/06/2016</a:t>
+              <a:t>14/06/2016</a:t>
             </a:fld>
             <a:endParaRPr lang="fr-FR"/>
           </a:p>
@@ -776,7 +777,7 @@
           <a:p>
             <a:fld id="{331F3861-252F-41A6-B732-450BB29D3688}" type="datetimeFigureOut">
               <a:rPr lang="fr-FR" smtClean="0"/>
-              <a:t>13/06/2016</a:t>
+              <a:t>14/06/2016</a:t>
             </a:fld>
             <a:endParaRPr lang="fr-FR"/>
           </a:p>
@@ -1022,7 +1023,7 @@
           <a:p>
             <a:fld id="{331F3861-252F-41A6-B732-450BB29D3688}" type="datetimeFigureOut">
               <a:rPr lang="fr-FR" smtClean="0"/>
-              <a:t>13/06/2016</a:t>
+              <a:t>14/06/2016</a:t>
             </a:fld>
             <a:endParaRPr lang="fr-FR"/>
           </a:p>
@@ -1254,7 +1255,7 @@
           <a:p>
             <a:fld id="{331F3861-252F-41A6-B732-450BB29D3688}" type="datetimeFigureOut">
               <a:rPr lang="fr-FR" smtClean="0"/>
-              <a:t>13/06/2016</a:t>
+              <a:t>14/06/2016</a:t>
             </a:fld>
             <a:endParaRPr lang="fr-FR"/>
           </a:p>
@@ -1621,7 +1622,7 @@
           <a:p>
             <a:fld id="{331F3861-252F-41A6-B732-450BB29D3688}" type="datetimeFigureOut">
               <a:rPr lang="fr-FR" smtClean="0"/>
-              <a:t>13/06/2016</a:t>
+              <a:t>14/06/2016</a:t>
             </a:fld>
             <a:endParaRPr lang="fr-FR"/>
           </a:p>
@@ -1739,7 +1740,7 @@
           <a:p>
             <a:fld id="{331F3861-252F-41A6-B732-450BB29D3688}" type="datetimeFigureOut">
               <a:rPr lang="fr-FR" smtClean="0"/>
-              <a:t>13/06/2016</a:t>
+              <a:t>14/06/2016</a:t>
             </a:fld>
             <a:endParaRPr lang="fr-FR"/>
           </a:p>
@@ -1834,7 +1835,7 @@
           <a:p>
             <a:fld id="{331F3861-252F-41A6-B732-450BB29D3688}" type="datetimeFigureOut">
               <a:rPr lang="fr-FR" smtClean="0"/>
-              <a:t>13/06/2016</a:t>
+              <a:t>14/06/2016</a:t>
             </a:fld>
             <a:endParaRPr lang="fr-FR"/>
           </a:p>
@@ -2111,7 +2112,7 @@
           <a:p>
             <a:fld id="{331F3861-252F-41A6-B732-450BB29D3688}" type="datetimeFigureOut">
               <a:rPr lang="fr-FR" smtClean="0"/>
-              <a:t>13/06/2016</a:t>
+              <a:t>14/06/2016</a:t>
             </a:fld>
             <a:endParaRPr lang="fr-FR"/>
           </a:p>
@@ -2364,7 +2365,7 @@
           <a:p>
             <a:fld id="{331F3861-252F-41A6-B732-450BB29D3688}" type="datetimeFigureOut">
               <a:rPr lang="fr-FR" smtClean="0"/>
-              <a:t>13/06/2016</a:t>
+              <a:t>14/06/2016</a:t>
             </a:fld>
             <a:endParaRPr lang="fr-FR"/>
           </a:p>
@@ -2577,7 +2578,7 @@
           <a:p>
             <a:fld id="{331F3861-252F-41A6-B732-450BB29D3688}" type="datetimeFigureOut">
               <a:rPr lang="fr-FR" smtClean="0"/>
-              <a:t>13/06/2016</a:t>
+              <a:t>14/06/2016</a:t>
             </a:fld>
             <a:endParaRPr lang="fr-FR"/>
           </a:p>
@@ -3165,7 +3166,7 @@
         </p:spPr>
         <p:txBody>
           <a:bodyPr>
-            <a:normAutofit fontScale="92500" lnSpcReduction="10000"/>
+            <a:normAutofit fontScale="92500" lnSpcReduction="20000"/>
           </a:bodyPr>
           <a:lstStyle/>
           <a:p>
@@ -3235,7 +3236,6 @@
               <a:rPr lang="fr-FR" dirty="0" smtClean="0"/>
               <a:t>Modalités</a:t>
             </a:r>
-            <a:endParaRPr lang="fr-FR" dirty="0" smtClean="0"/>
           </a:p>
           <a:p>
             <a:pPr lvl="1"/>
@@ -3272,6 +3272,13 @@
               <a:rPr lang="fr-FR" dirty="0" smtClean="0"/>
               <a:t>Récompenses</a:t>
             </a:r>
+          </a:p>
+          <a:p>
+            <a:r>
+              <a:rPr lang="fr-FR" dirty="0" smtClean="0"/>
+              <a:t>Résultats</a:t>
+            </a:r>
+            <a:endParaRPr lang="fr-FR" dirty="0" smtClean="0"/>
           </a:p>
           <a:p>
             <a:endParaRPr lang="fr-FR" dirty="0" smtClean="0"/>
@@ -3342,7 +3349,7 @@
           <a:p>
             <a:r>
               <a:rPr lang="fr-FR" u="sng" dirty="0" smtClean="0"/>
-              <a:t>Etude de cas</a:t>
+              <a:t>Exemple de résolution</a:t>
             </a:r>
             <a:endParaRPr lang="fr-FR" u="sng" dirty="0"/>
           </a:p>
@@ -3368,52 +3375,9 @@
           <a:bodyPr/>
           <a:lstStyle/>
           <a:p>
-            <a:r>
-              <a:rPr lang="fr-FR" dirty="0" smtClean="0"/>
-              <a:t>Un énoncé </a:t>
-            </a:r>
-            <a:r>
-              <a:rPr lang="fr-FR" dirty="0" smtClean="0">
-                <a:sym typeface="Wingdings" panose="05000000000000000000" pitchFamily="2" charset="2"/>
-              </a:rPr>
-              <a:t> </a:t>
-            </a:r>
-          </a:p>
-          <a:p>
             <a:pPr marL="0" indent="0">
               <a:buNone/>
             </a:pPr>
-            <a:r>
-              <a:rPr lang="fr-FR" dirty="0" smtClean="0"/>
-              <a:t>Le problème du 42</a:t>
-            </a:r>
-          </a:p>
-          <a:p>
-            <a:endParaRPr lang="fr-FR" dirty="0" smtClean="0"/>
-          </a:p>
-          <a:p>
-            <a:r>
-              <a:rPr lang="fr-FR" dirty="0" smtClean="0"/>
-              <a:t>Cas de tests</a:t>
-            </a:r>
-          </a:p>
-          <a:p>
-            <a:r>
-              <a:rPr lang="fr-FR" dirty="0" smtClean="0"/>
-              <a:t>Implémentation</a:t>
-            </a:r>
-          </a:p>
-          <a:p>
-            <a:endParaRPr lang="fr-FR" dirty="0"/>
-          </a:p>
-          <a:p>
-            <a:pPr marL="0" indent="0">
-              <a:buNone/>
-            </a:pPr>
-            <a:r>
-              <a:rPr lang="fr-FR" dirty="0" smtClean="0"/>
-              <a:t>Charles</a:t>
-            </a:r>
             <a:endParaRPr lang="fr-FR" dirty="0"/>
           </a:p>
         </p:txBody>
@@ -3434,8 +3398,8 @@
         </p:blipFill>
         <p:spPr>
           <a:xfrm>
-            <a:off x="4214948" y="825190"/>
-            <a:ext cx="7785463" cy="5270810"/>
+            <a:off x="4108931" y="1269726"/>
+            <a:ext cx="7785463" cy="4919627"/>
           </a:xfrm>
           <a:prstGeom prst="rect">
             <a:avLst/>
@@ -3540,7 +3504,11 @@
             <a:pPr lvl="1"/>
             <a:r>
               <a:rPr lang="fr-FR" dirty="0" smtClean="0"/>
-              <a:t>Cas limites</a:t>
+              <a:t>Correction cas </a:t>
+            </a:r>
+            <a:r>
+              <a:rPr lang="fr-FR" dirty="0" smtClean="0"/>
+              <a:t>limites</a:t>
             </a:r>
           </a:p>
           <a:p>
@@ -3551,6 +3519,19 @@
             <a:pPr marL="457200" lvl="1" indent="0">
               <a:buNone/>
             </a:pPr>
+            <a:r>
+              <a:rPr lang="fr-FR" dirty="0" smtClean="0"/>
+              <a:t>Test : avec 4 2</a:t>
+            </a:r>
+          </a:p>
+          <a:p>
+            <a:pPr marL="457200" lvl="1" indent="0">
+              <a:buNone/>
+            </a:pPr>
+            <a:r>
+              <a:rPr lang="fr-FR" dirty="0" smtClean="0"/>
+              <a:t>Et sans 42</a:t>
+            </a:r>
             <a:endParaRPr lang="fr-FR" dirty="0" smtClean="0"/>
           </a:p>
           <a:p>
@@ -3738,6 +3719,86 @@
           <a:p>
             <a:r>
               <a:rPr lang="fr-FR" dirty="0" smtClean="0"/>
+              <a:t>Exemple de soumission : </a:t>
+            </a:r>
+            <a:r>
+              <a:rPr lang="fr-FR" dirty="0" err="1" smtClean="0"/>
+              <a:t>screen</a:t>
+            </a:r>
+            <a:r>
+              <a:rPr lang="fr-FR" dirty="0" smtClean="0"/>
+              <a:t> IHM</a:t>
+            </a:r>
+            <a:endParaRPr lang="fr-FR" dirty="0"/>
+          </a:p>
+        </p:txBody>
+      </p:sp>
+      <p:sp>
+        <p:nvSpPr>
+          <p:cNvPr id="3" name="Espace réservé du contenu 2"/>
+          <p:cNvSpPr>
+            <a:spLocks noGrp="1"/>
+          </p:cNvSpPr>
+          <p:nvPr>
+            <p:ph idx="1"/>
+          </p:nvPr>
+        </p:nvSpPr>
+        <p:spPr/>
+        <p:txBody>
+          <a:bodyPr/>
+          <a:lstStyle/>
+          <a:p>
+            <a:endParaRPr lang="fr-FR"/>
+          </a:p>
+        </p:txBody>
+      </p:sp>
+    </p:spTree>
+    <p:extLst>
+      <p:ext uri="{BB962C8B-B14F-4D97-AF65-F5344CB8AC3E}">
+        <p14:creationId xmlns:p14="http://schemas.microsoft.com/office/powerpoint/2010/main" val="3684689392"/>
+      </p:ext>
+    </p:extLst>
+  </p:cSld>
+  <p:clrMapOvr>
+    <a:masterClrMapping/>
+  </p:clrMapOvr>
+</p:sld>
+</file>
+
+<file path=ppt/slides/slide15.xml><?xml version="1.0" encoding="utf-8"?>
+<p:sld xmlns:a="http://schemas.openxmlformats.org/drawingml/2006/main" xmlns:r="http://schemas.openxmlformats.org/officeDocument/2006/relationships" xmlns:p="http://schemas.openxmlformats.org/presentationml/2006/main">
+  <p:cSld>
+    <p:spTree>
+      <p:nvGrpSpPr>
+        <p:cNvPr id="1" name=""/>
+        <p:cNvGrpSpPr/>
+        <p:nvPr/>
+      </p:nvGrpSpPr>
+      <p:grpSpPr>
+        <a:xfrm>
+          <a:off x="0" y="0"/>
+          <a:ext cx="0" cy="0"/>
+          <a:chOff x="0" y="0"/>
+          <a:chExt cx="0" cy="0"/>
+        </a:xfrm>
+      </p:grpSpPr>
+      <p:sp>
+        <p:nvSpPr>
+          <p:cNvPr id="2" name="Titre 1"/>
+          <p:cNvSpPr>
+            <a:spLocks noGrp="1"/>
+          </p:cNvSpPr>
+          <p:nvPr>
+            <p:ph type="title"/>
+          </p:nvPr>
+        </p:nvSpPr>
+        <p:spPr/>
+        <p:txBody>
+          <a:bodyPr/>
+          <a:lstStyle/>
+          <a:p>
+            <a:r>
+              <a:rPr lang="fr-FR" dirty="0" smtClean="0"/>
               <a:t>Conclusion				Charles</a:t>
             </a:r>
             <a:endParaRPr lang="fr-FR" dirty="0"/>
@@ -3761,7 +3822,7 @@
           <a:p>
             <a:r>
               <a:rPr lang="fr-FR" dirty="0" smtClean="0"/>
-              <a:t>Déploiement</a:t>
+              <a:t>Déploiement de l’infrastructure</a:t>
             </a:r>
             <a:endParaRPr lang="fr-FR" dirty="0"/>
           </a:p>
@@ -3774,19 +3835,52 @@
           <a:p>
             <a:r>
               <a:rPr lang="fr-FR" dirty="0" smtClean="0"/>
-              <a:t>Travail </a:t>
-            </a:r>
-            <a:r>
-              <a:rPr lang="fr-FR" dirty="0" smtClean="0"/>
-              <a:t>pédagogique ??</a:t>
+              <a:t>Travail pédagogique ??</a:t>
+            </a:r>
+          </a:p>
+          <a:p>
+            <a:r>
+              <a:rPr lang="fr-FR" dirty="0" smtClean="0"/>
+              <a:t>Notre travail != </a:t>
+            </a:r>
+            <a:r>
+              <a:rPr lang="fr-FR" dirty="0" smtClean="0"/>
+              <a:t>monographique </a:t>
+            </a:r>
+            <a:r>
+              <a:rPr lang="fr-FR" dirty="0" err="1" smtClean="0"/>
+              <a:t>multitache</a:t>
             </a:r>
             <a:endParaRPr lang="fr-FR" dirty="0" smtClean="0"/>
           </a:p>
           <a:p>
             <a:r>
               <a:rPr lang="fr-FR" dirty="0" smtClean="0"/>
-              <a:t>Notre travail != monographique</a:t>
-            </a:r>
+              <a:t>Succès au niveau des 2 concours </a:t>
+            </a:r>
+          </a:p>
+          <a:p>
+            <a:r>
+              <a:rPr lang="fr-FR" dirty="0" smtClean="0"/>
+              <a:t>Intéressant : différentes taches : </a:t>
+            </a:r>
+            <a:r>
+              <a:rPr lang="fr-FR" dirty="0" err="1" smtClean="0"/>
+              <a:t>prog</a:t>
+            </a:r>
+            <a:r>
+              <a:rPr lang="fr-FR" dirty="0" smtClean="0"/>
+              <a:t> / com / gestion </a:t>
+            </a:r>
+            <a:r>
+              <a:rPr lang="fr-FR" dirty="0" err="1" smtClean="0"/>
+              <a:t>etu</a:t>
+            </a:r>
+            <a:r>
+              <a:rPr lang="fr-FR" dirty="0" smtClean="0"/>
+              <a:t> / </a:t>
+            </a:r>
+            <a:endParaRPr lang="fr-FR" dirty="0" smtClean="0"/>
           </a:p>
         </p:txBody>
       </p:sp>
@@ -3873,8 +3967,9 @@
           <a:p>
             <a:r>
               <a:rPr lang="fr-FR" dirty="0" smtClean="0"/>
-              <a:t>Principe</a:t>
-            </a:r>
+              <a:t>Principe d’un concours</a:t>
+            </a:r>
+            <a:endParaRPr lang="fr-FR" dirty="0" smtClean="0"/>
           </a:p>
           <a:p>
             <a:r>
@@ -3885,8 +3980,9 @@
           <a:p>
             <a:r>
               <a:rPr lang="fr-FR" dirty="0" smtClean="0"/>
-              <a:t>Infrastructures</a:t>
-            </a:r>
+              <a:t>Infrastructures : déploiement PC²</a:t>
+            </a:r>
+            <a:endParaRPr lang="fr-FR" dirty="0" smtClean="0"/>
           </a:p>
           <a:p>
             <a:r>
@@ -3997,20 +4093,109 @@
         </p:nvSpPr>
         <p:spPr/>
         <p:txBody>
-          <a:bodyPr/>
-          <a:lstStyle/>
-          <a:p>
-            <a:r>
-              <a:rPr lang="fr-FR" dirty="0" smtClean="0"/>
-              <a:t>Organiser un concours de programmation au sein de l’université.</a:t>
+          <a:bodyPr>
+            <a:normAutofit fontScale="77500" lnSpcReduction="20000"/>
+          </a:bodyPr>
+          <a:lstStyle/>
+          <a:p>
+            <a:r>
+              <a:rPr lang="fr-FR" dirty="0" smtClean="0"/>
+              <a:t>Organiser un concours de programmation au sein de </a:t>
+            </a:r>
+            <a:r>
+              <a:rPr lang="fr-FR" dirty="0" smtClean="0"/>
+              <a:t>l’université </a:t>
+            </a:r>
+          </a:p>
+          <a:p>
+            <a:r>
+              <a:rPr lang="fr-FR" dirty="0" smtClean="0"/>
+              <a:t>(</a:t>
+            </a:r>
+            <a:r>
+              <a:rPr lang="fr-FR" dirty="0" err="1" smtClean="0"/>
+              <a:t>blabla</a:t>
+            </a:r>
+            <a:r>
+              <a:rPr lang="fr-FR" dirty="0" smtClean="0"/>
+              <a:t> sur le </a:t>
+            </a:r>
+            <a:r>
+              <a:rPr lang="fr-FR" dirty="0" err="1" smtClean="0"/>
+              <a:t>concour</a:t>
+            </a:r>
+            <a:r>
+              <a:rPr lang="fr-FR" dirty="0" smtClean="0"/>
+              <a:t> </a:t>
+            </a:r>
+            <a:r>
+              <a:rPr lang="fr-FR" dirty="0" err="1" smtClean="0"/>
+              <a:t>acm</a:t>
+            </a:r>
+            <a:r>
+              <a:rPr lang="fr-FR" dirty="0" smtClean="0"/>
+              <a:t>: c’est quoi ? Depuis quand ? Qui y participe ?) adaptation local</a:t>
             </a:r>
             <a:endParaRPr lang="fr-FR" dirty="0"/>
           </a:p>
           <a:p>
             <a:r>
               <a:rPr lang="fr-FR" dirty="0" smtClean="0"/>
-              <a:t>Motivation : notions transversales</a:t>
-            </a:r>
+              <a:t>Motivation : notions </a:t>
+            </a:r>
+            <a:r>
+              <a:rPr lang="fr-FR" dirty="0" smtClean="0"/>
+              <a:t>transversales </a:t>
+            </a:r>
+          </a:p>
+          <a:p>
+            <a:r>
+              <a:rPr lang="fr-FR" dirty="0" smtClean="0"/>
+              <a:t>(+</a:t>
+            </a:r>
+            <a:r>
+              <a:rPr lang="fr-FR" dirty="0" err="1" smtClean="0"/>
+              <a:t>cible:etu</a:t>
+            </a:r>
+            <a:r>
+              <a:rPr lang="fr-FR" dirty="0" smtClean="0"/>
+              <a:t> &amp; prof)</a:t>
+            </a:r>
+          </a:p>
+          <a:p>
+            <a:r>
+              <a:rPr lang="fr-FR" dirty="0" smtClean="0"/>
+              <a:t>Court </a:t>
+            </a:r>
+            <a:r>
+              <a:rPr lang="fr-FR" dirty="0" err="1" smtClean="0"/>
+              <a:t>term</a:t>
+            </a:r>
+            <a:r>
+              <a:rPr lang="fr-FR" dirty="0" smtClean="0"/>
+              <a:t> : </a:t>
+            </a:r>
+            <a:r>
+              <a:rPr lang="fr-FR" dirty="0" err="1" smtClean="0"/>
+              <a:t>tp</a:t>
+            </a:r>
+            <a:r>
+              <a:rPr lang="fr-FR" dirty="0" smtClean="0"/>
+              <a:t> noté et premier concours</a:t>
+            </a:r>
+          </a:p>
+          <a:p>
+            <a:r>
+              <a:rPr lang="fr-FR" dirty="0" smtClean="0"/>
+              <a:t>Moyen terme : intégrer a l’enseignement de manière régulière</a:t>
+            </a:r>
+          </a:p>
+          <a:p>
+            <a:r>
+              <a:rPr lang="fr-FR" dirty="0" smtClean="0"/>
+              <a:t>Long terme  : participation d’un équipe au concours ACM + devenir centre d’examen </a:t>
+            </a:r>
+            <a:endParaRPr lang="fr-FR" dirty="0" smtClean="0"/>
           </a:p>
           <a:p>
             <a:pPr lvl="1"/>
@@ -4133,7 +4318,9 @@
           </a:xfrm>
         </p:spPr>
         <p:txBody>
-          <a:bodyPr/>
+          <a:bodyPr>
+            <a:normAutofit fontScale="92500" lnSpcReduction="20000"/>
+          </a:bodyPr>
           <a:lstStyle/>
           <a:p>
             <a:r>
@@ -4150,14 +4337,35 @@
           <a:p>
             <a:r>
               <a:rPr lang="fr-FR" dirty="0" smtClean="0"/>
-              <a:t>Divers langages proposés</a:t>
-            </a:r>
-          </a:p>
-          <a:p>
-            <a:r>
-              <a:rPr lang="fr-FR" dirty="0" smtClean="0"/>
-              <a:t>Une mauvaise solution -&gt; pénalité</a:t>
-            </a:r>
+              <a:t>Divers langages </a:t>
+            </a:r>
+            <a:r>
+              <a:rPr lang="fr-FR" dirty="0" smtClean="0"/>
+              <a:t>proposés</a:t>
+            </a:r>
+          </a:p>
+          <a:p>
+            <a:r>
+              <a:rPr lang="fr-FR" dirty="0" smtClean="0"/>
+              <a:t>Basé sur l’</a:t>
+            </a:r>
+            <a:r>
+              <a:rPr lang="fr-FR" dirty="0" err="1" smtClean="0"/>
+              <a:t>algorithmie</a:t>
+            </a:r>
+            <a:r>
+              <a:rPr lang="fr-FR" dirty="0" smtClean="0"/>
+              <a:t>, </a:t>
+            </a:r>
+            <a:r>
+              <a:rPr lang="fr-FR" dirty="0" err="1" smtClean="0"/>
+              <a:t>struct</a:t>
+            </a:r>
+            <a:r>
+              <a:rPr lang="fr-FR" dirty="0" smtClean="0"/>
+              <a:t> de donnée, entrées &amp; sorties basique </a:t>
+            </a:r>
+            <a:endParaRPr lang="fr-FR" dirty="0" smtClean="0"/>
           </a:p>
           <a:p>
             <a:endParaRPr lang="fr-FR" dirty="0"/>
@@ -4171,7 +4379,90 @@
               <a:rPr lang="fr-FR" dirty="0" smtClean="0">
                 <a:sym typeface="Wingdings" panose="05000000000000000000" pitchFamily="2" charset="2"/>
               </a:rPr>
-              <a:t> culture générale et autres.. pour les étudiants et autre</a:t>
+              <a:t> culture générale et autres.. pour les étudiants et </a:t>
+            </a:r>
+            <a:r>
+              <a:rPr lang="fr-FR" dirty="0" smtClean="0">
+                <a:sym typeface="Wingdings" panose="05000000000000000000" pitchFamily="2" charset="2"/>
+              </a:rPr>
+              <a:t>autre</a:t>
+            </a:r>
+          </a:p>
+          <a:p>
+            <a:r>
+              <a:rPr lang="fr-FR" dirty="0" smtClean="0">
+                <a:sym typeface="Wingdings" panose="05000000000000000000" pitchFamily="2" charset="2"/>
+              </a:rPr>
+              <a:t>Rapidité de compréhension au </a:t>
+            </a:r>
+            <a:r>
+              <a:rPr lang="fr-FR" dirty="0" err="1" smtClean="0">
+                <a:sym typeface="Wingdings" panose="05000000000000000000" pitchFamily="2" charset="2"/>
+              </a:rPr>
+              <a:t>problemes</a:t>
+            </a:r>
+            <a:endParaRPr lang="fr-FR" dirty="0" smtClean="0">
+              <a:sym typeface="Wingdings" panose="05000000000000000000" pitchFamily="2" charset="2"/>
+            </a:endParaRPr>
+          </a:p>
+          <a:p>
+            <a:r>
+              <a:rPr lang="fr-FR" dirty="0" smtClean="0">
+                <a:sym typeface="Wingdings" panose="05000000000000000000" pitchFamily="2" charset="2"/>
+              </a:rPr>
+              <a:t>Proposition d’un solution sans aide/guidage</a:t>
+            </a:r>
+          </a:p>
+          <a:p>
+            <a:r>
+              <a:rPr lang="fr-FR" dirty="0" smtClean="0">
+                <a:sym typeface="Wingdings" panose="05000000000000000000" pitchFamily="2" charset="2"/>
+              </a:rPr>
+              <a:t>Choix du </a:t>
+            </a:r>
+            <a:r>
+              <a:rPr lang="fr-FR" dirty="0" err="1" smtClean="0">
+                <a:sym typeface="Wingdings" panose="05000000000000000000" pitchFamily="2" charset="2"/>
+              </a:rPr>
+              <a:t>langague</a:t>
+            </a:r>
+            <a:r>
+              <a:rPr lang="fr-FR" dirty="0" smtClean="0">
+                <a:sym typeface="Wingdings" panose="05000000000000000000" pitchFamily="2" charset="2"/>
+              </a:rPr>
+              <a:t> optimal selon le </a:t>
+            </a:r>
+            <a:r>
+              <a:rPr lang="fr-FR" dirty="0" err="1" smtClean="0">
+                <a:sym typeface="Wingdings" panose="05000000000000000000" pitchFamily="2" charset="2"/>
+              </a:rPr>
+              <a:t>probleme</a:t>
+            </a:r>
+            <a:r>
+              <a:rPr lang="fr-FR" dirty="0" smtClean="0">
+                <a:sym typeface="Wingdings" panose="05000000000000000000" pitchFamily="2" charset="2"/>
+              </a:rPr>
+              <a:t> </a:t>
+            </a:r>
+          </a:p>
+          <a:p>
+            <a:r>
+              <a:rPr lang="fr-FR" dirty="0" err="1" smtClean="0">
+                <a:sym typeface="Wingdings" panose="05000000000000000000" pitchFamily="2" charset="2"/>
+              </a:rPr>
+              <a:t>Réfléxion</a:t>
+            </a:r>
+            <a:r>
+              <a:rPr lang="fr-FR" dirty="0" smtClean="0">
+                <a:sym typeface="Wingdings" panose="05000000000000000000" pitchFamily="2" charset="2"/>
+              </a:rPr>
+              <a:t> aux cas de tests </a:t>
+            </a:r>
+            <a:r>
+              <a:rPr lang="fr-FR" dirty="0" err="1" smtClean="0">
+                <a:sym typeface="Wingdings" panose="05000000000000000000" pitchFamily="2" charset="2"/>
+              </a:rPr>
+              <a:t>ambigue</a:t>
             </a:r>
             <a:endParaRPr lang="fr-FR" dirty="0" smtClean="0"/>
           </a:p>
@@ -4252,13 +4543,30 @@
         </p:nvSpPr>
         <p:spPr/>
         <p:txBody>
-          <a:bodyPr/>
-          <a:lstStyle/>
-          <a:p>
-            <a:r>
-              <a:rPr lang="fr-FR" dirty="0" smtClean="0"/>
-              <a:t>Types de problèmes</a:t>
-            </a:r>
+          <a:bodyPr>
+            <a:normAutofit lnSpcReduction="10000"/>
+          </a:bodyPr>
+          <a:lstStyle/>
+          <a:p>
+            <a:r>
+              <a:rPr lang="fr-FR" dirty="0" smtClean="0"/>
+              <a:t>But : que tous les monde arrive a faire quelque chose</a:t>
+            </a:r>
+          </a:p>
+          <a:p>
+            <a:r>
+              <a:rPr lang="fr-FR" dirty="0" smtClean="0"/>
+              <a:t>Types </a:t>
+            </a:r>
+            <a:r>
+              <a:rPr lang="fr-FR" dirty="0" smtClean="0"/>
+              <a:t>de </a:t>
+            </a:r>
+            <a:r>
+              <a:rPr lang="fr-FR" dirty="0" smtClean="0"/>
+              <a:t>problèmes (+différencier le niveau)</a:t>
+            </a:r>
+            <a:endParaRPr lang="fr-FR" dirty="0" smtClean="0"/>
           </a:p>
           <a:p>
             <a:pPr lvl="1"/>
@@ -4298,23 +4606,28 @@
             <a:pPr lvl="1"/>
             <a:r>
               <a:rPr lang="fr-FR" dirty="0" smtClean="0"/>
-              <a:t>Faire sur feuille</a:t>
-            </a:r>
+              <a:t>Faire sur </a:t>
+            </a:r>
+            <a:r>
+              <a:rPr lang="fr-FR" dirty="0" smtClean="0"/>
+              <a:t>feuille : pour que les plus faibles fasse quelque chose. Pour les plus fort les obliger a réfléchir avant de coder.</a:t>
+            </a:r>
+            <a:endParaRPr lang="fr-FR" dirty="0" smtClean="0"/>
           </a:p>
           <a:p>
             <a:pPr lvl="1"/>
             <a:r>
               <a:rPr lang="fr-FR" dirty="0" smtClean="0"/>
-              <a:t>Coder</a:t>
-            </a:r>
+              <a:t>Coder : implémenté une solution au problème.</a:t>
+            </a:r>
+            <a:endParaRPr lang="fr-FR" dirty="0" smtClean="0"/>
           </a:p>
           <a:p>
             <a:pPr lvl="1"/>
             <a:r>
               <a:rPr lang="fr-FR" dirty="0" smtClean="0"/>
-              <a:t>Approfondissement</a:t>
-            </a:r>
-            <a:endParaRPr lang="fr-FR" dirty="0"/>
+              <a:t>Approfondissement : rajout d’une difficulté sur le problème de base.</a:t>
+            </a:r>
           </a:p>
         </p:txBody>
       </p:sp>
@@ -4372,7 +4685,7 @@
           <a:p>
             <a:r>
               <a:rPr lang="fr-FR" dirty="0" smtClean="0"/>
-              <a:t>Infrastructures						R</a:t>
+              <a:t>Déploiement concours + problème</a:t>
             </a:r>
             <a:endParaRPr lang="fr-FR" dirty="0"/>
           </a:p>
@@ -4395,102 +4708,47 @@
           <a:p>
             <a:r>
               <a:rPr lang="fr-FR" dirty="0" smtClean="0"/>
-              <a:t>PC2</a:t>
-            </a:r>
-          </a:p>
-          <a:p>
-            <a:pPr lvl="1"/>
-            <a:r>
-              <a:rPr lang="fr-FR" dirty="0" smtClean="0"/>
-              <a:t>Serveur</a:t>
-            </a:r>
-          </a:p>
-          <a:p>
-            <a:pPr lvl="2"/>
-            <a:r>
-              <a:rPr lang="fr-FR" dirty="0" smtClean="0"/>
-              <a:t>Evaluation des soumissions.</a:t>
-            </a:r>
-          </a:p>
-          <a:p>
-            <a:pPr lvl="2"/>
-            <a:r>
-              <a:rPr lang="fr-FR" dirty="0" smtClean="0"/>
-              <a:t>Configurable à souhait. (problèmes (tests) , langages , concours)</a:t>
-            </a:r>
-          </a:p>
-          <a:p>
-            <a:pPr marL="914400" lvl="2" indent="0">
+              <a:t>Expliquer comment faire</a:t>
+            </a:r>
+          </a:p>
+          <a:p>
+            <a:r>
+              <a:rPr lang="fr-FR" dirty="0" smtClean="0"/>
+              <a:t>Admin : consulter les résultats des </a:t>
+            </a:r>
+            <a:r>
+              <a:rPr lang="fr-FR" dirty="0" err="1" smtClean="0"/>
+              <a:t>execution</a:t>
+            </a:r>
+            <a:r>
+              <a:rPr lang="fr-FR" dirty="0" smtClean="0"/>
+              <a:t> des soumissions des étudiants</a:t>
+            </a:r>
+          </a:p>
+          <a:p>
+            <a:pPr marL="0" indent="0">
+              <a:buNone/>
+            </a:pPr>
+            <a:endParaRPr lang="fr-FR" dirty="0" smtClean="0"/>
+          </a:p>
+          <a:p>
+            <a:pPr marL="0" indent="0">
               <a:buNone/>
             </a:pPr>
             <a:endParaRPr lang="fr-FR" dirty="0"/>
-          </a:p>
-          <a:p>
-            <a:pPr lvl="1"/>
-            <a:r>
-              <a:rPr lang="fr-FR" dirty="0" smtClean="0"/>
-              <a:t>Client</a:t>
-            </a:r>
-          </a:p>
-          <a:p>
-            <a:pPr lvl="2"/>
-            <a:r>
-              <a:rPr lang="fr-FR" dirty="0" smtClean="0"/>
-              <a:t>Interface homme machine -&gt; soumission des participants</a:t>
-            </a:r>
-          </a:p>
-          <a:p>
-            <a:r>
-              <a:rPr lang="fr-FR" dirty="0" smtClean="0"/>
-              <a:t>GitHub</a:t>
-            </a:r>
-          </a:p>
-          <a:p>
-            <a:pPr lvl="1"/>
-            <a:r>
-              <a:rPr lang="fr-FR" dirty="0" smtClean="0"/>
-              <a:t>Publication des énoncés / parseurs</a:t>
-            </a:r>
-          </a:p>
-          <a:p>
-            <a:pPr lvl="1"/>
-            <a:r>
-              <a:rPr lang="fr-FR" dirty="0" smtClean="0"/>
-              <a:t>Privé </a:t>
-            </a:r>
-            <a:r>
-              <a:rPr lang="fr-FR" dirty="0" smtClean="0">
-                <a:sym typeface="Wingdings" panose="05000000000000000000" pitchFamily="2" charset="2"/>
-              </a:rPr>
-              <a:t> Public</a:t>
-            </a:r>
-            <a:endParaRPr lang="fr-FR" dirty="0" smtClean="0"/>
-          </a:p>
-          <a:p>
-            <a:pPr marL="0" indent="0">
-              <a:buNone/>
-            </a:pPr>
-            <a:endParaRPr lang="fr-FR" dirty="0" smtClean="0"/>
           </a:p>
         </p:txBody>
       </p:sp>
     </p:spTree>
     <p:extLst>
       <p:ext uri="{BB962C8B-B14F-4D97-AF65-F5344CB8AC3E}">
-        <p14:creationId xmlns:p14="http://schemas.microsoft.com/office/powerpoint/2010/main" val="1720632288"/>
+        <p14:creationId xmlns:p14="http://schemas.microsoft.com/office/powerpoint/2010/main" val="3689753773"/>
       </p:ext>
     </p:extLst>
   </p:cSld>
   <p:clrMapOvr>
     <a:masterClrMapping/>
   </p:clrMapOvr>
-  <p:timing>
-    <p:tnLst>
-      <p:par>
-        <p:cTn id="1" dur="indefinite" restart="never" nodeType="tmRoot"/>
-      </p:par>
-    </p:tnLst>
-  </p:timing>
 </p:sld>
 </file>
 
@@ -4528,7 +4786,7 @@
           <a:p>
             <a:r>
               <a:rPr lang="fr-FR" dirty="0" smtClean="0"/>
-              <a:t>Déroulement						R</a:t>
+              <a:t>Infrastructures						R</a:t>
             </a:r>
             <a:endParaRPr lang="fr-FR" dirty="0"/>
           </a:p>
@@ -4546,56 +4804,156 @@
         </p:nvSpPr>
         <p:spPr/>
         <p:txBody>
-          <a:bodyPr/>
-          <a:lstStyle/>
-          <a:p>
-            <a:r>
-              <a:rPr lang="fr-FR" dirty="0" smtClean="0"/>
-              <a:t>Deux sessions</a:t>
-            </a:r>
+          <a:bodyPr>
+            <a:normAutofit fontScale="92500" lnSpcReduction="20000"/>
+          </a:bodyPr>
+          <a:lstStyle/>
+          <a:p>
+            <a:r>
+              <a:rPr lang="fr-FR" dirty="0" smtClean="0"/>
+              <a:t>Avec l’aide du CRIPS au 3</a:t>
+            </a:r>
+            <a:r>
+              <a:rPr lang="fr-FR" baseline="30000" dirty="0" smtClean="0"/>
+              <a:t>ème</a:t>
+            </a:r>
+            <a:r>
+              <a:rPr lang="fr-FR" dirty="0" smtClean="0"/>
+              <a:t> étage du petit </a:t>
+            </a:r>
+            <a:r>
+              <a:rPr lang="fr-FR" dirty="0" err="1"/>
+              <a:t>V</a:t>
+            </a:r>
+            <a:r>
+              <a:rPr lang="fr-FR" dirty="0" err="1" smtClean="0"/>
+              <a:t>alrose</a:t>
+            </a:r>
+            <a:endParaRPr lang="fr-FR" dirty="0" smtClean="0"/>
+          </a:p>
+          <a:p>
+            <a:r>
+              <a:rPr lang="fr-FR" dirty="0" smtClean="0"/>
+              <a:t>PC2 Application Java </a:t>
+            </a:r>
+            <a:r>
+              <a:rPr lang="fr-FR" dirty="0" err="1" smtClean="0"/>
+              <a:t>Client/Serveur</a:t>
+            </a:r>
+            <a:endParaRPr lang="fr-FR" dirty="0" smtClean="0"/>
           </a:p>
           <a:p>
             <a:pPr lvl="1"/>
             <a:r>
               <a:rPr lang="fr-FR" dirty="0" smtClean="0"/>
-              <a:t>Le 18 </a:t>
-            </a:r>
-            <a:r>
-              <a:rPr lang="fr-FR" dirty="0" smtClean="0"/>
-              <a:t>avril </a:t>
+              <a:t>Serveur</a:t>
+            </a:r>
+          </a:p>
+          <a:p>
+            <a:pPr lvl="2"/>
+            <a:r>
+              <a:rPr lang="fr-FR" dirty="0" smtClean="0"/>
+              <a:t>Evaluation des soumissions.</a:t>
+            </a:r>
+          </a:p>
+          <a:p>
+            <a:pPr lvl="2"/>
+            <a:r>
+              <a:rPr lang="fr-FR" dirty="0" smtClean="0"/>
+              <a:t>Configurable à souhait. (problèmes (tests) , langages , concours)</a:t>
+            </a:r>
+          </a:p>
+          <a:p>
+            <a:pPr marL="914400" lvl="2" indent="0">
+              <a:buNone/>
+            </a:pPr>
+            <a:endParaRPr lang="fr-FR" dirty="0"/>
+          </a:p>
+          <a:p>
+            <a:pPr lvl="1"/>
+            <a:r>
+              <a:rPr lang="fr-FR" dirty="0" smtClean="0"/>
+              <a:t>Client</a:t>
+            </a:r>
+          </a:p>
+          <a:p>
+            <a:pPr lvl="2"/>
+            <a:r>
+              <a:rPr lang="fr-FR" dirty="0" smtClean="0"/>
+              <a:t>Interface homme machine -&gt; soumission des participants</a:t>
+            </a:r>
+          </a:p>
+          <a:p>
+            <a:r>
+              <a:rPr lang="fr-FR" dirty="0" smtClean="0"/>
+              <a:t>GitHub</a:t>
+            </a:r>
+          </a:p>
+          <a:p>
+            <a:pPr lvl="1"/>
+            <a:r>
+              <a:rPr lang="fr-FR" dirty="0" smtClean="0"/>
+              <a:t>Pourquoi ? Pas d’hébergement / </a:t>
+            </a:r>
+            <a:r>
+              <a:rPr lang="fr-FR" dirty="0" err="1" smtClean="0"/>
+              <a:t>markdown</a:t>
+            </a:r>
+            <a:r>
+              <a:rPr lang="fr-FR" dirty="0" smtClean="0"/>
+              <a:t>(pratique pour afficher du code) / collaboratif / but pédagogique (faire découvrir au </a:t>
+            </a:r>
+            <a:r>
+              <a:rPr lang="fr-FR" dirty="0" err="1" smtClean="0"/>
+              <a:t>étu</a:t>
+            </a:r>
+            <a:r>
+              <a:rPr lang="fr-FR" dirty="0" smtClean="0"/>
+              <a:t> cette plateforme connu)</a:t>
+            </a:r>
+            <a:endParaRPr lang="fr-FR" dirty="0" smtClean="0"/>
+          </a:p>
+          <a:p>
+            <a:pPr lvl="1"/>
+            <a:r>
+              <a:rPr lang="fr-FR" dirty="0" smtClean="0"/>
+              <a:t>Publication des énoncés </a:t>
+            </a:r>
+            <a:r>
+              <a:rPr lang="fr-FR" dirty="0" smtClean="0"/>
+              <a:t>&amp; aide : </a:t>
+            </a:r>
+            <a:r>
+              <a:rPr lang="fr-FR" dirty="0" smtClean="0"/>
+              <a:t>parseurs</a:t>
+            </a:r>
+          </a:p>
+          <a:p>
+            <a:pPr lvl="1"/>
+            <a:r>
+              <a:rPr lang="fr-FR" dirty="0" smtClean="0"/>
+              <a:t>Privé </a:t>
             </a:r>
             <a:r>
               <a:rPr lang="fr-FR" dirty="0" smtClean="0">
                 <a:sym typeface="Wingdings" panose="05000000000000000000" pitchFamily="2" charset="2"/>
               </a:rPr>
-              <a:t> TP noté</a:t>
+              <a:t> Public</a:t>
             </a:r>
             <a:endParaRPr lang="fr-FR" dirty="0" smtClean="0"/>
           </a:p>
           <a:p>
-            <a:pPr lvl="1"/>
-            <a:r>
-              <a:rPr lang="fr-FR" dirty="0" smtClean="0"/>
-              <a:t>Le 2 </a:t>
-            </a:r>
-            <a:r>
-              <a:rPr lang="fr-FR" dirty="0" smtClean="0"/>
-              <a:t>juin </a:t>
-            </a:r>
-            <a:r>
-              <a:rPr lang="fr-FR" dirty="0" smtClean="0">
-                <a:sym typeface="Wingdings" panose="05000000000000000000" pitchFamily="2" charset="2"/>
-              </a:rPr>
-              <a:t> Concours</a:t>
-            </a:r>
-            <a:endParaRPr lang="fr-FR" dirty="0"/>
+            <a:pPr marL="0" indent="0">
+              <a:buNone/>
+            </a:pPr>
+            <a:endParaRPr lang="fr-FR" dirty="0" smtClean="0"/>
           </a:p>
         </p:txBody>
       </p:sp>
     </p:spTree>
     <p:extLst>
       <p:ext uri="{BB962C8B-B14F-4D97-AF65-F5344CB8AC3E}">
-        <p14:creationId xmlns:p14="http://schemas.microsoft.com/office/powerpoint/2010/main" val="2311990244"/>
+        <p14:creationId xmlns:p14="http://schemas.microsoft.com/office/powerpoint/2010/main" val="1720632288"/>
       </p:ext>
     </p:extLst>
   </p:cSld>
@@ -4676,7 +5034,9 @@
         </p:nvSpPr>
         <p:spPr/>
         <p:txBody>
-          <a:bodyPr/>
+          <a:bodyPr>
+            <a:normAutofit fontScale="92500" lnSpcReduction="20000"/>
+          </a:bodyPr>
           <a:lstStyle/>
           <a:p>
             <a:pPr marL="0" indent="0">
@@ -4689,7 +5049,6 @@
               <a:rPr lang="fr-FR" dirty="0" smtClean="0"/>
               <a:t>Modalités</a:t>
             </a:r>
-            <a:endParaRPr lang="fr-FR" dirty="0" smtClean="0"/>
           </a:p>
           <a:p>
             <a:pPr lvl="1"/>
@@ -4720,8 +5079,55 @@
             <a:pPr lvl="1"/>
             <a:r>
               <a:rPr lang="fr-FR" dirty="0" smtClean="0"/>
-              <a:t>Inscription via one Drive</a:t>
-            </a:r>
+              <a:t>Inscription via one </a:t>
+            </a:r>
+            <a:r>
+              <a:rPr lang="fr-FR" dirty="0" smtClean="0"/>
+              <a:t>Drive</a:t>
+            </a:r>
+          </a:p>
+          <a:p>
+            <a:pPr lvl="1"/>
+            <a:r>
+              <a:rPr lang="fr-FR" dirty="0" smtClean="0"/>
+              <a:t>Nombre d’étudiant + vrai nom de la matière / sur 3 salles / </a:t>
+            </a:r>
+            <a:r>
+              <a:rPr lang="fr-FR" dirty="0" err="1" smtClean="0"/>
+              <a:t>acceuil</a:t>
+            </a:r>
+            <a:r>
+              <a:rPr lang="fr-FR" dirty="0"/>
+              <a:t> </a:t>
+            </a:r>
+            <a:r>
+              <a:rPr lang="fr-FR" dirty="0" smtClean="0"/>
+              <a:t>et aide des étudiants</a:t>
+            </a:r>
+          </a:p>
+          <a:p>
+            <a:pPr lvl="1"/>
+            <a:r>
+              <a:rPr lang="fr-FR" dirty="0" smtClean="0"/>
+              <a:t>Nombre de </a:t>
+            </a:r>
+            <a:r>
+              <a:rPr lang="fr-FR" dirty="0" err="1" smtClean="0"/>
+              <a:t>probleme</a:t>
+            </a:r>
+            <a:r>
+              <a:rPr lang="fr-FR" dirty="0" smtClean="0"/>
+              <a:t> ( séparé en 3 : feuille -&gt; code -&gt; </a:t>
+            </a:r>
+            <a:r>
+              <a:rPr lang="fr-FR" dirty="0" err="1" smtClean="0"/>
+              <a:t>plsu</a:t>
+            </a:r>
+            <a:r>
+              <a:rPr lang="fr-FR" dirty="0" smtClean="0"/>
+              <a:t> hard)</a:t>
+            </a:r>
+            <a:endParaRPr lang="fr-FR" dirty="0" smtClean="0"/>
           </a:p>
           <a:p>
             <a:pPr lvl="1"/>
@@ -4735,6 +5141,41 @@
           </a:p>
           <a:p>
             <a:pPr lvl="1"/>
+            <a:r>
+              <a:rPr lang="fr-FR" u="sng" dirty="0" smtClean="0"/>
+              <a:t>Statistique vite faite. Tous le monde a </a:t>
+            </a:r>
+            <a:r>
+              <a:rPr lang="fr-FR" u="sng" dirty="0" err="1" smtClean="0"/>
+              <a:t>reussi</a:t>
+            </a:r>
+            <a:r>
+              <a:rPr lang="fr-FR" u="sng" dirty="0" smtClean="0"/>
+              <a:t> a faire quelque chose (au moins les </a:t>
+            </a:r>
+            <a:r>
+              <a:rPr lang="fr-FR" u="sng" dirty="0" err="1" smtClean="0"/>
+              <a:t>probleme</a:t>
+            </a:r>
+            <a:r>
+              <a:rPr lang="fr-FR" u="sng" dirty="0" smtClean="0"/>
+              <a:t> sur papier)</a:t>
+            </a:r>
+          </a:p>
+          <a:p>
+            <a:pPr lvl="1"/>
+            <a:r>
+              <a:rPr lang="fr-FR" u="sng" dirty="0" smtClean="0"/>
+              <a:t>Les meilleurs tant de </a:t>
+            </a:r>
+            <a:r>
+              <a:rPr lang="fr-FR" u="sng" dirty="0" err="1" smtClean="0"/>
+              <a:t>probleme</a:t>
+            </a:r>
+            <a:r>
+              <a:rPr lang="fr-FR" u="sng" dirty="0" smtClean="0"/>
+              <a:t> sur X</a:t>
+            </a:r>
             <a:endParaRPr lang="fr-FR" dirty="0" smtClean="0"/>
           </a:p>
           <a:p>
@@ -4820,26 +5261,74 @@
           <a:p>
             <a:r>
               <a:rPr lang="fr-FR" dirty="0" smtClean="0"/>
-              <a:t>Mieux gérer les inscriptions</a:t>
-            </a:r>
-          </a:p>
-          <a:p>
-            <a:r>
-              <a:rPr lang="fr-FR" dirty="0" smtClean="0"/>
-              <a:t>Clarté des énoncés</a:t>
-            </a:r>
-          </a:p>
-          <a:p>
-            <a:r>
-              <a:rPr lang="fr-FR" dirty="0" smtClean="0"/>
-              <a:t>Tests + encadrés</a:t>
-            </a:r>
-          </a:p>
-          <a:p>
-            <a:r>
-              <a:rPr lang="fr-FR" dirty="0" smtClean="0"/>
-              <a:t>Rodage</a:t>
-            </a:r>
+              <a:t>Mieux gérer les </a:t>
+            </a:r>
+            <a:r>
+              <a:rPr lang="fr-FR" dirty="0" smtClean="0"/>
+              <a:t>inscriptions</a:t>
+            </a:r>
+          </a:p>
+          <a:p>
+            <a:r>
+              <a:rPr lang="fr-FR" dirty="0" smtClean="0"/>
+              <a:t>Amélioré la gestion des inscriptions de dernière minutes</a:t>
+            </a:r>
+            <a:endParaRPr lang="fr-FR" dirty="0" smtClean="0"/>
+          </a:p>
+          <a:p>
+            <a:r>
+              <a:rPr lang="fr-FR" dirty="0" smtClean="0"/>
+              <a:t>Clarté des </a:t>
+            </a:r>
+            <a:r>
+              <a:rPr lang="fr-FR" dirty="0" smtClean="0"/>
+              <a:t>énoncés </a:t>
+            </a:r>
+          </a:p>
+          <a:p>
+            <a:r>
+              <a:rPr lang="fr-FR" dirty="0" smtClean="0"/>
+              <a:t>La rédaction des énonces doit être très soignée</a:t>
+            </a:r>
+            <a:endParaRPr lang="fr-FR" dirty="0" smtClean="0"/>
+          </a:p>
+          <a:p>
+            <a:r>
+              <a:rPr lang="fr-FR" dirty="0" smtClean="0"/>
+              <a:t>Tests </a:t>
+            </a:r>
+            <a:r>
+              <a:rPr lang="fr-FR" dirty="0" smtClean="0"/>
+              <a:t>plus robustes et </a:t>
+            </a:r>
+            <a:r>
+              <a:rPr lang="fr-FR" dirty="0" err="1" smtClean="0"/>
+              <a:t>éxhaustif</a:t>
+            </a:r>
+            <a:r>
+              <a:rPr lang="fr-FR" dirty="0" smtClean="0"/>
+              <a:t> pour la correction du programme</a:t>
+            </a:r>
+          </a:p>
+          <a:p>
+            <a:r>
+              <a:rPr lang="fr-FR" dirty="0" smtClean="0"/>
+              <a:t>Attention au formats d’entrées et de sorties</a:t>
+            </a:r>
+          </a:p>
+          <a:p>
+            <a:r>
+              <a:rPr lang="fr-FR" dirty="0" err="1" smtClean="0"/>
+              <a:t>Execution</a:t>
+            </a:r>
+            <a:r>
+              <a:rPr lang="fr-FR" dirty="0" smtClean="0"/>
+              <a:t> de code a distances</a:t>
+            </a:r>
+            <a:endParaRPr lang="fr-FR" dirty="0" smtClean="0"/>
+          </a:p>
+          <a:p>
+            <a:endParaRPr lang="fr-FR" dirty="0" smtClean="0"/>
           </a:p>
         </p:txBody>
       </p:sp>

--- a/rapport/presentation.pptx
+++ b/rapport/presentation.pptx
@@ -2,7 +2,7 @@
 <file path=ppt/presentation.xml><?xml version="1.0" encoding="utf-8"?>
 <p:presentation xmlns:a="http://schemas.openxmlformats.org/drawingml/2006/main" xmlns:r="http://schemas.openxmlformats.org/officeDocument/2006/relationships" xmlns:p="http://schemas.openxmlformats.org/presentationml/2006/main" saveSubsetFonts="1">
   <p:sldMasterIdLst>
-    <p:sldMasterId id="2147483648" r:id="rId1"/>
+    <p:sldMasterId id="2147483771" r:id="rId1"/>
   </p:sldMasterIdLst>
   <p:sldIdLst>
     <p:sldId id="256" r:id="rId2"/>
@@ -127,7 +127,7 @@
 </file>
 
 <file path=ppt/slideLayouts/slideLayout1.xml><?xml version="1.0" encoding="utf-8"?>
-<p:sldLayout xmlns:a="http://schemas.openxmlformats.org/drawingml/2006/main" xmlns:r="http://schemas.openxmlformats.org/officeDocument/2006/relationships" xmlns:p="http://schemas.openxmlformats.org/presentationml/2006/main" type="title" preserve="1">
+<p:sldLayout xmlns:a="http://schemas.openxmlformats.org/drawingml/2006/main" xmlns:r="http://schemas.openxmlformats.org/officeDocument/2006/relationships" xmlns:p="http://schemas.openxmlformats.org/presentationml/2006/main" showMasterSp="0" type="title" preserve="1">
   <p:cSld name="Diapositive de titre">
     <p:spTree>
       <p:nvGrpSpPr>
@@ -143,9 +143,322 @@
           <a:chExt cx="0" cy="0"/>
         </a:xfrm>
       </p:grpSpPr>
-      <p:sp>
-        <p:nvSpPr>
-          <p:cNvPr id="2" name="Titre 1"/>
+      <p:grpSp>
+        <p:nvGrpSpPr>
+          <p:cNvPr id="19" name="Group 18"/>
+          <p:cNvGrpSpPr/>
+          <p:nvPr/>
+        </p:nvGrpSpPr>
+        <p:grpSpPr>
+          <a:xfrm>
+            <a:off x="546100" y="-4763"/>
+            <a:ext cx="5014912" cy="6862763"/>
+            <a:chOff x="2928938" y="-4763"/>
+            <a:chExt cx="5014912" cy="6862763"/>
+          </a:xfrm>
+        </p:grpSpPr>
+        <p:sp>
+          <p:nvSpPr>
+            <p:cNvPr id="22" name="Freeform 6"/>
+            <p:cNvSpPr/>
+            <p:nvPr/>
+          </p:nvSpPr>
+          <p:spPr bwMode="auto">
+            <a:xfrm>
+              <a:off x="3367088" y="-4763"/>
+              <a:ext cx="1063625" cy="2782888"/>
+            </a:xfrm>
+            <a:custGeom>
+              <a:avLst/>
+              <a:gdLst/>
+              <a:ahLst/>
+              <a:cxnLst/>
+              <a:rect l="0" t="0" r="r" b="b"/>
+              <a:pathLst>
+                <a:path w="670" h="1753">
+                  <a:moveTo>
+                    <a:pt x="0" y="1696"/>
+                  </a:moveTo>
+                  <a:lnTo>
+                    <a:pt x="225" y="1753"/>
+                  </a:lnTo>
+                  <a:lnTo>
+                    <a:pt x="670" y="0"/>
+                  </a:lnTo>
+                  <a:lnTo>
+                    <a:pt x="430" y="0"/>
+                  </a:lnTo>
+                  <a:lnTo>
+                    <a:pt x="0" y="1696"/>
+                  </a:lnTo>
+                  <a:close/>
+                </a:path>
+              </a:pathLst>
+            </a:custGeom>
+            <a:solidFill>
+              <a:schemeClr val="accent1"/>
+            </a:solidFill>
+            <a:ln>
+              <a:noFill/>
+            </a:ln>
+          </p:spPr>
+        </p:sp>
+        <p:sp>
+          <p:nvSpPr>
+            <p:cNvPr id="23" name="Freeform 7"/>
+            <p:cNvSpPr/>
+            <p:nvPr/>
+          </p:nvSpPr>
+          <p:spPr bwMode="auto">
+            <a:xfrm>
+              <a:off x="2928938" y="-4763"/>
+              <a:ext cx="1035050" cy="2673350"/>
+            </a:xfrm>
+            <a:custGeom>
+              <a:avLst/>
+              <a:gdLst/>
+              <a:ahLst/>
+              <a:cxnLst/>
+              <a:rect l="0" t="0" r="r" b="b"/>
+              <a:pathLst>
+                <a:path w="652" h="1684">
+                  <a:moveTo>
+                    <a:pt x="225" y="1684"/>
+                  </a:moveTo>
+                  <a:lnTo>
+                    <a:pt x="652" y="0"/>
+                  </a:lnTo>
+                  <a:lnTo>
+                    <a:pt x="411" y="0"/>
+                  </a:lnTo>
+                  <a:lnTo>
+                    <a:pt x="0" y="1627"/>
+                  </a:lnTo>
+                  <a:lnTo>
+                    <a:pt x="219" y="1681"/>
+                  </a:lnTo>
+                  <a:lnTo>
+                    <a:pt x="225" y="1684"/>
+                  </a:lnTo>
+                  <a:close/>
+                </a:path>
+              </a:pathLst>
+            </a:custGeom>
+            <a:solidFill>
+              <a:schemeClr val="tx1">
+                <a:lumMod val="65000"/>
+                <a:lumOff val="35000"/>
+              </a:schemeClr>
+            </a:solidFill>
+            <a:ln>
+              <a:noFill/>
+            </a:ln>
+          </p:spPr>
+        </p:sp>
+        <p:sp>
+          <p:nvSpPr>
+            <p:cNvPr id="24" name="Freeform 9"/>
+            <p:cNvSpPr/>
+            <p:nvPr/>
+          </p:nvSpPr>
+          <p:spPr bwMode="auto">
+            <a:xfrm>
+              <a:off x="2928938" y="2582862"/>
+              <a:ext cx="2693987" cy="4275138"/>
+            </a:xfrm>
+            <a:custGeom>
+              <a:avLst/>
+              <a:gdLst/>
+              <a:ahLst/>
+              <a:cxnLst/>
+              <a:rect l="0" t="0" r="r" b="b"/>
+              <a:pathLst>
+                <a:path w="1697" h="2693">
+                  <a:moveTo>
+                    <a:pt x="0" y="0"/>
+                  </a:moveTo>
+                  <a:lnTo>
+                    <a:pt x="1622" y="2693"/>
+                  </a:lnTo>
+                  <a:lnTo>
+                    <a:pt x="1697" y="2693"/>
+                  </a:lnTo>
+                  <a:lnTo>
+                    <a:pt x="0" y="0"/>
+                  </a:lnTo>
+                  <a:close/>
+                </a:path>
+              </a:pathLst>
+            </a:custGeom>
+            <a:solidFill>
+              <a:schemeClr val="tx1">
+                <a:lumMod val="85000"/>
+                <a:lumOff val="15000"/>
+              </a:schemeClr>
+            </a:solidFill>
+            <a:ln>
+              <a:noFill/>
+            </a:ln>
+          </p:spPr>
+        </p:sp>
+        <p:sp>
+          <p:nvSpPr>
+            <p:cNvPr id="25" name="Freeform 10"/>
+            <p:cNvSpPr/>
+            <p:nvPr/>
+          </p:nvSpPr>
+          <p:spPr bwMode="auto">
+            <a:xfrm>
+              <a:off x="3371850" y="2692400"/>
+              <a:ext cx="3332162" cy="4165600"/>
+            </a:xfrm>
+            <a:custGeom>
+              <a:avLst/>
+              <a:gdLst/>
+              <a:ahLst/>
+              <a:cxnLst/>
+              <a:rect l="0" t="0" r="r" b="b"/>
+              <a:pathLst>
+                <a:path w="2099" h="2624">
+                  <a:moveTo>
+                    <a:pt x="2099" y="2624"/>
+                  </a:moveTo>
+                  <a:lnTo>
+                    <a:pt x="0" y="0"/>
+                  </a:lnTo>
+                  <a:lnTo>
+                    <a:pt x="2021" y="2624"/>
+                  </a:lnTo>
+                  <a:lnTo>
+                    <a:pt x="2099" y="2624"/>
+                  </a:lnTo>
+                  <a:close/>
+                </a:path>
+              </a:pathLst>
+            </a:custGeom>
+            <a:solidFill>
+              <a:schemeClr val="accent1">
+                <a:lumMod val="50000"/>
+              </a:schemeClr>
+            </a:solidFill>
+            <a:ln>
+              <a:noFill/>
+            </a:ln>
+          </p:spPr>
+        </p:sp>
+        <p:sp>
+          <p:nvSpPr>
+            <p:cNvPr id="26" name="Freeform 11"/>
+            <p:cNvSpPr/>
+            <p:nvPr/>
+          </p:nvSpPr>
+          <p:spPr bwMode="auto">
+            <a:xfrm>
+              <a:off x="3367088" y="2687637"/>
+              <a:ext cx="4576762" cy="4170363"/>
+            </a:xfrm>
+            <a:custGeom>
+              <a:avLst/>
+              <a:gdLst/>
+              <a:ahLst/>
+              <a:cxnLst/>
+              <a:rect l="0" t="0" r="r" b="b"/>
+              <a:pathLst>
+                <a:path w="2883" h="2627">
+                  <a:moveTo>
+                    <a:pt x="0" y="0"/>
+                  </a:moveTo>
+                  <a:lnTo>
+                    <a:pt x="3" y="3"/>
+                  </a:lnTo>
+                  <a:lnTo>
+                    <a:pt x="2102" y="2627"/>
+                  </a:lnTo>
+                  <a:lnTo>
+                    <a:pt x="2883" y="2627"/>
+                  </a:lnTo>
+                  <a:lnTo>
+                    <a:pt x="225" y="57"/>
+                  </a:lnTo>
+                  <a:lnTo>
+                    <a:pt x="0" y="0"/>
+                  </a:lnTo>
+                  <a:close/>
+                </a:path>
+              </a:pathLst>
+            </a:custGeom>
+            <a:solidFill>
+              <a:schemeClr val="accent1">
+                <a:lumMod val="75000"/>
+              </a:schemeClr>
+            </a:solidFill>
+            <a:ln>
+              <a:noFill/>
+            </a:ln>
+          </p:spPr>
+        </p:sp>
+        <p:sp>
+          <p:nvSpPr>
+            <p:cNvPr id="27" name="Freeform 12"/>
+            <p:cNvSpPr/>
+            <p:nvPr/>
+          </p:nvSpPr>
+          <p:spPr bwMode="auto">
+            <a:xfrm>
+              <a:off x="2928938" y="2578100"/>
+              <a:ext cx="3584575" cy="4279900"/>
+            </a:xfrm>
+            <a:custGeom>
+              <a:avLst/>
+              <a:gdLst/>
+              <a:ahLst/>
+              <a:cxnLst/>
+              <a:rect l="0" t="0" r="r" b="b"/>
+              <a:pathLst>
+                <a:path w="2258" h="2696">
+                  <a:moveTo>
+                    <a:pt x="2258" y="2696"/>
+                  </a:moveTo>
+                  <a:lnTo>
+                    <a:pt x="264" y="111"/>
+                  </a:lnTo>
+                  <a:lnTo>
+                    <a:pt x="228" y="60"/>
+                  </a:lnTo>
+                  <a:lnTo>
+                    <a:pt x="225" y="57"/>
+                  </a:lnTo>
+                  <a:lnTo>
+                    <a:pt x="0" y="0"/>
+                  </a:lnTo>
+                  <a:lnTo>
+                    <a:pt x="0" y="3"/>
+                  </a:lnTo>
+                  <a:lnTo>
+                    <a:pt x="1697" y="2696"/>
+                  </a:lnTo>
+                  <a:lnTo>
+                    <a:pt x="2258" y="2696"/>
+                  </a:lnTo>
+                  <a:close/>
+                </a:path>
+              </a:pathLst>
+            </a:custGeom>
+            <a:solidFill>
+              <a:schemeClr val="tx1">
+                <a:lumMod val="75000"/>
+                <a:lumOff val="25000"/>
+              </a:schemeClr>
+            </a:solidFill>
+            <a:ln>
+              <a:noFill/>
+            </a:ln>
+          </p:spPr>
+        </p:sp>
+      </p:grpSp>
+      <p:sp>
+        <p:nvSpPr>
+          <p:cNvPr id="2" name="Title 1"/>
           <p:cNvSpPr>
             <a:spLocks noGrp="1"/>
           </p:cNvSpPr>
@@ -155,15 +468,19 @@
         </p:nvSpPr>
         <p:spPr>
           <a:xfrm>
-            <a:off x="1524000" y="1122363"/>
-            <a:ext cx="9144000" cy="2387600"/>
+            <a:off x="2928401" y="1380068"/>
+            <a:ext cx="8574622" cy="2616199"/>
           </a:xfrm>
         </p:spPr>
         <p:txBody>
-          <a:bodyPr anchor="b"/>
+          <a:bodyPr anchor="b">
+            <a:normAutofit/>
+          </a:bodyPr>
           <a:lstStyle>
-            <a:lvl1pPr algn="ctr">
-              <a:defRPr sz="6000"/>
+            <a:lvl1pPr algn="r">
+              <a:defRPr sz="6000">
+                <a:effectLst/>
+              </a:defRPr>
             </a:lvl1pPr>
           </a:lstStyle>
           <a:p>
@@ -171,13 +488,13 @@
               <a:rPr lang="fr-FR" smtClean="0"/>
               <a:t>Modifiez le style du titre</a:t>
             </a:r>
-            <a:endParaRPr lang="fr-FR"/>
-          </a:p>
-        </p:txBody>
-      </p:sp>
-      <p:sp>
-        <p:nvSpPr>
-          <p:cNvPr id="3" name="Sous-titre 2"/>
+            <a:endParaRPr lang="en-US" dirty="0"/>
+          </a:p>
+        </p:txBody>
+      </p:sp>
+      <p:sp>
+        <p:nvSpPr>
+          <p:cNvPr id="3" name="Subtitle 2"/>
           <p:cNvSpPr>
             <a:spLocks noGrp="1"/>
           </p:cNvSpPr>
@@ -187,48 +504,102 @@
         </p:nvSpPr>
         <p:spPr>
           <a:xfrm>
-            <a:off x="1524000" y="3602038"/>
-            <a:ext cx="9144000" cy="1655762"/>
+            <a:off x="4515377" y="3996267"/>
+            <a:ext cx="6987645" cy="1388534"/>
           </a:xfrm>
         </p:spPr>
         <p:txBody>
-          <a:bodyPr/>
+          <a:bodyPr anchor="t">
+            <a:normAutofit/>
+          </a:bodyPr>
           <a:lstStyle>
-            <a:lvl1pPr marL="0" indent="0" algn="ctr">
-              <a:buNone/>
-              <a:defRPr sz="2400"/>
+            <a:lvl1pPr marL="0" indent="0" algn="r">
+              <a:buNone/>
+              <a:defRPr sz="2100">
+                <a:solidFill>
+                  <a:schemeClr val="tx1"/>
+                </a:solidFill>
+              </a:defRPr>
             </a:lvl1pPr>
             <a:lvl2pPr marL="457200" indent="0" algn="ctr">
               <a:buNone/>
-              <a:defRPr sz="2000"/>
+              <a:defRPr>
+                <a:solidFill>
+                  <a:schemeClr val="tx1">
+                    <a:tint val="75000"/>
+                  </a:schemeClr>
+                </a:solidFill>
+              </a:defRPr>
             </a:lvl2pPr>
             <a:lvl3pPr marL="914400" indent="0" algn="ctr">
               <a:buNone/>
-              <a:defRPr sz="1800"/>
+              <a:defRPr>
+                <a:solidFill>
+                  <a:schemeClr val="tx1">
+                    <a:tint val="75000"/>
+                  </a:schemeClr>
+                </a:solidFill>
+              </a:defRPr>
             </a:lvl3pPr>
             <a:lvl4pPr marL="1371600" indent="0" algn="ctr">
               <a:buNone/>
-              <a:defRPr sz="1600"/>
+              <a:defRPr>
+                <a:solidFill>
+                  <a:schemeClr val="tx1">
+                    <a:tint val="75000"/>
+                  </a:schemeClr>
+                </a:solidFill>
+              </a:defRPr>
             </a:lvl4pPr>
             <a:lvl5pPr marL="1828800" indent="0" algn="ctr">
               <a:buNone/>
-              <a:defRPr sz="1600"/>
+              <a:defRPr>
+                <a:solidFill>
+                  <a:schemeClr val="tx1">
+                    <a:tint val="75000"/>
+                  </a:schemeClr>
+                </a:solidFill>
+              </a:defRPr>
             </a:lvl5pPr>
             <a:lvl6pPr marL="2286000" indent="0" algn="ctr">
               <a:buNone/>
-              <a:defRPr sz="1600"/>
+              <a:defRPr>
+                <a:solidFill>
+                  <a:schemeClr val="tx1">
+                    <a:tint val="75000"/>
+                  </a:schemeClr>
+                </a:solidFill>
+              </a:defRPr>
             </a:lvl6pPr>
             <a:lvl7pPr marL="2743200" indent="0" algn="ctr">
               <a:buNone/>
-              <a:defRPr sz="1600"/>
+              <a:defRPr>
+                <a:solidFill>
+                  <a:schemeClr val="tx1">
+                    <a:tint val="75000"/>
+                  </a:schemeClr>
+                </a:solidFill>
+              </a:defRPr>
             </a:lvl7pPr>
             <a:lvl8pPr marL="3200400" indent="0" algn="ctr">
               <a:buNone/>
-              <a:defRPr sz="1600"/>
+              <a:defRPr>
+                <a:solidFill>
+                  <a:schemeClr val="tx1">
+                    <a:tint val="75000"/>
+                  </a:schemeClr>
+                </a:solidFill>
+              </a:defRPr>
             </a:lvl8pPr>
             <a:lvl9pPr marL="3657600" indent="0" algn="ctr">
               <a:buNone/>
-              <a:defRPr sz="1600"/>
+              <a:defRPr>
+                <a:solidFill>
+                  <a:schemeClr val="tx1">
+                    <a:tint val="75000"/>
+                  </a:schemeClr>
+                </a:solidFill>
+              </a:defRPr>
             </a:lvl9pPr>
           </a:lstStyle>
           <a:p>
@@ -236,13 +607,13 @@
               <a:rPr lang="fr-FR" smtClean="0"/>
               <a:t>Modifier le style des sous-titres du masque</a:t>
             </a:r>
-            <a:endParaRPr lang="fr-FR"/>
-          </a:p>
-        </p:txBody>
-      </p:sp>
-      <p:sp>
-        <p:nvSpPr>
-          <p:cNvPr id="4" name="Espace réservé de la date 3"/>
+            <a:endParaRPr lang="en-US" dirty="0"/>
+          </a:p>
+        </p:txBody>
+      </p:sp>
+      <p:sp>
+        <p:nvSpPr>
+          <p:cNvPr id="4" name="Date Placeholder 3"/>
           <p:cNvSpPr>
             <a:spLocks noGrp="1"/>
           </p:cNvSpPr>
@@ -265,7 +636,7 @@
       </p:sp>
       <p:sp>
         <p:nvSpPr>
-          <p:cNvPr id="5" name="Espace réservé du pied de page 4"/>
+          <p:cNvPr id="5" name="Footer Placeholder 4"/>
           <p:cNvSpPr>
             <a:spLocks noGrp="1"/>
           </p:cNvSpPr>
@@ -273,7 +644,12 @@
             <p:ph type="ftr" sz="quarter" idx="11"/>
           </p:nvPr>
         </p:nvSpPr>
-        <p:spPr/>
+        <p:spPr>
+          <a:xfrm>
+            <a:off x="5332412" y="5883275"/>
+            <a:ext cx="4324044" cy="365125"/>
+          </a:xfrm>
+        </p:spPr>
         <p:txBody>
           <a:bodyPr/>
           <a:lstStyle/>
@@ -284,7 +660,7 @@
       </p:sp>
       <p:sp>
         <p:nvSpPr>
-          <p:cNvPr id="6" name="Espace réservé du numéro de diapositive 5"/>
+          <p:cNvPr id="6" name="Slide Number Placeholder 5"/>
           <p:cNvSpPr>
             <a:spLocks noGrp="1"/>
           </p:cNvSpPr>
@@ -308,7 +684,7 @@
     </p:spTree>
     <p:extLst>
       <p:ext uri="{BB962C8B-B14F-4D97-AF65-F5344CB8AC3E}">
-        <p14:creationId xmlns:p14="http://schemas.microsoft.com/office/powerpoint/2010/main" val="4173869402"/>
+        <p14:creationId xmlns:p14="http://schemas.microsoft.com/office/powerpoint/2010/main" val="2911445326"/>
       </p:ext>
     </p:extLst>
   </p:cSld>
@@ -319,6 +695,2162 @@
 </file>
 
 <file path=ppt/slideLayouts/slideLayout10.xml><?xml version="1.0" encoding="utf-8"?>
+<p:sldLayout xmlns:a="http://schemas.openxmlformats.org/drawingml/2006/main" xmlns:r="http://schemas.openxmlformats.org/officeDocument/2006/relationships" xmlns:p="http://schemas.openxmlformats.org/presentationml/2006/main" preserve="1">
+  <p:cSld name="Image panoramique avec légende">
+    <p:spTree>
+      <p:nvGrpSpPr>
+        <p:cNvPr id="1" name=""/>
+        <p:cNvGrpSpPr/>
+        <p:nvPr/>
+      </p:nvGrpSpPr>
+      <p:grpSpPr>
+        <a:xfrm>
+          <a:off x="0" y="0"/>
+          <a:ext cx="0" cy="0"/>
+          <a:chOff x="0" y="0"/>
+          <a:chExt cx="0" cy="0"/>
+        </a:xfrm>
+      </p:grpSpPr>
+      <p:sp>
+        <p:nvSpPr>
+          <p:cNvPr id="2" name="Title 1"/>
+          <p:cNvSpPr>
+            <a:spLocks noGrp="1"/>
+          </p:cNvSpPr>
+          <p:nvPr>
+            <p:ph type="title"/>
+          </p:nvPr>
+        </p:nvSpPr>
+        <p:spPr>
+          <a:xfrm>
+            <a:off x="1484311" y="4732865"/>
+            <a:ext cx="10018711" cy="566738"/>
+          </a:xfrm>
+        </p:spPr>
+        <p:txBody>
+          <a:bodyPr anchor="b">
+            <a:normAutofit/>
+          </a:bodyPr>
+          <a:lstStyle>
+            <a:lvl1pPr algn="ctr">
+              <a:defRPr sz="2400" b="0"/>
+            </a:lvl1pPr>
+          </a:lstStyle>
+          <a:p>
+            <a:r>
+              <a:rPr lang="fr-FR" smtClean="0"/>
+              <a:t>Modifiez le style du titre</a:t>
+            </a:r>
+            <a:endParaRPr lang="en-US" dirty="0"/>
+          </a:p>
+        </p:txBody>
+      </p:sp>
+      <p:sp>
+        <p:nvSpPr>
+          <p:cNvPr id="3" name="Picture Placeholder 2"/>
+          <p:cNvSpPr>
+            <a:spLocks noGrp="1" noChangeAspect="1"/>
+          </p:cNvSpPr>
+          <p:nvPr>
+            <p:ph type="pic" idx="1"/>
+          </p:nvPr>
+        </p:nvSpPr>
+        <p:spPr>
+          <a:xfrm>
+            <a:off x="2386012" y="932112"/>
+            <a:ext cx="8225944" cy="3164976"/>
+          </a:xfrm>
+          <a:prstGeom prst="roundRect">
+            <a:avLst>
+              <a:gd name="adj" fmla="val 4380"/>
+            </a:avLst>
+          </a:prstGeom>
+          <a:ln w="38100">
+            <a:gradFill flip="none" rotWithShape="1">
+              <a:gsLst>
+                <a:gs pos="0">
+                  <a:schemeClr val="bg2"/>
+                </a:gs>
+                <a:gs pos="100000">
+                  <a:schemeClr val="bg2">
+                    <a:lumMod val="75000"/>
+                  </a:schemeClr>
+                </a:gs>
+              </a:gsLst>
+              <a:lin ang="5400000" scaled="0"/>
+              <a:tileRect/>
+            </a:gradFill>
+          </a:ln>
+          <a:effectLst>
+            <a:innerShdw blurRad="57150" dist="38100" dir="14460000">
+              <a:srgbClr val="000000">
+                <a:alpha val="70000"/>
+              </a:srgbClr>
+            </a:innerShdw>
+          </a:effectLst>
+        </p:spPr>
+        <p:txBody>
+          <a:bodyPr anchor="t">
+            <a:normAutofit/>
+          </a:bodyPr>
+          <a:lstStyle>
+            <a:lvl1pPr marL="0" indent="0" algn="ctr">
+              <a:buNone/>
+              <a:defRPr sz="1600"/>
+            </a:lvl1pPr>
+            <a:lvl2pPr marL="457200" indent="0">
+              <a:buNone/>
+              <a:defRPr sz="1600"/>
+            </a:lvl2pPr>
+            <a:lvl3pPr marL="914400" indent="0">
+              <a:buNone/>
+              <a:defRPr sz="1600"/>
+            </a:lvl3pPr>
+            <a:lvl4pPr marL="1371600" indent="0">
+              <a:buNone/>
+              <a:defRPr sz="1600"/>
+            </a:lvl4pPr>
+            <a:lvl5pPr marL="1828800" indent="0">
+              <a:buNone/>
+              <a:defRPr sz="1600"/>
+            </a:lvl5pPr>
+            <a:lvl6pPr marL="2286000" indent="0">
+              <a:buNone/>
+              <a:defRPr sz="1600"/>
+            </a:lvl6pPr>
+            <a:lvl7pPr marL="2743200" indent="0">
+              <a:buNone/>
+              <a:defRPr sz="1600"/>
+            </a:lvl7pPr>
+            <a:lvl8pPr marL="3200400" indent="0">
+              <a:buNone/>
+              <a:defRPr sz="1600"/>
+            </a:lvl8pPr>
+            <a:lvl9pPr marL="3657600" indent="0">
+              <a:buNone/>
+              <a:defRPr sz="1600"/>
+            </a:lvl9pPr>
+          </a:lstStyle>
+          <a:p>
+            <a:r>
+              <a:rPr lang="fr-FR" smtClean="0"/>
+              <a:t>Cliquez sur l'icône pour ajouter une image</a:t>
+            </a:r>
+            <a:endParaRPr lang="en-US" dirty="0"/>
+          </a:p>
+        </p:txBody>
+      </p:sp>
+      <p:sp>
+        <p:nvSpPr>
+          <p:cNvPr id="4" name="Text Placeholder 3"/>
+          <p:cNvSpPr>
+            <a:spLocks noGrp="1"/>
+          </p:cNvSpPr>
+          <p:nvPr>
+            <p:ph type="body" sz="half" idx="2"/>
+          </p:nvPr>
+        </p:nvSpPr>
+        <p:spPr>
+          <a:xfrm>
+            <a:off x="1484311" y="5299603"/>
+            <a:ext cx="10018711" cy="493712"/>
+          </a:xfrm>
+        </p:spPr>
+        <p:txBody>
+          <a:bodyPr>
+            <a:normAutofit/>
+          </a:bodyPr>
+          <a:lstStyle>
+            <a:lvl1pPr marL="0" indent="0" algn="ctr">
+              <a:buNone/>
+              <a:defRPr sz="1400"/>
+            </a:lvl1pPr>
+            <a:lvl2pPr marL="457200" indent="0">
+              <a:buNone/>
+              <a:defRPr sz="1200"/>
+            </a:lvl2pPr>
+            <a:lvl3pPr marL="914400" indent="0">
+              <a:buNone/>
+              <a:defRPr sz="1000"/>
+            </a:lvl3pPr>
+            <a:lvl4pPr marL="1371600" indent="0">
+              <a:buNone/>
+              <a:defRPr sz="900"/>
+            </a:lvl4pPr>
+            <a:lvl5pPr marL="1828800" indent="0">
+              <a:buNone/>
+              <a:defRPr sz="900"/>
+            </a:lvl5pPr>
+            <a:lvl6pPr marL="2286000" indent="0">
+              <a:buNone/>
+              <a:defRPr sz="900"/>
+            </a:lvl6pPr>
+            <a:lvl7pPr marL="2743200" indent="0">
+              <a:buNone/>
+              <a:defRPr sz="900"/>
+            </a:lvl7pPr>
+            <a:lvl8pPr marL="3200400" indent="0">
+              <a:buNone/>
+              <a:defRPr sz="900"/>
+            </a:lvl8pPr>
+            <a:lvl9pPr marL="3657600" indent="0">
+              <a:buNone/>
+              <a:defRPr sz="900"/>
+            </a:lvl9pPr>
+          </a:lstStyle>
+          <a:p>
+            <a:pPr lvl="0"/>
+            <a:r>
+              <a:rPr lang="fr-FR" smtClean="0"/>
+              <a:t>Modifier les styles du texte du masque</a:t>
+            </a:r>
+          </a:p>
+        </p:txBody>
+      </p:sp>
+      <p:sp>
+        <p:nvSpPr>
+          <p:cNvPr id="5" name="Date Placeholder 4"/>
+          <p:cNvSpPr>
+            <a:spLocks noGrp="1"/>
+          </p:cNvSpPr>
+          <p:nvPr>
+            <p:ph type="dt" sz="half" idx="10"/>
+          </p:nvPr>
+        </p:nvSpPr>
+        <p:spPr/>
+        <p:txBody>
+          <a:bodyPr/>
+          <a:lstStyle/>
+          <a:p>
+            <a:fld id="{331F3861-252F-41A6-B732-450BB29D3688}" type="datetimeFigureOut">
+              <a:rPr lang="fr-FR" smtClean="0"/>
+              <a:t>14/06/2016</a:t>
+            </a:fld>
+            <a:endParaRPr lang="fr-FR"/>
+          </a:p>
+        </p:txBody>
+      </p:sp>
+      <p:sp>
+        <p:nvSpPr>
+          <p:cNvPr id="6" name="Footer Placeholder 5"/>
+          <p:cNvSpPr>
+            <a:spLocks noGrp="1"/>
+          </p:cNvSpPr>
+          <p:nvPr>
+            <p:ph type="ftr" sz="quarter" idx="11"/>
+          </p:nvPr>
+        </p:nvSpPr>
+        <p:spPr/>
+        <p:txBody>
+          <a:bodyPr/>
+          <a:lstStyle/>
+          <a:p>
+            <a:endParaRPr lang="fr-FR"/>
+          </a:p>
+        </p:txBody>
+      </p:sp>
+      <p:sp>
+        <p:nvSpPr>
+          <p:cNvPr id="7" name="Slide Number Placeholder 6"/>
+          <p:cNvSpPr>
+            <a:spLocks noGrp="1"/>
+          </p:cNvSpPr>
+          <p:nvPr>
+            <p:ph type="sldNum" sz="quarter" idx="12"/>
+          </p:nvPr>
+        </p:nvSpPr>
+        <p:spPr/>
+        <p:txBody>
+          <a:bodyPr/>
+          <a:lstStyle/>
+          <a:p>
+            <a:fld id="{7C8E51AC-F90C-4D9F-9562-F0CDAA193A92}" type="slidenum">
+              <a:rPr lang="fr-FR" smtClean="0"/>
+              <a:t>‹N°›</a:t>
+            </a:fld>
+            <a:endParaRPr lang="fr-FR"/>
+          </a:p>
+        </p:txBody>
+      </p:sp>
+    </p:spTree>
+    <p:extLst>
+      <p:ext uri="{BB962C8B-B14F-4D97-AF65-F5344CB8AC3E}">
+        <p14:creationId xmlns:p14="http://schemas.microsoft.com/office/powerpoint/2010/main" val="3554137763"/>
+      </p:ext>
+    </p:extLst>
+  </p:cSld>
+  <p:clrMapOvr>
+    <a:masterClrMapping/>
+  </p:clrMapOvr>
+</p:sldLayout>
+</file>
+
+<file path=ppt/slideLayouts/slideLayout11.xml><?xml version="1.0" encoding="utf-8"?>
+<p:sldLayout xmlns:a="http://schemas.openxmlformats.org/drawingml/2006/main" xmlns:r="http://schemas.openxmlformats.org/officeDocument/2006/relationships" xmlns:p="http://schemas.openxmlformats.org/presentationml/2006/main" preserve="1">
+  <p:cSld name="Titre et légende">
+    <p:spTree>
+      <p:nvGrpSpPr>
+        <p:cNvPr id="1" name=""/>
+        <p:cNvGrpSpPr/>
+        <p:nvPr/>
+      </p:nvGrpSpPr>
+      <p:grpSpPr>
+        <a:xfrm>
+          <a:off x="0" y="0"/>
+          <a:ext cx="0" cy="0"/>
+          <a:chOff x="0" y="0"/>
+          <a:chExt cx="0" cy="0"/>
+        </a:xfrm>
+      </p:grpSpPr>
+      <p:sp>
+        <p:nvSpPr>
+          <p:cNvPr id="2" name="Title 1"/>
+          <p:cNvSpPr>
+            <a:spLocks noGrp="1"/>
+          </p:cNvSpPr>
+          <p:nvPr>
+            <p:ph type="title"/>
+          </p:nvPr>
+        </p:nvSpPr>
+        <p:spPr>
+          <a:xfrm>
+            <a:off x="1484312" y="685800"/>
+            <a:ext cx="10018711" cy="3048000"/>
+          </a:xfrm>
+        </p:spPr>
+        <p:txBody>
+          <a:bodyPr anchor="ctr">
+            <a:normAutofit/>
+          </a:bodyPr>
+          <a:lstStyle>
+            <a:lvl1pPr algn="ctr">
+              <a:defRPr sz="3200" b="0" cap="none"/>
+            </a:lvl1pPr>
+          </a:lstStyle>
+          <a:p>
+            <a:r>
+              <a:rPr lang="fr-FR" smtClean="0"/>
+              <a:t>Modifiez le style du titre</a:t>
+            </a:r>
+            <a:endParaRPr lang="en-US" dirty="0"/>
+          </a:p>
+        </p:txBody>
+      </p:sp>
+      <p:sp>
+        <p:nvSpPr>
+          <p:cNvPr id="3" name="Text Placeholder 2"/>
+          <p:cNvSpPr>
+            <a:spLocks noGrp="1"/>
+          </p:cNvSpPr>
+          <p:nvPr>
+            <p:ph type="body" idx="1"/>
+          </p:nvPr>
+        </p:nvSpPr>
+        <p:spPr>
+          <a:xfrm>
+            <a:off x="1484312" y="4343400"/>
+            <a:ext cx="10018713" cy="1447800"/>
+          </a:xfrm>
+        </p:spPr>
+        <p:txBody>
+          <a:bodyPr anchor="ctr">
+            <a:normAutofit/>
+          </a:bodyPr>
+          <a:lstStyle>
+            <a:lvl1pPr marL="0" indent="0" algn="ctr">
+              <a:buNone/>
+              <a:defRPr sz="2000">
+                <a:solidFill>
+                  <a:schemeClr val="tx1"/>
+                </a:solidFill>
+              </a:defRPr>
+            </a:lvl1pPr>
+            <a:lvl2pPr marL="457200" indent="0">
+              <a:buNone/>
+              <a:defRPr sz="1800">
+                <a:solidFill>
+                  <a:schemeClr val="tx1">
+                    <a:tint val="75000"/>
+                  </a:schemeClr>
+                </a:solidFill>
+              </a:defRPr>
+            </a:lvl2pPr>
+            <a:lvl3pPr marL="914400" indent="0">
+              <a:buNone/>
+              <a:defRPr sz="1600">
+                <a:solidFill>
+                  <a:schemeClr val="tx1">
+                    <a:tint val="75000"/>
+                  </a:schemeClr>
+                </a:solidFill>
+              </a:defRPr>
+            </a:lvl3pPr>
+            <a:lvl4pPr marL="1371600" indent="0">
+              <a:buNone/>
+              <a:defRPr sz="1400">
+                <a:solidFill>
+                  <a:schemeClr val="tx1">
+                    <a:tint val="75000"/>
+                  </a:schemeClr>
+                </a:solidFill>
+              </a:defRPr>
+            </a:lvl4pPr>
+            <a:lvl5pPr marL="1828800" indent="0">
+              <a:buNone/>
+              <a:defRPr sz="1400">
+                <a:solidFill>
+                  <a:schemeClr val="tx1">
+                    <a:tint val="75000"/>
+                  </a:schemeClr>
+                </a:solidFill>
+              </a:defRPr>
+            </a:lvl5pPr>
+            <a:lvl6pPr marL="2286000" indent="0">
+              <a:buNone/>
+              <a:defRPr sz="1400">
+                <a:solidFill>
+                  <a:schemeClr val="tx1">
+                    <a:tint val="75000"/>
+                  </a:schemeClr>
+                </a:solidFill>
+              </a:defRPr>
+            </a:lvl6pPr>
+            <a:lvl7pPr marL="2743200" indent="0">
+              <a:buNone/>
+              <a:defRPr sz="1400">
+                <a:solidFill>
+                  <a:schemeClr val="tx1">
+                    <a:tint val="75000"/>
+                  </a:schemeClr>
+                </a:solidFill>
+              </a:defRPr>
+            </a:lvl7pPr>
+            <a:lvl8pPr marL="3200400" indent="0">
+              <a:buNone/>
+              <a:defRPr sz="1400">
+                <a:solidFill>
+                  <a:schemeClr val="tx1">
+                    <a:tint val="75000"/>
+                  </a:schemeClr>
+                </a:solidFill>
+              </a:defRPr>
+            </a:lvl8pPr>
+            <a:lvl9pPr marL="3657600" indent="0">
+              <a:buNone/>
+              <a:defRPr sz="1400">
+                <a:solidFill>
+                  <a:schemeClr val="tx1">
+                    <a:tint val="75000"/>
+                  </a:schemeClr>
+                </a:solidFill>
+              </a:defRPr>
+            </a:lvl9pPr>
+          </a:lstStyle>
+          <a:p>
+            <a:pPr lvl="0"/>
+            <a:r>
+              <a:rPr lang="fr-FR" smtClean="0"/>
+              <a:t>Modifier les styles du texte du masque</a:t>
+            </a:r>
+          </a:p>
+        </p:txBody>
+      </p:sp>
+      <p:sp>
+        <p:nvSpPr>
+          <p:cNvPr id="4" name="Date Placeholder 3"/>
+          <p:cNvSpPr>
+            <a:spLocks noGrp="1"/>
+          </p:cNvSpPr>
+          <p:nvPr>
+            <p:ph type="dt" sz="half" idx="10"/>
+          </p:nvPr>
+        </p:nvSpPr>
+        <p:spPr/>
+        <p:txBody>
+          <a:bodyPr/>
+          <a:lstStyle/>
+          <a:p>
+            <a:fld id="{331F3861-252F-41A6-B732-450BB29D3688}" type="datetimeFigureOut">
+              <a:rPr lang="fr-FR" smtClean="0"/>
+              <a:t>14/06/2016</a:t>
+            </a:fld>
+            <a:endParaRPr lang="fr-FR"/>
+          </a:p>
+        </p:txBody>
+      </p:sp>
+      <p:sp>
+        <p:nvSpPr>
+          <p:cNvPr id="5" name="Footer Placeholder 4"/>
+          <p:cNvSpPr>
+            <a:spLocks noGrp="1"/>
+          </p:cNvSpPr>
+          <p:nvPr>
+            <p:ph type="ftr" sz="quarter" idx="11"/>
+          </p:nvPr>
+        </p:nvSpPr>
+        <p:spPr/>
+        <p:txBody>
+          <a:bodyPr/>
+          <a:lstStyle/>
+          <a:p>
+            <a:endParaRPr lang="fr-FR"/>
+          </a:p>
+        </p:txBody>
+      </p:sp>
+      <p:sp>
+        <p:nvSpPr>
+          <p:cNvPr id="6" name="Slide Number Placeholder 5"/>
+          <p:cNvSpPr>
+            <a:spLocks noGrp="1"/>
+          </p:cNvSpPr>
+          <p:nvPr>
+            <p:ph type="sldNum" sz="quarter" idx="12"/>
+          </p:nvPr>
+        </p:nvSpPr>
+        <p:spPr/>
+        <p:txBody>
+          <a:bodyPr/>
+          <a:lstStyle/>
+          <a:p>
+            <a:fld id="{7C8E51AC-F90C-4D9F-9562-F0CDAA193A92}" type="slidenum">
+              <a:rPr lang="fr-FR" smtClean="0"/>
+              <a:t>‹N°›</a:t>
+            </a:fld>
+            <a:endParaRPr lang="fr-FR"/>
+          </a:p>
+        </p:txBody>
+      </p:sp>
+    </p:spTree>
+    <p:extLst>
+      <p:ext uri="{BB962C8B-B14F-4D97-AF65-F5344CB8AC3E}">
+        <p14:creationId xmlns:p14="http://schemas.microsoft.com/office/powerpoint/2010/main" val="4067291297"/>
+      </p:ext>
+    </p:extLst>
+  </p:cSld>
+  <p:clrMapOvr>
+    <a:masterClrMapping/>
+  </p:clrMapOvr>
+</p:sldLayout>
+</file>
+
+<file path=ppt/slideLayouts/slideLayout12.xml><?xml version="1.0" encoding="utf-8"?>
+<p:sldLayout xmlns:a="http://schemas.openxmlformats.org/drawingml/2006/main" xmlns:r="http://schemas.openxmlformats.org/officeDocument/2006/relationships" xmlns:p="http://schemas.openxmlformats.org/presentationml/2006/main" preserve="1">
+  <p:cSld name="Citation avec légende">
+    <p:spTree>
+      <p:nvGrpSpPr>
+        <p:cNvPr id="1" name=""/>
+        <p:cNvGrpSpPr/>
+        <p:nvPr/>
+      </p:nvGrpSpPr>
+      <p:grpSpPr>
+        <a:xfrm>
+          <a:off x="0" y="0"/>
+          <a:ext cx="0" cy="0"/>
+          <a:chOff x="0" y="0"/>
+          <a:chExt cx="0" cy="0"/>
+        </a:xfrm>
+      </p:grpSpPr>
+      <p:sp>
+        <p:nvSpPr>
+          <p:cNvPr id="14" name="TextBox 13"/>
+          <p:cNvSpPr txBox="1"/>
+          <p:nvPr/>
+        </p:nvSpPr>
+        <p:spPr>
+          <a:xfrm>
+            <a:off x="1598612" y="863023"/>
+            <a:ext cx="609600" cy="584776"/>
+          </a:xfrm>
+          <a:prstGeom prst="rect">
+            <a:avLst/>
+          </a:prstGeom>
+        </p:spPr>
+        <p:txBody>
+          <a:bodyPr vert="horz" lIns="91440" tIns="45720" rIns="91440" bIns="45720" rtlCol="0" anchor="ctr">
+            <a:noAutofit/>
+          </a:bodyPr>
+          <a:lstStyle>
+            <a:lvl1pPr>
+              <a:spcBef>
+                <a:spcPct val="0"/>
+              </a:spcBef>
+              <a:buNone/>
+              <a:defRPr sz="3200" b="0" cap="all">
+                <a:ln w="3175" cmpd="sng">
+                  <a:noFill/>
+                </a:ln>
+                <a:effectLst>
+                  <a:glow rad="38100">
+                    <a:schemeClr val="bg1">
+                      <a:lumMod val="65000"/>
+                      <a:lumOff val="35000"/>
+                      <a:alpha val="40000"/>
+                    </a:schemeClr>
+                  </a:glow>
+                  <a:outerShdw blurRad="28575" dist="38100" dir="14040000" algn="tl" rotWithShape="0">
+                    <a:srgbClr val="000000">
+                      <a:alpha val="25000"/>
+                    </a:srgbClr>
+                  </a:outerShdw>
+                </a:effectLst>
+              </a:defRPr>
+            </a:lvl1pPr>
+            <a:lvl2pPr>
+              <a:defRPr>
+                <a:solidFill>
+                  <a:schemeClr val="tx2"/>
+                </a:solidFill>
+              </a:defRPr>
+            </a:lvl2pPr>
+            <a:lvl3pPr>
+              <a:defRPr>
+                <a:solidFill>
+                  <a:schemeClr val="tx2"/>
+                </a:solidFill>
+              </a:defRPr>
+            </a:lvl3pPr>
+            <a:lvl4pPr>
+              <a:defRPr>
+                <a:solidFill>
+                  <a:schemeClr val="tx2"/>
+                </a:solidFill>
+              </a:defRPr>
+            </a:lvl4pPr>
+            <a:lvl5pPr>
+              <a:defRPr>
+                <a:solidFill>
+                  <a:schemeClr val="tx2"/>
+                </a:solidFill>
+              </a:defRPr>
+            </a:lvl5pPr>
+            <a:lvl6pPr>
+              <a:defRPr>
+                <a:solidFill>
+                  <a:schemeClr val="tx2"/>
+                </a:solidFill>
+              </a:defRPr>
+            </a:lvl6pPr>
+            <a:lvl7pPr>
+              <a:defRPr>
+                <a:solidFill>
+                  <a:schemeClr val="tx2"/>
+                </a:solidFill>
+              </a:defRPr>
+            </a:lvl7pPr>
+            <a:lvl8pPr>
+              <a:defRPr>
+                <a:solidFill>
+                  <a:schemeClr val="tx2"/>
+                </a:solidFill>
+              </a:defRPr>
+            </a:lvl8pPr>
+            <a:lvl9pPr>
+              <a:defRPr>
+                <a:solidFill>
+                  <a:schemeClr val="tx2"/>
+                </a:solidFill>
+              </a:defRPr>
+            </a:lvl9pPr>
+          </a:lstStyle>
+          <a:p>
+            <a:pPr lvl="0"/>
+            <a:r>
+              <a:rPr lang="en-US" sz="8000" dirty="0">
+                <a:solidFill>
+                  <a:schemeClr val="tx1"/>
+                </a:solidFill>
+                <a:effectLst/>
+              </a:rPr>
+              <a:t>“</a:t>
+            </a:r>
+          </a:p>
+        </p:txBody>
+      </p:sp>
+      <p:sp>
+        <p:nvSpPr>
+          <p:cNvPr id="15" name="TextBox 14"/>
+          <p:cNvSpPr txBox="1"/>
+          <p:nvPr/>
+        </p:nvSpPr>
+        <p:spPr>
+          <a:xfrm>
+            <a:off x="10893425" y="2819399"/>
+            <a:ext cx="609600" cy="584776"/>
+          </a:xfrm>
+          <a:prstGeom prst="rect">
+            <a:avLst/>
+          </a:prstGeom>
+        </p:spPr>
+        <p:txBody>
+          <a:bodyPr vert="horz" lIns="91440" tIns="45720" rIns="91440" bIns="45720" rtlCol="0" anchor="ctr">
+            <a:noAutofit/>
+          </a:bodyPr>
+          <a:lstStyle>
+            <a:lvl1pPr>
+              <a:spcBef>
+                <a:spcPct val="0"/>
+              </a:spcBef>
+              <a:buNone/>
+              <a:defRPr sz="3200" b="0" cap="all">
+                <a:ln w="3175" cmpd="sng">
+                  <a:noFill/>
+                </a:ln>
+                <a:effectLst>
+                  <a:glow rad="38100">
+                    <a:schemeClr val="bg1">
+                      <a:lumMod val="65000"/>
+                      <a:lumOff val="35000"/>
+                      <a:alpha val="40000"/>
+                    </a:schemeClr>
+                  </a:glow>
+                  <a:outerShdw blurRad="28575" dist="38100" dir="14040000" algn="tl" rotWithShape="0">
+                    <a:srgbClr val="000000">
+                      <a:alpha val="25000"/>
+                    </a:srgbClr>
+                  </a:outerShdw>
+                </a:effectLst>
+              </a:defRPr>
+            </a:lvl1pPr>
+            <a:lvl2pPr>
+              <a:defRPr>
+                <a:solidFill>
+                  <a:schemeClr val="tx2"/>
+                </a:solidFill>
+              </a:defRPr>
+            </a:lvl2pPr>
+            <a:lvl3pPr>
+              <a:defRPr>
+                <a:solidFill>
+                  <a:schemeClr val="tx2"/>
+                </a:solidFill>
+              </a:defRPr>
+            </a:lvl3pPr>
+            <a:lvl4pPr>
+              <a:defRPr>
+                <a:solidFill>
+                  <a:schemeClr val="tx2"/>
+                </a:solidFill>
+              </a:defRPr>
+            </a:lvl4pPr>
+            <a:lvl5pPr>
+              <a:defRPr>
+                <a:solidFill>
+                  <a:schemeClr val="tx2"/>
+                </a:solidFill>
+              </a:defRPr>
+            </a:lvl5pPr>
+            <a:lvl6pPr>
+              <a:defRPr>
+                <a:solidFill>
+                  <a:schemeClr val="tx2"/>
+                </a:solidFill>
+              </a:defRPr>
+            </a:lvl6pPr>
+            <a:lvl7pPr>
+              <a:defRPr>
+                <a:solidFill>
+                  <a:schemeClr val="tx2"/>
+                </a:solidFill>
+              </a:defRPr>
+            </a:lvl7pPr>
+            <a:lvl8pPr>
+              <a:defRPr>
+                <a:solidFill>
+                  <a:schemeClr val="tx2"/>
+                </a:solidFill>
+              </a:defRPr>
+            </a:lvl8pPr>
+            <a:lvl9pPr>
+              <a:defRPr>
+                <a:solidFill>
+                  <a:schemeClr val="tx2"/>
+                </a:solidFill>
+              </a:defRPr>
+            </a:lvl9pPr>
+          </a:lstStyle>
+          <a:p>
+            <a:pPr lvl="0" algn="r"/>
+            <a:r>
+              <a:rPr lang="en-US" sz="8000" dirty="0">
+                <a:solidFill>
+                  <a:schemeClr val="tx1"/>
+                </a:solidFill>
+                <a:effectLst/>
+              </a:rPr>
+              <a:t>”</a:t>
+            </a:r>
+          </a:p>
+        </p:txBody>
+      </p:sp>
+      <p:sp>
+        <p:nvSpPr>
+          <p:cNvPr id="2" name="Title 1"/>
+          <p:cNvSpPr>
+            <a:spLocks noGrp="1"/>
+          </p:cNvSpPr>
+          <p:nvPr>
+            <p:ph type="title"/>
+          </p:nvPr>
+        </p:nvSpPr>
+        <p:spPr>
+          <a:xfrm>
+            <a:off x="2208212" y="685800"/>
+            <a:ext cx="8990012" cy="2743199"/>
+          </a:xfrm>
+        </p:spPr>
+        <p:txBody>
+          <a:bodyPr anchor="ctr">
+            <a:normAutofit/>
+          </a:bodyPr>
+          <a:lstStyle>
+            <a:lvl1pPr algn="ctr">
+              <a:defRPr sz="3200" b="0" cap="none">
+                <a:solidFill>
+                  <a:schemeClr val="tx1"/>
+                </a:solidFill>
+              </a:defRPr>
+            </a:lvl1pPr>
+          </a:lstStyle>
+          <a:p>
+            <a:r>
+              <a:rPr lang="fr-FR" smtClean="0"/>
+              <a:t>Modifiez le style du titre</a:t>
+            </a:r>
+            <a:endParaRPr lang="en-US" dirty="0"/>
+          </a:p>
+        </p:txBody>
+      </p:sp>
+      <p:sp>
+        <p:nvSpPr>
+          <p:cNvPr id="10" name="Text Placeholder 9"/>
+          <p:cNvSpPr>
+            <a:spLocks noGrp="1"/>
+          </p:cNvSpPr>
+          <p:nvPr>
+            <p:ph type="body" sz="quarter" idx="13"/>
+          </p:nvPr>
+        </p:nvSpPr>
+        <p:spPr>
+          <a:xfrm>
+            <a:off x="2436811" y="3428999"/>
+            <a:ext cx="8532815" cy="381000"/>
+          </a:xfrm>
+        </p:spPr>
+        <p:txBody>
+          <a:bodyPr anchor="ctr">
+            <a:normAutofit/>
+          </a:bodyPr>
+          <a:lstStyle>
+            <a:lvl1pPr marL="0" indent="0">
+              <a:buFontTx/>
+              <a:buNone/>
+              <a:defRPr sz="1800"/>
+            </a:lvl1pPr>
+            <a:lvl2pPr marL="457200" indent="0">
+              <a:buFontTx/>
+              <a:buNone/>
+              <a:defRPr/>
+            </a:lvl2pPr>
+            <a:lvl3pPr marL="914400" indent="0">
+              <a:buFontTx/>
+              <a:buNone/>
+              <a:defRPr/>
+            </a:lvl3pPr>
+            <a:lvl4pPr marL="1371600" indent="0">
+              <a:buFontTx/>
+              <a:buNone/>
+              <a:defRPr/>
+            </a:lvl4pPr>
+            <a:lvl5pPr marL="1828800" indent="0">
+              <a:buFontTx/>
+              <a:buNone/>
+              <a:defRPr/>
+            </a:lvl5pPr>
+          </a:lstStyle>
+          <a:p>
+            <a:pPr lvl="0"/>
+            <a:r>
+              <a:rPr lang="fr-FR" smtClean="0"/>
+              <a:t>Modifier les styles du texte du masque</a:t>
+            </a:r>
+          </a:p>
+        </p:txBody>
+      </p:sp>
+      <p:sp>
+        <p:nvSpPr>
+          <p:cNvPr id="3" name="Text Placeholder 2"/>
+          <p:cNvSpPr>
+            <a:spLocks noGrp="1"/>
+          </p:cNvSpPr>
+          <p:nvPr>
+            <p:ph type="body" idx="1"/>
+          </p:nvPr>
+        </p:nvSpPr>
+        <p:spPr>
+          <a:xfrm>
+            <a:off x="1484311" y="4343400"/>
+            <a:ext cx="10018711" cy="1447800"/>
+          </a:xfrm>
+        </p:spPr>
+        <p:txBody>
+          <a:bodyPr anchor="ctr">
+            <a:normAutofit/>
+          </a:bodyPr>
+          <a:lstStyle>
+            <a:lvl1pPr marL="0" indent="0" algn="ctr">
+              <a:buNone/>
+              <a:defRPr sz="2000">
+                <a:solidFill>
+                  <a:schemeClr val="tx1"/>
+                </a:solidFill>
+              </a:defRPr>
+            </a:lvl1pPr>
+            <a:lvl2pPr marL="457200" indent="0">
+              <a:buNone/>
+              <a:defRPr sz="1800">
+                <a:solidFill>
+                  <a:schemeClr val="tx1">
+                    <a:tint val="75000"/>
+                  </a:schemeClr>
+                </a:solidFill>
+              </a:defRPr>
+            </a:lvl2pPr>
+            <a:lvl3pPr marL="914400" indent="0">
+              <a:buNone/>
+              <a:defRPr sz="1600">
+                <a:solidFill>
+                  <a:schemeClr val="tx1">
+                    <a:tint val="75000"/>
+                  </a:schemeClr>
+                </a:solidFill>
+              </a:defRPr>
+            </a:lvl3pPr>
+            <a:lvl4pPr marL="1371600" indent="0">
+              <a:buNone/>
+              <a:defRPr sz="1400">
+                <a:solidFill>
+                  <a:schemeClr val="tx1">
+                    <a:tint val="75000"/>
+                  </a:schemeClr>
+                </a:solidFill>
+              </a:defRPr>
+            </a:lvl4pPr>
+            <a:lvl5pPr marL="1828800" indent="0">
+              <a:buNone/>
+              <a:defRPr sz="1400">
+                <a:solidFill>
+                  <a:schemeClr val="tx1">
+                    <a:tint val="75000"/>
+                  </a:schemeClr>
+                </a:solidFill>
+              </a:defRPr>
+            </a:lvl5pPr>
+            <a:lvl6pPr marL="2286000" indent="0">
+              <a:buNone/>
+              <a:defRPr sz="1400">
+                <a:solidFill>
+                  <a:schemeClr val="tx1">
+                    <a:tint val="75000"/>
+                  </a:schemeClr>
+                </a:solidFill>
+              </a:defRPr>
+            </a:lvl6pPr>
+            <a:lvl7pPr marL="2743200" indent="0">
+              <a:buNone/>
+              <a:defRPr sz="1400">
+                <a:solidFill>
+                  <a:schemeClr val="tx1">
+                    <a:tint val="75000"/>
+                  </a:schemeClr>
+                </a:solidFill>
+              </a:defRPr>
+            </a:lvl7pPr>
+            <a:lvl8pPr marL="3200400" indent="0">
+              <a:buNone/>
+              <a:defRPr sz="1400">
+                <a:solidFill>
+                  <a:schemeClr val="tx1">
+                    <a:tint val="75000"/>
+                  </a:schemeClr>
+                </a:solidFill>
+              </a:defRPr>
+            </a:lvl8pPr>
+            <a:lvl9pPr marL="3657600" indent="0">
+              <a:buNone/>
+              <a:defRPr sz="1400">
+                <a:solidFill>
+                  <a:schemeClr val="tx1">
+                    <a:tint val="75000"/>
+                  </a:schemeClr>
+                </a:solidFill>
+              </a:defRPr>
+            </a:lvl9pPr>
+          </a:lstStyle>
+          <a:p>
+            <a:pPr lvl="0"/>
+            <a:r>
+              <a:rPr lang="fr-FR" smtClean="0"/>
+              <a:t>Modifier les styles du texte du masque</a:t>
+            </a:r>
+          </a:p>
+        </p:txBody>
+      </p:sp>
+      <p:sp>
+        <p:nvSpPr>
+          <p:cNvPr id="4" name="Date Placeholder 3"/>
+          <p:cNvSpPr>
+            <a:spLocks noGrp="1"/>
+          </p:cNvSpPr>
+          <p:nvPr>
+            <p:ph type="dt" sz="half" idx="10"/>
+          </p:nvPr>
+        </p:nvSpPr>
+        <p:spPr/>
+        <p:txBody>
+          <a:bodyPr/>
+          <a:lstStyle/>
+          <a:p>
+            <a:fld id="{331F3861-252F-41A6-B732-450BB29D3688}" type="datetimeFigureOut">
+              <a:rPr lang="fr-FR" smtClean="0"/>
+              <a:t>14/06/2016</a:t>
+            </a:fld>
+            <a:endParaRPr lang="fr-FR"/>
+          </a:p>
+        </p:txBody>
+      </p:sp>
+      <p:sp>
+        <p:nvSpPr>
+          <p:cNvPr id="5" name="Footer Placeholder 4"/>
+          <p:cNvSpPr>
+            <a:spLocks noGrp="1"/>
+          </p:cNvSpPr>
+          <p:nvPr>
+            <p:ph type="ftr" sz="quarter" idx="11"/>
+          </p:nvPr>
+        </p:nvSpPr>
+        <p:spPr/>
+        <p:txBody>
+          <a:bodyPr/>
+          <a:lstStyle/>
+          <a:p>
+            <a:endParaRPr lang="fr-FR"/>
+          </a:p>
+        </p:txBody>
+      </p:sp>
+      <p:sp>
+        <p:nvSpPr>
+          <p:cNvPr id="6" name="Slide Number Placeholder 5"/>
+          <p:cNvSpPr>
+            <a:spLocks noGrp="1"/>
+          </p:cNvSpPr>
+          <p:nvPr>
+            <p:ph type="sldNum" sz="quarter" idx="12"/>
+          </p:nvPr>
+        </p:nvSpPr>
+        <p:spPr/>
+        <p:txBody>
+          <a:bodyPr/>
+          <a:lstStyle/>
+          <a:p>
+            <a:fld id="{7C8E51AC-F90C-4D9F-9562-F0CDAA193A92}" type="slidenum">
+              <a:rPr lang="fr-FR" smtClean="0"/>
+              <a:t>‹N°›</a:t>
+            </a:fld>
+            <a:endParaRPr lang="fr-FR"/>
+          </a:p>
+        </p:txBody>
+      </p:sp>
+    </p:spTree>
+    <p:extLst>
+      <p:ext uri="{BB962C8B-B14F-4D97-AF65-F5344CB8AC3E}">
+        <p14:creationId xmlns:p14="http://schemas.microsoft.com/office/powerpoint/2010/main" val="2434785786"/>
+      </p:ext>
+    </p:extLst>
+  </p:cSld>
+  <p:clrMapOvr>
+    <a:masterClrMapping/>
+  </p:clrMapOvr>
+</p:sldLayout>
+</file>
+
+<file path=ppt/slideLayouts/slideLayout13.xml><?xml version="1.0" encoding="utf-8"?>
+<p:sldLayout xmlns:a="http://schemas.openxmlformats.org/drawingml/2006/main" xmlns:r="http://schemas.openxmlformats.org/officeDocument/2006/relationships" xmlns:p="http://schemas.openxmlformats.org/presentationml/2006/main" preserve="1">
+  <p:cSld name="Carte nom">
+    <p:spTree>
+      <p:nvGrpSpPr>
+        <p:cNvPr id="1" name=""/>
+        <p:cNvGrpSpPr/>
+        <p:nvPr/>
+      </p:nvGrpSpPr>
+      <p:grpSpPr>
+        <a:xfrm>
+          <a:off x="0" y="0"/>
+          <a:ext cx="0" cy="0"/>
+          <a:chOff x="0" y="0"/>
+          <a:chExt cx="0" cy="0"/>
+        </a:xfrm>
+      </p:grpSpPr>
+      <p:sp>
+        <p:nvSpPr>
+          <p:cNvPr id="2" name="Title 1"/>
+          <p:cNvSpPr>
+            <a:spLocks noGrp="1"/>
+          </p:cNvSpPr>
+          <p:nvPr>
+            <p:ph type="title"/>
+          </p:nvPr>
+        </p:nvSpPr>
+        <p:spPr>
+          <a:xfrm>
+            <a:off x="1484313" y="3308581"/>
+            <a:ext cx="10018709" cy="1468800"/>
+          </a:xfrm>
+        </p:spPr>
+        <p:txBody>
+          <a:bodyPr anchor="b">
+            <a:normAutofit/>
+          </a:bodyPr>
+          <a:lstStyle>
+            <a:lvl1pPr algn="r">
+              <a:defRPr sz="3200" b="0" cap="none"/>
+            </a:lvl1pPr>
+          </a:lstStyle>
+          <a:p>
+            <a:r>
+              <a:rPr lang="fr-FR" smtClean="0"/>
+              <a:t>Modifiez le style du titre</a:t>
+            </a:r>
+            <a:endParaRPr lang="en-US" dirty="0"/>
+          </a:p>
+        </p:txBody>
+      </p:sp>
+      <p:sp>
+        <p:nvSpPr>
+          <p:cNvPr id="3" name="Text Placeholder 2"/>
+          <p:cNvSpPr>
+            <a:spLocks noGrp="1"/>
+          </p:cNvSpPr>
+          <p:nvPr>
+            <p:ph type="body" idx="1"/>
+          </p:nvPr>
+        </p:nvSpPr>
+        <p:spPr>
+          <a:xfrm>
+            <a:off x="1484312" y="4777381"/>
+            <a:ext cx="10018710" cy="860400"/>
+          </a:xfrm>
+        </p:spPr>
+        <p:txBody>
+          <a:bodyPr anchor="t">
+            <a:normAutofit/>
+          </a:bodyPr>
+          <a:lstStyle>
+            <a:lvl1pPr marL="0" indent="0" algn="r">
+              <a:buNone/>
+              <a:defRPr sz="2000">
+                <a:solidFill>
+                  <a:schemeClr val="tx1"/>
+                </a:solidFill>
+              </a:defRPr>
+            </a:lvl1pPr>
+            <a:lvl2pPr marL="457200" indent="0">
+              <a:buNone/>
+              <a:defRPr sz="1800">
+                <a:solidFill>
+                  <a:schemeClr val="tx1">
+                    <a:tint val="75000"/>
+                  </a:schemeClr>
+                </a:solidFill>
+              </a:defRPr>
+            </a:lvl2pPr>
+            <a:lvl3pPr marL="914400" indent="0">
+              <a:buNone/>
+              <a:defRPr sz="1600">
+                <a:solidFill>
+                  <a:schemeClr val="tx1">
+                    <a:tint val="75000"/>
+                  </a:schemeClr>
+                </a:solidFill>
+              </a:defRPr>
+            </a:lvl3pPr>
+            <a:lvl4pPr marL="1371600" indent="0">
+              <a:buNone/>
+              <a:defRPr sz="1400">
+                <a:solidFill>
+                  <a:schemeClr val="tx1">
+                    <a:tint val="75000"/>
+                  </a:schemeClr>
+                </a:solidFill>
+              </a:defRPr>
+            </a:lvl4pPr>
+            <a:lvl5pPr marL="1828800" indent="0">
+              <a:buNone/>
+              <a:defRPr sz="1400">
+                <a:solidFill>
+                  <a:schemeClr val="tx1">
+                    <a:tint val="75000"/>
+                  </a:schemeClr>
+                </a:solidFill>
+              </a:defRPr>
+            </a:lvl5pPr>
+            <a:lvl6pPr marL="2286000" indent="0">
+              <a:buNone/>
+              <a:defRPr sz="1400">
+                <a:solidFill>
+                  <a:schemeClr val="tx1">
+                    <a:tint val="75000"/>
+                  </a:schemeClr>
+                </a:solidFill>
+              </a:defRPr>
+            </a:lvl6pPr>
+            <a:lvl7pPr marL="2743200" indent="0">
+              <a:buNone/>
+              <a:defRPr sz="1400">
+                <a:solidFill>
+                  <a:schemeClr val="tx1">
+                    <a:tint val="75000"/>
+                  </a:schemeClr>
+                </a:solidFill>
+              </a:defRPr>
+            </a:lvl7pPr>
+            <a:lvl8pPr marL="3200400" indent="0">
+              <a:buNone/>
+              <a:defRPr sz="1400">
+                <a:solidFill>
+                  <a:schemeClr val="tx1">
+                    <a:tint val="75000"/>
+                  </a:schemeClr>
+                </a:solidFill>
+              </a:defRPr>
+            </a:lvl8pPr>
+            <a:lvl9pPr marL="3657600" indent="0">
+              <a:buNone/>
+              <a:defRPr sz="1400">
+                <a:solidFill>
+                  <a:schemeClr val="tx1">
+                    <a:tint val="75000"/>
+                  </a:schemeClr>
+                </a:solidFill>
+              </a:defRPr>
+            </a:lvl9pPr>
+          </a:lstStyle>
+          <a:p>
+            <a:pPr lvl="0"/>
+            <a:r>
+              <a:rPr lang="fr-FR" smtClean="0"/>
+              <a:t>Modifier les styles du texte du masque</a:t>
+            </a:r>
+          </a:p>
+        </p:txBody>
+      </p:sp>
+      <p:sp>
+        <p:nvSpPr>
+          <p:cNvPr id="4" name="Date Placeholder 3"/>
+          <p:cNvSpPr>
+            <a:spLocks noGrp="1"/>
+          </p:cNvSpPr>
+          <p:nvPr>
+            <p:ph type="dt" sz="half" idx="10"/>
+          </p:nvPr>
+        </p:nvSpPr>
+        <p:spPr/>
+        <p:txBody>
+          <a:bodyPr/>
+          <a:lstStyle/>
+          <a:p>
+            <a:fld id="{331F3861-252F-41A6-B732-450BB29D3688}" type="datetimeFigureOut">
+              <a:rPr lang="fr-FR" smtClean="0"/>
+              <a:t>14/06/2016</a:t>
+            </a:fld>
+            <a:endParaRPr lang="fr-FR"/>
+          </a:p>
+        </p:txBody>
+      </p:sp>
+      <p:sp>
+        <p:nvSpPr>
+          <p:cNvPr id="5" name="Footer Placeholder 4"/>
+          <p:cNvSpPr>
+            <a:spLocks noGrp="1"/>
+          </p:cNvSpPr>
+          <p:nvPr>
+            <p:ph type="ftr" sz="quarter" idx="11"/>
+          </p:nvPr>
+        </p:nvSpPr>
+        <p:spPr/>
+        <p:txBody>
+          <a:bodyPr/>
+          <a:lstStyle/>
+          <a:p>
+            <a:endParaRPr lang="fr-FR"/>
+          </a:p>
+        </p:txBody>
+      </p:sp>
+      <p:sp>
+        <p:nvSpPr>
+          <p:cNvPr id="6" name="Slide Number Placeholder 5"/>
+          <p:cNvSpPr>
+            <a:spLocks noGrp="1"/>
+          </p:cNvSpPr>
+          <p:nvPr>
+            <p:ph type="sldNum" sz="quarter" idx="12"/>
+          </p:nvPr>
+        </p:nvSpPr>
+        <p:spPr/>
+        <p:txBody>
+          <a:bodyPr/>
+          <a:lstStyle/>
+          <a:p>
+            <a:fld id="{7C8E51AC-F90C-4D9F-9562-F0CDAA193A92}" type="slidenum">
+              <a:rPr lang="fr-FR" smtClean="0"/>
+              <a:t>‹N°›</a:t>
+            </a:fld>
+            <a:endParaRPr lang="fr-FR"/>
+          </a:p>
+        </p:txBody>
+      </p:sp>
+    </p:spTree>
+    <p:extLst>
+      <p:ext uri="{BB962C8B-B14F-4D97-AF65-F5344CB8AC3E}">
+        <p14:creationId xmlns:p14="http://schemas.microsoft.com/office/powerpoint/2010/main" val="3277961004"/>
+      </p:ext>
+    </p:extLst>
+  </p:cSld>
+  <p:clrMapOvr>
+    <a:masterClrMapping/>
+  </p:clrMapOvr>
+</p:sldLayout>
+</file>
+
+<file path=ppt/slideLayouts/slideLayout14.xml><?xml version="1.0" encoding="utf-8"?>
+<p:sldLayout xmlns:a="http://schemas.openxmlformats.org/drawingml/2006/main" xmlns:r="http://schemas.openxmlformats.org/officeDocument/2006/relationships" xmlns:p="http://schemas.openxmlformats.org/presentationml/2006/main" preserve="1">
+  <p:cSld name="Carte nom citation">
+    <p:spTree>
+      <p:nvGrpSpPr>
+        <p:cNvPr id="1" name=""/>
+        <p:cNvGrpSpPr/>
+        <p:nvPr/>
+      </p:nvGrpSpPr>
+      <p:grpSpPr>
+        <a:xfrm>
+          <a:off x="0" y="0"/>
+          <a:ext cx="0" cy="0"/>
+          <a:chOff x="0" y="0"/>
+          <a:chExt cx="0" cy="0"/>
+        </a:xfrm>
+      </p:grpSpPr>
+      <p:sp>
+        <p:nvSpPr>
+          <p:cNvPr id="14" name="TextBox 13"/>
+          <p:cNvSpPr txBox="1"/>
+          <p:nvPr/>
+        </p:nvSpPr>
+        <p:spPr>
+          <a:xfrm>
+            <a:off x="1598612" y="863023"/>
+            <a:ext cx="609600" cy="584776"/>
+          </a:xfrm>
+          <a:prstGeom prst="rect">
+            <a:avLst/>
+          </a:prstGeom>
+        </p:spPr>
+        <p:txBody>
+          <a:bodyPr vert="horz" lIns="91440" tIns="45720" rIns="91440" bIns="45720" rtlCol="0" anchor="ctr">
+            <a:noAutofit/>
+          </a:bodyPr>
+          <a:lstStyle>
+            <a:lvl1pPr>
+              <a:spcBef>
+                <a:spcPct val="0"/>
+              </a:spcBef>
+              <a:buNone/>
+              <a:defRPr sz="3200" b="0" cap="all">
+                <a:ln w="3175" cmpd="sng">
+                  <a:noFill/>
+                </a:ln>
+                <a:effectLst>
+                  <a:glow rad="38100">
+                    <a:schemeClr val="bg1">
+                      <a:lumMod val="65000"/>
+                      <a:lumOff val="35000"/>
+                      <a:alpha val="40000"/>
+                    </a:schemeClr>
+                  </a:glow>
+                  <a:outerShdw blurRad="28575" dist="38100" dir="14040000" algn="tl" rotWithShape="0">
+                    <a:srgbClr val="000000">
+                      <a:alpha val="25000"/>
+                    </a:srgbClr>
+                  </a:outerShdw>
+                </a:effectLst>
+              </a:defRPr>
+            </a:lvl1pPr>
+            <a:lvl2pPr>
+              <a:defRPr>
+                <a:solidFill>
+                  <a:schemeClr val="tx2"/>
+                </a:solidFill>
+              </a:defRPr>
+            </a:lvl2pPr>
+            <a:lvl3pPr>
+              <a:defRPr>
+                <a:solidFill>
+                  <a:schemeClr val="tx2"/>
+                </a:solidFill>
+              </a:defRPr>
+            </a:lvl3pPr>
+            <a:lvl4pPr>
+              <a:defRPr>
+                <a:solidFill>
+                  <a:schemeClr val="tx2"/>
+                </a:solidFill>
+              </a:defRPr>
+            </a:lvl4pPr>
+            <a:lvl5pPr>
+              <a:defRPr>
+                <a:solidFill>
+                  <a:schemeClr val="tx2"/>
+                </a:solidFill>
+              </a:defRPr>
+            </a:lvl5pPr>
+            <a:lvl6pPr>
+              <a:defRPr>
+                <a:solidFill>
+                  <a:schemeClr val="tx2"/>
+                </a:solidFill>
+              </a:defRPr>
+            </a:lvl6pPr>
+            <a:lvl7pPr>
+              <a:defRPr>
+                <a:solidFill>
+                  <a:schemeClr val="tx2"/>
+                </a:solidFill>
+              </a:defRPr>
+            </a:lvl7pPr>
+            <a:lvl8pPr>
+              <a:defRPr>
+                <a:solidFill>
+                  <a:schemeClr val="tx2"/>
+                </a:solidFill>
+              </a:defRPr>
+            </a:lvl8pPr>
+            <a:lvl9pPr>
+              <a:defRPr>
+                <a:solidFill>
+                  <a:schemeClr val="tx2"/>
+                </a:solidFill>
+              </a:defRPr>
+            </a:lvl9pPr>
+          </a:lstStyle>
+          <a:p>
+            <a:pPr lvl="0"/>
+            <a:r>
+              <a:rPr lang="en-US" sz="8000" dirty="0">
+                <a:solidFill>
+                  <a:schemeClr val="tx1"/>
+                </a:solidFill>
+                <a:effectLst/>
+              </a:rPr>
+              <a:t>“</a:t>
+            </a:r>
+          </a:p>
+        </p:txBody>
+      </p:sp>
+      <p:sp>
+        <p:nvSpPr>
+          <p:cNvPr id="15" name="TextBox 14"/>
+          <p:cNvSpPr txBox="1"/>
+          <p:nvPr/>
+        </p:nvSpPr>
+        <p:spPr>
+          <a:xfrm>
+            <a:off x="10893425" y="2819399"/>
+            <a:ext cx="609600" cy="584776"/>
+          </a:xfrm>
+          <a:prstGeom prst="rect">
+            <a:avLst/>
+          </a:prstGeom>
+        </p:spPr>
+        <p:txBody>
+          <a:bodyPr vert="horz" lIns="91440" tIns="45720" rIns="91440" bIns="45720" rtlCol="0" anchor="ctr">
+            <a:noAutofit/>
+          </a:bodyPr>
+          <a:lstStyle>
+            <a:lvl1pPr>
+              <a:spcBef>
+                <a:spcPct val="0"/>
+              </a:spcBef>
+              <a:buNone/>
+              <a:defRPr sz="3200" b="0" cap="all">
+                <a:ln w="3175" cmpd="sng">
+                  <a:noFill/>
+                </a:ln>
+                <a:effectLst>
+                  <a:glow rad="38100">
+                    <a:schemeClr val="bg1">
+                      <a:lumMod val="65000"/>
+                      <a:lumOff val="35000"/>
+                      <a:alpha val="40000"/>
+                    </a:schemeClr>
+                  </a:glow>
+                  <a:outerShdw blurRad="28575" dist="38100" dir="14040000" algn="tl" rotWithShape="0">
+                    <a:srgbClr val="000000">
+                      <a:alpha val="25000"/>
+                    </a:srgbClr>
+                  </a:outerShdw>
+                </a:effectLst>
+              </a:defRPr>
+            </a:lvl1pPr>
+            <a:lvl2pPr>
+              <a:defRPr>
+                <a:solidFill>
+                  <a:schemeClr val="tx2"/>
+                </a:solidFill>
+              </a:defRPr>
+            </a:lvl2pPr>
+            <a:lvl3pPr>
+              <a:defRPr>
+                <a:solidFill>
+                  <a:schemeClr val="tx2"/>
+                </a:solidFill>
+              </a:defRPr>
+            </a:lvl3pPr>
+            <a:lvl4pPr>
+              <a:defRPr>
+                <a:solidFill>
+                  <a:schemeClr val="tx2"/>
+                </a:solidFill>
+              </a:defRPr>
+            </a:lvl4pPr>
+            <a:lvl5pPr>
+              <a:defRPr>
+                <a:solidFill>
+                  <a:schemeClr val="tx2"/>
+                </a:solidFill>
+              </a:defRPr>
+            </a:lvl5pPr>
+            <a:lvl6pPr>
+              <a:defRPr>
+                <a:solidFill>
+                  <a:schemeClr val="tx2"/>
+                </a:solidFill>
+              </a:defRPr>
+            </a:lvl6pPr>
+            <a:lvl7pPr>
+              <a:defRPr>
+                <a:solidFill>
+                  <a:schemeClr val="tx2"/>
+                </a:solidFill>
+              </a:defRPr>
+            </a:lvl7pPr>
+            <a:lvl8pPr>
+              <a:defRPr>
+                <a:solidFill>
+                  <a:schemeClr val="tx2"/>
+                </a:solidFill>
+              </a:defRPr>
+            </a:lvl8pPr>
+            <a:lvl9pPr>
+              <a:defRPr>
+                <a:solidFill>
+                  <a:schemeClr val="tx2"/>
+                </a:solidFill>
+              </a:defRPr>
+            </a:lvl9pPr>
+          </a:lstStyle>
+          <a:p>
+            <a:pPr lvl="0" algn="r"/>
+            <a:r>
+              <a:rPr lang="en-US" sz="8000" dirty="0">
+                <a:solidFill>
+                  <a:schemeClr val="tx1"/>
+                </a:solidFill>
+                <a:effectLst/>
+              </a:rPr>
+              <a:t>”</a:t>
+            </a:r>
+          </a:p>
+        </p:txBody>
+      </p:sp>
+      <p:sp>
+        <p:nvSpPr>
+          <p:cNvPr id="2" name="Title 1"/>
+          <p:cNvSpPr>
+            <a:spLocks noGrp="1"/>
+          </p:cNvSpPr>
+          <p:nvPr>
+            <p:ph type="title"/>
+          </p:nvPr>
+        </p:nvSpPr>
+        <p:spPr>
+          <a:xfrm>
+            <a:off x="2208212" y="685800"/>
+            <a:ext cx="8990012" cy="2743199"/>
+          </a:xfrm>
+        </p:spPr>
+        <p:txBody>
+          <a:bodyPr anchor="ctr">
+            <a:normAutofit/>
+          </a:bodyPr>
+          <a:lstStyle>
+            <a:lvl1pPr algn="ctr">
+              <a:defRPr sz="3200" b="0" cap="none">
+                <a:solidFill>
+                  <a:schemeClr val="tx1"/>
+                </a:solidFill>
+              </a:defRPr>
+            </a:lvl1pPr>
+          </a:lstStyle>
+          <a:p>
+            <a:r>
+              <a:rPr lang="fr-FR" smtClean="0"/>
+              <a:t>Modifiez le style du titre</a:t>
+            </a:r>
+            <a:endParaRPr lang="en-US" dirty="0"/>
+          </a:p>
+        </p:txBody>
+      </p:sp>
+      <p:sp>
+        <p:nvSpPr>
+          <p:cNvPr id="10" name="Text Placeholder 9"/>
+          <p:cNvSpPr>
+            <a:spLocks noGrp="1"/>
+          </p:cNvSpPr>
+          <p:nvPr>
+            <p:ph type="body" sz="quarter" idx="13"/>
+          </p:nvPr>
+        </p:nvSpPr>
+        <p:spPr>
+          <a:xfrm>
+            <a:off x="1484313" y="3886200"/>
+            <a:ext cx="10018710" cy="889000"/>
+          </a:xfrm>
+        </p:spPr>
+        <p:txBody>
+          <a:bodyPr vert="horz" lIns="91440" tIns="45720" rIns="91440" bIns="45720" rtlCol="0" anchor="b">
+            <a:normAutofit/>
+          </a:bodyPr>
+          <a:lstStyle>
+            <a:lvl1pPr algn="r">
+              <a:buNone/>
+              <a:defRPr lang="en-US" sz="2400" b="0" cap="none" dirty="0">
+                <a:ln w="3175" cmpd="sng">
+                  <a:noFill/>
+                </a:ln>
+                <a:solidFill>
+                  <a:schemeClr val="tx1"/>
+                </a:solidFill>
+                <a:effectLst/>
+              </a:defRPr>
+            </a:lvl1pPr>
+          </a:lstStyle>
+          <a:p>
+            <a:pPr marL="0" lvl="0">
+              <a:spcBef>
+                <a:spcPct val="0"/>
+              </a:spcBef>
+              <a:buNone/>
+            </a:pPr>
+            <a:r>
+              <a:rPr lang="fr-FR" smtClean="0"/>
+              <a:t>Modifier les styles du texte du masque</a:t>
+            </a:r>
+          </a:p>
+        </p:txBody>
+      </p:sp>
+      <p:sp>
+        <p:nvSpPr>
+          <p:cNvPr id="3" name="Text Placeholder 2"/>
+          <p:cNvSpPr>
+            <a:spLocks noGrp="1"/>
+          </p:cNvSpPr>
+          <p:nvPr>
+            <p:ph type="body" idx="1"/>
+          </p:nvPr>
+        </p:nvSpPr>
+        <p:spPr>
+          <a:xfrm>
+            <a:off x="1484312" y="4775200"/>
+            <a:ext cx="10018710" cy="1016000"/>
+          </a:xfrm>
+        </p:spPr>
+        <p:txBody>
+          <a:bodyPr anchor="t">
+            <a:normAutofit/>
+          </a:bodyPr>
+          <a:lstStyle>
+            <a:lvl1pPr marL="0" indent="0" algn="r">
+              <a:buNone/>
+              <a:defRPr sz="1800">
+                <a:solidFill>
+                  <a:schemeClr val="tx1"/>
+                </a:solidFill>
+              </a:defRPr>
+            </a:lvl1pPr>
+            <a:lvl2pPr marL="457200" indent="0">
+              <a:buNone/>
+              <a:defRPr sz="1800">
+                <a:solidFill>
+                  <a:schemeClr val="tx1">
+                    <a:tint val="75000"/>
+                  </a:schemeClr>
+                </a:solidFill>
+              </a:defRPr>
+            </a:lvl2pPr>
+            <a:lvl3pPr marL="914400" indent="0">
+              <a:buNone/>
+              <a:defRPr sz="1600">
+                <a:solidFill>
+                  <a:schemeClr val="tx1">
+                    <a:tint val="75000"/>
+                  </a:schemeClr>
+                </a:solidFill>
+              </a:defRPr>
+            </a:lvl3pPr>
+            <a:lvl4pPr marL="1371600" indent="0">
+              <a:buNone/>
+              <a:defRPr sz="1400">
+                <a:solidFill>
+                  <a:schemeClr val="tx1">
+                    <a:tint val="75000"/>
+                  </a:schemeClr>
+                </a:solidFill>
+              </a:defRPr>
+            </a:lvl4pPr>
+            <a:lvl5pPr marL="1828800" indent="0">
+              <a:buNone/>
+              <a:defRPr sz="1400">
+                <a:solidFill>
+                  <a:schemeClr val="tx1">
+                    <a:tint val="75000"/>
+                  </a:schemeClr>
+                </a:solidFill>
+              </a:defRPr>
+            </a:lvl5pPr>
+            <a:lvl6pPr marL="2286000" indent="0">
+              <a:buNone/>
+              <a:defRPr sz="1400">
+                <a:solidFill>
+                  <a:schemeClr val="tx1">
+                    <a:tint val="75000"/>
+                  </a:schemeClr>
+                </a:solidFill>
+              </a:defRPr>
+            </a:lvl6pPr>
+            <a:lvl7pPr marL="2743200" indent="0">
+              <a:buNone/>
+              <a:defRPr sz="1400">
+                <a:solidFill>
+                  <a:schemeClr val="tx1">
+                    <a:tint val="75000"/>
+                  </a:schemeClr>
+                </a:solidFill>
+              </a:defRPr>
+            </a:lvl7pPr>
+            <a:lvl8pPr marL="3200400" indent="0">
+              <a:buNone/>
+              <a:defRPr sz="1400">
+                <a:solidFill>
+                  <a:schemeClr val="tx1">
+                    <a:tint val="75000"/>
+                  </a:schemeClr>
+                </a:solidFill>
+              </a:defRPr>
+            </a:lvl8pPr>
+            <a:lvl9pPr marL="3657600" indent="0">
+              <a:buNone/>
+              <a:defRPr sz="1400">
+                <a:solidFill>
+                  <a:schemeClr val="tx1">
+                    <a:tint val="75000"/>
+                  </a:schemeClr>
+                </a:solidFill>
+              </a:defRPr>
+            </a:lvl9pPr>
+          </a:lstStyle>
+          <a:p>
+            <a:pPr lvl="0"/>
+            <a:r>
+              <a:rPr lang="fr-FR" smtClean="0"/>
+              <a:t>Modifier les styles du texte du masque</a:t>
+            </a:r>
+          </a:p>
+        </p:txBody>
+      </p:sp>
+      <p:sp>
+        <p:nvSpPr>
+          <p:cNvPr id="4" name="Date Placeholder 3"/>
+          <p:cNvSpPr>
+            <a:spLocks noGrp="1"/>
+          </p:cNvSpPr>
+          <p:nvPr>
+            <p:ph type="dt" sz="half" idx="10"/>
+          </p:nvPr>
+        </p:nvSpPr>
+        <p:spPr/>
+        <p:txBody>
+          <a:bodyPr/>
+          <a:lstStyle/>
+          <a:p>
+            <a:fld id="{331F3861-252F-41A6-B732-450BB29D3688}" type="datetimeFigureOut">
+              <a:rPr lang="fr-FR" smtClean="0"/>
+              <a:t>14/06/2016</a:t>
+            </a:fld>
+            <a:endParaRPr lang="fr-FR"/>
+          </a:p>
+        </p:txBody>
+      </p:sp>
+      <p:sp>
+        <p:nvSpPr>
+          <p:cNvPr id="5" name="Footer Placeholder 4"/>
+          <p:cNvSpPr>
+            <a:spLocks noGrp="1"/>
+          </p:cNvSpPr>
+          <p:nvPr>
+            <p:ph type="ftr" sz="quarter" idx="11"/>
+          </p:nvPr>
+        </p:nvSpPr>
+        <p:spPr/>
+        <p:txBody>
+          <a:bodyPr/>
+          <a:lstStyle/>
+          <a:p>
+            <a:endParaRPr lang="fr-FR"/>
+          </a:p>
+        </p:txBody>
+      </p:sp>
+      <p:sp>
+        <p:nvSpPr>
+          <p:cNvPr id="6" name="Slide Number Placeholder 5"/>
+          <p:cNvSpPr>
+            <a:spLocks noGrp="1"/>
+          </p:cNvSpPr>
+          <p:nvPr>
+            <p:ph type="sldNum" sz="quarter" idx="12"/>
+          </p:nvPr>
+        </p:nvSpPr>
+        <p:spPr/>
+        <p:txBody>
+          <a:bodyPr/>
+          <a:lstStyle/>
+          <a:p>
+            <a:fld id="{7C8E51AC-F90C-4D9F-9562-F0CDAA193A92}" type="slidenum">
+              <a:rPr lang="fr-FR" smtClean="0"/>
+              <a:t>‹N°›</a:t>
+            </a:fld>
+            <a:endParaRPr lang="fr-FR"/>
+          </a:p>
+        </p:txBody>
+      </p:sp>
+    </p:spTree>
+    <p:extLst>
+      <p:ext uri="{BB962C8B-B14F-4D97-AF65-F5344CB8AC3E}">
+        <p14:creationId xmlns:p14="http://schemas.microsoft.com/office/powerpoint/2010/main" val="1016058459"/>
+      </p:ext>
+    </p:extLst>
+  </p:cSld>
+  <p:clrMapOvr>
+    <a:masterClrMapping/>
+  </p:clrMapOvr>
+</p:sldLayout>
+</file>
+
+<file path=ppt/slideLayouts/slideLayout15.xml><?xml version="1.0" encoding="utf-8"?>
+<p:sldLayout xmlns:a="http://schemas.openxmlformats.org/drawingml/2006/main" xmlns:r="http://schemas.openxmlformats.org/officeDocument/2006/relationships" xmlns:p="http://schemas.openxmlformats.org/presentationml/2006/main" preserve="1">
+  <p:cSld name="Vrai ou faux">
+    <p:spTree>
+      <p:nvGrpSpPr>
+        <p:cNvPr id="1" name=""/>
+        <p:cNvGrpSpPr/>
+        <p:nvPr/>
+      </p:nvGrpSpPr>
+      <p:grpSpPr>
+        <a:xfrm>
+          <a:off x="0" y="0"/>
+          <a:ext cx="0" cy="0"/>
+          <a:chOff x="0" y="0"/>
+          <a:chExt cx="0" cy="0"/>
+        </a:xfrm>
+      </p:grpSpPr>
+      <p:sp>
+        <p:nvSpPr>
+          <p:cNvPr id="2" name="Title 1"/>
+          <p:cNvSpPr>
+            <a:spLocks noGrp="1"/>
+          </p:cNvSpPr>
+          <p:nvPr>
+            <p:ph type="title"/>
+          </p:nvPr>
+        </p:nvSpPr>
+        <p:spPr>
+          <a:xfrm>
+            <a:off x="1484313" y="685800"/>
+            <a:ext cx="10018712" cy="2727325"/>
+          </a:xfrm>
+        </p:spPr>
+        <p:txBody>
+          <a:bodyPr vert="horz" lIns="91440" tIns="45720" rIns="91440" bIns="45720" rtlCol="0" anchor="ctr">
+            <a:normAutofit/>
+          </a:bodyPr>
+          <a:lstStyle>
+            <a:lvl1pPr>
+              <a:defRPr lang="en-US" b="0" dirty="0"/>
+            </a:lvl1pPr>
+          </a:lstStyle>
+          <a:p>
+            <a:pPr marL="0" lvl="0"/>
+            <a:r>
+              <a:rPr lang="fr-FR" smtClean="0"/>
+              <a:t>Modifiez le style du titre</a:t>
+            </a:r>
+            <a:endParaRPr lang="en-US" dirty="0"/>
+          </a:p>
+        </p:txBody>
+      </p:sp>
+      <p:sp>
+        <p:nvSpPr>
+          <p:cNvPr id="10" name="Text Placeholder 9"/>
+          <p:cNvSpPr>
+            <a:spLocks noGrp="1"/>
+          </p:cNvSpPr>
+          <p:nvPr>
+            <p:ph type="body" sz="quarter" idx="13"/>
+          </p:nvPr>
+        </p:nvSpPr>
+        <p:spPr>
+          <a:xfrm>
+            <a:off x="1484312" y="3505200"/>
+            <a:ext cx="10018713" cy="838200"/>
+          </a:xfrm>
+        </p:spPr>
+        <p:txBody>
+          <a:bodyPr vert="horz" lIns="91440" tIns="45720" rIns="91440" bIns="45720" rtlCol="0" anchor="b">
+            <a:normAutofit/>
+          </a:bodyPr>
+          <a:lstStyle>
+            <a:lvl1pPr>
+              <a:buNone/>
+              <a:defRPr lang="en-US" sz="2800" b="0" cap="none" dirty="0">
+                <a:ln w="3175" cmpd="sng">
+                  <a:noFill/>
+                </a:ln>
+                <a:solidFill>
+                  <a:schemeClr val="tx1"/>
+                </a:solidFill>
+                <a:effectLst/>
+              </a:defRPr>
+            </a:lvl1pPr>
+          </a:lstStyle>
+          <a:p>
+            <a:pPr marL="0" lvl="0">
+              <a:spcBef>
+                <a:spcPct val="0"/>
+              </a:spcBef>
+              <a:buNone/>
+            </a:pPr>
+            <a:r>
+              <a:rPr lang="fr-FR" smtClean="0"/>
+              <a:t>Modifier les styles du texte du masque</a:t>
+            </a:r>
+          </a:p>
+        </p:txBody>
+      </p:sp>
+      <p:sp>
+        <p:nvSpPr>
+          <p:cNvPr id="3" name="Text Placeholder 2"/>
+          <p:cNvSpPr>
+            <a:spLocks noGrp="1"/>
+          </p:cNvSpPr>
+          <p:nvPr>
+            <p:ph type="body" idx="1"/>
+          </p:nvPr>
+        </p:nvSpPr>
+        <p:spPr>
+          <a:xfrm>
+            <a:off x="1484311" y="4343400"/>
+            <a:ext cx="10018713" cy="1447800"/>
+          </a:xfrm>
+        </p:spPr>
+        <p:txBody>
+          <a:bodyPr anchor="t">
+            <a:normAutofit/>
+          </a:bodyPr>
+          <a:lstStyle>
+            <a:lvl1pPr marL="0" indent="0" algn="l">
+              <a:buNone/>
+              <a:defRPr sz="1800">
+                <a:solidFill>
+                  <a:schemeClr val="tx1"/>
+                </a:solidFill>
+              </a:defRPr>
+            </a:lvl1pPr>
+            <a:lvl2pPr marL="457200" indent="0">
+              <a:buNone/>
+              <a:defRPr sz="1800">
+                <a:solidFill>
+                  <a:schemeClr val="tx1">
+                    <a:tint val="75000"/>
+                  </a:schemeClr>
+                </a:solidFill>
+              </a:defRPr>
+            </a:lvl2pPr>
+            <a:lvl3pPr marL="914400" indent="0">
+              <a:buNone/>
+              <a:defRPr sz="1600">
+                <a:solidFill>
+                  <a:schemeClr val="tx1">
+                    <a:tint val="75000"/>
+                  </a:schemeClr>
+                </a:solidFill>
+              </a:defRPr>
+            </a:lvl3pPr>
+            <a:lvl4pPr marL="1371600" indent="0">
+              <a:buNone/>
+              <a:defRPr sz="1400">
+                <a:solidFill>
+                  <a:schemeClr val="tx1">
+                    <a:tint val="75000"/>
+                  </a:schemeClr>
+                </a:solidFill>
+              </a:defRPr>
+            </a:lvl4pPr>
+            <a:lvl5pPr marL="1828800" indent="0">
+              <a:buNone/>
+              <a:defRPr sz="1400">
+                <a:solidFill>
+                  <a:schemeClr val="tx1">
+                    <a:tint val="75000"/>
+                  </a:schemeClr>
+                </a:solidFill>
+              </a:defRPr>
+            </a:lvl5pPr>
+            <a:lvl6pPr marL="2286000" indent="0">
+              <a:buNone/>
+              <a:defRPr sz="1400">
+                <a:solidFill>
+                  <a:schemeClr val="tx1">
+                    <a:tint val="75000"/>
+                  </a:schemeClr>
+                </a:solidFill>
+              </a:defRPr>
+            </a:lvl6pPr>
+            <a:lvl7pPr marL="2743200" indent="0">
+              <a:buNone/>
+              <a:defRPr sz="1400">
+                <a:solidFill>
+                  <a:schemeClr val="tx1">
+                    <a:tint val="75000"/>
+                  </a:schemeClr>
+                </a:solidFill>
+              </a:defRPr>
+            </a:lvl7pPr>
+            <a:lvl8pPr marL="3200400" indent="0">
+              <a:buNone/>
+              <a:defRPr sz="1400">
+                <a:solidFill>
+                  <a:schemeClr val="tx1">
+                    <a:tint val="75000"/>
+                  </a:schemeClr>
+                </a:solidFill>
+              </a:defRPr>
+            </a:lvl8pPr>
+            <a:lvl9pPr marL="3657600" indent="0">
+              <a:buNone/>
+              <a:defRPr sz="1400">
+                <a:solidFill>
+                  <a:schemeClr val="tx1">
+                    <a:tint val="75000"/>
+                  </a:schemeClr>
+                </a:solidFill>
+              </a:defRPr>
+            </a:lvl9pPr>
+          </a:lstStyle>
+          <a:p>
+            <a:pPr lvl="0"/>
+            <a:r>
+              <a:rPr lang="fr-FR" smtClean="0"/>
+              <a:t>Modifier les styles du texte du masque</a:t>
+            </a:r>
+          </a:p>
+        </p:txBody>
+      </p:sp>
+      <p:sp>
+        <p:nvSpPr>
+          <p:cNvPr id="4" name="Date Placeholder 3"/>
+          <p:cNvSpPr>
+            <a:spLocks noGrp="1"/>
+          </p:cNvSpPr>
+          <p:nvPr>
+            <p:ph type="dt" sz="half" idx="10"/>
+          </p:nvPr>
+        </p:nvSpPr>
+        <p:spPr/>
+        <p:txBody>
+          <a:bodyPr/>
+          <a:lstStyle/>
+          <a:p>
+            <a:fld id="{331F3861-252F-41A6-B732-450BB29D3688}" type="datetimeFigureOut">
+              <a:rPr lang="fr-FR" smtClean="0"/>
+              <a:t>14/06/2016</a:t>
+            </a:fld>
+            <a:endParaRPr lang="fr-FR"/>
+          </a:p>
+        </p:txBody>
+      </p:sp>
+      <p:sp>
+        <p:nvSpPr>
+          <p:cNvPr id="5" name="Footer Placeholder 4"/>
+          <p:cNvSpPr>
+            <a:spLocks noGrp="1"/>
+          </p:cNvSpPr>
+          <p:nvPr>
+            <p:ph type="ftr" sz="quarter" idx="11"/>
+          </p:nvPr>
+        </p:nvSpPr>
+        <p:spPr/>
+        <p:txBody>
+          <a:bodyPr/>
+          <a:lstStyle/>
+          <a:p>
+            <a:endParaRPr lang="fr-FR"/>
+          </a:p>
+        </p:txBody>
+      </p:sp>
+      <p:sp>
+        <p:nvSpPr>
+          <p:cNvPr id="6" name="Slide Number Placeholder 5"/>
+          <p:cNvSpPr>
+            <a:spLocks noGrp="1"/>
+          </p:cNvSpPr>
+          <p:nvPr>
+            <p:ph type="sldNum" sz="quarter" idx="12"/>
+          </p:nvPr>
+        </p:nvSpPr>
+        <p:spPr/>
+        <p:txBody>
+          <a:bodyPr/>
+          <a:lstStyle/>
+          <a:p>
+            <a:fld id="{7C8E51AC-F90C-4D9F-9562-F0CDAA193A92}" type="slidenum">
+              <a:rPr lang="fr-FR" smtClean="0"/>
+              <a:t>‹N°›</a:t>
+            </a:fld>
+            <a:endParaRPr lang="fr-FR"/>
+          </a:p>
+        </p:txBody>
+      </p:sp>
+    </p:spTree>
+    <p:extLst>
+      <p:ext uri="{BB962C8B-B14F-4D97-AF65-F5344CB8AC3E}">
+        <p14:creationId xmlns:p14="http://schemas.microsoft.com/office/powerpoint/2010/main" val="490484894"/>
+      </p:ext>
+    </p:extLst>
+  </p:cSld>
+  <p:clrMapOvr>
+    <a:masterClrMapping/>
+  </p:clrMapOvr>
+</p:sldLayout>
+</file>
+
+<file path=ppt/slideLayouts/slideLayout16.xml><?xml version="1.0" encoding="utf-8"?>
 <p:sldLayout xmlns:a="http://schemas.openxmlformats.org/drawingml/2006/main" xmlns:r="http://schemas.openxmlformats.org/officeDocument/2006/relationships" xmlns:p="http://schemas.openxmlformats.org/presentationml/2006/main" type="vertTx" preserve="1">
   <p:cSld name="Titre et texte vertical">
     <p:spTree>
@@ -337,7 +2869,7 @@
       </p:grpSpPr>
       <p:sp>
         <p:nvSpPr>
-          <p:cNvPr id="2" name="Titre 1"/>
+          <p:cNvPr id="2" name="Title 1"/>
           <p:cNvSpPr>
             <a:spLocks noGrp="1"/>
           </p:cNvSpPr>
@@ -348,19 +2880,23 @@
         <p:spPr/>
         <p:txBody>
           <a:bodyPr/>
-          <a:lstStyle/>
+          <a:lstStyle>
+            <a:lvl1pPr algn="ctr">
+              <a:defRPr/>
+            </a:lvl1pPr>
+          </a:lstStyle>
           <a:p>
             <a:r>
               <a:rPr lang="fr-FR" smtClean="0"/>
               <a:t>Modifiez le style du titre</a:t>
             </a:r>
-            <a:endParaRPr lang="fr-FR"/>
-          </a:p>
-        </p:txBody>
-      </p:sp>
-      <p:sp>
-        <p:nvSpPr>
-          <p:cNvPr id="3" name="Espace réservé du texte vertical 2"/>
+            <a:endParaRPr lang="en-US" dirty="0"/>
+          </a:p>
+        </p:txBody>
+      </p:sp>
+      <p:sp>
+        <p:nvSpPr>
+          <p:cNvPr id="3" name="Vertical Text Placeholder 2"/>
           <p:cNvSpPr>
             <a:spLocks noGrp="1"/>
           </p:cNvSpPr>
@@ -370,7 +2906,7 @@
         </p:nvSpPr>
         <p:spPr/>
         <p:txBody>
-          <a:bodyPr vert="eaVert"/>
+          <a:bodyPr vert="eaVert" anchor="t"/>
           <a:lstStyle/>
           <a:p>
             <a:pPr lvl="0"/>
@@ -406,13 +2942,13 @@
               <a:rPr lang="fr-FR" smtClean="0"/>
               <a:t>Cinquième niveau</a:t>
             </a:r>
-            <a:endParaRPr lang="fr-FR"/>
-          </a:p>
-        </p:txBody>
-      </p:sp>
-      <p:sp>
-        <p:nvSpPr>
-          <p:cNvPr id="4" name="Espace réservé de la date 3"/>
+            <a:endParaRPr lang="en-US" dirty="0"/>
+          </a:p>
+        </p:txBody>
+      </p:sp>
+      <p:sp>
+        <p:nvSpPr>
+          <p:cNvPr id="4" name="Date Placeholder 3"/>
           <p:cNvSpPr>
             <a:spLocks noGrp="1"/>
           </p:cNvSpPr>
@@ -435,7 +2971,7 @@
       </p:sp>
       <p:sp>
         <p:nvSpPr>
-          <p:cNvPr id="5" name="Espace réservé du pied de page 4"/>
+          <p:cNvPr id="5" name="Footer Placeholder 4"/>
           <p:cNvSpPr>
             <a:spLocks noGrp="1"/>
           </p:cNvSpPr>
@@ -454,7 +2990,7 @@
       </p:sp>
       <p:sp>
         <p:nvSpPr>
-          <p:cNvPr id="6" name="Espace réservé du numéro de diapositive 5"/>
+          <p:cNvPr id="6" name="Slide Number Placeholder 5"/>
           <p:cNvSpPr>
             <a:spLocks noGrp="1"/>
           </p:cNvSpPr>
@@ -478,7 +3014,7 @@
     </p:spTree>
     <p:extLst>
       <p:ext uri="{BB962C8B-B14F-4D97-AF65-F5344CB8AC3E}">
-        <p14:creationId xmlns:p14="http://schemas.microsoft.com/office/powerpoint/2010/main" val="354654359"/>
+        <p14:creationId xmlns:p14="http://schemas.microsoft.com/office/powerpoint/2010/main" val="1664692116"/>
       </p:ext>
     </p:extLst>
   </p:cSld>
@@ -488,7 +3024,7 @@
 </p:sldLayout>
 </file>
 
-<file path=ppt/slideLayouts/slideLayout11.xml><?xml version="1.0" encoding="utf-8"?>
+<file path=ppt/slideLayouts/slideLayout17.xml><?xml version="1.0" encoding="utf-8"?>
 <p:sldLayout xmlns:a="http://schemas.openxmlformats.org/drawingml/2006/main" xmlns:r="http://schemas.openxmlformats.org/officeDocument/2006/relationships" xmlns:p="http://schemas.openxmlformats.org/presentationml/2006/main" type="vertTitleAndTx" preserve="1">
   <p:cSld name="Titre vertical et texte">
     <p:spTree>
@@ -507,7 +3043,7 @@
       </p:grpSpPr>
       <p:sp>
         <p:nvSpPr>
-          <p:cNvPr id="2" name="Titre vertical 1"/>
+          <p:cNvPr id="2" name="Vertical Title 1"/>
           <p:cNvSpPr>
             <a:spLocks noGrp="1"/>
           </p:cNvSpPr>
@@ -517,8 +3053,8 @@
         </p:nvSpPr>
         <p:spPr>
           <a:xfrm>
-            <a:off x="8724900" y="365125"/>
-            <a:ext cx="2628900" cy="5811838"/>
+            <a:off x="9732655" y="685800"/>
+            <a:ext cx="1770369" cy="5105400"/>
           </a:xfrm>
         </p:spPr>
         <p:txBody>
@@ -529,13 +3065,13 @@
               <a:rPr lang="fr-FR" smtClean="0"/>
               <a:t>Modifiez le style du titre</a:t>
             </a:r>
-            <a:endParaRPr lang="fr-FR"/>
-          </a:p>
-        </p:txBody>
-      </p:sp>
-      <p:sp>
-        <p:nvSpPr>
-          <p:cNvPr id="3" name="Espace réservé du texte vertical 2"/>
+            <a:endParaRPr lang="en-US" dirty="0"/>
+          </a:p>
+        </p:txBody>
+      </p:sp>
+      <p:sp>
+        <p:nvSpPr>
+          <p:cNvPr id="3" name="Vertical Text Placeholder 2"/>
           <p:cNvSpPr>
             <a:spLocks noGrp="1"/>
           </p:cNvSpPr>
@@ -545,12 +3081,12 @@
         </p:nvSpPr>
         <p:spPr>
           <a:xfrm>
-            <a:off x="838200" y="365125"/>
-            <a:ext cx="7734300" cy="5811838"/>
+            <a:off x="1484312" y="685800"/>
+            <a:ext cx="8019742" cy="5105400"/>
           </a:xfrm>
         </p:spPr>
         <p:txBody>
-          <a:bodyPr vert="eaVert"/>
+          <a:bodyPr vert="eaVert" anchor="t"/>
           <a:lstStyle/>
           <a:p>
             <a:pPr lvl="0"/>
@@ -586,13 +3122,13 @@
               <a:rPr lang="fr-FR" smtClean="0"/>
               <a:t>Cinquième niveau</a:t>
             </a:r>
-            <a:endParaRPr lang="fr-FR"/>
-          </a:p>
-        </p:txBody>
-      </p:sp>
-      <p:sp>
-        <p:nvSpPr>
-          <p:cNvPr id="4" name="Espace réservé de la date 3"/>
+            <a:endParaRPr lang="en-US" dirty="0"/>
+          </a:p>
+        </p:txBody>
+      </p:sp>
+      <p:sp>
+        <p:nvSpPr>
+          <p:cNvPr id="4" name="Date Placeholder 3"/>
           <p:cNvSpPr>
             <a:spLocks noGrp="1"/>
           </p:cNvSpPr>
@@ -615,7 +3151,7 @@
       </p:sp>
       <p:sp>
         <p:nvSpPr>
-          <p:cNvPr id="5" name="Espace réservé du pied de page 4"/>
+          <p:cNvPr id="5" name="Footer Placeholder 4"/>
           <p:cNvSpPr>
             <a:spLocks noGrp="1"/>
           </p:cNvSpPr>
@@ -634,7 +3170,7 @@
       </p:sp>
       <p:sp>
         <p:nvSpPr>
-          <p:cNvPr id="6" name="Espace réservé du numéro de diapositive 5"/>
+          <p:cNvPr id="6" name="Slide Number Placeholder 5"/>
           <p:cNvSpPr>
             <a:spLocks noGrp="1"/>
           </p:cNvSpPr>
@@ -658,7 +3194,7 @@
     </p:spTree>
     <p:extLst>
       <p:ext uri="{BB962C8B-B14F-4D97-AF65-F5344CB8AC3E}">
-        <p14:creationId xmlns:p14="http://schemas.microsoft.com/office/powerpoint/2010/main" val="1367920124"/>
+        <p14:creationId xmlns:p14="http://schemas.microsoft.com/office/powerpoint/2010/main" val="4069802583"/>
       </p:ext>
     </p:extLst>
   </p:cSld>
@@ -687,7 +3223,7 @@
       </p:grpSpPr>
       <p:sp>
         <p:nvSpPr>
-          <p:cNvPr id="2" name="Titre 1"/>
+          <p:cNvPr id="2" name="Title 1"/>
           <p:cNvSpPr>
             <a:spLocks noGrp="1"/>
           </p:cNvSpPr>
@@ -704,13 +3240,13 @@
               <a:rPr lang="fr-FR" smtClean="0"/>
               <a:t>Modifiez le style du titre</a:t>
             </a:r>
-            <a:endParaRPr lang="fr-FR"/>
-          </a:p>
-        </p:txBody>
-      </p:sp>
-      <p:sp>
-        <p:nvSpPr>
-          <p:cNvPr id="3" name="Espace réservé du contenu 2"/>
+            <a:endParaRPr lang="en-US" dirty="0"/>
+          </a:p>
+        </p:txBody>
+      </p:sp>
+      <p:sp>
+        <p:nvSpPr>
+          <p:cNvPr id="3" name="Content Placeholder 2"/>
           <p:cNvSpPr>
             <a:spLocks noGrp="1"/>
           </p:cNvSpPr>
@@ -720,7 +3256,7 @@
         </p:nvSpPr>
         <p:spPr/>
         <p:txBody>
-          <a:bodyPr/>
+          <a:bodyPr anchor="ctr"/>
           <a:lstStyle/>
           <a:p>
             <a:pPr lvl="0"/>
@@ -756,13 +3292,13 @@
               <a:rPr lang="fr-FR" smtClean="0"/>
               <a:t>Cinquième niveau</a:t>
             </a:r>
-            <a:endParaRPr lang="fr-FR"/>
-          </a:p>
-        </p:txBody>
-      </p:sp>
-      <p:sp>
-        <p:nvSpPr>
-          <p:cNvPr id="4" name="Espace réservé de la date 3"/>
+            <a:endParaRPr lang="en-US" dirty="0"/>
+          </a:p>
+        </p:txBody>
+      </p:sp>
+      <p:sp>
+        <p:nvSpPr>
+          <p:cNvPr id="4" name="Date Placeholder 3"/>
           <p:cNvSpPr>
             <a:spLocks noGrp="1"/>
           </p:cNvSpPr>
@@ -785,7 +3321,7 @@
       </p:sp>
       <p:sp>
         <p:nvSpPr>
-          <p:cNvPr id="5" name="Espace réservé du pied de page 4"/>
+          <p:cNvPr id="5" name="Footer Placeholder 4"/>
           <p:cNvSpPr>
             <a:spLocks noGrp="1"/>
           </p:cNvSpPr>
@@ -804,7 +3340,7 @@
       </p:sp>
       <p:sp>
         <p:nvSpPr>
-          <p:cNvPr id="6" name="Espace réservé du numéro de diapositive 5"/>
+          <p:cNvPr id="6" name="Slide Number Placeholder 5"/>
           <p:cNvSpPr>
             <a:spLocks noGrp="1"/>
           </p:cNvSpPr>
@@ -812,7 +3348,12 @@
             <p:ph type="sldNum" sz="quarter" idx="12"/>
           </p:nvPr>
         </p:nvSpPr>
-        <p:spPr/>
+        <p:spPr>
+          <a:xfrm>
+            <a:off x="10951856" y="5867131"/>
+            <a:ext cx="551167" cy="365125"/>
+          </a:xfrm>
+        </p:spPr>
         <p:txBody>
           <a:bodyPr/>
           <a:lstStyle/>
@@ -828,7 +3369,7 @@
     </p:spTree>
     <p:extLst>
       <p:ext uri="{BB962C8B-B14F-4D97-AF65-F5344CB8AC3E}">
-        <p14:creationId xmlns:p14="http://schemas.microsoft.com/office/powerpoint/2010/main" val="3550760132"/>
+        <p14:creationId xmlns:p14="http://schemas.microsoft.com/office/powerpoint/2010/main" val="3834595306"/>
       </p:ext>
     </p:extLst>
   </p:cSld>
@@ -857,7 +3398,7 @@
       </p:grpSpPr>
       <p:sp>
         <p:nvSpPr>
-          <p:cNvPr id="2" name="Titre 1"/>
+          <p:cNvPr id="2" name="Title 1"/>
           <p:cNvSpPr>
             <a:spLocks noGrp="1"/>
           </p:cNvSpPr>
@@ -867,15 +3408,15 @@
         </p:nvSpPr>
         <p:spPr>
           <a:xfrm>
-            <a:off x="831850" y="1709738"/>
-            <a:ext cx="10515600" cy="2852737"/>
+            <a:off x="2572279" y="2666999"/>
+            <a:ext cx="8930747" cy="2110382"/>
           </a:xfrm>
         </p:spPr>
         <p:txBody>
           <a:bodyPr anchor="b"/>
           <a:lstStyle>
-            <a:lvl1pPr>
-              <a:defRPr sz="6000"/>
+            <a:lvl1pPr algn="r">
+              <a:defRPr sz="4000" b="0" cap="none"/>
             </a:lvl1pPr>
           </a:lstStyle>
           <a:p>
@@ -883,13 +3424,13 @@
               <a:rPr lang="fr-FR" smtClean="0"/>
               <a:t>Modifiez le style du titre</a:t>
             </a:r>
-            <a:endParaRPr lang="fr-FR"/>
-          </a:p>
-        </p:txBody>
-      </p:sp>
-      <p:sp>
-        <p:nvSpPr>
-          <p:cNvPr id="3" name="Espace réservé du texte 2"/>
+            <a:endParaRPr lang="en-US" dirty="0"/>
+          </a:p>
+        </p:txBody>
+      </p:sp>
+      <p:sp>
+        <p:nvSpPr>
+          <p:cNvPr id="3" name="Text Placeholder 2"/>
           <p:cNvSpPr>
             <a:spLocks noGrp="1"/>
           </p:cNvSpPr>
@@ -899,102 +3440,102 @@
         </p:nvSpPr>
         <p:spPr>
           <a:xfrm>
-            <a:off x="831850" y="4589463"/>
-            <a:ext cx="10515600" cy="1500187"/>
+            <a:off x="2572278" y="4777381"/>
+            <a:ext cx="8930748" cy="860400"/>
           </a:xfrm>
         </p:spPr>
         <p:txBody>
-          <a:bodyPr/>
+          <a:bodyPr anchor="t">
+            <a:normAutofit/>
+          </a:bodyPr>
           <a:lstStyle>
-            <a:lvl1pPr marL="0" indent="0">
-              <a:buNone/>
-              <a:defRPr sz="2400">
+            <a:lvl1pPr marL="0" indent="0" algn="r">
+              <a:buNone/>
+              <a:defRPr sz="2000">
+                <a:solidFill>
+                  <a:schemeClr val="tx1"/>
+                </a:solidFill>
+              </a:defRPr>
+            </a:lvl1pPr>
+            <a:lvl2pPr marL="457200" indent="0">
+              <a:buNone/>
+              <a:defRPr sz="1800">
                 <a:solidFill>
                   <a:schemeClr val="tx1">
                     <a:tint val="75000"/>
                   </a:schemeClr>
                 </a:solidFill>
               </a:defRPr>
-            </a:lvl1pPr>
-            <a:lvl2pPr marL="457200" indent="0">
-              <a:buNone/>
-              <a:defRPr sz="2000">
+            </a:lvl2pPr>
+            <a:lvl3pPr marL="914400" indent="0">
+              <a:buNone/>
+              <a:defRPr sz="1600">
                 <a:solidFill>
                   <a:schemeClr val="tx1">
                     <a:tint val="75000"/>
                   </a:schemeClr>
                 </a:solidFill>
               </a:defRPr>
-            </a:lvl2pPr>
-            <a:lvl3pPr marL="914400" indent="0">
-              <a:buNone/>
-              <a:defRPr sz="1800">
+            </a:lvl3pPr>
+            <a:lvl4pPr marL="1371600" indent="0">
+              <a:buNone/>
+              <a:defRPr sz="1400">
                 <a:solidFill>
                   <a:schemeClr val="tx1">
                     <a:tint val="75000"/>
                   </a:schemeClr>
                 </a:solidFill>
               </a:defRPr>
-            </a:lvl3pPr>
-            <a:lvl4pPr marL="1371600" indent="0">
-              <a:buNone/>
-              <a:defRPr sz="1600">
+            </a:lvl4pPr>
+            <a:lvl5pPr marL="1828800" indent="0">
+              <a:buNone/>
+              <a:defRPr sz="1400">
                 <a:solidFill>
                   <a:schemeClr val="tx1">
                     <a:tint val="75000"/>
                   </a:schemeClr>
                 </a:solidFill>
               </a:defRPr>
-            </a:lvl4pPr>
-            <a:lvl5pPr marL="1828800" indent="0">
-              <a:buNone/>
-              <a:defRPr sz="1600">
+            </a:lvl5pPr>
+            <a:lvl6pPr marL="2286000" indent="0">
+              <a:buNone/>
+              <a:defRPr sz="1400">
                 <a:solidFill>
                   <a:schemeClr val="tx1">
                     <a:tint val="75000"/>
                   </a:schemeClr>
                 </a:solidFill>
               </a:defRPr>
-            </a:lvl5pPr>
-            <a:lvl6pPr marL="2286000" indent="0">
-              <a:buNone/>
-              <a:defRPr sz="1600">
+            </a:lvl6pPr>
+            <a:lvl7pPr marL="2743200" indent="0">
+              <a:buNone/>
+              <a:defRPr sz="1400">
                 <a:solidFill>
                   <a:schemeClr val="tx1">
                     <a:tint val="75000"/>
                   </a:schemeClr>
                 </a:solidFill>
               </a:defRPr>
-            </a:lvl6pPr>
-            <a:lvl7pPr marL="2743200" indent="0">
-              <a:buNone/>
-              <a:defRPr sz="1600">
+            </a:lvl7pPr>
+            <a:lvl8pPr marL="3200400" indent="0">
+              <a:buNone/>
+              <a:defRPr sz="1400">
                 <a:solidFill>
                   <a:schemeClr val="tx1">
                     <a:tint val="75000"/>
                   </a:schemeClr>
                 </a:solidFill>
               </a:defRPr>
-            </a:lvl7pPr>
-            <a:lvl8pPr marL="3200400" indent="0">
-              <a:buNone/>
-              <a:defRPr sz="1600">
+            </a:lvl8pPr>
+            <a:lvl9pPr marL="3657600" indent="0">
+              <a:buNone/>
+              <a:defRPr sz="1400">
                 <a:solidFill>
                   <a:schemeClr val="tx1">
                     <a:tint val="75000"/>
                   </a:schemeClr>
                 </a:solidFill>
               </a:defRPr>
-            </a:lvl8pPr>
-            <a:lvl9pPr marL="3657600" indent="0">
-              <a:buNone/>
-              <a:defRPr sz="1600">
-                <a:solidFill>
-                  <a:schemeClr val="tx1">
-                    <a:tint val="75000"/>
-                  </a:schemeClr>
-                </a:solidFill>
-              </a:defRPr>
             </a:lvl9pPr>
           </a:lstStyle>
           <a:p>
@@ -1008,7 +3549,7 @@
       </p:sp>
       <p:sp>
         <p:nvSpPr>
-          <p:cNvPr id="4" name="Espace réservé de la date 3"/>
+          <p:cNvPr id="4" name="Date Placeholder 3"/>
           <p:cNvSpPr>
             <a:spLocks noGrp="1"/>
           </p:cNvSpPr>
@@ -1031,7 +3572,7 @@
       </p:sp>
       <p:sp>
         <p:nvSpPr>
-          <p:cNvPr id="5" name="Espace réservé du pied de page 4"/>
+          <p:cNvPr id="5" name="Footer Placeholder 4"/>
           <p:cNvSpPr>
             <a:spLocks noGrp="1"/>
           </p:cNvSpPr>
@@ -1050,7 +3591,7 @@
       </p:sp>
       <p:sp>
         <p:nvSpPr>
-          <p:cNvPr id="6" name="Espace réservé du numéro de diapositive 5"/>
+          <p:cNvPr id="6" name="Slide Number Placeholder 5"/>
           <p:cNvSpPr>
             <a:spLocks noGrp="1"/>
           </p:cNvSpPr>
@@ -1074,7 +3615,7 @@
     </p:spTree>
     <p:extLst>
       <p:ext uri="{BB962C8B-B14F-4D97-AF65-F5344CB8AC3E}">
-        <p14:creationId xmlns:p14="http://schemas.microsoft.com/office/powerpoint/2010/main" val="2522438689"/>
+        <p14:creationId xmlns:p14="http://schemas.microsoft.com/office/powerpoint/2010/main" val="2135098444"/>
       </p:ext>
     </p:extLst>
   </p:cSld>
@@ -1103,103 +3644,81 @@
       </p:grpSpPr>
       <p:sp>
         <p:nvSpPr>
-          <p:cNvPr id="2" name="Titre 1"/>
+          <p:cNvPr id="2" name="Title 1"/>
           <p:cNvSpPr>
             <a:spLocks noGrp="1"/>
           </p:cNvSpPr>
           <p:nvPr>
             <p:ph type="title"/>
-          </p:nvPr>
-        </p:nvSpPr>
-        <p:spPr/>
-        <p:txBody>
-          <a:bodyPr/>
-          <a:lstStyle/>
-          <a:p>
-            <a:r>
-              <a:rPr lang="fr-FR" smtClean="0"/>
-              <a:t>Modifiez le style du titre</a:t>
-            </a:r>
-            <a:endParaRPr lang="fr-FR"/>
-          </a:p>
-        </p:txBody>
-      </p:sp>
-      <p:sp>
-        <p:nvSpPr>
-          <p:cNvPr id="3" name="Espace réservé du contenu 2"/>
-          <p:cNvSpPr>
-            <a:spLocks noGrp="1"/>
-          </p:cNvSpPr>
-          <p:nvPr>
-            <p:ph sz="half" idx="1"/>
           </p:nvPr>
         </p:nvSpPr>
         <p:spPr>
           <a:xfrm>
-            <a:off x="838200" y="1825625"/>
-            <a:ext cx="5181600" cy="4351338"/>
+            <a:off x="1484311" y="685800"/>
+            <a:ext cx="10018713" cy="1752599"/>
           </a:xfrm>
         </p:spPr>
         <p:txBody>
           <a:bodyPr/>
           <a:lstStyle/>
           <a:p>
-            <a:pPr lvl="0"/>
-            <a:r>
-              <a:rPr lang="fr-FR" smtClean="0"/>
-              <a:t>Modifier les styles du texte du masque</a:t>
-            </a:r>
-          </a:p>
-          <a:p>
-            <a:pPr lvl="1"/>
-            <a:r>
-              <a:rPr lang="fr-FR" smtClean="0"/>
-              <a:t>Deuxième niveau</a:t>
-            </a:r>
-          </a:p>
-          <a:p>
-            <a:pPr lvl="2"/>
-            <a:r>
-              <a:rPr lang="fr-FR" smtClean="0"/>
-              <a:t>Troisième niveau</a:t>
-            </a:r>
-          </a:p>
-          <a:p>
-            <a:pPr lvl="3"/>
-            <a:r>
-              <a:rPr lang="fr-FR" smtClean="0"/>
-              <a:t>Quatrième niveau</a:t>
-            </a:r>
-          </a:p>
-          <a:p>
-            <a:pPr lvl="4"/>
-            <a:r>
-              <a:rPr lang="fr-FR" smtClean="0"/>
-              <a:t>Cinquième niveau</a:t>
-            </a:r>
-            <a:endParaRPr lang="fr-FR"/>
-          </a:p>
-        </p:txBody>
-      </p:sp>
-      <p:sp>
-        <p:nvSpPr>
-          <p:cNvPr id="4" name="Espace réservé du contenu 3"/>
-          <p:cNvSpPr>
-            <a:spLocks noGrp="1"/>
-          </p:cNvSpPr>
-          <p:nvPr>
-            <p:ph sz="half" idx="2"/>
+            <a:r>
+              <a:rPr lang="fr-FR" smtClean="0"/>
+              <a:t>Modifiez le style du titre</a:t>
+            </a:r>
+            <a:endParaRPr lang="en-US" dirty="0"/>
+          </a:p>
+        </p:txBody>
+      </p:sp>
+      <p:sp>
+        <p:nvSpPr>
+          <p:cNvPr id="3" name="Content Placeholder 2"/>
+          <p:cNvSpPr>
+            <a:spLocks noGrp="1"/>
+          </p:cNvSpPr>
+          <p:nvPr>
+            <p:ph sz="half" idx="1"/>
           </p:nvPr>
         </p:nvSpPr>
         <p:spPr>
           <a:xfrm>
-            <a:off x="6172200" y="1825625"/>
-            <a:ext cx="5181600" cy="4351338"/>
+            <a:off x="1484312" y="2666999"/>
+            <a:ext cx="4895055" cy="3124201"/>
           </a:xfrm>
         </p:spPr>
         <p:txBody>
-          <a:bodyPr/>
-          <a:lstStyle/>
+          <a:bodyPr>
+            <a:normAutofit/>
+          </a:bodyPr>
+          <a:lstStyle>
+            <a:lvl1pPr>
+              <a:defRPr sz="1800"/>
+            </a:lvl1pPr>
+            <a:lvl2pPr>
+              <a:defRPr sz="1600"/>
+            </a:lvl2pPr>
+            <a:lvl3pPr>
+              <a:defRPr sz="1400"/>
+            </a:lvl3pPr>
+            <a:lvl4pPr>
+              <a:defRPr sz="1200"/>
+            </a:lvl4pPr>
+            <a:lvl5pPr>
+              <a:defRPr sz="1200"/>
+            </a:lvl5pPr>
+            <a:lvl6pPr>
+              <a:defRPr sz="1200"/>
+            </a:lvl6pPr>
+            <a:lvl7pPr>
+              <a:defRPr sz="1200"/>
+            </a:lvl7pPr>
+            <a:lvl8pPr>
+              <a:defRPr sz="1200"/>
+            </a:lvl8pPr>
+            <a:lvl9pPr>
+              <a:defRPr sz="1200"/>
+            </a:lvl9pPr>
+          </a:lstStyle>
           <a:p>
             <a:pPr lvl="0"/>
             <a:r>
@@ -1234,13 +3753,100 @@
               <a:rPr lang="fr-FR" smtClean="0"/>
               <a:t>Cinquième niveau</a:t>
             </a:r>
-            <a:endParaRPr lang="fr-FR"/>
-          </a:p>
-        </p:txBody>
-      </p:sp>
-      <p:sp>
-        <p:nvSpPr>
-          <p:cNvPr id="5" name="Espace réservé de la date 4"/>
+            <a:endParaRPr lang="en-US" dirty="0"/>
+          </a:p>
+        </p:txBody>
+      </p:sp>
+      <p:sp>
+        <p:nvSpPr>
+          <p:cNvPr id="4" name="Content Placeholder 3"/>
+          <p:cNvSpPr>
+            <a:spLocks noGrp="1"/>
+          </p:cNvSpPr>
+          <p:nvPr>
+            <p:ph sz="half" idx="2"/>
+          </p:nvPr>
+        </p:nvSpPr>
+        <p:spPr>
+          <a:xfrm>
+            <a:off x="6607967" y="2667000"/>
+            <a:ext cx="4895056" cy="3124200"/>
+          </a:xfrm>
+        </p:spPr>
+        <p:txBody>
+          <a:bodyPr>
+            <a:normAutofit/>
+          </a:bodyPr>
+          <a:lstStyle>
+            <a:lvl1pPr>
+              <a:defRPr sz="1800"/>
+            </a:lvl1pPr>
+            <a:lvl2pPr>
+              <a:defRPr sz="1600"/>
+            </a:lvl2pPr>
+            <a:lvl3pPr>
+              <a:defRPr sz="1400"/>
+            </a:lvl3pPr>
+            <a:lvl4pPr>
+              <a:defRPr sz="1200"/>
+            </a:lvl4pPr>
+            <a:lvl5pPr>
+              <a:defRPr sz="1200"/>
+            </a:lvl5pPr>
+            <a:lvl6pPr>
+              <a:defRPr sz="1200"/>
+            </a:lvl6pPr>
+            <a:lvl7pPr>
+              <a:defRPr sz="1200"/>
+            </a:lvl7pPr>
+            <a:lvl8pPr>
+              <a:defRPr sz="1200"/>
+            </a:lvl8pPr>
+            <a:lvl9pPr>
+              <a:defRPr sz="1200"/>
+            </a:lvl9pPr>
+          </a:lstStyle>
+          <a:p>
+            <a:pPr lvl="0"/>
+            <a:r>
+              <a:rPr lang="fr-FR" smtClean="0"/>
+              <a:t>Modifier les styles du texte du masque</a:t>
+            </a:r>
+          </a:p>
+          <a:p>
+            <a:pPr lvl="1"/>
+            <a:r>
+              <a:rPr lang="fr-FR" smtClean="0"/>
+              <a:t>Deuxième niveau</a:t>
+            </a:r>
+          </a:p>
+          <a:p>
+            <a:pPr lvl="2"/>
+            <a:r>
+              <a:rPr lang="fr-FR" smtClean="0"/>
+              <a:t>Troisième niveau</a:t>
+            </a:r>
+          </a:p>
+          <a:p>
+            <a:pPr lvl="3"/>
+            <a:r>
+              <a:rPr lang="fr-FR" smtClean="0"/>
+              <a:t>Quatrième niveau</a:t>
+            </a:r>
+          </a:p>
+          <a:p>
+            <a:pPr lvl="4"/>
+            <a:r>
+              <a:rPr lang="fr-FR" smtClean="0"/>
+              <a:t>Cinquième niveau</a:t>
+            </a:r>
+            <a:endParaRPr lang="en-US" dirty="0"/>
+          </a:p>
+        </p:txBody>
+      </p:sp>
+      <p:sp>
+        <p:nvSpPr>
+          <p:cNvPr id="5" name="Date Placeholder 4"/>
           <p:cNvSpPr>
             <a:spLocks noGrp="1"/>
           </p:cNvSpPr>
@@ -1263,7 +3869,7 @@
       </p:sp>
       <p:sp>
         <p:nvSpPr>
-          <p:cNvPr id="6" name="Espace réservé du pied de page 5"/>
+          <p:cNvPr id="6" name="Footer Placeholder 5"/>
           <p:cNvSpPr>
             <a:spLocks noGrp="1"/>
           </p:cNvSpPr>
@@ -1282,7 +3888,7 @@
       </p:sp>
       <p:sp>
         <p:nvSpPr>
-          <p:cNvPr id="7" name="Espace réservé du numéro de diapositive 6"/>
+          <p:cNvPr id="7" name="Slide Number Placeholder 6"/>
           <p:cNvSpPr>
             <a:spLocks noGrp="1"/>
           </p:cNvSpPr>
@@ -1306,7 +3912,7 @@
     </p:spTree>
     <p:extLst>
       <p:ext uri="{BB962C8B-B14F-4D97-AF65-F5344CB8AC3E}">
-        <p14:creationId xmlns:p14="http://schemas.microsoft.com/office/powerpoint/2010/main" val="831797727"/>
+        <p14:creationId xmlns:p14="http://schemas.microsoft.com/office/powerpoint/2010/main" val="728238148"/>
       </p:ext>
     </p:extLst>
   </p:cSld>
@@ -1335,54 +3941,61 @@
       </p:grpSpPr>
       <p:sp>
         <p:nvSpPr>
-          <p:cNvPr id="2" name="Titre 1"/>
+          <p:cNvPr id="2" name="Title 1"/>
           <p:cNvSpPr>
             <a:spLocks noGrp="1"/>
           </p:cNvSpPr>
           <p:nvPr>
             <p:ph type="title"/>
+          </p:nvPr>
+        </p:nvSpPr>
+        <p:spPr/>
+        <p:txBody>
+          <a:bodyPr/>
+          <a:lstStyle>
+            <a:lvl1pPr>
+              <a:defRPr/>
+            </a:lvl1pPr>
+          </a:lstStyle>
+          <a:p>
+            <a:r>
+              <a:rPr lang="fr-FR" smtClean="0"/>
+              <a:t>Modifiez le style du titre</a:t>
+            </a:r>
+            <a:endParaRPr lang="en-US" dirty="0"/>
+          </a:p>
+        </p:txBody>
+      </p:sp>
+      <p:sp>
+        <p:nvSpPr>
+          <p:cNvPr id="3" name="Text Placeholder 2"/>
+          <p:cNvSpPr>
+            <a:spLocks noGrp="1"/>
+          </p:cNvSpPr>
+          <p:nvPr>
+            <p:ph type="body" idx="1"/>
           </p:nvPr>
         </p:nvSpPr>
         <p:spPr>
           <a:xfrm>
-            <a:off x="839788" y="365125"/>
-            <a:ext cx="10515600" cy="1325563"/>
+            <a:off x="1772179" y="2658533"/>
+            <a:ext cx="4607188" cy="576262"/>
           </a:xfrm>
         </p:spPr>
         <p:txBody>
-          <a:bodyPr/>
-          <a:lstStyle/>
-          <a:p>
-            <a:r>
-              <a:rPr lang="fr-FR" smtClean="0"/>
-              <a:t>Modifiez le style du titre</a:t>
-            </a:r>
-            <a:endParaRPr lang="fr-FR"/>
-          </a:p>
-        </p:txBody>
-      </p:sp>
-      <p:sp>
-        <p:nvSpPr>
-          <p:cNvPr id="3" name="Espace réservé du texte 2"/>
-          <p:cNvSpPr>
-            <a:spLocks noGrp="1"/>
-          </p:cNvSpPr>
-          <p:nvPr>
-            <p:ph type="body" idx="1"/>
-          </p:nvPr>
-        </p:nvSpPr>
-        <p:spPr>
-          <a:xfrm>
-            <a:off x="839788" y="1681163"/>
-            <a:ext cx="5157787" cy="823912"/>
-          </a:xfrm>
-        </p:spPr>
-        <p:txBody>
-          <a:bodyPr anchor="b"/>
+          <a:bodyPr anchor="b">
+            <a:noAutofit/>
+          </a:bodyPr>
           <a:lstStyle>
             <a:lvl1pPr marL="0" indent="0">
               <a:buNone/>
-              <a:defRPr sz="2400" b="1"/>
+              <a:defRPr sz="2800" b="0">
+                <a:solidFill>
+                  <a:schemeClr val="accent1">
+                    <a:lumMod val="75000"/>
+                  </a:schemeClr>
+                </a:solidFill>
+              </a:defRPr>
             </a:lvl1pPr>
             <a:lvl2pPr marL="457200" indent="0">
               <a:buNone/>
@@ -1428,7 +4041,7 @@
       </p:sp>
       <p:sp>
         <p:nvSpPr>
-          <p:cNvPr id="4" name="Espace réservé du contenu 3"/>
+          <p:cNvPr id="4" name="Content Placeholder 3"/>
           <p:cNvSpPr>
             <a:spLocks noGrp="1"/>
           </p:cNvSpPr>
@@ -1438,13 +4051,43 @@
         </p:nvSpPr>
         <p:spPr>
           <a:xfrm>
-            <a:off x="839788" y="2505075"/>
-            <a:ext cx="5157787" cy="3684588"/>
+            <a:off x="1484311" y="3335337"/>
+            <a:ext cx="4895056" cy="2455862"/>
           </a:xfrm>
         </p:spPr>
         <p:txBody>
-          <a:bodyPr/>
-          <a:lstStyle/>
+          <a:bodyPr anchor="t">
+            <a:normAutofit/>
+          </a:bodyPr>
+          <a:lstStyle>
+            <a:lvl1pPr>
+              <a:defRPr sz="1800"/>
+            </a:lvl1pPr>
+            <a:lvl2pPr>
+              <a:defRPr sz="1600"/>
+            </a:lvl2pPr>
+            <a:lvl3pPr>
+              <a:defRPr sz="1400"/>
+            </a:lvl3pPr>
+            <a:lvl4pPr>
+              <a:defRPr sz="1200"/>
+            </a:lvl4pPr>
+            <a:lvl5pPr>
+              <a:defRPr sz="1200"/>
+            </a:lvl5pPr>
+            <a:lvl6pPr>
+              <a:defRPr sz="1200"/>
+            </a:lvl6pPr>
+            <a:lvl7pPr>
+              <a:defRPr sz="1200"/>
+            </a:lvl7pPr>
+            <a:lvl8pPr>
+              <a:defRPr sz="1200"/>
+            </a:lvl8pPr>
+            <a:lvl9pPr>
+              <a:defRPr sz="1200"/>
+            </a:lvl9pPr>
+          </a:lstStyle>
           <a:p>
             <a:pPr lvl="0"/>
             <a:r>
@@ -1479,13 +4122,13 @@
               <a:rPr lang="fr-FR" smtClean="0"/>
               <a:t>Cinquième niveau</a:t>
             </a:r>
-            <a:endParaRPr lang="fr-FR"/>
-          </a:p>
-        </p:txBody>
-      </p:sp>
-      <p:sp>
-        <p:nvSpPr>
-          <p:cNvPr id="5" name="Espace réservé du texte 4"/>
+            <a:endParaRPr lang="en-US" dirty="0"/>
+          </a:p>
+        </p:txBody>
+      </p:sp>
+      <p:sp>
+        <p:nvSpPr>
+          <p:cNvPr id="5" name="Text Placeholder 4"/>
           <p:cNvSpPr>
             <a:spLocks noGrp="1"/>
           </p:cNvSpPr>
@@ -1495,16 +4138,24 @@
         </p:nvSpPr>
         <p:spPr>
           <a:xfrm>
-            <a:off x="6172200" y="1681163"/>
-            <a:ext cx="5183188" cy="823912"/>
+            <a:off x="6880487" y="2667000"/>
+            <a:ext cx="4622537" cy="576262"/>
           </a:xfrm>
         </p:spPr>
         <p:txBody>
-          <a:bodyPr anchor="b"/>
+          <a:bodyPr anchor="b">
+            <a:noAutofit/>
+          </a:bodyPr>
           <a:lstStyle>
             <a:lvl1pPr marL="0" indent="0">
               <a:buNone/>
-              <a:defRPr sz="2400" b="1"/>
+              <a:defRPr sz="2800" b="0">
+                <a:solidFill>
+                  <a:schemeClr val="accent1">
+                    <a:lumMod val="75000"/>
+                  </a:schemeClr>
+                </a:solidFill>
+              </a:defRPr>
             </a:lvl1pPr>
             <a:lvl2pPr marL="457200" indent="0">
               <a:buNone/>
@@ -1550,7 +4201,7 @@
       </p:sp>
       <p:sp>
         <p:nvSpPr>
-          <p:cNvPr id="6" name="Espace réservé du contenu 5"/>
+          <p:cNvPr id="6" name="Content Placeholder 5"/>
           <p:cNvSpPr>
             <a:spLocks noGrp="1"/>
           </p:cNvSpPr>
@@ -1560,13 +4211,43 @@
         </p:nvSpPr>
         <p:spPr>
           <a:xfrm>
-            <a:off x="6172200" y="2505075"/>
-            <a:ext cx="5183188" cy="3684588"/>
+            <a:off x="6607967" y="3335337"/>
+            <a:ext cx="4895056" cy="2455862"/>
           </a:xfrm>
         </p:spPr>
         <p:txBody>
-          <a:bodyPr/>
-          <a:lstStyle/>
+          <a:bodyPr anchor="t">
+            <a:normAutofit/>
+          </a:bodyPr>
+          <a:lstStyle>
+            <a:lvl1pPr>
+              <a:defRPr sz="1800"/>
+            </a:lvl1pPr>
+            <a:lvl2pPr>
+              <a:defRPr sz="1600"/>
+            </a:lvl2pPr>
+            <a:lvl3pPr>
+              <a:defRPr sz="1400"/>
+            </a:lvl3pPr>
+            <a:lvl4pPr>
+              <a:defRPr sz="1200"/>
+            </a:lvl4pPr>
+            <a:lvl5pPr>
+              <a:defRPr sz="1200"/>
+            </a:lvl5pPr>
+            <a:lvl6pPr>
+              <a:defRPr sz="1200"/>
+            </a:lvl6pPr>
+            <a:lvl7pPr>
+              <a:defRPr sz="1200"/>
+            </a:lvl7pPr>
+            <a:lvl8pPr>
+              <a:defRPr sz="1200"/>
+            </a:lvl8pPr>
+            <a:lvl9pPr>
+              <a:defRPr sz="1200"/>
+            </a:lvl9pPr>
+          </a:lstStyle>
           <a:p>
             <a:pPr lvl="0"/>
             <a:r>
@@ -1601,13 +4282,13 @@
               <a:rPr lang="fr-FR" smtClean="0"/>
               <a:t>Cinquième niveau</a:t>
             </a:r>
-            <a:endParaRPr lang="fr-FR"/>
-          </a:p>
-        </p:txBody>
-      </p:sp>
-      <p:sp>
-        <p:nvSpPr>
-          <p:cNvPr id="7" name="Espace réservé de la date 6"/>
+            <a:endParaRPr lang="en-US" dirty="0"/>
+          </a:p>
+        </p:txBody>
+      </p:sp>
+      <p:sp>
+        <p:nvSpPr>
+          <p:cNvPr id="7" name="Date Placeholder 6"/>
           <p:cNvSpPr>
             <a:spLocks noGrp="1"/>
           </p:cNvSpPr>
@@ -1630,7 +4311,7 @@
       </p:sp>
       <p:sp>
         <p:nvSpPr>
-          <p:cNvPr id="8" name="Espace réservé du pied de page 7"/>
+          <p:cNvPr id="8" name="Footer Placeholder 7"/>
           <p:cNvSpPr>
             <a:spLocks noGrp="1"/>
           </p:cNvSpPr>
@@ -1649,7 +4330,7 @@
       </p:sp>
       <p:sp>
         <p:nvSpPr>
-          <p:cNvPr id="9" name="Espace réservé du numéro de diapositive 8"/>
+          <p:cNvPr id="9" name="Slide Number Placeholder 8"/>
           <p:cNvSpPr>
             <a:spLocks noGrp="1"/>
           </p:cNvSpPr>
@@ -1673,7 +4354,7 @@
     </p:spTree>
     <p:extLst>
       <p:ext uri="{BB962C8B-B14F-4D97-AF65-F5344CB8AC3E}">
-        <p14:creationId xmlns:p14="http://schemas.microsoft.com/office/powerpoint/2010/main" val="2496004497"/>
+        <p14:creationId xmlns:p14="http://schemas.microsoft.com/office/powerpoint/2010/main" val="3657100397"/>
       </p:ext>
     </p:extLst>
   </p:cSld>
@@ -1702,7 +4383,7 @@
       </p:grpSpPr>
       <p:sp>
         <p:nvSpPr>
-          <p:cNvPr id="2" name="Titre 1"/>
+          <p:cNvPr id="2" name="Title 1"/>
           <p:cNvSpPr>
             <a:spLocks noGrp="1"/>
           </p:cNvSpPr>
@@ -1719,13 +4400,13 @@
               <a:rPr lang="fr-FR" smtClean="0"/>
               <a:t>Modifiez le style du titre</a:t>
             </a:r>
-            <a:endParaRPr lang="fr-FR"/>
-          </a:p>
-        </p:txBody>
-      </p:sp>
-      <p:sp>
-        <p:nvSpPr>
-          <p:cNvPr id="3" name="Espace réservé de la date 2"/>
+            <a:endParaRPr lang="en-US" dirty="0"/>
+          </a:p>
+        </p:txBody>
+      </p:sp>
+      <p:sp>
+        <p:nvSpPr>
+          <p:cNvPr id="3" name="Date Placeholder 2"/>
           <p:cNvSpPr>
             <a:spLocks noGrp="1"/>
           </p:cNvSpPr>
@@ -1748,7 +4429,7 @@
       </p:sp>
       <p:sp>
         <p:nvSpPr>
-          <p:cNvPr id="4" name="Espace réservé du pied de page 3"/>
+          <p:cNvPr id="4" name="Footer Placeholder 3"/>
           <p:cNvSpPr>
             <a:spLocks noGrp="1"/>
           </p:cNvSpPr>
@@ -1767,7 +4448,7 @@
       </p:sp>
       <p:sp>
         <p:nvSpPr>
-          <p:cNvPr id="5" name="Espace réservé du numéro de diapositive 4"/>
+          <p:cNvPr id="5" name="Slide Number Placeholder 4"/>
           <p:cNvSpPr>
             <a:spLocks noGrp="1"/>
           </p:cNvSpPr>
@@ -1791,7 +4472,7 @@
     </p:spTree>
     <p:extLst>
       <p:ext uri="{BB962C8B-B14F-4D97-AF65-F5344CB8AC3E}">
-        <p14:creationId xmlns:p14="http://schemas.microsoft.com/office/powerpoint/2010/main" val="736340943"/>
+        <p14:creationId xmlns:p14="http://schemas.microsoft.com/office/powerpoint/2010/main" val="3295938126"/>
       </p:ext>
     </p:extLst>
   </p:cSld>
@@ -1820,7 +4501,7 @@
       </p:grpSpPr>
       <p:sp>
         <p:nvSpPr>
-          <p:cNvPr id="2" name="Espace réservé de la date 1"/>
+          <p:cNvPr id="2" name="Date Placeholder 1"/>
           <p:cNvSpPr>
             <a:spLocks noGrp="1"/>
           </p:cNvSpPr>
@@ -1843,7 +4524,7 @@
       </p:sp>
       <p:sp>
         <p:nvSpPr>
-          <p:cNvPr id="3" name="Espace réservé du pied de page 2"/>
+          <p:cNvPr id="3" name="Footer Placeholder 2"/>
           <p:cNvSpPr>
             <a:spLocks noGrp="1"/>
           </p:cNvSpPr>
@@ -1862,7 +4543,7 @@
       </p:sp>
       <p:sp>
         <p:nvSpPr>
-          <p:cNvPr id="4" name="Espace réservé du numéro de diapositive 3"/>
+          <p:cNvPr id="4" name="Slide Number Placeholder 3"/>
           <p:cNvSpPr>
             <a:spLocks noGrp="1"/>
           </p:cNvSpPr>
@@ -1886,7 +4567,7 @@
     </p:spTree>
     <p:extLst>
       <p:ext uri="{BB962C8B-B14F-4D97-AF65-F5344CB8AC3E}">
-        <p14:creationId xmlns:p14="http://schemas.microsoft.com/office/powerpoint/2010/main" val="1338987740"/>
+        <p14:creationId xmlns:p14="http://schemas.microsoft.com/office/powerpoint/2010/main" val="1614302515"/>
       </p:ext>
     </p:extLst>
   </p:cSld>
@@ -1915,7 +4596,7 @@
       </p:grpSpPr>
       <p:sp>
         <p:nvSpPr>
-          <p:cNvPr id="2" name="Titre 1"/>
+          <p:cNvPr id="2" name="Title 1"/>
           <p:cNvSpPr>
             <a:spLocks noGrp="1"/>
           </p:cNvSpPr>
@@ -1925,165 +4606,171 @@
         </p:nvSpPr>
         <p:spPr>
           <a:xfrm>
-            <a:off x="839788" y="457200"/>
-            <a:ext cx="3932237" cy="1600200"/>
+            <a:off x="1484312" y="1600200"/>
+            <a:ext cx="3549121" cy="1371600"/>
           </a:xfrm>
         </p:spPr>
         <p:txBody>
-          <a:bodyPr anchor="b"/>
+          <a:bodyPr anchor="b">
+            <a:normAutofit/>
+          </a:bodyPr>
+          <a:lstStyle>
+            <a:lvl1pPr algn="ctr">
+              <a:defRPr sz="2400" b="0"/>
+            </a:lvl1pPr>
+          </a:lstStyle>
+          <a:p>
+            <a:r>
+              <a:rPr lang="fr-FR" smtClean="0"/>
+              <a:t>Modifiez le style du titre</a:t>
+            </a:r>
+            <a:endParaRPr lang="en-US" dirty="0"/>
+          </a:p>
+        </p:txBody>
+      </p:sp>
+      <p:sp>
+        <p:nvSpPr>
+          <p:cNvPr id="3" name="Content Placeholder 2"/>
+          <p:cNvSpPr>
+            <a:spLocks noGrp="1"/>
+          </p:cNvSpPr>
+          <p:nvPr>
+            <p:ph idx="1"/>
+          </p:nvPr>
+        </p:nvSpPr>
+        <p:spPr>
+          <a:xfrm>
+            <a:off x="5262033" y="685799"/>
+            <a:ext cx="6240990" cy="5105401"/>
+          </a:xfrm>
+        </p:spPr>
+        <p:txBody>
+          <a:bodyPr anchor="ctr">
+            <a:normAutofit/>
+          </a:bodyPr>
           <a:lstStyle>
             <a:lvl1pPr>
-              <a:defRPr sz="3200"/>
+              <a:defRPr sz="2000"/>
             </a:lvl1pPr>
+            <a:lvl2pPr>
+              <a:defRPr sz="1800"/>
+            </a:lvl2pPr>
+            <a:lvl3pPr>
+              <a:defRPr sz="1600"/>
+            </a:lvl3pPr>
+            <a:lvl4pPr>
+              <a:defRPr sz="1400"/>
+            </a:lvl4pPr>
+            <a:lvl5pPr>
+              <a:defRPr sz="1400"/>
+            </a:lvl5pPr>
+            <a:lvl6pPr>
+              <a:defRPr sz="1400"/>
+            </a:lvl6pPr>
+            <a:lvl7pPr>
+              <a:defRPr sz="1400"/>
+            </a:lvl7pPr>
+            <a:lvl8pPr>
+              <a:defRPr sz="1400"/>
+            </a:lvl8pPr>
+            <a:lvl9pPr>
+              <a:defRPr sz="1400"/>
+            </a:lvl9pPr>
           </a:lstStyle>
           <a:p>
-            <a:r>
-              <a:rPr lang="fr-FR" smtClean="0"/>
-              <a:t>Modifiez le style du titre</a:t>
-            </a:r>
-            <a:endParaRPr lang="fr-FR"/>
-          </a:p>
-        </p:txBody>
-      </p:sp>
-      <p:sp>
-        <p:nvSpPr>
-          <p:cNvPr id="3" name="Espace réservé du contenu 2"/>
-          <p:cNvSpPr>
-            <a:spLocks noGrp="1"/>
-          </p:cNvSpPr>
-          <p:nvPr>
-            <p:ph idx="1"/>
+            <a:pPr lvl="0"/>
+            <a:r>
+              <a:rPr lang="fr-FR" smtClean="0"/>
+              <a:t>Modifier les styles du texte du masque</a:t>
+            </a:r>
+          </a:p>
+          <a:p>
+            <a:pPr lvl="1"/>
+            <a:r>
+              <a:rPr lang="fr-FR" smtClean="0"/>
+              <a:t>Deuxième niveau</a:t>
+            </a:r>
+          </a:p>
+          <a:p>
+            <a:pPr lvl="2"/>
+            <a:r>
+              <a:rPr lang="fr-FR" smtClean="0"/>
+              <a:t>Troisième niveau</a:t>
+            </a:r>
+          </a:p>
+          <a:p>
+            <a:pPr lvl="3"/>
+            <a:r>
+              <a:rPr lang="fr-FR" smtClean="0"/>
+              <a:t>Quatrième niveau</a:t>
+            </a:r>
+          </a:p>
+          <a:p>
+            <a:pPr lvl="4"/>
+            <a:r>
+              <a:rPr lang="fr-FR" smtClean="0"/>
+              <a:t>Cinquième niveau</a:t>
+            </a:r>
+            <a:endParaRPr lang="en-US" dirty="0"/>
+          </a:p>
+        </p:txBody>
+      </p:sp>
+      <p:sp>
+        <p:nvSpPr>
+          <p:cNvPr id="4" name="Text Placeholder 3"/>
+          <p:cNvSpPr>
+            <a:spLocks noGrp="1"/>
+          </p:cNvSpPr>
+          <p:nvPr>
+            <p:ph type="body" sz="half" idx="2"/>
           </p:nvPr>
         </p:nvSpPr>
         <p:spPr>
           <a:xfrm>
-            <a:off x="5183188" y="987425"/>
-            <a:ext cx="6172200" cy="4873625"/>
+            <a:off x="1484312" y="2971800"/>
+            <a:ext cx="3549121" cy="1828800"/>
           </a:xfrm>
         </p:spPr>
         <p:txBody>
-          <a:bodyPr/>
+          <a:bodyPr>
+            <a:normAutofit/>
+          </a:bodyPr>
           <a:lstStyle>
-            <a:lvl1pPr>
-              <a:defRPr sz="3200"/>
-            </a:lvl1pPr>
-            <a:lvl2pPr>
-              <a:defRPr sz="2800"/>
-            </a:lvl2pPr>
-            <a:lvl3pPr>
-              <a:defRPr sz="2400"/>
-            </a:lvl3pPr>
-            <a:lvl4pPr>
-              <a:defRPr sz="2000"/>
-            </a:lvl4pPr>
-            <a:lvl5pPr>
-              <a:defRPr sz="2000"/>
-            </a:lvl5pPr>
-            <a:lvl6pPr>
-              <a:defRPr sz="2000"/>
-            </a:lvl6pPr>
-            <a:lvl7pPr>
-              <a:defRPr sz="2000"/>
-            </a:lvl7pPr>
-            <a:lvl8pPr>
-              <a:defRPr sz="2000"/>
-            </a:lvl8pPr>
-            <a:lvl9pPr>
-              <a:defRPr sz="2000"/>
-            </a:lvl9pPr>
-          </a:lstStyle>
-          <a:p>
-            <a:pPr lvl="0"/>
-            <a:r>
-              <a:rPr lang="fr-FR" smtClean="0"/>
-              <a:t>Modifier les styles du texte du masque</a:t>
-            </a:r>
-          </a:p>
-          <a:p>
-            <a:pPr lvl="1"/>
-            <a:r>
-              <a:rPr lang="fr-FR" smtClean="0"/>
-              <a:t>Deuxième niveau</a:t>
-            </a:r>
-          </a:p>
-          <a:p>
-            <a:pPr lvl="2"/>
-            <a:r>
-              <a:rPr lang="fr-FR" smtClean="0"/>
-              <a:t>Troisième niveau</a:t>
-            </a:r>
-          </a:p>
-          <a:p>
-            <a:pPr lvl="3"/>
-            <a:r>
-              <a:rPr lang="fr-FR" smtClean="0"/>
-              <a:t>Quatrième niveau</a:t>
-            </a:r>
-          </a:p>
-          <a:p>
-            <a:pPr lvl="4"/>
-            <a:r>
-              <a:rPr lang="fr-FR" smtClean="0"/>
-              <a:t>Cinquième niveau</a:t>
-            </a:r>
-            <a:endParaRPr lang="fr-FR"/>
-          </a:p>
-        </p:txBody>
-      </p:sp>
-      <p:sp>
-        <p:nvSpPr>
-          <p:cNvPr id="4" name="Espace réservé du texte 3"/>
-          <p:cNvSpPr>
-            <a:spLocks noGrp="1"/>
-          </p:cNvSpPr>
-          <p:nvPr>
-            <p:ph type="body" sz="half" idx="2"/>
-          </p:nvPr>
-        </p:nvSpPr>
-        <p:spPr>
-          <a:xfrm>
-            <a:off x="839788" y="2057400"/>
-            <a:ext cx="3932237" cy="3811588"/>
-          </a:xfrm>
-        </p:spPr>
-        <p:txBody>
-          <a:bodyPr/>
-          <a:lstStyle>
-            <a:lvl1pPr marL="0" indent="0">
+            <a:lvl1pPr marL="0" indent="0" algn="ctr">
               <a:buNone/>
               <a:defRPr sz="1600"/>
             </a:lvl1pPr>
             <a:lvl2pPr marL="457200" indent="0">
               <a:buNone/>
-              <a:defRPr sz="1400"/>
+              <a:defRPr sz="1200"/>
             </a:lvl2pPr>
             <a:lvl3pPr marL="914400" indent="0">
               <a:buNone/>
-              <a:defRPr sz="1200"/>
+              <a:defRPr sz="1000"/>
             </a:lvl3pPr>
             <a:lvl4pPr marL="1371600" indent="0">
               <a:buNone/>
-              <a:defRPr sz="1000"/>
+              <a:defRPr sz="900"/>
             </a:lvl4pPr>
             <a:lvl5pPr marL="1828800" indent="0">
               <a:buNone/>
-              <a:defRPr sz="1000"/>
+              <a:defRPr sz="900"/>
             </a:lvl5pPr>
             <a:lvl6pPr marL="2286000" indent="0">
               <a:buNone/>
-              <a:defRPr sz="1000"/>
+              <a:defRPr sz="900"/>
             </a:lvl6pPr>
             <a:lvl7pPr marL="2743200" indent="0">
               <a:buNone/>
-              <a:defRPr sz="1000"/>
+              <a:defRPr sz="900"/>
             </a:lvl7pPr>
             <a:lvl8pPr marL="3200400" indent="0">
               <a:buNone/>
-              <a:defRPr sz="1000"/>
+              <a:defRPr sz="900"/>
             </a:lvl8pPr>
             <a:lvl9pPr marL="3657600" indent="0">
               <a:buNone/>
-              <a:defRPr sz="1000"/>
+              <a:defRPr sz="900"/>
             </a:lvl9pPr>
           </a:lstStyle>
           <a:p>
@@ -2097,7 +4784,7 @@
       </p:sp>
       <p:sp>
         <p:nvSpPr>
-          <p:cNvPr id="5" name="Espace réservé de la date 4"/>
+          <p:cNvPr id="5" name="Date Placeholder 4"/>
           <p:cNvSpPr>
             <a:spLocks noGrp="1"/>
           </p:cNvSpPr>
@@ -2120,7 +4807,7 @@
       </p:sp>
       <p:sp>
         <p:nvSpPr>
-          <p:cNvPr id="6" name="Espace réservé du pied de page 5"/>
+          <p:cNvPr id="6" name="Footer Placeholder 5"/>
           <p:cNvSpPr>
             <a:spLocks noGrp="1"/>
           </p:cNvSpPr>
@@ -2139,7 +4826,7 @@
       </p:sp>
       <p:sp>
         <p:nvSpPr>
-          <p:cNvPr id="7" name="Espace réservé du numéro de diapositive 6"/>
+          <p:cNvPr id="7" name="Slide Number Placeholder 6"/>
           <p:cNvSpPr>
             <a:spLocks noGrp="1"/>
           </p:cNvSpPr>
@@ -2163,7 +4850,7 @@
     </p:spTree>
     <p:extLst>
       <p:ext uri="{BB962C8B-B14F-4D97-AF65-F5344CB8AC3E}">
-        <p14:creationId xmlns:p14="http://schemas.microsoft.com/office/powerpoint/2010/main" val="1090877361"/>
+        <p14:creationId xmlns:p14="http://schemas.microsoft.com/office/powerpoint/2010/main" val="373665608"/>
       </p:ext>
     </p:extLst>
   </p:cSld>
@@ -2192,7 +4879,7 @@
       </p:grpSpPr>
       <p:sp>
         <p:nvSpPr>
-          <p:cNvPr id="2" name="Titre 1"/>
+          <p:cNvPr id="2" name="Title 1"/>
           <p:cNvSpPr>
             <a:spLocks noGrp="1"/>
           </p:cNvSpPr>
@@ -2202,15 +4889,17 @@
         </p:nvSpPr>
         <p:spPr>
           <a:xfrm>
-            <a:off x="839788" y="457200"/>
-            <a:ext cx="3932237" cy="1600200"/>
+            <a:off x="1482724" y="1752599"/>
+            <a:ext cx="5426158" cy="1371600"/>
           </a:xfrm>
         </p:spPr>
         <p:txBody>
-          <a:bodyPr anchor="b"/>
+          <a:bodyPr anchor="b">
+            <a:normAutofit/>
+          </a:bodyPr>
           <a:lstStyle>
-            <a:lvl1pPr>
-              <a:defRPr sz="3200"/>
+            <a:lvl1pPr algn="ctr">
+              <a:defRPr sz="2800" b="0"/>
             </a:lvl1pPr>
           </a:lstStyle>
           <a:p>
@@ -2218,15 +4907,15 @@
               <a:rPr lang="fr-FR" smtClean="0"/>
               <a:t>Modifiez le style du titre</a:t>
             </a:r>
-            <a:endParaRPr lang="fr-FR"/>
-          </a:p>
-        </p:txBody>
-      </p:sp>
-      <p:sp>
-        <p:nvSpPr>
-          <p:cNvPr id="3" name="Espace réservé pour une image  2"/>
-          <p:cNvSpPr>
-            <a:spLocks noGrp="1"/>
+            <a:endParaRPr lang="en-US" dirty="0"/>
+          </a:p>
+        </p:txBody>
+      </p:sp>
+      <p:sp>
+        <p:nvSpPr>
+          <p:cNvPr id="14" name="Picture Placeholder 2"/>
+          <p:cNvSpPr>
+            <a:spLocks noGrp="1" noChangeAspect="1"/>
           </p:cNvSpPr>
           <p:nvPr>
             <p:ph type="pic" idx="1"/>
@@ -2234,112 +4923,148 @@
         </p:nvSpPr>
         <p:spPr>
           <a:xfrm>
-            <a:off x="5183188" y="987425"/>
-            <a:ext cx="6172200" cy="4873625"/>
+            <a:off x="7594682" y="914400"/>
+            <a:ext cx="3280974" cy="4572000"/>
           </a:xfrm>
+          <a:prstGeom prst="roundRect">
+            <a:avLst>
+              <a:gd name="adj" fmla="val 4280"/>
+            </a:avLst>
+          </a:prstGeom>
+          <a:ln w="38100">
+            <a:gradFill flip="none" rotWithShape="1">
+              <a:gsLst>
+                <a:gs pos="0">
+                  <a:schemeClr val="bg2"/>
+                </a:gs>
+                <a:gs pos="100000">
+                  <a:schemeClr val="bg2">
+                    <a:lumMod val="75000"/>
+                  </a:schemeClr>
+                </a:gs>
+              </a:gsLst>
+              <a:lin ang="5400000" scaled="0"/>
+              <a:tileRect/>
+            </a:gradFill>
+          </a:ln>
+          <a:effectLst>
+            <a:innerShdw blurRad="57150" dist="38100" dir="14460000">
+              <a:srgbClr val="000000">
+                <a:alpha val="70000"/>
+              </a:srgbClr>
+            </a:innerShdw>
+          </a:effectLst>
         </p:spPr>
         <p:txBody>
-          <a:bodyPr/>
+          <a:bodyPr anchor="t">
+            <a:normAutofit/>
+          </a:bodyPr>
           <a:lstStyle>
-            <a:lvl1pPr marL="0" indent="0">
-              <a:buNone/>
-              <a:defRPr sz="3200"/>
-            </a:lvl1pPr>
-            <a:lvl2pPr marL="457200" indent="0">
-              <a:buNone/>
-              <a:defRPr sz="2800"/>
-            </a:lvl2pPr>
-            <a:lvl3pPr marL="914400" indent="0">
-              <a:buNone/>
-              <a:defRPr sz="2400"/>
-            </a:lvl3pPr>
-            <a:lvl4pPr marL="1371600" indent="0">
-              <a:buNone/>
-              <a:defRPr sz="2000"/>
-            </a:lvl4pPr>
-            <a:lvl5pPr marL="1828800" indent="0">
-              <a:buNone/>
-              <a:defRPr sz="2000"/>
-            </a:lvl5pPr>
-            <a:lvl6pPr marL="2286000" indent="0">
-              <a:buNone/>
-              <a:defRPr sz="2000"/>
-            </a:lvl6pPr>
-            <a:lvl7pPr marL="2743200" indent="0">
-              <a:buNone/>
-              <a:defRPr sz="2000"/>
-            </a:lvl7pPr>
-            <a:lvl8pPr marL="3200400" indent="0">
-              <a:buNone/>
-              <a:defRPr sz="2000"/>
-            </a:lvl8pPr>
-            <a:lvl9pPr marL="3657600" indent="0">
-              <a:buNone/>
-              <a:defRPr sz="2000"/>
-            </a:lvl9pPr>
-          </a:lstStyle>
-          <a:p>
-            <a:endParaRPr lang="fr-FR"/>
-          </a:p>
-        </p:txBody>
-      </p:sp>
-      <p:sp>
-        <p:nvSpPr>
-          <p:cNvPr id="4" name="Espace réservé du texte 3"/>
-          <p:cNvSpPr>
-            <a:spLocks noGrp="1"/>
-          </p:cNvSpPr>
-          <p:nvPr>
-            <p:ph type="body" sz="half" idx="2"/>
-          </p:nvPr>
-        </p:nvSpPr>
-        <p:spPr>
-          <a:xfrm>
-            <a:off x="839788" y="2057400"/>
-            <a:ext cx="3932237" cy="3811588"/>
-          </a:xfrm>
-        </p:spPr>
-        <p:txBody>
-          <a:bodyPr/>
-          <a:lstStyle>
-            <a:lvl1pPr marL="0" indent="0">
+            <a:lvl1pPr marL="0" indent="0" algn="ctr">
               <a:buNone/>
               <a:defRPr sz="1600"/>
             </a:lvl1pPr>
             <a:lvl2pPr marL="457200" indent="0">
               <a:buNone/>
-              <a:defRPr sz="1400"/>
+              <a:defRPr sz="1600"/>
             </a:lvl2pPr>
             <a:lvl3pPr marL="914400" indent="0">
               <a:buNone/>
-              <a:defRPr sz="1200"/>
+              <a:defRPr sz="1600"/>
             </a:lvl3pPr>
             <a:lvl4pPr marL="1371600" indent="0">
               <a:buNone/>
-              <a:defRPr sz="1000"/>
+              <a:defRPr sz="1600"/>
             </a:lvl4pPr>
             <a:lvl5pPr marL="1828800" indent="0">
               <a:buNone/>
-              <a:defRPr sz="1000"/>
+              <a:defRPr sz="1600"/>
             </a:lvl5pPr>
             <a:lvl6pPr marL="2286000" indent="0">
               <a:buNone/>
-              <a:defRPr sz="1000"/>
+              <a:defRPr sz="1600"/>
             </a:lvl6pPr>
             <a:lvl7pPr marL="2743200" indent="0">
               <a:buNone/>
-              <a:defRPr sz="1000"/>
+              <a:defRPr sz="1600"/>
             </a:lvl7pPr>
             <a:lvl8pPr marL="3200400" indent="0">
               <a:buNone/>
-              <a:defRPr sz="1000"/>
+              <a:defRPr sz="1600"/>
             </a:lvl8pPr>
             <a:lvl9pPr marL="3657600" indent="0">
               <a:buNone/>
-              <a:defRPr sz="1000"/>
+              <a:defRPr sz="1600"/>
             </a:lvl9pPr>
           </a:lstStyle>
           <a:p>
+            <a:r>
+              <a:rPr lang="fr-FR" smtClean="0"/>
+              <a:t>Cliquez sur l'icône pour ajouter une image</a:t>
+            </a:r>
+            <a:endParaRPr lang="en-US" dirty="0"/>
+          </a:p>
+        </p:txBody>
+      </p:sp>
+      <p:sp>
+        <p:nvSpPr>
+          <p:cNvPr id="4" name="Text Placeholder 3"/>
+          <p:cNvSpPr>
+            <a:spLocks noGrp="1"/>
+          </p:cNvSpPr>
+          <p:nvPr>
+            <p:ph type="body" sz="half" idx="2"/>
+          </p:nvPr>
+        </p:nvSpPr>
+        <p:spPr>
+          <a:xfrm>
+            <a:off x="1482724" y="3124199"/>
+            <a:ext cx="5426158" cy="1828800"/>
+          </a:xfrm>
+        </p:spPr>
+        <p:txBody>
+          <a:bodyPr>
+            <a:normAutofit/>
+          </a:bodyPr>
+          <a:lstStyle>
+            <a:lvl1pPr marL="0" indent="0" algn="ctr">
+              <a:buNone/>
+              <a:defRPr sz="1800"/>
+            </a:lvl1pPr>
+            <a:lvl2pPr marL="457200" indent="0">
+              <a:buNone/>
+              <a:defRPr sz="1200"/>
+            </a:lvl2pPr>
+            <a:lvl3pPr marL="914400" indent="0">
+              <a:buNone/>
+              <a:defRPr sz="1000"/>
+            </a:lvl3pPr>
+            <a:lvl4pPr marL="1371600" indent="0">
+              <a:buNone/>
+              <a:defRPr sz="900"/>
+            </a:lvl4pPr>
+            <a:lvl5pPr marL="1828800" indent="0">
+              <a:buNone/>
+              <a:defRPr sz="900"/>
+            </a:lvl5pPr>
+            <a:lvl6pPr marL="2286000" indent="0">
+              <a:buNone/>
+              <a:defRPr sz="900"/>
+            </a:lvl6pPr>
+            <a:lvl7pPr marL="2743200" indent="0">
+              <a:buNone/>
+              <a:defRPr sz="900"/>
+            </a:lvl7pPr>
+            <a:lvl8pPr marL="3200400" indent="0">
+              <a:buNone/>
+              <a:defRPr sz="900"/>
+            </a:lvl8pPr>
+            <a:lvl9pPr marL="3657600" indent="0">
+              <a:buNone/>
+              <a:defRPr sz="900"/>
+            </a:lvl9pPr>
+          </a:lstStyle>
+          <a:p>
             <a:pPr lvl="0"/>
             <a:r>
               <a:rPr lang="fr-FR" smtClean="0"/>
@@ -2350,7 +5075,7 @@
       </p:sp>
       <p:sp>
         <p:nvSpPr>
-          <p:cNvPr id="5" name="Espace réservé de la date 4"/>
+          <p:cNvPr id="5" name="Date Placeholder 4"/>
           <p:cNvSpPr>
             <a:spLocks noGrp="1"/>
           </p:cNvSpPr>
@@ -2373,7 +5098,7 @@
       </p:sp>
       <p:sp>
         <p:nvSpPr>
-          <p:cNvPr id="6" name="Espace réservé du pied de page 5"/>
+          <p:cNvPr id="6" name="Footer Placeholder 5"/>
           <p:cNvSpPr>
             <a:spLocks noGrp="1"/>
           </p:cNvSpPr>
@@ -2392,7 +5117,7 @@
       </p:sp>
       <p:sp>
         <p:nvSpPr>
-          <p:cNvPr id="7" name="Espace réservé du numéro de diapositive 6"/>
+          <p:cNvPr id="7" name="Slide Number Placeholder 6"/>
           <p:cNvSpPr>
             <a:spLocks noGrp="1"/>
           </p:cNvSpPr>
@@ -2416,7 +5141,7 @@
     </p:spTree>
     <p:extLst>
       <p:ext uri="{BB962C8B-B14F-4D97-AF65-F5344CB8AC3E}">
-        <p14:creationId xmlns:p14="http://schemas.microsoft.com/office/powerpoint/2010/main" val="2585180435"/>
+        <p14:creationId xmlns:p14="http://schemas.microsoft.com/office/powerpoint/2010/main" val="2250631247"/>
       </p:ext>
     </p:extLst>
   </p:cSld>
@@ -2430,8 +5155,8 @@
 <p:sldMaster xmlns:a="http://schemas.openxmlformats.org/drawingml/2006/main" xmlns:r="http://schemas.openxmlformats.org/officeDocument/2006/relationships" xmlns:p="http://schemas.openxmlformats.org/presentationml/2006/main">
   <p:cSld>
     <p:bg>
-      <p:bgRef idx="1001">
-        <a:schemeClr val="bg1"/>
+      <p:bgRef idx="1003">
+        <a:schemeClr val="bg2"/>
       </p:bgRef>
     </p:bg>
     <p:spTree>
@@ -2448,9 +5173,325 @@
           <a:chExt cx="0" cy="0"/>
         </a:xfrm>
       </p:grpSpPr>
-      <p:sp>
-        <p:nvSpPr>
-          <p:cNvPr id="2" name="Espace réservé du titre 1"/>
+      <p:grpSp>
+        <p:nvGrpSpPr>
+          <p:cNvPr id="7" name="Group 6"/>
+          <p:cNvGrpSpPr/>
+          <p:nvPr/>
+        </p:nvGrpSpPr>
+        <p:grpSpPr>
+          <a:xfrm>
+            <a:off x="150812" y="0"/>
+            <a:ext cx="2436813" cy="6858001"/>
+            <a:chOff x="1320800" y="0"/>
+            <a:chExt cx="2436813" cy="6858001"/>
+          </a:xfrm>
+        </p:grpSpPr>
+        <p:sp>
+          <p:nvSpPr>
+            <p:cNvPr id="8" name="Freeform 6"/>
+            <p:cNvSpPr/>
+            <p:nvPr/>
+          </p:nvSpPr>
+          <p:spPr bwMode="auto">
+            <a:xfrm>
+              <a:off x="1627188" y="0"/>
+              <a:ext cx="1122363" cy="5329238"/>
+            </a:xfrm>
+            <a:custGeom>
+              <a:avLst/>
+              <a:gdLst/>
+              <a:ahLst/>
+              <a:cxnLst/>
+              <a:rect l="0" t="0" r="r" b="b"/>
+              <a:pathLst>
+                <a:path w="707" h="3357">
+                  <a:moveTo>
+                    <a:pt x="0" y="3330"/>
+                  </a:moveTo>
+                  <a:lnTo>
+                    <a:pt x="156" y="3357"/>
+                  </a:lnTo>
+                  <a:lnTo>
+                    <a:pt x="707" y="0"/>
+                  </a:lnTo>
+                  <a:lnTo>
+                    <a:pt x="547" y="0"/>
+                  </a:lnTo>
+                  <a:lnTo>
+                    <a:pt x="0" y="3330"/>
+                  </a:lnTo>
+                  <a:close/>
+                </a:path>
+              </a:pathLst>
+            </a:custGeom>
+            <a:solidFill>
+              <a:schemeClr val="accent1"/>
+            </a:solidFill>
+            <a:ln>
+              <a:noFill/>
+            </a:ln>
+          </p:spPr>
+        </p:sp>
+        <p:sp>
+          <p:nvSpPr>
+            <p:cNvPr id="9" name="Freeform 7"/>
+            <p:cNvSpPr/>
+            <p:nvPr/>
+          </p:nvSpPr>
+          <p:spPr bwMode="auto">
+            <a:xfrm>
+              <a:off x="1320800" y="0"/>
+              <a:ext cx="1117600" cy="5276850"/>
+            </a:xfrm>
+            <a:custGeom>
+              <a:avLst/>
+              <a:gdLst/>
+              <a:ahLst/>
+              <a:cxnLst/>
+              <a:rect l="0" t="0" r="r" b="b"/>
+              <a:pathLst>
+                <a:path w="704" h="3324">
+                  <a:moveTo>
+                    <a:pt x="704" y="0"/>
+                  </a:moveTo>
+                  <a:lnTo>
+                    <a:pt x="545" y="0"/>
+                  </a:lnTo>
+                  <a:lnTo>
+                    <a:pt x="0" y="3300"/>
+                  </a:lnTo>
+                  <a:lnTo>
+                    <a:pt x="157" y="3324"/>
+                  </a:lnTo>
+                  <a:lnTo>
+                    <a:pt x="704" y="0"/>
+                  </a:lnTo>
+                  <a:close/>
+                </a:path>
+              </a:pathLst>
+            </a:custGeom>
+            <a:solidFill>
+              <a:schemeClr val="tx1">
+                <a:lumMod val="65000"/>
+                <a:lumOff val="35000"/>
+              </a:schemeClr>
+            </a:solidFill>
+            <a:ln>
+              <a:noFill/>
+            </a:ln>
+          </p:spPr>
+        </p:sp>
+        <p:sp>
+          <p:nvSpPr>
+            <p:cNvPr id="10" name="Freeform 8"/>
+            <p:cNvSpPr/>
+            <p:nvPr/>
+          </p:nvSpPr>
+          <p:spPr bwMode="auto">
+            <a:xfrm>
+              <a:off x="1320800" y="5238750"/>
+              <a:ext cx="1228725" cy="1619250"/>
+            </a:xfrm>
+            <a:custGeom>
+              <a:avLst/>
+              <a:gdLst/>
+              <a:ahLst/>
+              <a:cxnLst/>
+              <a:rect l="0" t="0" r="r" b="b"/>
+              <a:pathLst>
+                <a:path w="774" h="1020">
+                  <a:moveTo>
+                    <a:pt x="0" y="0"/>
+                  </a:moveTo>
+                  <a:lnTo>
+                    <a:pt x="740" y="1020"/>
+                  </a:lnTo>
+                  <a:lnTo>
+                    <a:pt x="774" y="1020"/>
+                  </a:lnTo>
+                  <a:lnTo>
+                    <a:pt x="0" y="0"/>
+                  </a:lnTo>
+                  <a:close/>
+                </a:path>
+              </a:pathLst>
+            </a:custGeom>
+            <a:solidFill>
+              <a:schemeClr val="tx1">
+                <a:lumMod val="85000"/>
+                <a:lumOff val="15000"/>
+              </a:schemeClr>
+            </a:solidFill>
+            <a:ln>
+              <a:noFill/>
+            </a:ln>
+          </p:spPr>
+        </p:sp>
+        <p:sp>
+          <p:nvSpPr>
+            <p:cNvPr id="11" name="Freeform 9"/>
+            <p:cNvSpPr/>
+            <p:nvPr/>
+          </p:nvSpPr>
+          <p:spPr bwMode="auto">
+            <a:xfrm>
+              <a:off x="1627188" y="5291138"/>
+              <a:ext cx="1495425" cy="1566863"/>
+            </a:xfrm>
+            <a:custGeom>
+              <a:avLst/>
+              <a:gdLst/>
+              <a:ahLst/>
+              <a:cxnLst/>
+              <a:rect l="0" t="0" r="r" b="b"/>
+              <a:pathLst>
+                <a:path w="942" h="987">
+                  <a:moveTo>
+                    <a:pt x="0" y="0"/>
+                  </a:moveTo>
+                  <a:lnTo>
+                    <a:pt x="909" y="987"/>
+                  </a:lnTo>
+                  <a:lnTo>
+                    <a:pt x="942" y="987"/>
+                  </a:lnTo>
+                  <a:lnTo>
+                    <a:pt x="0" y="0"/>
+                  </a:lnTo>
+                  <a:close/>
+                </a:path>
+              </a:pathLst>
+            </a:custGeom>
+            <a:solidFill>
+              <a:schemeClr val="accent1">
+                <a:lumMod val="50000"/>
+              </a:schemeClr>
+            </a:solidFill>
+            <a:ln>
+              <a:noFill/>
+            </a:ln>
+          </p:spPr>
+        </p:sp>
+        <p:sp>
+          <p:nvSpPr>
+            <p:cNvPr id="12" name="Freeform 10"/>
+            <p:cNvSpPr/>
+            <p:nvPr/>
+          </p:nvSpPr>
+          <p:spPr bwMode="auto">
+            <a:xfrm>
+              <a:off x="1627188" y="5286375"/>
+              <a:ext cx="2130425" cy="1571625"/>
+            </a:xfrm>
+            <a:custGeom>
+              <a:avLst/>
+              <a:gdLst/>
+              <a:ahLst/>
+              <a:cxnLst/>
+              <a:rect l="0" t="0" r="r" b="b"/>
+              <a:pathLst>
+                <a:path w="1342" h="990">
+                  <a:moveTo>
+                    <a:pt x="0" y="3"/>
+                  </a:moveTo>
+                  <a:lnTo>
+                    <a:pt x="942" y="990"/>
+                  </a:lnTo>
+                  <a:lnTo>
+                    <a:pt x="1342" y="990"/>
+                  </a:lnTo>
+                  <a:lnTo>
+                    <a:pt x="156" y="27"/>
+                  </a:lnTo>
+                  <a:lnTo>
+                    <a:pt x="0" y="0"/>
+                  </a:lnTo>
+                  <a:lnTo>
+                    <a:pt x="0" y="3"/>
+                  </a:lnTo>
+                  <a:close/>
+                </a:path>
+              </a:pathLst>
+            </a:custGeom>
+            <a:solidFill>
+              <a:schemeClr val="accent1">
+                <a:lumMod val="75000"/>
+              </a:schemeClr>
+            </a:solidFill>
+            <a:ln>
+              <a:noFill/>
+            </a:ln>
+          </p:spPr>
+        </p:sp>
+        <p:sp>
+          <p:nvSpPr>
+            <p:cNvPr id="13" name="Freeform 11"/>
+            <p:cNvSpPr/>
+            <p:nvPr/>
+          </p:nvSpPr>
+          <p:spPr bwMode="auto">
+            <a:xfrm>
+              <a:off x="1320800" y="5238750"/>
+              <a:ext cx="1695450" cy="1619250"/>
+            </a:xfrm>
+            <a:custGeom>
+              <a:avLst/>
+              <a:gdLst/>
+              <a:ahLst/>
+              <a:cxnLst/>
+              <a:rect l="0" t="0" r="r" b="b"/>
+              <a:pathLst>
+                <a:path w="1068" h="1020">
+                  <a:moveTo>
+                    <a:pt x="1068" y="1020"/>
+                  </a:moveTo>
+                  <a:lnTo>
+                    <a:pt x="184" y="60"/>
+                  </a:lnTo>
+                  <a:lnTo>
+                    <a:pt x="154" y="27"/>
+                  </a:lnTo>
+                  <a:lnTo>
+                    <a:pt x="157" y="27"/>
+                  </a:lnTo>
+                  <a:lnTo>
+                    <a:pt x="157" y="24"/>
+                  </a:lnTo>
+                  <a:lnTo>
+                    <a:pt x="154" y="24"/>
+                  </a:lnTo>
+                  <a:lnTo>
+                    <a:pt x="0" y="0"/>
+                  </a:lnTo>
+                  <a:lnTo>
+                    <a:pt x="0" y="0"/>
+                  </a:lnTo>
+                  <a:lnTo>
+                    <a:pt x="774" y="1020"/>
+                  </a:lnTo>
+                  <a:lnTo>
+                    <a:pt x="1068" y="1020"/>
+                  </a:lnTo>
+                  <a:close/>
+                </a:path>
+              </a:pathLst>
+            </a:custGeom>
+            <a:solidFill>
+              <a:schemeClr val="tx1">
+                <a:lumMod val="75000"/>
+                <a:lumOff val="25000"/>
+              </a:schemeClr>
+            </a:solidFill>
+            <a:ln>
+              <a:noFill/>
+            </a:ln>
+          </p:spPr>
+        </p:sp>
+      </p:grpSp>
+      <p:sp>
+        <p:nvSpPr>
+          <p:cNvPr id="2" name="Title Placeholder 1"/>
           <p:cNvSpPr>
             <a:spLocks noGrp="1"/>
           </p:cNvSpPr>
@@ -2460,8 +5501,42 @@
         </p:nvSpPr>
         <p:spPr>
           <a:xfrm>
-            <a:off x="838200" y="365125"/>
-            <a:ext cx="10515600" cy="1325563"/>
+            <a:off x="1484311" y="685800"/>
+            <a:ext cx="10018713" cy="1752599"/>
+          </a:xfrm>
+          <a:prstGeom prst="rect">
+            <a:avLst/>
+          </a:prstGeom>
+          <a:effectLst/>
+        </p:spPr>
+        <p:txBody>
+          <a:bodyPr vert="horz" lIns="91440" tIns="45720" rIns="91440" bIns="45720" rtlCol="0" anchor="ctr">
+            <a:normAutofit/>
+          </a:bodyPr>
+          <a:lstStyle/>
+          <a:p>
+            <a:r>
+              <a:rPr lang="fr-FR" smtClean="0"/>
+              <a:t>Modifiez le style du titre</a:t>
+            </a:r>
+            <a:endParaRPr lang="en-US" dirty="0"/>
+          </a:p>
+        </p:txBody>
+      </p:sp>
+      <p:sp>
+        <p:nvSpPr>
+          <p:cNvPr id="3" name="Text Placeholder 2"/>
+          <p:cNvSpPr>
+            <a:spLocks noGrp="1"/>
+          </p:cNvSpPr>
+          <p:nvPr>
+            <p:ph type="body" idx="1"/>
+          </p:nvPr>
+        </p:nvSpPr>
+        <p:spPr>
+          <a:xfrm>
+            <a:off x="1484310" y="2666999"/>
+            <a:ext cx="10018713" cy="3124201"/>
           </a:xfrm>
           <a:prstGeom prst="rect">
             <a:avLst/>
@@ -2473,90 +5548,98 @@
           </a:bodyPr>
           <a:lstStyle/>
           <a:p>
-            <a:r>
-              <a:rPr lang="fr-FR" smtClean="0"/>
-              <a:t>Modifiez le style du titre</a:t>
-            </a:r>
-            <a:endParaRPr lang="fr-FR"/>
-          </a:p>
-        </p:txBody>
-      </p:sp>
-      <p:sp>
-        <p:nvSpPr>
-          <p:cNvPr id="3" name="Espace réservé du texte 2"/>
-          <p:cNvSpPr>
-            <a:spLocks noGrp="1"/>
-          </p:cNvSpPr>
-          <p:nvPr>
-            <p:ph type="body" idx="1"/>
+            <a:pPr lvl="0"/>
+            <a:r>
+              <a:rPr lang="fr-FR" smtClean="0"/>
+              <a:t>Modifier les styles du texte du masque</a:t>
+            </a:r>
+          </a:p>
+          <a:p>
+            <a:pPr lvl="1"/>
+            <a:r>
+              <a:rPr lang="fr-FR" smtClean="0"/>
+              <a:t>Deuxième niveau</a:t>
+            </a:r>
+          </a:p>
+          <a:p>
+            <a:pPr lvl="2"/>
+            <a:r>
+              <a:rPr lang="fr-FR" smtClean="0"/>
+              <a:t>Troisième niveau</a:t>
+            </a:r>
+          </a:p>
+          <a:p>
+            <a:pPr lvl="3"/>
+            <a:r>
+              <a:rPr lang="fr-FR" smtClean="0"/>
+              <a:t>Quatrième niveau</a:t>
+            </a:r>
+          </a:p>
+          <a:p>
+            <a:pPr lvl="4"/>
+            <a:r>
+              <a:rPr lang="fr-FR" smtClean="0"/>
+              <a:t>Cinquième niveau</a:t>
+            </a:r>
+            <a:endParaRPr lang="en-US" dirty="0"/>
+          </a:p>
+        </p:txBody>
+      </p:sp>
+      <p:sp>
+        <p:nvSpPr>
+          <p:cNvPr id="4" name="Date Placeholder 3"/>
+          <p:cNvSpPr>
+            <a:spLocks noGrp="1"/>
+          </p:cNvSpPr>
+          <p:nvPr>
+            <p:ph type="dt" sz="half" idx="2"/>
           </p:nvPr>
         </p:nvSpPr>
         <p:spPr>
           <a:xfrm>
-            <a:off x="838200" y="1825625"/>
-            <a:ext cx="10515600" cy="4351338"/>
+            <a:off x="9732656" y="5883275"/>
+            <a:ext cx="1143000" cy="365125"/>
           </a:xfrm>
           <a:prstGeom prst="rect">
             <a:avLst/>
           </a:prstGeom>
         </p:spPr>
         <p:txBody>
-          <a:bodyPr vert="horz" lIns="91440" tIns="45720" rIns="91440" bIns="45720" rtlCol="0">
-            <a:normAutofit/>
-          </a:bodyPr>
-          <a:lstStyle/>
-          <a:p>
-            <a:pPr lvl="0"/>
-            <a:r>
-              <a:rPr lang="fr-FR" smtClean="0"/>
-              <a:t>Modifier les styles du texte du masque</a:t>
-            </a:r>
-          </a:p>
-          <a:p>
-            <a:pPr lvl="1"/>
-            <a:r>
-              <a:rPr lang="fr-FR" smtClean="0"/>
-              <a:t>Deuxième niveau</a:t>
-            </a:r>
-          </a:p>
-          <a:p>
-            <a:pPr lvl="2"/>
-            <a:r>
-              <a:rPr lang="fr-FR" smtClean="0"/>
-              <a:t>Troisième niveau</a:t>
-            </a:r>
-          </a:p>
-          <a:p>
-            <a:pPr lvl="3"/>
-            <a:r>
-              <a:rPr lang="fr-FR" smtClean="0"/>
-              <a:t>Quatrième niveau</a:t>
-            </a:r>
-          </a:p>
-          <a:p>
-            <a:pPr lvl="4"/>
-            <a:r>
-              <a:rPr lang="fr-FR" smtClean="0"/>
-              <a:t>Cinquième niveau</a:t>
-            </a:r>
+          <a:bodyPr vert="horz" lIns="91440" tIns="45720" rIns="91440" bIns="45720" rtlCol="0" anchor="ctr"/>
+          <a:lstStyle>
+            <a:lvl1pPr algn="r">
+              <a:defRPr sz="1000" b="0" i="0">
+                <a:solidFill>
+                  <a:schemeClr val="tx1"/>
+                </a:solidFill>
+                <a:effectLst/>
+                <a:latin typeface="+mn-lt"/>
+              </a:defRPr>
+            </a:lvl1pPr>
+          </a:lstStyle>
+          <a:p>
+            <a:fld id="{331F3861-252F-41A6-B732-450BB29D3688}" type="datetimeFigureOut">
+              <a:rPr lang="fr-FR" smtClean="0"/>
+              <a:t>14/06/2016</a:t>
+            </a:fld>
             <a:endParaRPr lang="fr-FR"/>
           </a:p>
         </p:txBody>
       </p:sp>
       <p:sp>
         <p:nvSpPr>
-          <p:cNvPr id="4" name="Espace réservé de la date 3"/>
-          <p:cNvSpPr>
-            <a:spLocks noGrp="1"/>
-          </p:cNvSpPr>
-          <p:nvPr>
-            <p:ph type="dt" sz="half" idx="2"/>
+          <p:cNvPr id="5" name="Footer Placeholder 4"/>
+          <p:cNvSpPr>
+            <a:spLocks noGrp="1"/>
+          </p:cNvSpPr>
+          <p:nvPr>
+            <p:ph type="ftr" sz="quarter" idx="3"/>
           </p:nvPr>
         </p:nvSpPr>
         <p:spPr>
           <a:xfrm>
-            <a:off x="838200" y="6356350"/>
-            <a:ext cx="2743200" cy="365125"/>
+            <a:off x="2572279" y="5883275"/>
+            <a:ext cx="7084177" cy="365125"/>
           </a:xfrm>
           <a:prstGeom prst="rect">
             <a:avLst/>
@@ -2566,38 +5649,34 @@
           <a:bodyPr vert="horz" lIns="91440" tIns="45720" rIns="91440" bIns="45720" rtlCol="0" anchor="ctr"/>
           <a:lstStyle>
             <a:lvl1pPr algn="l">
-              <a:defRPr sz="1200">
-                <a:solidFill>
-                  <a:schemeClr val="tx1">
-                    <a:tint val="75000"/>
-                  </a:schemeClr>
-                </a:solidFill>
+              <a:defRPr sz="1000" b="0" i="0">
+                <a:solidFill>
+                  <a:schemeClr val="tx1"/>
+                </a:solidFill>
+                <a:effectLst/>
+                <a:latin typeface="+mn-lt"/>
               </a:defRPr>
             </a:lvl1pPr>
           </a:lstStyle>
           <a:p>
-            <a:fld id="{331F3861-252F-41A6-B732-450BB29D3688}" type="datetimeFigureOut">
-              <a:rPr lang="fr-FR" smtClean="0"/>
-              <a:t>14/06/2016</a:t>
-            </a:fld>
             <a:endParaRPr lang="fr-FR"/>
           </a:p>
         </p:txBody>
       </p:sp>
       <p:sp>
         <p:nvSpPr>
-          <p:cNvPr id="5" name="Espace réservé du pied de page 4"/>
-          <p:cNvSpPr>
-            <a:spLocks noGrp="1"/>
-          </p:cNvSpPr>
-          <p:nvPr>
-            <p:ph type="ftr" sz="quarter" idx="3"/>
+          <p:cNvPr id="6" name="Slide Number Placeholder 5"/>
+          <p:cNvSpPr>
+            <a:spLocks noGrp="1"/>
+          </p:cNvSpPr>
+          <p:nvPr>
+            <p:ph type="sldNum" sz="quarter" idx="4"/>
           </p:nvPr>
         </p:nvSpPr>
         <p:spPr>
           <a:xfrm>
-            <a:off x="4038600" y="6356350"/>
-            <a:ext cx="4114800" cy="365125"/>
+            <a:off x="10951856" y="5883275"/>
+            <a:ext cx="551167" cy="365125"/>
           </a:xfrm>
           <a:prstGeom prst="rect">
             <a:avLst/>
@@ -2606,50 +5685,13 @@
         <p:txBody>
           <a:bodyPr vert="horz" lIns="91440" tIns="45720" rIns="91440" bIns="45720" rtlCol="0" anchor="ctr"/>
           <a:lstStyle>
-            <a:lvl1pPr algn="ctr">
-              <a:defRPr sz="1200">
-                <a:solidFill>
-                  <a:schemeClr val="tx1">
-                    <a:tint val="75000"/>
-                  </a:schemeClr>
-                </a:solidFill>
-              </a:defRPr>
-            </a:lvl1pPr>
-          </a:lstStyle>
-          <a:p>
-            <a:endParaRPr lang="fr-FR"/>
-          </a:p>
-        </p:txBody>
-      </p:sp>
-      <p:sp>
-        <p:nvSpPr>
-          <p:cNvPr id="6" name="Espace réservé du numéro de diapositive 5"/>
-          <p:cNvSpPr>
-            <a:spLocks noGrp="1"/>
-          </p:cNvSpPr>
-          <p:nvPr>
-            <p:ph type="sldNum" sz="quarter" idx="4"/>
-          </p:nvPr>
-        </p:nvSpPr>
-        <p:spPr>
-          <a:xfrm>
-            <a:off x="8610600" y="6356350"/>
-            <a:ext cx="2743200" cy="365125"/>
-          </a:xfrm>
-          <a:prstGeom prst="rect">
-            <a:avLst/>
-          </a:prstGeom>
-        </p:spPr>
-        <p:txBody>
-          <a:bodyPr vert="horz" lIns="91440" tIns="45720" rIns="91440" bIns="45720" rtlCol="0" anchor="ctr"/>
-          <a:lstStyle>
             <a:lvl1pPr algn="r">
-              <a:defRPr sz="1200">
-                <a:solidFill>
-                  <a:schemeClr val="tx1">
-                    <a:tint val="75000"/>
-                  </a:schemeClr>
-                </a:solidFill>
+              <a:defRPr sz="1000" b="0" i="0">
+                <a:solidFill>
+                  <a:schemeClr val="tx1"/>
+                </a:solidFill>
+                <a:effectLst/>
+                <a:latin typeface="+mn-lt"/>
               </a:defRPr>
             </a:lvl1pPr>
           </a:lstStyle>
@@ -2665,55 +5707,340 @@
     </p:spTree>
     <p:extLst>
       <p:ext uri="{BB962C8B-B14F-4D97-AF65-F5344CB8AC3E}">
-        <p14:creationId xmlns:p14="http://schemas.microsoft.com/office/powerpoint/2010/main" val="1093034926"/>
+        <p14:creationId xmlns:p14="http://schemas.microsoft.com/office/powerpoint/2010/main" val="3200573726"/>
       </p:ext>
     </p:extLst>
   </p:cSld>
   <p:clrMap bg1="lt1" tx1="dk1" bg2="lt2" tx2="dk2" accent1="accent1" accent2="accent2" accent3="accent3" accent4="accent4" accent5="accent5" accent6="accent6" hlink="hlink" folHlink="folHlink"/>
   <p:sldLayoutIdLst>
-    <p:sldLayoutId id="2147483649" r:id="rId1"/>
-    <p:sldLayoutId id="2147483650" r:id="rId2"/>
-    <p:sldLayoutId id="2147483651" r:id="rId3"/>
-    <p:sldLayoutId id="2147483652" r:id="rId4"/>
-    <p:sldLayoutId id="2147483653" r:id="rId5"/>
-    <p:sldLayoutId id="2147483654" r:id="rId6"/>
-    <p:sldLayoutId id="2147483655" r:id="rId7"/>
-    <p:sldLayoutId id="2147483656" r:id="rId8"/>
-    <p:sldLayoutId id="2147483657" r:id="rId9"/>
-    <p:sldLayoutId id="2147483658" r:id="rId10"/>
-    <p:sldLayoutId id="2147483659" r:id="rId11"/>
+    <p:sldLayoutId id="2147483772" r:id="rId1"/>
+    <p:sldLayoutId id="2147483773" r:id="rId2"/>
+    <p:sldLayoutId id="2147483774" r:id="rId3"/>
+    <p:sldLayoutId id="2147483775" r:id="rId4"/>
+    <p:sldLayoutId id="2147483776" r:id="rId5"/>
+    <p:sldLayoutId id="2147483777" r:id="rId6"/>
+    <p:sldLayoutId id="2147483778" r:id="rId7"/>
+    <p:sldLayoutId id="2147483779" r:id="rId8"/>
+    <p:sldLayoutId id="2147483780" r:id="rId9"/>
+    <p:sldLayoutId id="2147483781" r:id="rId10"/>
+    <p:sldLayoutId id="2147483782" r:id="rId11"/>
+    <p:sldLayoutId id="2147483783" r:id="rId12"/>
+    <p:sldLayoutId id="2147483784" r:id="rId13"/>
+    <p:sldLayoutId id="2147483785" r:id="rId14"/>
+    <p:sldLayoutId id="2147483786" r:id="rId15"/>
+    <p:sldLayoutId id="2147483787" r:id="rId16"/>
+    <p:sldLayoutId id="2147483788" r:id="rId17"/>
   </p:sldLayoutIdLst>
   <p:txStyles>
     <p:titleStyle>
-      <a:lvl1pPr algn="l" defTabSz="914400" rtl="0" eaLnBrk="1" latinLnBrk="0" hangingPunct="1">
-        <a:lnSpc>
-          <a:spcPct val="90000"/>
-        </a:lnSpc>
+      <a:lvl1pPr algn="ctr" defTabSz="457200" rtl="0" eaLnBrk="1" latinLnBrk="0" hangingPunct="1">
         <a:spcBef>
           <a:spcPct val="0"/>
         </a:spcBef>
         <a:buNone/>
-        <a:defRPr sz="4400" kern="1200">
+        <a:defRPr sz="4000" kern="1200" cap="none">
+          <a:ln w="3175" cmpd="sng">
+            <a:noFill/>
+          </a:ln>
           <a:solidFill>
             <a:schemeClr val="tx1"/>
           </a:solidFill>
+          <a:effectLst/>
           <a:latin typeface="+mj-lt"/>
           <a:ea typeface="+mj-ea"/>
           <a:cs typeface="+mj-cs"/>
         </a:defRPr>
       </a:lvl1pPr>
+      <a:lvl2pPr eaLnBrk="1" hangingPunct="1">
+        <a:defRPr>
+          <a:solidFill>
+            <a:schemeClr val="tx2"/>
+          </a:solidFill>
+        </a:defRPr>
+      </a:lvl2pPr>
+      <a:lvl3pPr eaLnBrk="1" hangingPunct="1">
+        <a:defRPr>
+          <a:solidFill>
+            <a:schemeClr val="tx2"/>
+          </a:solidFill>
+        </a:defRPr>
+      </a:lvl3pPr>
+      <a:lvl4pPr eaLnBrk="1" hangingPunct="1">
+        <a:defRPr>
+          <a:solidFill>
+            <a:schemeClr val="tx2"/>
+          </a:solidFill>
+        </a:defRPr>
+      </a:lvl4pPr>
+      <a:lvl5pPr eaLnBrk="1" hangingPunct="1">
+        <a:defRPr>
+          <a:solidFill>
+            <a:schemeClr val="tx2"/>
+          </a:solidFill>
+        </a:defRPr>
+      </a:lvl5pPr>
+      <a:lvl6pPr eaLnBrk="1" hangingPunct="1">
+        <a:defRPr>
+          <a:solidFill>
+            <a:schemeClr val="tx2"/>
+          </a:solidFill>
+        </a:defRPr>
+      </a:lvl6pPr>
+      <a:lvl7pPr eaLnBrk="1" hangingPunct="1">
+        <a:defRPr>
+          <a:solidFill>
+            <a:schemeClr val="tx2"/>
+          </a:solidFill>
+        </a:defRPr>
+      </a:lvl7pPr>
+      <a:lvl8pPr eaLnBrk="1" hangingPunct="1">
+        <a:defRPr>
+          <a:solidFill>
+            <a:schemeClr val="tx2"/>
+          </a:solidFill>
+        </a:defRPr>
+      </a:lvl8pPr>
+      <a:lvl9pPr eaLnBrk="1" hangingPunct="1">
+        <a:defRPr>
+          <a:solidFill>
+            <a:schemeClr val="tx2"/>
+          </a:solidFill>
+        </a:defRPr>
+      </a:lvl9pPr>
     </p:titleStyle>
     <p:bodyStyle>
-      <a:lvl1pPr marL="228600" indent="-228600" algn="l" defTabSz="914400" rtl="0" eaLnBrk="1" latinLnBrk="0" hangingPunct="1">
-        <a:lnSpc>
-          <a:spcPct val="90000"/>
-        </a:lnSpc>
+      <a:lvl1pPr marL="285750" indent="-285750" algn="l" defTabSz="457200" rtl="0" eaLnBrk="1" latinLnBrk="0" hangingPunct="1">
         <a:spcBef>
-          <a:spcPts val="1000"/>
+          <a:spcPct val="20000"/>
         </a:spcBef>
-        <a:buFont typeface="Arial" panose="020B0604020202020204" pitchFamily="34" charset="0"/>
+        <a:spcAft>
+          <a:spcPts val="600"/>
+        </a:spcAft>
+        <a:buClr>
+          <a:schemeClr val="accent1">
+            <a:lumMod val="75000"/>
+          </a:schemeClr>
+        </a:buClr>
+        <a:buSzPct val="145000"/>
+        <a:buFont typeface="Arial"/>
         <a:buChar char="•"/>
-        <a:defRPr sz="2800" kern="1200">
+        <a:defRPr sz="2400" kern="1200" cap="none">
+          <a:solidFill>
+            <a:schemeClr val="tx1"/>
+          </a:solidFill>
+          <a:effectLst/>
+          <a:latin typeface="+mn-lt"/>
+          <a:ea typeface="+mn-ea"/>
+          <a:cs typeface="+mn-cs"/>
+        </a:defRPr>
+      </a:lvl1pPr>
+      <a:lvl2pPr marL="742950" indent="-285750" algn="l" defTabSz="457200" rtl="0" eaLnBrk="1" latinLnBrk="0" hangingPunct="1">
+        <a:spcBef>
+          <a:spcPct val="20000"/>
+        </a:spcBef>
+        <a:spcAft>
+          <a:spcPts val="600"/>
+        </a:spcAft>
+        <a:buClr>
+          <a:schemeClr val="accent1">
+            <a:lumMod val="75000"/>
+          </a:schemeClr>
+        </a:buClr>
+        <a:buSzPct val="145000"/>
+        <a:buFont typeface="Arial"/>
+        <a:buChar char="•"/>
+        <a:defRPr sz="2000" kern="1200" cap="none">
+          <a:solidFill>
+            <a:schemeClr val="tx1"/>
+          </a:solidFill>
+          <a:effectLst/>
+          <a:latin typeface="+mn-lt"/>
+          <a:ea typeface="+mn-ea"/>
+          <a:cs typeface="+mn-cs"/>
+        </a:defRPr>
+      </a:lvl2pPr>
+      <a:lvl3pPr marL="1200150" indent="-285750" algn="l" defTabSz="457200" rtl="0" eaLnBrk="1" latinLnBrk="0" hangingPunct="1">
+        <a:spcBef>
+          <a:spcPct val="20000"/>
+        </a:spcBef>
+        <a:spcAft>
+          <a:spcPts val="600"/>
+        </a:spcAft>
+        <a:buClr>
+          <a:schemeClr val="accent1">
+            <a:lumMod val="75000"/>
+          </a:schemeClr>
+        </a:buClr>
+        <a:buSzPct val="145000"/>
+        <a:buFont typeface="Arial"/>
+        <a:buChar char="•"/>
+        <a:defRPr sz="1800" kern="1200" cap="none">
+          <a:solidFill>
+            <a:schemeClr val="tx1"/>
+          </a:solidFill>
+          <a:effectLst/>
+          <a:latin typeface="+mn-lt"/>
+          <a:ea typeface="+mn-ea"/>
+          <a:cs typeface="+mn-cs"/>
+        </a:defRPr>
+      </a:lvl3pPr>
+      <a:lvl4pPr marL="1543050" indent="-171450" algn="l" defTabSz="457200" rtl="0" eaLnBrk="1" latinLnBrk="0" hangingPunct="1">
+        <a:spcBef>
+          <a:spcPct val="20000"/>
+        </a:spcBef>
+        <a:spcAft>
+          <a:spcPts val="600"/>
+        </a:spcAft>
+        <a:buClr>
+          <a:schemeClr val="accent1">
+            <a:lumMod val="75000"/>
+          </a:schemeClr>
+        </a:buClr>
+        <a:buSzPct val="145000"/>
+        <a:buFont typeface="Arial"/>
+        <a:buChar char="•"/>
+        <a:defRPr sz="1600" kern="1200" cap="none">
+          <a:solidFill>
+            <a:schemeClr val="tx1"/>
+          </a:solidFill>
+          <a:effectLst/>
+          <a:latin typeface="+mn-lt"/>
+          <a:ea typeface="+mn-ea"/>
+          <a:cs typeface="+mn-cs"/>
+        </a:defRPr>
+      </a:lvl4pPr>
+      <a:lvl5pPr marL="2000250" indent="-171450" algn="l" defTabSz="457200" rtl="0" eaLnBrk="1" latinLnBrk="0" hangingPunct="1">
+        <a:spcBef>
+          <a:spcPct val="20000"/>
+        </a:spcBef>
+        <a:spcAft>
+          <a:spcPts val="600"/>
+        </a:spcAft>
+        <a:buClr>
+          <a:schemeClr val="accent1">
+            <a:lumMod val="75000"/>
+          </a:schemeClr>
+        </a:buClr>
+        <a:buSzPct val="145000"/>
+        <a:buFont typeface="Arial"/>
+        <a:buChar char="•"/>
+        <a:defRPr sz="1400" kern="1200" cap="none">
+          <a:solidFill>
+            <a:schemeClr val="tx1"/>
+          </a:solidFill>
+          <a:effectLst/>
+          <a:latin typeface="+mn-lt"/>
+          <a:ea typeface="+mn-ea"/>
+          <a:cs typeface="+mn-cs"/>
+        </a:defRPr>
+      </a:lvl5pPr>
+      <a:lvl6pPr marL="2514600" indent="-228600" algn="l" defTabSz="457200" rtl="0" eaLnBrk="1" latinLnBrk="0" hangingPunct="1">
+        <a:spcBef>
+          <a:spcPct val="20000"/>
+        </a:spcBef>
+        <a:spcAft>
+          <a:spcPts val="600"/>
+        </a:spcAft>
+        <a:buClr>
+          <a:schemeClr val="accent1">
+            <a:lumMod val="75000"/>
+          </a:schemeClr>
+        </a:buClr>
+        <a:buSzPct val="145000"/>
+        <a:buFont typeface="Arial"/>
+        <a:buChar char="•"/>
+        <a:defRPr sz="1400" kern="1200" cap="none">
+          <a:solidFill>
+            <a:schemeClr val="tx1"/>
+          </a:solidFill>
+          <a:effectLst/>
+          <a:latin typeface="+mn-lt"/>
+          <a:ea typeface="+mn-ea"/>
+          <a:cs typeface="+mn-cs"/>
+        </a:defRPr>
+      </a:lvl6pPr>
+      <a:lvl7pPr marL="2971800" indent="-228600" algn="l" defTabSz="457200" rtl="0" eaLnBrk="1" latinLnBrk="0" hangingPunct="1">
+        <a:spcBef>
+          <a:spcPct val="20000"/>
+        </a:spcBef>
+        <a:spcAft>
+          <a:spcPts val="600"/>
+        </a:spcAft>
+        <a:buClr>
+          <a:schemeClr val="accent1">
+            <a:lumMod val="75000"/>
+          </a:schemeClr>
+        </a:buClr>
+        <a:buSzPct val="145000"/>
+        <a:buFont typeface="Arial"/>
+        <a:buChar char="•"/>
+        <a:defRPr sz="1400" kern="1200" cap="none">
+          <a:solidFill>
+            <a:schemeClr val="tx1"/>
+          </a:solidFill>
+          <a:effectLst/>
+          <a:latin typeface="+mn-lt"/>
+          <a:ea typeface="+mn-ea"/>
+          <a:cs typeface="+mn-cs"/>
+        </a:defRPr>
+      </a:lvl7pPr>
+      <a:lvl8pPr marL="3429000" indent="-228600" algn="l" defTabSz="457200" rtl="0" eaLnBrk="1" latinLnBrk="0" hangingPunct="1">
+        <a:spcBef>
+          <a:spcPct val="20000"/>
+        </a:spcBef>
+        <a:spcAft>
+          <a:spcPts val="600"/>
+        </a:spcAft>
+        <a:buClr>
+          <a:schemeClr val="accent1">
+            <a:lumMod val="75000"/>
+          </a:schemeClr>
+        </a:buClr>
+        <a:buSzPct val="145000"/>
+        <a:buFont typeface="Arial"/>
+        <a:buChar char="•"/>
+        <a:defRPr sz="1400" kern="1200" cap="none">
+          <a:solidFill>
+            <a:schemeClr val="tx1"/>
+          </a:solidFill>
+          <a:effectLst/>
+          <a:latin typeface="+mn-lt"/>
+          <a:ea typeface="+mn-ea"/>
+          <a:cs typeface="+mn-cs"/>
+        </a:defRPr>
+      </a:lvl8pPr>
+      <a:lvl9pPr marL="3886200" indent="-228600" algn="l" defTabSz="457200" rtl="0" eaLnBrk="1" latinLnBrk="0" hangingPunct="1">
+        <a:spcBef>
+          <a:spcPct val="20000"/>
+        </a:spcBef>
+        <a:spcAft>
+          <a:spcPts val="600"/>
+        </a:spcAft>
+        <a:buClr>
+          <a:schemeClr val="accent1">
+            <a:lumMod val="75000"/>
+          </a:schemeClr>
+        </a:buClr>
+        <a:buSzPct val="145000"/>
+        <a:buFont typeface="Arial"/>
+        <a:buChar char="•"/>
+        <a:defRPr sz="1400" kern="1200" cap="none">
+          <a:solidFill>
+            <a:schemeClr val="tx1"/>
+          </a:solidFill>
+          <a:effectLst/>
+          <a:latin typeface="+mn-lt"/>
+          <a:ea typeface="+mn-ea"/>
+          <a:cs typeface="+mn-cs"/>
+        </a:defRPr>
+      </a:lvl9pPr>
+    </p:bodyStyle>
+    <p:otherStyle>
+      <a:defPPr>
+        <a:defRPr lang="en-US"/>
+      </a:defPPr>
+      <a:lvl1pPr marL="0" algn="l" defTabSz="457200" rtl="0" eaLnBrk="1" latinLnBrk="0" hangingPunct="1">
+        <a:defRPr sz="1800" kern="1200">
           <a:solidFill>
             <a:schemeClr val="tx1"/>
           </a:solidFill>
@@ -2722,16 +6049,8 @@
           <a:cs typeface="+mn-cs"/>
         </a:defRPr>
       </a:lvl1pPr>
-      <a:lvl2pPr marL="685800" indent="-228600" algn="l" defTabSz="914400" rtl="0" eaLnBrk="1" latinLnBrk="0" hangingPunct="1">
-        <a:lnSpc>
-          <a:spcPct val="90000"/>
-        </a:lnSpc>
-        <a:spcBef>
-          <a:spcPts val="500"/>
-        </a:spcBef>
-        <a:buFont typeface="Arial" panose="020B0604020202020204" pitchFamily="34" charset="0"/>
-        <a:buChar char="•"/>
-        <a:defRPr sz="2400" kern="1200">
+      <a:lvl2pPr marL="457200" algn="l" defTabSz="457200" rtl="0" eaLnBrk="1" latinLnBrk="0" hangingPunct="1">
+        <a:defRPr sz="1800" kern="1200">
           <a:solidFill>
             <a:schemeClr val="tx1"/>
           </a:solidFill>
@@ -2740,16 +6059,8 @@
           <a:cs typeface="+mn-cs"/>
         </a:defRPr>
       </a:lvl2pPr>
-      <a:lvl3pPr marL="1143000" indent="-228600" algn="l" defTabSz="914400" rtl="0" eaLnBrk="1" latinLnBrk="0" hangingPunct="1">
-        <a:lnSpc>
-          <a:spcPct val="90000"/>
-        </a:lnSpc>
-        <a:spcBef>
-          <a:spcPts val="500"/>
-        </a:spcBef>
-        <a:buFont typeface="Arial" panose="020B0604020202020204" pitchFamily="34" charset="0"/>
-        <a:buChar char="•"/>
-        <a:defRPr sz="2000" kern="1200">
+      <a:lvl3pPr marL="914400" algn="l" defTabSz="457200" rtl="0" eaLnBrk="1" latinLnBrk="0" hangingPunct="1">
+        <a:defRPr sz="1800" kern="1200">
           <a:solidFill>
             <a:schemeClr val="tx1"/>
           </a:solidFill>
@@ -2758,15 +6069,7 @@
           <a:cs typeface="+mn-cs"/>
         </a:defRPr>
       </a:lvl3pPr>
-      <a:lvl4pPr marL="1600200" indent="-228600" algn="l" defTabSz="914400" rtl="0" eaLnBrk="1" latinLnBrk="0" hangingPunct="1">
-        <a:lnSpc>
-          <a:spcPct val="90000"/>
-        </a:lnSpc>
-        <a:spcBef>
-          <a:spcPts val="500"/>
-        </a:spcBef>
-        <a:buFont typeface="Arial" panose="020B0604020202020204" pitchFamily="34" charset="0"/>
-        <a:buChar char="•"/>
+      <a:lvl4pPr marL="1371600" algn="l" defTabSz="457200" rtl="0" eaLnBrk="1" latinLnBrk="0" hangingPunct="1">
         <a:defRPr sz="1800" kern="1200">
           <a:solidFill>
             <a:schemeClr val="tx1"/>
@@ -2776,15 +6079,7 @@
           <a:cs typeface="+mn-cs"/>
         </a:defRPr>
       </a:lvl4pPr>
-      <a:lvl5pPr marL="2057400" indent="-228600" algn="l" defTabSz="914400" rtl="0" eaLnBrk="1" latinLnBrk="0" hangingPunct="1">
-        <a:lnSpc>
-          <a:spcPct val="90000"/>
-        </a:lnSpc>
-        <a:spcBef>
-          <a:spcPts val="500"/>
-        </a:spcBef>
-        <a:buFont typeface="Arial" panose="020B0604020202020204" pitchFamily="34" charset="0"/>
-        <a:buChar char="•"/>
+      <a:lvl5pPr marL="1828800" algn="l" defTabSz="457200" rtl="0" eaLnBrk="1" latinLnBrk="0" hangingPunct="1">
         <a:defRPr sz="1800" kern="1200">
           <a:solidFill>
             <a:schemeClr val="tx1"/>
@@ -2794,15 +6089,7 @@
           <a:cs typeface="+mn-cs"/>
         </a:defRPr>
       </a:lvl5pPr>
-      <a:lvl6pPr marL="2514600" indent="-228600" algn="l" defTabSz="914400" rtl="0" eaLnBrk="1" latinLnBrk="0" hangingPunct="1">
-        <a:lnSpc>
-          <a:spcPct val="90000"/>
-        </a:lnSpc>
-        <a:spcBef>
-          <a:spcPts val="500"/>
-        </a:spcBef>
-        <a:buFont typeface="Arial" panose="020B0604020202020204" pitchFamily="34" charset="0"/>
-        <a:buChar char="•"/>
+      <a:lvl6pPr marL="2286000" algn="l" defTabSz="457200" rtl="0" eaLnBrk="1" latinLnBrk="0" hangingPunct="1">
         <a:defRPr sz="1800" kern="1200">
           <a:solidFill>
             <a:schemeClr val="tx1"/>
@@ -2812,15 +6099,7 @@
           <a:cs typeface="+mn-cs"/>
         </a:defRPr>
       </a:lvl6pPr>
-      <a:lvl7pPr marL="2971800" indent="-228600" algn="l" defTabSz="914400" rtl="0" eaLnBrk="1" latinLnBrk="0" hangingPunct="1">
-        <a:lnSpc>
-          <a:spcPct val="90000"/>
-        </a:lnSpc>
-        <a:spcBef>
-          <a:spcPts val="500"/>
-        </a:spcBef>
-        <a:buFont typeface="Arial" panose="020B0604020202020204" pitchFamily="34" charset="0"/>
-        <a:buChar char="•"/>
+      <a:lvl7pPr marL="2743200" algn="l" defTabSz="457200" rtl="0" eaLnBrk="1" latinLnBrk="0" hangingPunct="1">
         <a:defRPr sz="1800" kern="1200">
           <a:solidFill>
             <a:schemeClr val="tx1"/>
@@ -2830,15 +6109,7 @@
           <a:cs typeface="+mn-cs"/>
         </a:defRPr>
       </a:lvl7pPr>
-      <a:lvl8pPr marL="3429000" indent="-228600" algn="l" defTabSz="914400" rtl="0" eaLnBrk="1" latinLnBrk="0" hangingPunct="1">
-        <a:lnSpc>
-          <a:spcPct val="90000"/>
-        </a:lnSpc>
-        <a:spcBef>
-          <a:spcPts val="500"/>
-        </a:spcBef>
-        <a:buFont typeface="Arial" panose="020B0604020202020204" pitchFamily="34" charset="0"/>
-        <a:buChar char="•"/>
+      <a:lvl8pPr marL="3200400" algn="l" defTabSz="457200" rtl="0" eaLnBrk="1" latinLnBrk="0" hangingPunct="1">
         <a:defRPr sz="1800" kern="1200">
           <a:solidFill>
             <a:schemeClr val="tx1"/>
@@ -2848,110 +6119,7 @@
           <a:cs typeface="+mn-cs"/>
         </a:defRPr>
       </a:lvl8pPr>
-      <a:lvl9pPr marL="3886200" indent="-228600" algn="l" defTabSz="914400" rtl="0" eaLnBrk="1" latinLnBrk="0" hangingPunct="1">
-        <a:lnSpc>
-          <a:spcPct val="90000"/>
-        </a:lnSpc>
-        <a:spcBef>
-          <a:spcPts val="500"/>
-        </a:spcBef>
-        <a:buFont typeface="Arial" panose="020B0604020202020204" pitchFamily="34" charset="0"/>
-        <a:buChar char="•"/>
-        <a:defRPr sz="1800" kern="1200">
-          <a:solidFill>
-            <a:schemeClr val="tx1"/>
-          </a:solidFill>
-          <a:latin typeface="+mn-lt"/>
-          <a:ea typeface="+mn-ea"/>
-          <a:cs typeface="+mn-cs"/>
-        </a:defRPr>
-      </a:lvl9pPr>
-    </p:bodyStyle>
-    <p:otherStyle>
-      <a:defPPr>
-        <a:defRPr lang="fr-FR"/>
-      </a:defPPr>
-      <a:lvl1pPr marL="0" algn="l" defTabSz="914400" rtl="0" eaLnBrk="1" latinLnBrk="0" hangingPunct="1">
-        <a:defRPr sz="1800" kern="1200">
-          <a:solidFill>
-            <a:schemeClr val="tx1"/>
-          </a:solidFill>
-          <a:latin typeface="+mn-lt"/>
-          <a:ea typeface="+mn-ea"/>
-          <a:cs typeface="+mn-cs"/>
-        </a:defRPr>
-      </a:lvl1pPr>
-      <a:lvl2pPr marL="457200" algn="l" defTabSz="914400" rtl="0" eaLnBrk="1" latinLnBrk="0" hangingPunct="1">
-        <a:defRPr sz="1800" kern="1200">
-          <a:solidFill>
-            <a:schemeClr val="tx1"/>
-          </a:solidFill>
-          <a:latin typeface="+mn-lt"/>
-          <a:ea typeface="+mn-ea"/>
-          <a:cs typeface="+mn-cs"/>
-        </a:defRPr>
-      </a:lvl2pPr>
-      <a:lvl3pPr marL="914400" algn="l" defTabSz="914400" rtl="0" eaLnBrk="1" latinLnBrk="0" hangingPunct="1">
-        <a:defRPr sz="1800" kern="1200">
-          <a:solidFill>
-            <a:schemeClr val="tx1"/>
-          </a:solidFill>
-          <a:latin typeface="+mn-lt"/>
-          <a:ea typeface="+mn-ea"/>
-          <a:cs typeface="+mn-cs"/>
-        </a:defRPr>
-      </a:lvl3pPr>
-      <a:lvl4pPr marL="1371600" algn="l" defTabSz="914400" rtl="0" eaLnBrk="1" latinLnBrk="0" hangingPunct="1">
-        <a:defRPr sz="1800" kern="1200">
-          <a:solidFill>
-            <a:schemeClr val="tx1"/>
-          </a:solidFill>
-          <a:latin typeface="+mn-lt"/>
-          <a:ea typeface="+mn-ea"/>
-          <a:cs typeface="+mn-cs"/>
-        </a:defRPr>
-      </a:lvl4pPr>
-      <a:lvl5pPr marL="1828800" algn="l" defTabSz="914400" rtl="0" eaLnBrk="1" latinLnBrk="0" hangingPunct="1">
-        <a:defRPr sz="1800" kern="1200">
-          <a:solidFill>
-            <a:schemeClr val="tx1"/>
-          </a:solidFill>
-          <a:latin typeface="+mn-lt"/>
-          <a:ea typeface="+mn-ea"/>
-          <a:cs typeface="+mn-cs"/>
-        </a:defRPr>
-      </a:lvl5pPr>
-      <a:lvl6pPr marL="2286000" algn="l" defTabSz="914400" rtl="0" eaLnBrk="1" latinLnBrk="0" hangingPunct="1">
-        <a:defRPr sz="1800" kern="1200">
-          <a:solidFill>
-            <a:schemeClr val="tx1"/>
-          </a:solidFill>
-          <a:latin typeface="+mn-lt"/>
-          <a:ea typeface="+mn-ea"/>
-          <a:cs typeface="+mn-cs"/>
-        </a:defRPr>
-      </a:lvl6pPr>
-      <a:lvl7pPr marL="2743200" algn="l" defTabSz="914400" rtl="0" eaLnBrk="1" latinLnBrk="0" hangingPunct="1">
-        <a:defRPr sz="1800" kern="1200">
-          <a:solidFill>
-            <a:schemeClr val="tx1"/>
-          </a:solidFill>
-          <a:latin typeface="+mn-lt"/>
-          <a:ea typeface="+mn-ea"/>
-          <a:cs typeface="+mn-cs"/>
-        </a:defRPr>
-      </a:lvl7pPr>
-      <a:lvl8pPr marL="3200400" algn="l" defTabSz="914400" rtl="0" eaLnBrk="1" latinLnBrk="0" hangingPunct="1">
-        <a:defRPr sz="1800" kern="1200">
-          <a:solidFill>
-            <a:schemeClr val="tx1"/>
-          </a:solidFill>
-          <a:latin typeface="+mn-lt"/>
-          <a:ea typeface="+mn-ea"/>
-          <a:cs typeface="+mn-cs"/>
-        </a:defRPr>
-      </a:lvl8pPr>
-      <a:lvl9pPr marL="3657600" algn="l" defTabSz="914400" rtl="0" eaLnBrk="1" latinLnBrk="0" hangingPunct="1">
+      <a:lvl9pPr marL="3657600" algn="l" defTabSz="457200" rtl="0" eaLnBrk="1" latinLnBrk="0" hangingPunct="1">
         <a:defRPr sz="1800" kern="1200">
           <a:solidFill>
             <a:schemeClr val="tx1"/>
@@ -3028,7 +6196,7 @@
         <p:spPr/>
         <p:txBody>
           <a:bodyPr>
-            <a:normAutofit lnSpcReduction="10000"/>
+            <a:normAutofit fontScale="85000" lnSpcReduction="20000"/>
           </a:bodyPr>
           <a:lstStyle/>
           <a:p>
@@ -3160,125 +6328,131 @@
         </p:nvSpPr>
         <p:spPr>
           <a:xfrm>
-            <a:off x="838200" y="1825625"/>
-            <a:ext cx="10515600" cy="3861072"/>
+            <a:off x="2778034" y="1825625"/>
+            <a:ext cx="8575766" cy="3861072"/>
           </a:xfrm>
         </p:spPr>
         <p:txBody>
           <a:bodyPr>
-            <a:normAutofit fontScale="92500" lnSpcReduction="20000"/>
+            <a:normAutofit fontScale="40000" lnSpcReduction="20000"/>
           </a:bodyPr>
           <a:lstStyle/>
           <a:p>
-            <a:r>
-              <a:rPr lang="fr-FR" dirty="0" smtClean="0"/>
+            <a:endParaRPr lang="fr-FR" dirty="0" smtClean="0"/>
+          </a:p>
+          <a:p>
+            <a:endParaRPr lang="fr-FR" dirty="0"/>
+          </a:p>
+          <a:p>
+            <a:r>
+              <a:rPr lang="fr-FR" sz="3300" dirty="0" smtClean="0"/>
               <a:t>Inscription</a:t>
             </a:r>
+            <a:endParaRPr lang="fr-FR" sz="3300" dirty="0" smtClean="0"/>
           </a:p>
           <a:p>
             <a:pPr lvl="1"/>
             <a:r>
-              <a:rPr lang="fr-FR" dirty="0" smtClean="0"/>
+              <a:rPr lang="fr-FR" sz="3300" dirty="0" smtClean="0"/>
               <a:t>Via cette page web </a:t>
             </a:r>
           </a:p>
           <a:p>
             <a:pPr lvl="2"/>
             <a:r>
-              <a:rPr lang="fr-FR" dirty="0" smtClean="0"/>
+              <a:rPr lang="fr-FR" sz="3300" dirty="0" smtClean="0"/>
               <a:t>Site vitrine </a:t>
             </a:r>
             <a:r>
-              <a:rPr lang="fr-FR" dirty="0" smtClean="0">
+              <a:rPr lang="fr-FR" sz="3300" dirty="0" smtClean="0">
                 <a:sym typeface="Wingdings" panose="05000000000000000000" pitchFamily="2" charset="2"/>
               </a:rPr>
               <a:t> </a:t>
             </a:r>
             <a:r>
-              <a:rPr lang="fr-FR" dirty="0" smtClean="0">
+              <a:rPr lang="fr-FR" sz="3300" dirty="0" smtClean="0">
                 <a:hlinkClick r:id="rId2"/>
               </a:rPr>
               <a:t>http://concours-prog-unice.890m.com/</a:t>
             </a:r>
-            <a:endParaRPr lang="fr-FR" dirty="0" smtClean="0"/>
+            <a:endParaRPr lang="fr-FR" sz="3300" dirty="0" smtClean="0"/>
           </a:p>
           <a:p>
             <a:pPr lvl="2"/>
             <a:r>
-              <a:rPr lang="fr-FR" dirty="0" smtClean="0"/>
+              <a:rPr lang="fr-FR" sz="3300" dirty="0" smtClean="0"/>
               <a:t>Communication</a:t>
             </a:r>
           </a:p>
           <a:p>
             <a:pPr lvl="1"/>
             <a:r>
-              <a:rPr lang="fr-FR" dirty="0" smtClean="0"/>
+              <a:rPr lang="fr-FR" sz="3300" dirty="0" smtClean="0"/>
               <a:t>40 </a:t>
             </a:r>
             <a:r>
-              <a:rPr lang="fr-FR" dirty="0"/>
+              <a:rPr lang="fr-FR" sz="3300" dirty="0"/>
               <a:t>étudiants </a:t>
             </a:r>
             <a:r>
-              <a:rPr lang="fr-FR" dirty="0" smtClean="0"/>
+              <a:rPr lang="fr-FR" sz="3300" dirty="0" smtClean="0"/>
               <a:t>inscrits</a:t>
             </a:r>
           </a:p>
           <a:p>
             <a:pPr lvl="1"/>
             <a:r>
-              <a:rPr lang="fr-FR" dirty="0" smtClean="0"/>
+              <a:rPr lang="fr-FR" sz="3300" dirty="0" smtClean="0"/>
               <a:t>Par niveau (L1 avec L1 …)</a:t>
             </a:r>
           </a:p>
           <a:p>
             <a:r>
-              <a:rPr lang="fr-FR" dirty="0" smtClean="0"/>
+              <a:rPr lang="fr-FR" sz="3300" dirty="0" smtClean="0"/>
               <a:t>Modalités</a:t>
             </a:r>
           </a:p>
           <a:p>
             <a:pPr lvl="1"/>
             <a:r>
-              <a:rPr lang="fr-FR" dirty="0" smtClean="0"/>
+              <a:rPr lang="fr-FR" sz="3300" dirty="0" smtClean="0"/>
               <a:t>Groupe : 4 étudiants max</a:t>
             </a:r>
           </a:p>
           <a:p>
             <a:pPr lvl="1"/>
             <a:r>
-              <a:rPr lang="fr-FR" dirty="0" smtClean="0"/>
+              <a:rPr lang="fr-FR" sz="3300" dirty="0" smtClean="0"/>
               <a:t>Plusieurs langages (R - C - C++ - Java </a:t>
             </a:r>
             <a:r>
-              <a:rPr lang="fr-FR" dirty="0"/>
+              <a:rPr lang="fr-FR" sz="3300" dirty="0"/>
               <a:t>-</a:t>
             </a:r>
             <a:r>
-              <a:rPr lang="fr-FR" dirty="0" smtClean="0"/>
+              <a:rPr lang="fr-FR" sz="3300" dirty="0" smtClean="0"/>
               <a:t> Python)</a:t>
             </a:r>
           </a:p>
           <a:p>
             <a:pPr lvl="1"/>
             <a:r>
-              <a:rPr lang="fr-FR" dirty="0" smtClean="0"/>
+              <a:rPr lang="fr-FR" sz="3300" dirty="0" smtClean="0"/>
               <a:t>Le vainqueur: le + de problèmes , le + vite</a:t>
             </a:r>
           </a:p>
           <a:p>
             <a:pPr lvl="1"/>
             <a:r>
-              <a:rPr lang="fr-FR" dirty="0" smtClean="0"/>
+              <a:rPr lang="fr-FR" sz="3300" dirty="0" smtClean="0"/>
               <a:t>Récompenses</a:t>
             </a:r>
           </a:p>
           <a:p>
             <a:r>
-              <a:rPr lang="fr-FR" dirty="0" smtClean="0"/>
+              <a:rPr lang="fr-FR" sz="3300" dirty="0" smtClean="0"/>
               <a:t>Résultats</a:t>
             </a:r>
-            <a:endParaRPr lang="fr-FR" dirty="0" smtClean="0"/>
           </a:p>
           <a:p>
             <a:endParaRPr lang="fr-FR" dirty="0" smtClean="0"/>
@@ -3478,7 +6652,9 @@
         </p:nvSpPr>
         <p:spPr/>
         <p:txBody>
-          <a:bodyPr/>
+          <a:bodyPr>
+            <a:normAutofit fontScale="85000" lnSpcReduction="20000"/>
+          </a:bodyPr>
           <a:lstStyle/>
           <a:p>
             <a:r>
@@ -3504,11 +6680,7 @@
             <a:pPr lvl="1"/>
             <a:r>
               <a:rPr lang="fr-FR" dirty="0" smtClean="0"/>
-              <a:t>Correction cas </a:t>
-            </a:r>
-            <a:r>
-              <a:rPr lang="fr-FR" dirty="0" smtClean="0"/>
-              <a:t>limites</a:t>
+              <a:t>Correction cas limites</a:t>
             </a:r>
           </a:p>
           <a:p>
@@ -3532,7 +6704,6 @@
               <a:rPr lang="fr-FR" dirty="0" smtClean="0"/>
               <a:t>Et sans 42</a:t>
             </a:r>
-            <a:endParaRPr lang="fr-FR" dirty="0" smtClean="0"/>
           </a:p>
           <a:p>
             <a:pPr marL="457200" lvl="1" indent="0">
@@ -3841,11 +7012,7 @@
           <a:p>
             <a:r>
               <a:rPr lang="fr-FR" dirty="0" smtClean="0"/>
-              <a:t>Notre travail != </a:t>
-            </a:r>
-            <a:r>
-              <a:rPr lang="fr-FR" dirty="0" smtClean="0"/>
-              <a:t>monographique </a:t>
+              <a:t>Notre travail != monographique </a:t>
             </a:r>
             <a:r>
               <a:rPr lang="fr-FR" dirty="0" err="1" smtClean="0"/>
@@ -3880,7 +7047,6 @@
               <a:rPr lang="fr-FR" dirty="0" smtClean="0"/>
               <a:t> / </a:t>
             </a:r>
-            <a:endParaRPr lang="fr-FR" dirty="0" smtClean="0"/>
           </a:p>
         </p:txBody>
       </p:sp>
@@ -3956,7 +7122,9 @@
         </p:nvSpPr>
         <p:spPr/>
         <p:txBody>
-          <a:bodyPr/>
+          <a:bodyPr>
+            <a:normAutofit fontScale="70000" lnSpcReduction="20000"/>
+          </a:bodyPr>
           <a:lstStyle/>
           <a:p>
             <a:r>
@@ -3969,7 +7137,6 @@
               <a:rPr lang="fr-FR" dirty="0" smtClean="0"/>
               <a:t>Principe d’un concours</a:t>
             </a:r>
-            <a:endParaRPr lang="fr-FR" dirty="0" smtClean="0"/>
           </a:p>
           <a:p>
             <a:r>
@@ -3982,7 +7149,6 @@
               <a:rPr lang="fr-FR" dirty="0" smtClean="0"/>
               <a:t>Infrastructures : déploiement PC²</a:t>
             </a:r>
-            <a:endParaRPr lang="fr-FR" dirty="0" smtClean="0"/>
           </a:p>
           <a:p>
             <a:r>
@@ -4094,17 +7260,13 @@
         <p:spPr/>
         <p:txBody>
           <a:bodyPr>
-            <a:normAutofit fontScale="77500" lnSpcReduction="20000"/>
+            <a:normAutofit fontScale="47500" lnSpcReduction="20000"/>
           </a:bodyPr>
           <a:lstStyle/>
           <a:p>
             <a:r>
               <a:rPr lang="fr-FR" dirty="0" smtClean="0"/>
-              <a:t>Organiser un concours de programmation au sein de </a:t>
-            </a:r>
-            <a:r>
-              <a:rPr lang="fr-FR" dirty="0" smtClean="0"/>
-              <a:t>l’université </a:t>
+              <a:t>Organiser un concours de programmation au sein de l’université </a:t>
             </a:r>
           </a:p>
           <a:p>
@@ -4141,11 +7303,7 @@
           <a:p>
             <a:r>
               <a:rPr lang="fr-FR" dirty="0" smtClean="0"/>
-              <a:t>Motivation : notions </a:t>
-            </a:r>
-            <a:r>
-              <a:rPr lang="fr-FR" dirty="0" smtClean="0"/>
-              <a:t>transversales </a:t>
+              <a:t>Motivation : notions transversales </a:t>
             </a:r>
           </a:p>
           <a:p>
@@ -4195,7 +7353,6 @@
               <a:rPr lang="fr-FR" dirty="0" smtClean="0"/>
               <a:t>Long terme  : participation d’un équipe au concours ACM + devenir centre d’examen </a:t>
             </a:r>
-            <a:endParaRPr lang="fr-FR" dirty="0" smtClean="0"/>
           </a:p>
           <a:p>
             <a:pPr lvl="1"/>
@@ -4311,15 +7468,10 @@
             <p:ph idx="1"/>
           </p:nvPr>
         </p:nvSpPr>
-        <p:spPr>
-          <a:xfrm>
-            <a:off x="838200" y="1825625"/>
-            <a:ext cx="10515600" cy="4351338"/>
-          </a:xfrm>
-        </p:spPr>
+        <p:spPr/>
         <p:txBody>
           <a:bodyPr>
-            <a:normAutofit fontScale="92500" lnSpcReduction="20000"/>
+            <a:normAutofit fontScale="62500" lnSpcReduction="20000"/>
           </a:bodyPr>
           <a:lstStyle/>
           <a:p>
@@ -4337,11 +7489,7 @@
           <a:p>
             <a:r>
               <a:rPr lang="fr-FR" dirty="0" smtClean="0"/>
-              <a:t>Divers langages </a:t>
-            </a:r>
-            <a:r>
-              <a:rPr lang="fr-FR" dirty="0" smtClean="0"/>
-              <a:t>proposés</a:t>
+              <a:t>Divers langages proposés</a:t>
             </a:r>
           </a:p>
           <a:p>
@@ -4365,7 +7513,6 @@
               <a:rPr lang="fr-FR" dirty="0" smtClean="0"/>
               <a:t> de donnée, entrées &amp; sorties basique </a:t>
             </a:r>
-            <a:endParaRPr lang="fr-FR" dirty="0" smtClean="0"/>
           </a:p>
           <a:p>
             <a:endParaRPr lang="fr-FR" dirty="0"/>
@@ -4379,13 +7526,7 @@
               <a:rPr lang="fr-FR" dirty="0" smtClean="0">
                 <a:sym typeface="Wingdings" panose="05000000000000000000" pitchFamily="2" charset="2"/>
               </a:rPr>
-              <a:t> culture générale et autres.. pour les étudiants et </a:t>
-            </a:r>
-            <a:r>
-              <a:rPr lang="fr-FR" dirty="0" smtClean="0">
-                <a:sym typeface="Wingdings" panose="05000000000000000000" pitchFamily="2" charset="2"/>
-              </a:rPr>
-              <a:t>autre</a:t>
+              <a:t> culture générale et autres.. pour les étudiants et autre</a:t>
             </a:r>
           </a:p>
           <a:p>
@@ -4544,7 +7685,7 @@
         <p:spPr/>
         <p:txBody>
           <a:bodyPr>
-            <a:normAutofit lnSpcReduction="10000"/>
+            <a:normAutofit fontScale="70000" lnSpcReduction="20000"/>
           </a:bodyPr>
           <a:lstStyle/>
           <a:p>
@@ -4556,17 +7697,8 @@
           <a:p>
             <a:r>
               <a:rPr lang="fr-FR" dirty="0" smtClean="0"/>
-              <a:t>Types </a:t>
-            </a:r>
-            <a:r>
-              <a:rPr lang="fr-FR" dirty="0" smtClean="0"/>
-              <a:t>de </a:t>
-            </a:r>
-            <a:r>
-              <a:rPr lang="fr-FR" dirty="0" smtClean="0"/>
-              <a:t>problèmes (+différencier le niveau)</a:t>
-            </a:r>
-            <a:endParaRPr lang="fr-FR" dirty="0" smtClean="0"/>
+              <a:t>Types de problèmes (+différencier le niveau)</a:t>
+            </a:r>
           </a:p>
           <a:p>
             <a:pPr lvl="1"/>
@@ -4606,13 +7738,8 @@
             <a:pPr lvl="1"/>
             <a:r>
               <a:rPr lang="fr-FR" dirty="0" smtClean="0"/>
-              <a:t>Faire sur </a:t>
-            </a:r>
-            <a:r>
-              <a:rPr lang="fr-FR" dirty="0" smtClean="0"/>
-              <a:t>feuille : pour que les plus faibles fasse quelque chose. Pour les plus fort les obliger a réfléchir avant de coder.</a:t>
-            </a:r>
-            <a:endParaRPr lang="fr-FR" dirty="0" smtClean="0"/>
+              <a:t>Faire sur feuille : pour que les plus faibles fasse quelque chose. Pour les plus fort les obliger a réfléchir avant de coder.</a:t>
+            </a:r>
           </a:p>
           <a:p>
             <a:pPr lvl="1"/>
@@ -4620,7 +7747,6 @@
               <a:rPr lang="fr-FR" dirty="0" smtClean="0"/>
               <a:t>Coder : implémenté une solution au problème.</a:t>
             </a:r>
-            <a:endParaRPr lang="fr-FR" dirty="0" smtClean="0"/>
           </a:p>
           <a:p>
             <a:pPr lvl="1"/>
@@ -4805,7 +7931,7 @@
         <p:spPr/>
         <p:txBody>
           <a:bodyPr>
-            <a:normAutofit fontScale="92500" lnSpcReduction="20000"/>
+            <a:normAutofit fontScale="55000" lnSpcReduction="20000"/>
           </a:bodyPr>
           <a:lstStyle/>
           <a:p>
@@ -4911,21 +8037,12 @@
               <a:rPr lang="fr-FR" dirty="0" smtClean="0"/>
               <a:t> cette plateforme connu)</a:t>
             </a:r>
-            <a:endParaRPr lang="fr-FR" dirty="0" smtClean="0"/>
           </a:p>
           <a:p>
             <a:pPr lvl="1"/>
             <a:r>
               <a:rPr lang="fr-FR" dirty="0" smtClean="0"/>
-              <a:t>Publication des énoncés </a:t>
-            </a:r>
-            <a:r>
-              <a:rPr lang="fr-FR" dirty="0" smtClean="0"/>
-              <a:t>&amp; aide : </a:t>
-            </a:r>
-            <a:r>
-              <a:rPr lang="fr-FR" dirty="0" smtClean="0"/>
-              <a:t>parseurs</a:t>
+              <a:t>Publication des énoncés &amp; aide : parseurs</a:t>
             </a:r>
           </a:p>
           <a:p>
@@ -5035,7 +8152,7 @@
         <p:spPr/>
         <p:txBody>
           <a:bodyPr>
-            <a:normAutofit fontScale="92500" lnSpcReduction="20000"/>
+            <a:normAutofit fontScale="55000" lnSpcReduction="20000"/>
           </a:bodyPr>
           <a:lstStyle/>
           <a:p>
@@ -5079,11 +8196,7 @@
             <a:pPr lvl="1"/>
             <a:r>
               <a:rPr lang="fr-FR" dirty="0" smtClean="0"/>
-              <a:t>Inscription via one </a:t>
-            </a:r>
-            <a:r>
-              <a:rPr lang="fr-FR" dirty="0" smtClean="0"/>
-              <a:t>Drive</a:t>
+              <a:t>Inscription via one Drive</a:t>
             </a:r>
           </a:p>
           <a:p>
@@ -5127,7 +8240,6 @@
               <a:rPr lang="fr-FR" dirty="0" smtClean="0"/>
               <a:t> hard)</a:t>
             </a:r>
-            <a:endParaRPr lang="fr-FR" dirty="0" smtClean="0"/>
           </a:p>
           <a:p>
             <a:pPr lvl="1"/>
@@ -5256,16 +8368,14 @@
         </p:nvSpPr>
         <p:spPr/>
         <p:txBody>
-          <a:bodyPr/>
-          <a:lstStyle/>
-          <a:p>
-            <a:r>
-              <a:rPr lang="fr-FR" dirty="0" smtClean="0"/>
-              <a:t>Mieux gérer les </a:t>
-            </a:r>
-            <a:r>
-              <a:rPr lang="fr-FR" dirty="0" smtClean="0"/>
-              <a:t>inscriptions</a:t>
+          <a:bodyPr>
+            <a:normAutofit fontScale="92500" lnSpcReduction="20000"/>
+          </a:bodyPr>
+          <a:lstStyle/>
+          <a:p>
+            <a:r>
+              <a:rPr lang="fr-FR" dirty="0" smtClean="0"/>
+              <a:t>Mieux gérer les inscriptions</a:t>
             </a:r>
           </a:p>
           <a:p>
@@ -5273,16 +8383,11 @@
               <a:rPr lang="fr-FR" dirty="0" smtClean="0"/>
               <a:t>Amélioré la gestion des inscriptions de dernière minutes</a:t>
             </a:r>
-            <a:endParaRPr lang="fr-FR" dirty="0" smtClean="0"/>
-          </a:p>
-          <a:p>
-            <a:r>
-              <a:rPr lang="fr-FR" dirty="0" smtClean="0"/>
-              <a:t>Clarté des </a:t>
-            </a:r>
-            <a:r>
-              <a:rPr lang="fr-FR" dirty="0" smtClean="0"/>
-              <a:t>énoncés </a:t>
+          </a:p>
+          <a:p>
+            <a:r>
+              <a:rPr lang="fr-FR" dirty="0" smtClean="0"/>
+              <a:t>Clarté des énoncés </a:t>
             </a:r>
           </a:p>
           <a:p>
@@ -5290,16 +8395,11 @@
               <a:rPr lang="fr-FR" dirty="0" smtClean="0"/>
               <a:t>La rédaction des énonces doit être très soignée</a:t>
             </a:r>
-            <a:endParaRPr lang="fr-FR" dirty="0" smtClean="0"/>
-          </a:p>
-          <a:p>
-            <a:r>
-              <a:rPr lang="fr-FR" dirty="0" smtClean="0"/>
-              <a:t>Tests </a:t>
-            </a:r>
-            <a:r>
-              <a:rPr lang="fr-FR" dirty="0" smtClean="0"/>
-              <a:t>plus robustes et </a:t>
+          </a:p>
+          <a:p>
+            <a:r>
+              <a:rPr lang="fr-FR" dirty="0" smtClean="0"/>
+              <a:t>Tests plus robustes et </a:t>
             </a:r>
             <a:r>
               <a:rPr lang="fr-FR" dirty="0" err="1" smtClean="0"/>
@@ -5325,7 +8425,6 @@
               <a:rPr lang="fr-FR" dirty="0" smtClean="0"/>
               <a:t> de code a distances</a:t>
             </a:r>
-            <a:endParaRPr lang="fr-FR" dirty="0" smtClean="0"/>
           </a:p>
           <a:p>
             <a:endParaRPr lang="fr-FR" dirty="0" smtClean="0"/>
@@ -5353,9 +8452,9 @@
 </file>
 
 <file path=ppt/theme/theme1.xml><?xml version="1.0" encoding="utf-8"?>
-<a:theme xmlns:a="http://schemas.openxmlformats.org/drawingml/2006/main" name="Thème Office">
+<a:theme xmlns:a="http://schemas.openxmlformats.org/drawingml/2006/main" name="Parallaxe">
   <a:themeElements>
-    <a:clrScheme name="Office">
+    <a:clrScheme name="Parallaxe">
       <a:dk1>
         <a:sysClr val="windowText" lastClr="000000"/>
       </a:dk1>
@@ -5363,52 +8462,52 @@
         <a:sysClr val="window" lastClr="FFFFFF"/>
       </a:lt1>
       <a:dk2>
-        <a:srgbClr val="44546A"/>
+        <a:srgbClr val="212121"/>
       </a:dk2>
       <a:lt2>
-        <a:srgbClr val="E7E6E6"/>
+        <a:srgbClr val="CDD0D1"/>
       </a:lt2>
       <a:accent1>
-        <a:srgbClr val="5B9BD5"/>
+        <a:srgbClr val="30ACEC"/>
       </a:accent1>
       <a:accent2>
-        <a:srgbClr val="ED7D31"/>
+        <a:srgbClr val="80C34F"/>
       </a:accent2>
       <a:accent3>
-        <a:srgbClr val="A5A5A5"/>
+        <a:srgbClr val="E29D3E"/>
       </a:accent3>
       <a:accent4>
-        <a:srgbClr val="FFC000"/>
+        <a:srgbClr val="D64A3B"/>
       </a:accent4>
       <a:accent5>
-        <a:srgbClr val="4472C4"/>
+        <a:srgbClr val="D64787"/>
       </a:accent5>
       <a:accent6>
-        <a:srgbClr val="70AD47"/>
+        <a:srgbClr val="A666E1"/>
       </a:accent6>
       <a:hlink>
-        <a:srgbClr val="0563C1"/>
+        <a:srgbClr val="3085ED"/>
       </a:hlink>
       <a:folHlink>
-        <a:srgbClr val="954F72"/>
+        <a:srgbClr val="82B6F4"/>
       </a:folHlink>
     </a:clrScheme>
-    <a:fontScheme name="Office">
+    <a:fontScheme name="Parallaxe">
       <a:majorFont>
-        <a:latin typeface="Calibri Light" panose="020F0302020204030204"/>
+        <a:latin typeface="Corbel" panose="020B0503020204020204"/>
         <a:ea typeface=""/>
         <a:cs typeface=""/>
-        <a:font script="Jpan" typeface="游ゴシック Light"/>
-        <a:font script="Hang" typeface="맑은 고딕"/>
-        <a:font script="Hans" typeface="等线 Light"/>
+        <a:font script="Jpan" typeface="HGｺﾞｼｯｸM"/>
+        <a:font script="Hang" typeface="HY엽서L"/>
+        <a:font script="Hans" typeface="华文楷体"/>
         <a:font script="Hant" typeface="新細明體"/>
-        <a:font script="Arab" typeface="Times New Roman"/>
-        <a:font script="Hebr" typeface="Times New Roman"/>
-        <a:font script="Thai" typeface="Angsana New"/>
+        <a:font script="Arab" typeface="Tahoma"/>
+        <a:font script="Hebr" typeface="Miriam"/>
+        <a:font script="Thai" typeface="DilleniaUPC"/>
         <a:font script="Ethi" typeface="Nyala"/>
         <a:font script="Beng" typeface="Vrinda"/>
         <a:font script="Gujr" typeface="Shruti"/>
-        <a:font script="Khmr" typeface="MoolBoran"/>
+        <a:font script="Khmr" typeface="DaunPenh"/>
         <a:font script="Knda" typeface="Tunga"/>
         <a:font script="Guru" typeface="Raavi"/>
         <a:font script="Cans" typeface="Euphemia"/>
@@ -5425,21 +8524,21 @@
         <a:font script="Laoo" typeface="DokChampa"/>
         <a:font script="Sinh" typeface="Iskoola Pota"/>
         <a:font script="Mong" typeface="Mongolian Baiti"/>
-        <a:font script="Viet" typeface="Times New Roman"/>
+        <a:font script="Viet" typeface="Arial"/>
         <a:font script="Uigh" typeface="Microsoft Uighur"/>
         <a:font script="Geor" typeface="Sylfaen"/>
       </a:majorFont>
       <a:minorFont>
-        <a:latin typeface="Calibri" panose="020F0502020204030204"/>
+        <a:latin typeface="Corbel" panose="020B0503020204020204"/>
         <a:ea typeface=""/>
         <a:cs typeface=""/>
-        <a:font script="Jpan" typeface="游ゴシック"/>
-        <a:font script="Hang" typeface="맑은 고딕"/>
-        <a:font script="Hans" typeface="等线"/>
+        <a:font script="Jpan" typeface="HGｺﾞｼｯｸM"/>
+        <a:font script="Hang" typeface="HY엽서L"/>
+        <a:font script="Hans" typeface="华文楷体"/>
         <a:font script="Hant" typeface="新細明體"/>
-        <a:font script="Arab" typeface="Arial"/>
-        <a:font script="Hebr" typeface="Arial"/>
-        <a:font script="Thai" typeface="Cordia New"/>
+        <a:font script="Arab" typeface="Tahoma"/>
+        <a:font script="Hebr" typeface="Miriam"/>
+        <a:font script="Thai" typeface="DilleniaUPC"/>
         <a:font script="Ethi" typeface="Nyala"/>
         <a:font script="Beng" typeface="Vrinda"/>
         <a:font script="Gujr" typeface="Shruti"/>
@@ -5465,7 +8564,7 @@
         <a:font script="Geor" typeface="Sylfaen"/>
       </a:minorFont>
     </a:fontScheme>
-    <a:fmtScheme name="Office">
+    <a:fmtScheme name="Parallaxe">
       <a:fillStyleLst>
         <a:solidFill>
           <a:schemeClr val="phClr"/>
@@ -5474,23 +8573,13 @@
           <a:gsLst>
             <a:gs pos="0">
               <a:schemeClr val="phClr">
-                <a:lumMod val="110000"/>
-                <a:satMod val="105000"/>
-                <a:tint val="67000"/>
-              </a:schemeClr>
-            </a:gs>
-            <a:gs pos="50000">
-              <a:schemeClr val="phClr">
-                <a:lumMod val="105000"/>
-                <a:satMod val="103000"/>
-                <a:tint val="73000"/>
+                <a:tint val="60000"/>
+                <a:lumMod val="104000"/>
               </a:schemeClr>
             </a:gs>
             <a:gs pos="100000">
               <a:schemeClr val="phClr">
-                <a:lumMod val="105000"/>
-                <a:satMod val="109000"/>
-                <a:tint val="81000"/>
+                <a:tint val="84000"/>
               </a:schemeClr>
             </a:gs>
           </a:gsLst>
@@ -5500,50 +8589,42 @@
           <a:gsLst>
             <a:gs pos="0">
               <a:schemeClr val="phClr">
-                <a:satMod val="103000"/>
+                <a:tint val="96000"/>
                 <a:lumMod val="102000"/>
-                <a:tint val="94000"/>
-              </a:schemeClr>
-            </a:gs>
-            <a:gs pos="50000">
-              <a:schemeClr val="phClr">
-                <a:satMod val="110000"/>
-                <a:lumMod val="100000"/>
-                <a:shade val="100000"/>
               </a:schemeClr>
             </a:gs>
             <a:gs pos="100000">
               <a:schemeClr val="phClr">
-                <a:lumMod val="99000"/>
-                <a:satMod val="120000"/>
-                <a:shade val="78000"/>
+                <a:shade val="88000"/>
+                <a:lumMod val="94000"/>
               </a:schemeClr>
             </a:gs>
           </a:gsLst>
-          <a:lin ang="5400000" scaled="0"/>
+          <a:path path="circle">
+            <a:fillToRect l="50000" t="100000" r="100000" b="50000"/>
+          </a:path>
         </a:gradFill>
       </a:fillStyleLst>
       <a:lnStyleLst>
-        <a:ln w="6350" cap="flat" cmpd="sng" algn="ctr">
+        <a:ln w="9525" cap="rnd" cmpd="sng" algn="ctr">
+          <a:solidFill>
+            <a:schemeClr val="phClr">
+              <a:tint val="60000"/>
+            </a:schemeClr>
+          </a:solidFill>
+          <a:prstDash val="solid"/>
+        </a:ln>
+        <a:ln w="15875" cap="rnd" cmpd="sng" algn="ctr">
           <a:solidFill>
             <a:schemeClr val="phClr"/>
           </a:solidFill>
           <a:prstDash val="solid"/>
-          <a:miter lim="800000"/>
         </a:ln>
-        <a:ln w="12700" cap="flat" cmpd="sng" algn="ctr">
+        <a:ln w="22225" cap="rnd" cmpd="sng" algn="ctr">
           <a:solidFill>
             <a:schemeClr val="phClr"/>
           </a:solidFill>
           <a:prstDash val="solid"/>
-          <a:miter lim="800000"/>
-        </a:ln>
-        <a:ln w="19050" cap="flat" cmpd="sng" algn="ctr">
-          <a:solidFill>
-            <a:schemeClr val="phClr"/>
-          </a:solidFill>
-          <a:prstDash val="solid"/>
-          <a:miter lim="800000"/>
         </a:ln>
       </a:lnStyleLst>
       <a:effectStyleLst>
@@ -5551,55 +8632,68 @@
           <a:effectLst/>
         </a:effectStyle>
         <a:effectStyle>
-          <a:effectLst/>
+          <a:effectLst>
+            <a:reflection blurRad="12700" stA="26000" endPos="32000" dist="12700" dir="5400000" sy="-100000" rotWithShape="0"/>
+          </a:effectLst>
         </a:effectStyle>
         <a:effectStyle>
           <a:effectLst>
-            <a:outerShdw blurRad="57150" dist="19050" dir="5400000" algn="ctr" rotWithShape="0">
+            <a:outerShdw blurRad="38100" dist="25400" dir="5400000" rotWithShape="0">
               <a:srgbClr val="000000">
-                <a:alpha val="63000"/>
+                <a:alpha val="64000"/>
               </a:srgbClr>
             </a:outerShdw>
           </a:effectLst>
+          <a:scene3d>
+            <a:camera prst="orthographicFront">
+              <a:rot lat="0" lon="0" rev="0"/>
+            </a:camera>
+            <a:lightRig rig="threePt" dir="tl">
+              <a:rot lat="0" lon="0" rev="1200000"/>
+            </a:lightRig>
+          </a:scene3d>
+          <a:sp3d>
+            <a:bevelT w="25400" h="12700"/>
+          </a:sp3d>
         </a:effectStyle>
       </a:effectStyleLst>
       <a:bgFillStyleLst>
         <a:solidFill>
           <a:schemeClr val="phClr"/>
         </a:solidFill>
-        <a:solidFill>
-          <a:schemeClr val="phClr">
-            <a:tint val="95000"/>
-            <a:satMod val="170000"/>
-          </a:schemeClr>
-        </a:solidFill>
         <a:gradFill rotWithShape="1">
           <a:gsLst>
             <a:gs pos="0">
               <a:schemeClr val="phClr">
-                <a:tint val="93000"/>
-                <a:satMod val="150000"/>
-                <a:shade val="98000"/>
-                <a:lumMod val="102000"/>
-              </a:schemeClr>
-            </a:gs>
-            <a:gs pos="50000">
-              <a:schemeClr val="phClr">
-                <a:tint val="98000"/>
-                <a:satMod val="130000"/>
-                <a:shade val="90000"/>
-                <a:lumMod val="103000"/>
+                <a:tint val="90000"/>
+                <a:lumMod val="110000"/>
               </a:schemeClr>
             </a:gs>
             <a:gs pos="100000">
               <a:schemeClr val="phClr">
-                <a:shade val="63000"/>
-                <a:satMod val="120000"/>
+                <a:shade val="64000"/>
+                <a:lumMod val="98000"/>
               </a:schemeClr>
             </a:gs>
           </a:gsLst>
           <a:lin ang="5400000" scaled="0"/>
         </a:gradFill>
+        <a:blipFill rotWithShape="1">
+          <a:blip xmlns:r="http://schemas.openxmlformats.org/officeDocument/2006/relationships" r:embed="rId1">
+            <a:duotone>
+              <a:schemeClr val="phClr">
+                <a:shade val="76000"/>
+                <a:satMod val="180000"/>
+              </a:schemeClr>
+              <a:schemeClr val="phClr">
+                <a:tint val="80000"/>
+                <a:satMod val="120000"/>
+                <a:lumMod val="180000"/>
+              </a:schemeClr>
+            </a:duotone>
+          </a:blip>
+          <a:stretch/>
+        </a:blipFill>
       </a:bgFillStyleLst>
     </a:fmtScheme>
   </a:themeElements>
@@ -5607,7 +8701,7 @@
   <a:extraClrSchemeLst/>
   <a:extLst>
     <a:ext uri="{05A4C25C-085E-4340-85A3-A5531E510DB2}">
-      <thm15:themeFamily xmlns:thm15="http://schemas.microsoft.com/office/thememl/2012/main" name="Office Theme" id="{62F939B6-93AF-4DB8-9C6B-D6C7DFDC589F}" vid="{4A3C46E8-61CC-4603-A589-7422A47A8E4A}"/>
+      <thm15:themeFamily xmlns:thm15="http://schemas.microsoft.com/office/thememl/2012/main" name="Parallax" id="{3388167B-A2EB-4685-9635-1831D9AEF8C4}" vid="{4F7A876A-7598-49CA-AFC8-8EDA2551E4A7}"/>
     </a:ext>
   </a:extLst>
 </a:theme>
